--- a/HW8_Canny_BRam/N06-Tutorial/專案進度報告-Canny_VGA-吳東穎-20230607.pptx
+++ b/HW8_Canny_BRam/N06-Tutorial/專案進度報告-Canny_VGA-吳東穎-20230607.pptx
@@ -5,10 +5,10 @@
     <p:sldMasterId id="2147483648" r:id="rId1"/>
   </p:sldMasterIdLst>
   <p:notesMasterIdLst>
-    <p:notesMasterId r:id="rId27"/>
+    <p:notesMasterId r:id="rId28"/>
   </p:notesMasterIdLst>
   <p:handoutMasterIdLst>
-    <p:handoutMasterId r:id="rId28"/>
+    <p:handoutMasterId r:id="rId29"/>
   </p:handoutMasterIdLst>
   <p:sldIdLst>
     <p:sldId id="259" r:id="rId2"/>
@@ -25,17 +25,18 @@
     <p:sldId id="1296" r:id="rId13"/>
     <p:sldId id="1294" r:id="rId14"/>
     <p:sldId id="1301" r:id="rId15"/>
-    <p:sldId id="261" r:id="rId16"/>
-    <p:sldId id="1305" r:id="rId17"/>
-    <p:sldId id="1306" r:id="rId18"/>
-    <p:sldId id="1307" r:id="rId19"/>
-    <p:sldId id="1300" r:id="rId20"/>
-    <p:sldId id="1308" r:id="rId21"/>
-    <p:sldId id="1258" r:id="rId22"/>
-    <p:sldId id="1282" r:id="rId23"/>
-    <p:sldId id="1302" r:id="rId24"/>
-    <p:sldId id="1310" r:id="rId25"/>
-    <p:sldId id="271" r:id="rId26"/>
+    <p:sldId id="1312" r:id="rId16"/>
+    <p:sldId id="261" r:id="rId17"/>
+    <p:sldId id="1305" r:id="rId18"/>
+    <p:sldId id="1306" r:id="rId19"/>
+    <p:sldId id="1307" r:id="rId20"/>
+    <p:sldId id="1300" r:id="rId21"/>
+    <p:sldId id="1308" r:id="rId22"/>
+    <p:sldId id="1258" r:id="rId23"/>
+    <p:sldId id="1282" r:id="rId24"/>
+    <p:sldId id="1302" r:id="rId25"/>
+    <p:sldId id="1310" r:id="rId26"/>
+    <p:sldId id="271" r:id="rId27"/>
   </p:sldIdLst>
   <p:sldSz cx="12192000" cy="6858000"/>
   <p:notesSz cx="6858000" cy="9144000"/>
@@ -181,6 +182,7 @@
             <p14:sldId id="1296"/>
             <p14:sldId id="1294"/>
             <p14:sldId id="1301"/>
+            <p14:sldId id="1312"/>
           </p14:sldIdLst>
         </p14:section>
         <p14:section name="成果展示(2023/6/7)" id="{70DC3051-68F9-4DEC-9A31-AFAFBB0B0227}">
@@ -324,7 +326,7 @@
               <a:rPr lang="zh-TW" altLang="en-US" smtClean="0">
                 <a:ea typeface="標楷體" panose="03000509000000000000" pitchFamily="65" charset="-120"/>
               </a:rPr>
-              <a:t>2023/5/30</a:t>
+              <a:t>2023/6/2</a:t>
             </a:fld>
             <a:endParaRPr lang="zh-TW" altLang="en-US" dirty="0">
               <a:ea typeface="標楷體" panose="03000509000000000000" pitchFamily="65" charset="-120"/>
@@ -502,7 +504,7 @@
             <a:fld id="{2CB905C5-9D54-40E2-B40C-7996280CAB02}" type="datetimeFigureOut">
               <a:rPr lang="zh-TW" altLang="en-US" smtClean="0"/>
               <a:pPr/>
-              <a:t>2023/5/30</a:t>
+              <a:t>2023/6/2</a:t>
             </a:fld>
             <a:endParaRPr lang="zh-TW" altLang="en-US" dirty="0"/>
           </a:p>
@@ -923,7 +925,7 @@
           <a:p>
             <a:fld id="{EF8A6B0B-A5FB-4629-B823-69B1A9EB3A43}" type="slidenum">
               <a:rPr lang="zh-TW" altLang="en-US" smtClean="0"/>
-              <a:t>22</a:t>
+              <a:t>23</a:t>
             </a:fld>
             <a:endParaRPr lang="zh-TW" altLang="en-US"/>
           </a:p>
@@ -1007,7 +1009,7 @@
           <a:p>
             <a:fld id="{EF8A6B0B-A5FB-4629-B823-69B1A9EB3A43}" type="slidenum">
               <a:rPr lang="zh-TW" altLang="en-US" smtClean="0"/>
-              <a:t>23</a:t>
+              <a:t>24</a:t>
             </a:fld>
             <a:endParaRPr lang="zh-TW" altLang="en-US"/>
           </a:p>
@@ -1091,7 +1093,7 @@
           <a:p>
             <a:fld id="{EF8A6B0B-A5FB-4629-B823-69B1A9EB3A43}" type="slidenum">
               <a:rPr lang="zh-TW" altLang="en-US" smtClean="0"/>
-              <a:t>24</a:t>
+              <a:t>25</a:t>
             </a:fld>
             <a:endParaRPr lang="zh-TW" altLang="en-US"/>
           </a:p>
@@ -1259,7 +1261,7 @@
           <a:p>
             <a:fld id="{EF8A6B0B-A5FB-4629-B823-69B1A9EB3A43}" type="slidenum">
               <a:rPr lang="zh-TW" altLang="en-US" smtClean="0"/>
-              <a:t>15</a:t>
+              <a:t>16</a:t>
             </a:fld>
             <a:endParaRPr lang="zh-TW" altLang="en-US"/>
           </a:p>
@@ -1343,7 +1345,7 @@
           <a:p>
             <a:fld id="{EF8A6B0B-A5FB-4629-B823-69B1A9EB3A43}" type="slidenum">
               <a:rPr lang="zh-TW" altLang="en-US" smtClean="0"/>
-              <a:t>16</a:t>
+              <a:t>17</a:t>
             </a:fld>
             <a:endParaRPr lang="zh-TW" altLang="en-US"/>
           </a:p>
@@ -1427,7 +1429,7 @@
           <a:p>
             <a:fld id="{EF8A6B0B-A5FB-4629-B823-69B1A9EB3A43}" type="slidenum">
               <a:rPr lang="zh-TW" altLang="en-US" smtClean="0"/>
-              <a:t>17</a:t>
+              <a:t>18</a:t>
             </a:fld>
             <a:endParaRPr lang="zh-TW" altLang="en-US"/>
           </a:p>
@@ -1511,7 +1513,7 @@
           <a:p>
             <a:fld id="{EF8A6B0B-A5FB-4629-B823-69B1A9EB3A43}" type="slidenum">
               <a:rPr lang="zh-TW" altLang="en-US" smtClean="0"/>
-              <a:t>18</a:t>
+              <a:t>19</a:t>
             </a:fld>
             <a:endParaRPr lang="zh-TW" altLang="en-US"/>
           </a:p>
@@ -1595,7 +1597,7 @@
           <a:p>
             <a:fld id="{EF8A6B0B-A5FB-4629-B823-69B1A9EB3A43}" type="slidenum">
               <a:rPr lang="zh-TW" altLang="en-US" smtClean="0"/>
-              <a:t>19</a:t>
+              <a:t>20</a:t>
             </a:fld>
             <a:endParaRPr lang="zh-TW" altLang="en-US"/>
           </a:p>
@@ -1679,7 +1681,7 @@
           <a:p>
             <a:fld id="{EF8A6B0B-A5FB-4629-B823-69B1A9EB3A43}" type="slidenum">
               <a:rPr lang="zh-TW" altLang="en-US" smtClean="0"/>
-              <a:t>20</a:t>
+              <a:t>21</a:t>
             </a:fld>
             <a:endParaRPr lang="zh-TW" altLang="en-US"/>
           </a:p>
@@ -1763,7 +1765,7 @@
           <a:p>
             <a:fld id="{EF8A6B0B-A5FB-4629-B823-69B1A9EB3A43}" type="slidenum">
               <a:rPr lang="zh-TW" altLang="en-US" smtClean="0"/>
-              <a:t>21</a:t>
+              <a:t>22</a:t>
             </a:fld>
             <a:endParaRPr lang="zh-TW" altLang="en-US"/>
           </a:p>
@@ -1916,7 +1918,7 @@
           <a:p>
             <a:fld id="{0C0CC965-A63A-473D-BEFB-C8F9714D5269}" type="datetimeFigureOut">
               <a:rPr lang="zh-TW" altLang="en-US" smtClean="0"/>
-              <a:t>2023/5/30</a:t>
+              <a:t>2023/6/2</a:t>
             </a:fld>
             <a:endParaRPr lang="zh-TW" altLang="en-US"/>
           </a:p>
@@ -2084,7 +2086,7 @@
           <a:p>
             <a:fld id="{0C0CC965-A63A-473D-BEFB-C8F9714D5269}" type="datetimeFigureOut">
               <a:rPr lang="zh-TW" altLang="en-US" smtClean="0"/>
-              <a:t>2023/5/30</a:t>
+              <a:t>2023/6/2</a:t>
             </a:fld>
             <a:endParaRPr lang="zh-TW" altLang="en-US"/>
           </a:p>
@@ -2262,7 +2264,7 @@
           <a:p>
             <a:fld id="{0C0CC965-A63A-473D-BEFB-C8F9714D5269}" type="datetimeFigureOut">
               <a:rPr lang="zh-TW" altLang="en-US" smtClean="0"/>
-              <a:t>2023/5/30</a:t>
+              <a:t>2023/6/2</a:t>
             </a:fld>
             <a:endParaRPr lang="zh-TW" altLang="en-US"/>
           </a:p>
@@ -2484,7 +2486,7 @@
           <a:p>
             <a:fld id="{0C0CC965-A63A-473D-BEFB-C8F9714D5269}" type="datetimeFigureOut">
               <a:rPr lang="zh-TW" altLang="en-US" smtClean="0"/>
-              <a:t>2023/5/30</a:t>
+              <a:t>2023/6/2</a:t>
             </a:fld>
             <a:endParaRPr lang="zh-TW" altLang="en-US"/>
           </a:p>
@@ -2679,7 +2681,7 @@
           <a:p>
             <a:fld id="{0C0CC965-A63A-473D-BEFB-C8F9714D5269}" type="datetimeFigureOut">
               <a:rPr lang="zh-TW" altLang="en-US" smtClean="0"/>
-              <a:t>2023/5/30</a:t>
+              <a:t>2023/6/2</a:t>
             </a:fld>
             <a:endParaRPr lang="zh-TW" altLang="en-US"/>
           </a:p>
@@ -2924,7 +2926,7 @@
           <a:p>
             <a:fld id="{0C0CC965-A63A-473D-BEFB-C8F9714D5269}" type="datetimeFigureOut">
               <a:rPr lang="zh-TW" altLang="en-US" smtClean="0"/>
-              <a:t>2023/5/30</a:t>
+              <a:t>2023/6/2</a:t>
             </a:fld>
             <a:endParaRPr lang="zh-TW" altLang="en-US"/>
           </a:p>
@@ -3153,7 +3155,7 @@
           <a:p>
             <a:fld id="{0C0CC965-A63A-473D-BEFB-C8F9714D5269}" type="datetimeFigureOut">
               <a:rPr lang="zh-TW" altLang="en-US" smtClean="0"/>
-              <a:t>2023/5/30</a:t>
+              <a:t>2023/6/2</a:t>
             </a:fld>
             <a:endParaRPr lang="zh-TW" altLang="en-US"/>
           </a:p>
@@ -3517,7 +3519,7 @@
           <a:p>
             <a:fld id="{0C0CC965-A63A-473D-BEFB-C8F9714D5269}" type="datetimeFigureOut">
               <a:rPr lang="zh-TW" altLang="en-US" smtClean="0"/>
-              <a:t>2023/5/30</a:t>
+              <a:t>2023/6/2</a:t>
             </a:fld>
             <a:endParaRPr lang="zh-TW" altLang="en-US"/>
           </a:p>
@@ -3634,7 +3636,7 @@
           <a:p>
             <a:fld id="{0C0CC965-A63A-473D-BEFB-C8F9714D5269}" type="datetimeFigureOut">
               <a:rPr lang="zh-TW" altLang="en-US" smtClean="0"/>
-              <a:t>2023/5/30</a:t>
+              <a:t>2023/6/2</a:t>
             </a:fld>
             <a:endParaRPr lang="zh-TW" altLang="en-US"/>
           </a:p>
@@ -3729,7 +3731,7 @@
           <a:p>
             <a:fld id="{0C0CC965-A63A-473D-BEFB-C8F9714D5269}" type="datetimeFigureOut">
               <a:rPr lang="zh-TW" altLang="en-US" smtClean="0"/>
-              <a:t>2023/5/30</a:t>
+              <a:t>2023/6/2</a:t>
             </a:fld>
             <a:endParaRPr lang="zh-TW" altLang="en-US"/>
           </a:p>
@@ -4004,7 +4006,7 @@
           <a:p>
             <a:fld id="{0C0CC965-A63A-473D-BEFB-C8F9714D5269}" type="datetimeFigureOut">
               <a:rPr lang="zh-TW" altLang="en-US" smtClean="0"/>
-              <a:t>2023/5/30</a:t>
+              <a:t>2023/6/2</a:t>
             </a:fld>
             <a:endParaRPr lang="zh-TW" altLang="en-US"/>
           </a:p>
@@ -4256,7 +4258,7 @@
           <a:p>
             <a:fld id="{0C0CC965-A63A-473D-BEFB-C8F9714D5269}" type="datetimeFigureOut">
               <a:rPr lang="zh-TW" altLang="en-US" smtClean="0"/>
-              <a:t>2023/5/30</a:t>
+              <a:t>2023/6/2</a:t>
             </a:fld>
             <a:endParaRPr lang="zh-TW" altLang="en-US"/>
           </a:p>
@@ -4470,7 +4472,7 @@
             <a:fld id="{0C0CC965-A63A-473D-BEFB-C8F9714D5269}" type="datetimeFigureOut">
               <a:rPr lang="zh-TW" altLang="en-US" smtClean="0"/>
               <a:pPr/>
-              <a:t>2023/5/30</a:t>
+              <a:t>2023/6/2</a:t>
             </a:fld>
             <a:endParaRPr lang="zh-TW" altLang="en-US"/>
           </a:p>
@@ -8536,6 +8538,406 @@
       </p:grpSpPr>
       <p:sp>
         <p:nvSpPr>
+          <p:cNvPr id="3" name="標題 2"/>
+          <p:cNvSpPr>
+            <a:spLocks noGrp="1"/>
+          </p:cNvSpPr>
+          <p:nvPr>
+            <p:ph type="title"/>
+          </p:nvPr>
+        </p:nvSpPr>
+        <p:spPr>
+          <a:xfrm>
+            <a:off x="838200" y="329614"/>
+            <a:ext cx="10515600" cy="720000"/>
+          </a:xfrm>
+        </p:spPr>
+        <p:txBody>
+          <a:bodyPr>
+            <a:normAutofit/>
+          </a:bodyPr>
+          <a:lstStyle/>
+          <a:p>
+            <a:r>
+              <a:rPr lang="zh-TW" altLang="en-US" sz="4000" dirty="0"/>
+              <a:t>專案架構圖 </a:t>
+            </a:r>
+            <a:r>
+              <a:rPr lang="en-US" altLang="zh-TW" sz="4000" dirty="0"/>
+              <a:t>–</a:t>
+            </a:r>
+            <a:r>
+              <a:rPr lang="zh-TW" altLang="en-US" sz="4000" dirty="0"/>
+              <a:t> </a:t>
+            </a:r>
+            <a:r>
+              <a:rPr lang="zh-TW" altLang="en-US" sz="4000" dirty="0">
+                <a:latin typeface="標楷體" panose="03000509000000000000" pitchFamily="65" charset="-120"/>
+                <a:ea typeface="標楷體" panose="03000509000000000000" pitchFamily="65" charset="-120"/>
+              </a:rPr>
+              <a:t>方塊圖</a:t>
+            </a:r>
+            <a:r>
+              <a:rPr lang="en-US" altLang="zh-TW" sz="4000" dirty="0"/>
+              <a:t>(2023/5/31</a:t>
+            </a:r>
+            <a:r>
+              <a:rPr lang="zh-TW" altLang="en-US" sz="4000" dirty="0"/>
+              <a:t>更新</a:t>
+            </a:r>
+            <a:r>
+              <a:rPr lang="en-US" altLang="zh-TW" sz="4000" dirty="0"/>
+              <a:t>)</a:t>
+            </a:r>
+            <a:endParaRPr lang="zh-TW" altLang="en-US" sz="4000" dirty="0"/>
+          </a:p>
+        </p:txBody>
+      </p:sp>
+      <p:sp>
+        <p:nvSpPr>
+          <p:cNvPr id="4" name="文字方塊 3">
+            <a:extLst>
+              <a:ext uri="{FF2B5EF4-FFF2-40B4-BE49-F238E27FC236}">
+                <a16:creationId xmlns:a16="http://schemas.microsoft.com/office/drawing/2014/main" id="{3B666394-AEC8-471C-8F95-8308C72E30DF}"/>
+              </a:ext>
+            </a:extLst>
+          </p:cNvPr>
+          <p:cNvSpPr txBox="1"/>
+          <p:nvPr/>
+        </p:nvSpPr>
+        <p:spPr>
+          <a:xfrm>
+            <a:off x="1624615" y="1379160"/>
+            <a:ext cx="3808520" cy="1569660"/>
+          </a:xfrm>
+          <a:prstGeom prst="rect">
+            <a:avLst/>
+          </a:prstGeom>
+          <a:noFill/>
+        </p:spPr>
+        <p:txBody>
+          <a:bodyPr wrap="square" rtlCol="0">
+            <a:spAutoFit/>
+          </a:bodyPr>
+          <a:lstStyle/>
+          <a:p>
+            <a:pPr marL="742950" lvl="1" indent="-285750">
+              <a:buFont typeface="Arial" panose="020B0604020202020204" pitchFamily="34" charset="0"/>
+              <a:buChar char="•"/>
+            </a:pPr>
+            <a:r>
+              <a:rPr lang="en-US" altLang="zh-TW" sz="1600" dirty="0">
+                <a:latin typeface="Times New Roman" panose="02020603050405020304" pitchFamily="18" charset="0"/>
+                <a:ea typeface="標楷體" panose="03000509000000000000" pitchFamily="65" charset="-120"/>
+              </a:rPr>
+              <a:t>RTL</a:t>
+            </a:r>
+          </a:p>
+          <a:p>
+            <a:pPr marL="1200150" lvl="2" indent="-285750">
+              <a:buFont typeface="Arial" panose="020B0604020202020204" pitchFamily="34" charset="0"/>
+              <a:buChar char="•"/>
+            </a:pPr>
+            <a:r>
+              <a:rPr lang="zh-TW" altLang="en-US" sz="1600" dirty="0">
+                <a:latin typeface="Times New Roman" panose="02020603050405020304" pitchFamily="18" charset="0"/>
+                <a:ea typeface="標楷體" panose="03000509000000000000" pitchFamily="65" charset="-120"/>
+              </a:rPr>
+              <a:t>除頻</a:t>
+            </a:r>
+            <a:endParaRPr lang="en-US" altLang="zh-TW" sz="1600" dirty="0">
+              <a:latin typeface="Times New Roman" panose="02020603050405020304" pitchFamily="18" charset="0"/>
+              <a:ea typeface="標楷體" panose="03000509000000000000" pitchFamily="65" charset="-120"/>
+            </a:endParaRPr>
+          </a:p>
+          <a:p>
+            <a:pPr marL="1200150" lvl="2" indent="-285750">
+              <a:buFont typeface="Arial" panose="020B0604020202020204" pitchFamily="34" charset="0"/>
+              <a:buChar char="•"/>
+            </a:pPr>
+            <a:r>
+              <a:rPr lang="en-US" altLang="zh-TW" sz="1600" dirty="0" err="1">
+                <a:latin typeface="Times New Roman" panose="02020603050405020304" pitchFamily="18" charset="0"/>
+                <a:ea typeface="標楷體" panose="03000509000000000000" pitchFamily="65" charset="-120"/>
+              </a:rPr>
+              <a:t>sync_pulse</a:t>
+            </a:r>
+            <a:endParaRPr lang="en-US" altLang="zh-TW" sz="1600" dirty="0">
+              <a:latin typeface="Times New Roman" panose="02020603050405020304" pitchFamily="18" charset="0"/>
+              <a:ea typeface="標楷體" panose="03000509000000000000" pitchFamily="65" charset="-120"/>
+            </a:endParaRPr>
+          </a:p>
+          <a:p>
+            <a:pPr marL="1200150" lvl="2" indent="-285750">
+              <a:buFont typeface="Arial" panose="020B0604020202020204" pitchFamily="34" charset="0"/>
+              <a:buChar char="•"/>
+            </a:pPr>
+            <a:r>
+              <a:rPr lang="en-US" altLang="zh-TW" sz="1600" dirty="0" err="1">
+                <a:latin typeface="Times New Roman" panose="02020603050405020304" pitchFamily="18" charset="0"/>
+                <a:ea typeface="標楷體" panose="03000509000000000000" pitchFamily="65" charset="-120"/>
+              </a:rPr>
+              <a:t>sync_to_count</a:t>
+            </a:r>
+            <a:endParaRPr lang="en-US" altLang="zh-TW" sz="1600" dirty="0">
+              <a:latin typeface="Times New Roman" panose="02020603050405020304" pitchFamily="18" charset="0"/>
+              <a:ea typeface="標楷體" panose="03000509000000000000" pitchFamily="65" charset="-120"/>
+            </a:endParaRPr>
+          </a:p>
+          <a:p>
+            <a:pPr marL="1200150" lvl="2" indent="-285750">
+              <a:buFont typeface="Arial" panose="020B0604020202020204" pitchFamily="34" charset="0"/>
+              <a:buChar char="•"/>
+            </a:pPr>
+            <a:r>
+              <a:rPr lang="en-US" altLang="zh-TW" sz="1600" dirty="0" err="1">
+                <a:latin typeface="Times New Roman" panose="02020603050405020304" pitchFamily="18" charset="0"/>
+                <a:ea typeface="標楷體" panose="03000509000000000000" pitchFamily="65" charset="-120"/>
+              </a:rPr>
+              <a:t>Bram_gary</a:t>
+            </a:r>
+            <a:r>
+              <a:rPr lang="en-US" altLang="zh-TW" sz="1600" dirty="0">
+                <a:latin typeface="Times New Roman" panose="02020603050405020304" pitchFamily="18" charset="0"/>
+                <a:ea typeface="標楷體" panose="03000509000000000000" pitchFamily="65" charset="-120"/>
+              </a:rPr>
+              <a:t> (.COE)</a:t>
+            </a:r>
+          </a:p>
+          <a:p>
+            <a:pPr marL="1200150" lvl="2" indent="-285750">
+              <a:buFont typeface="Arial" panose="020B0604020202020204" pitchFamily="34" charset="0"/>
+              <a:buChar char="•"/>
+            </a:pPr>
+            <a:r>
+              <a:rPr lang="en-US" altLang="zh-TW" sz="1600" dirty="0" err="1">
+                <a:latin typeface="Times New Roman" panose="02020603050405020304" pitchFamily="18" charset="0"/>
+                <a:ea typeface="標楷體" panose="03000509000000000000" pitchFamily="65" charset="-120"/>
+              </a:rPr>
+              <a:t>VGA_out</a:t>
+            </a:r>
+            <a:endParaRPr lang="en-US" altLang="zh-TW" sz="1600" dirty="0">
+              <a:latin typeface="Times New Roman" panose="02020603050405020304" pitchFamily="18" charset="0"/>
+              <a:ea typeface="標楷體" panose="03000509000000000000" pitchFamily="65" charset="-120"/>
+            </a:endParaRPr>
+          </a:p>
+        </p:txBody>
+      </p:sp>
+      <p:pic>
+        <p:nvPicPr>
+          <p:cNvPr id="8" name="圖片 7">
+            <a:extLst>
+              <a:ext uri="{FF2B5EF4-FFF2-40B4-BE49-F238E27FC236}">
+                <a16:creationId xmlns:a16="http://schemas.microsoft.com/office/drawing/2014/main" id="{0CE1B584-442C-4682-8203-BB033110CACE}"/>
+              </a:ext>
+            </a:extLst>
+          </p:cNvPr>
+          <p:cNvPicPr>
+            <a:picLocks noChangeAspect="1"/>
+          </p:cNvPicPr>
+          <p:nvPr/>
+        </p:nvPicPr>
+        <p:blipFill>
+          <a:blip r:embed="rId2"/>
+          <a:stretch>
+            <a:fillRect/>
+          </a:stretch>
+        </p:blipFill>
+        <p:spPr>
+          <a:xfrm rot="5400000" flipH="1">
+            <a:off x="172653" y="1849651"/>
+            <a:ext cx="162090" cy="468581"/>
+          </a:xfrm>
+          <a:prstGeom prst="rect">
+            <a:avLst/>
+          </a:prstGeom>
+        </p:spPr>
+      </p:pic>
+      <p:sp>
+        <p:nvSpPr>
+          <p:cNvPr id="7" name="文字方塊 6">
+            <a:extLst>
+              <a:ext uri="{FF2B5EF4-FFF2-40B4-BE49-F238E27FC236}">
+                <a16:creationId xmlns:a16="http://schemas.microsoft.com/office/drawing/2014/main" id="{6414C650-64EC-4B6F-8D8A-23165979C40A}"/>
+              </a:ext>
+            </a:extLst>
+          </p:cNvPr>
+          <p:cNvSpPr txBox="1"/>
+          <p:nvPr/>
+        </p:nvSpPr>
+        <p:spPr>
+          <a:xfrm>
+            <a:off x="3528875" y="1642385"/>
+            <a:ext cx="6094520" cy="1569660"/>
+          </a:xfrm>
+          <a:prstGeom prst="rect">
+            <a:avLst/>
+          </a:prstGeom>
+          <a:noFill/>
+        </p:spPr>
+        <p:txBody>
+          <a:bodyPr wrap="square">
+            <a:spAutoFit/>
+          </a:bodyPr>
+          <a:lstStyle/>
+          <a:p>
+            <a:pPr marL="1200150" lvl="2" indent="-285750">
+              <a:buFont typeface="Arial" panose="020B0604020202020204" pitchFamily="34" charset="0"/>
+              <a:buChar char="•"/>
+            </a:pPr>
+            <a:r>
+              <a:rPr lang="en-US" altLang="zh-TW" sz="1600" dirty="0" err="1">
+                <a:latin typeface="Times New Roman" panose="02020603050405020304" pitchFamily="18" charset="0"/>
+                <a:ea typeface="標楷體" panose="03000509000000000000" pitchFamily="65" charset="-120"/>
+              </a:rPr>
+              <a:t>GaussianFilter_warpper</a:t>
+            </a:r>
+            <a:endParaRPr lang="en-US" altLang="zh-TW" sz="1600" dirty="0">
+              <a:latin typeface="Times New Roman" panose="02020603050405020304" pitchFamily="18" charset="0"/>
+              <a:ea typeface="標楷體" panose="03000509000000000000" pitchFamily="65" charset="-120"/>
+            </a:endParaRPr>
+          </a:p>
+          <a:p>
+            <a:pPr marL="1657350" lvl="3" indent="-285750">
+              <a:buFont typeface="Arial" panose="020B0604020202020204" pitchFamily="34" charset="0"/>
+              <a:buChar char="•"/>
+            </a:pPr>
+            <a:r>
+              <a:rPr lang="en-US" altLang="zh-TW" sz="1600" dirty="0" err="1">
+                <a:latin typeface="Times New Roman" panose="02020603050405020304" pitchFamily="18" charset="0"/>
+                <a:ea typeface="標楷體" panose="03000509000000000000" pitchFamily="65" charset="-120"/>
+              </a:rPr>
+              <a:t>CacheSystem</a:t>
+            </a:r>
+            <a:endParaRPr lang="en-US" altLang="zh-TW" sz="1600" dirty="0">
+              <a:latin typeface="Times New Roman" panose="02020603050405020304" pitchFamily="18" charset="0"/>
+              <a:ea typeface="標楷體" panose="03000509000000000000" pitchFamily="65" charset="-120"/>
+            </a:endParaRPr>
+          </a:p>
+          <a:p>
+            <a:pPr marL="2114550" lvl="4" indent="-285750">
+              <a:buFont typeface="Arial" panose="020B0604020202020204" pitchFamily="34" charset="0"/>
+              <a:buChar char="•"/>
+            </a:pPr>
+            <a:r>
+              <a:rPr lang="en-US" altLang="zh-TW" sz="1600" dirty="0">
+                <a:latin typeface="Times New Roman" panose="02020603050405020304" pitchFamily="18" charset="0"/>
+                <a:ea typeface="標楷體" panose="03000509000000000000" pitchFamily="65" charset="-120"/>
+              </a:rPr>
+              <a:t>line buffer x3</a:t>
+            </a:r>
+          </a:p>
+          <a:p>
+            <a:pPr marL="1657350" lvl="3" indent="-285750">
+              <a:buFont typeface="Arial" panose="020B0604020202020204" pitchFamily="34" charset="0"/>
+              <a:buChar char="•"/>
+            </a:pPr>
+            <a:r>
+              <a:rPr lang="en-US" altLang="zh-TW" sz="1600" dirty="0" err="1">
+                <a:latin typeface="Times New Roman" panose="02020603050405020304" pitchFamily="18" charset="0"/>
+                <a:ea typeface="標楷體" panose="03000509000000000000" pitchFamily="65" charset="-120"/>
+              </a:rPr>
+              <a:t>GaussianFilter</a:t>
+            </a:r>
+            <a:endParaRPr lang="en-US" altLang="zh-TW" sz="1600" dirty="0">
+              <a:latin typeface="Times New Roman" panose="02020603050405020304" pitchFamily="18" charset="0"/>
+              <a:ea typeface="標楷體" panose="03000509000000000000" pitchFamily="65" charset="-120"/>
+            </a:endParaRPr>
+          </a:p>
+          <a:p>
+            <a:pPr marL="1657350" lvl="3" indent="-285750">
+              <a:buFont typeface="Arial" panose="020B0604020202020204" pitchFamily="34" charset="0"/>
+              <a:buChar char="•"/>
+            </a:pPr>
+            <a:r>
+              <a:rPr lang="en-US" altLang="zh-TW" sz="1600" dirty="0">
+                <a:latin typeface="Times New Roman" panose="02020603050405020304" pitchFamily="18" charset="0"/>
+                <a:ea typeface="標楷體" panose="03000509000000000000" pitchFamily="65" charset="-120"/>
+              </a:rPr>
+              <a:t>NMS</a:t>
+            </a:r>
+          </a:p>
+          <a:p>
+            <a:pPr marL="1657350" lvl="3" indent="-285750">
+              <a:buFont typeface="Arial" panose="020B0604020202020204" pitchFamily="34" charset="0"/>
+              <a:buChar char="•"/>
+            </a:pPr>
+            <a:r>
+              <a:rPr lang="en-US" altLang="zh-TW" sz="1600">
+                <a:latin typeface="Times New Roman" panose="02020603050405020304" pitchFamily="18" charset="0"/>
+                <a:ea typeface="標楷體" panose="03000509000000000000" pitchFamily="65" charset="-120"/>
+              </a:rPr>
+              <a:t>HysteresisThresholding</a:t>
+            </a:r>
+            <a:endParaRPr lang="en-US" altLang="zh-TW" sz="1600" dirty="0">
+              <a:latin typeface="Times New Roman" panose="02020603050405020304" pitchFamily="18" charset="0"/>
+              <a:ea typeface="標楷體" panose="03000509000000000000" pitchFamily="65" charset="-120"/>
+            </a:endParaRPr>
+          </a:p>
+        </p:txBody>
+      </p:sp>
+      <p:pic>
+        <p:nvPicPr>
+          <p:cNvPr id="5" name="圖片 4">
+            <a:extLst>
+              <a:ext uri="{FF2B5EF4-FFF2-40B4-BE49-F238E27FC236}">
+                <a16:creationId xmlns:a16="http://schemas.microsoft.com/office/drawing/2014/main" id="{65155244-B0C9-4780-86AC-CC47A062CE30}"/>
+              </a:ext>
+            </a:extLst>
+          </p:cNvPr>
+          <p:cNvPicPr>
+            <a:picLocks noChangeAspect="1"/>
+          </p:cNvPicPr>
+          <p:nvPr/>
+        </p:nvPicPr>
+        <p:blipFill>
+          <a:blip r:embed="rId3"/>
+          <a:stretch>
+            <a:fillRect/>
+          </a:stretch>
+        </p:blipFill>
+        <p:spPr>
+          <a:xfrm>
+            <a:off x="237824" y="3212045"/>
+            <a:ext cx="11716352" cy="2178162"/>
+          </a:xfrm>
+          <a:prstGeom prst="rect">
+            <a:avLst/>
+          </a:prstGeom>
+        </p:spPr>
+      </p:pic>
+    </p:spTree>
+    <p:extLst>
+      <p:ext uri="{BB962C8B-B14F-4D97-AF65-F5344CB8AC3E}">
+        <p14:creationId xmlns:p14="http://schemas.microsoft.com/office/powerpoint/2010/main" val="1739964483"/>
+      </p:ext>
+    </p:extLst>
+  </p:cSld>
+  <p:clrMapOvr>
+    <a:masterClrMapping/>
+  </p:clrMapOvr>
+</p:sld>
+</file>
+
+<file path=ppt/slides/slide16.xml><?xml version="1.0" encoding="utf-8"?>
+<p:sld xmlns:a="http://schemas.openxmlformats.org/drawingml/2006/main" xmlns:r="http://schemas.openxmlformats.org/officeDocument/2006/relationships" xmlns:p="http://schemas.openxmlformats.org/presentationml/2006/main">
+  <p:cSld>
+    <p:spTree>
+      <p:nvGrpSpPr>
+        <p:cNvPr id="1" name=""/>
+        <p:cNvGrpSpPr/>
+        <p:nvPr/>
+      </p:nvGrpSpPr>
+      <p:grpSpPr>
+        <a:xfrm>
+          <a:off x="0" y="0"/>
+          <a:ext cx="0" cy="0"/>
+          <a:chOff x="0" y="0"/>
+          <a:chExt cx="0" cy="0"/>
+        </a:xfrm>
+      </p:grpSpPr>
+      <p:sp>
+        <p:nvSpPr>
           <p:cNvPr id="4" name="內容版面配置區 1">
             <a:extLst>
               <a:ext uri="{FF2B5EF4-FFF2-40B4-BE49-F238E27FC236}">
@@ -9017,7 +9419,7 @@
 </p:sld>
 </file>
 
-<file path=ppt/slides/slide16.xml><?xml version="1.0" encoding="utf-8"?>
+<file path=ppt/slides/slide17.xml><?xml version="1.0" encoding="utf-8"?>
 <p:sld xmlns:a="http://schemas.openxmlformats.org/drawingml/2006/main" xmlns:r="http://schemas.openxmlformats.org/officeDocument/2006/relationships" xmlns:p="http://schemas.openxmlformats.org/presentationml/2006/main">
   <p:cSld>
     <p:spTree>
@@ -9292,7 +9694,7 @@
 </p:sld>
 </file>
 
-<file path=ppt/slides/slide17.xml><?xml version="1.0" encoding="utf-8"?>
+<file path=ppt/slides/slide18.xml><?xml version="1.0" encoding="utf-8"?>
 <p:sld xmlns:a="http://schemas.openxmlformats.org/drawingml/2006/main" xmlns:r="http://schemas.openxmlformats.org/officeDocument/2006/relationships" xmlns:p="http://schemas.openxmlformats.org/presentationml/2006/main">
   <p:cSld>
     <p:spTree>
@@ -9567,7 +9969,7 @@
 </p:sld>
 </file>
 
-<file path=ppt/slides/slide18.xml><?xml version="1.0" encoding="utf-8"?>
+<file path=ppt/slides/slide19.xml><?xml version="1.0" encoding="utf-8"?>
 <p:sld xmlns:a="http://schemas.openxmlformats.org/drawingml/2006/main" xmlns:r="http://schemas.openxmlformats.org/officeDocument/2006/relationships" xmlns:p="http://schemas.openxmlformats.org/presentationml/2006/main">
   <p:cSld>
     <p:spTree>
@@ -9816,490 +10218,6 @@
 </p:sld>
 </file>
 
-<file path=ppt/slides/slide19.xml><?xml version="1.0" encoding="utf-8"?>
-<p:sld xmlns:a="http://schemas.openxmlformats.org/drawingml/2006/main" xmlns:r="http://schemas.openxmlformats.org/officeDocument/2006/relationships" xmlns:p="http://schemas.openxmlformats.org/presentationml/2006/main">
-  <p:cSld>
-    <p:spTree>
-      <p:nvGrpSpPr>
-        <p:cNvPr id="1" name=""/>
-        <p:cNvGrpSpPr/>
-        <p:nvPr/>
-      </p:nvGrpSpPr>
-      <p:grpSpPr>
-        <a:xfrm>
-          <a:off x="0" y="0"/>
-          <a:ext cx="0" cy="0"/>
-          <a:chOff x="0" y="0"/>
-          <a:chExt cx="0" cy="0"/>
-        </a:xfrm>
-      </p:grpSpPr>
-      <p:sp>
-        <p:nvSpPr>
-          <p:cNvPr id="3" name="標題 2"/>
-          <p:cNvSpPr>
-            <a:spLocks noGrp="1"/>
-          </p:cNvSpPr>
-          <p:nvPr>
-            <p:ph type="title"/>
-          </p:nvPr>
-        </p:nvSpPr>
-        <p:spPr>
-          <a:xfrm>
-            <a:off x="838200" y="365125"/>
-            <a:ext cx="10515600" cy="720000"/>
-          </a:xfrm>
-        </p:spPr>
-        <p:txBody>
-          <a:bodyPr>
-            <a:noAutofit/>
-          </a:bodyPr>
-          <a:lstStyle/>
-          <a:p>
-            <a:r>
-              <a:rPr lang="zh-TW" altLang="en-US" sz="3200" dirty="0"/>
-              <a:t>成果展示 </a:t>
-            </a:r>
-            <a:r>
-              <a:rPr lang="en-US" altLang="zh-TW" sz="3200" dirty="0"/>
-              <a:t>– </a:t>
-            </a:r>
-            <a:r>
-              <a:rPr lang="en-US" altLang="zh-TW" sz="3200" dirty="0" err="1"/>
-              <a:t>NonMaxSuppression</a:t>
-            </a:r>
-            <a:r>
-              <a:rPr lang="en-US" altLang="zh-TW" sz="3200" dirty="0"/>
-              <a:t> </a:t>
-            </a:r>
-            <a:r>
-              <a:rPr lang="zh-TW" altLang="en-US" sz="3200" dirty="0"/>
-              <a:t>波形模擬</a:t>
-            </a:r>
-          </a:p>
-        </p:txBody>
-      </p:sp>
-      <p:sp>
-        <p:nvSpPr>
-          <p:cNvPr id="14" name="文字方塊 13">
-            <a:extLst>
-              <a:ext uri="{FF2B5EF4-FFF2-40B4-BE49-F238E27FC236}">
-                <a16:creationId xmlns:a16="http://schemas.microsoft.com/office/drawing/2014/main" id="{E4E592F9-FC71-4DD1-9118-16844995CC7F}"/>
-              </a:ext>
-            </a:extLst>
-          </p:cNvPr>
-          <p:cNvSpPr txBox="1"/>
-          <p:nvPr/>
-        </p:nvSpPr>
-        <p:spPr>
-          <a:xfrm>
-            <a:off x="2022446" y="1365672"/>
-            <a:ext cx="5373306" cy="646331"/>
-          </a:xfrm>
-          <a:prstGeom prst="rect">
-            <a:avLst/>
-          </a:prstGeom>
-          <a:noFill/>
-        </p:spPr>
-        <p:txBody>
-          <a:bodyPr wrap="square">
-            <a:spAutoFit/>
-          </a:bodyPr>
-          <a:lstStyle/>
-          <a:p>
-            <a:pPr marL="285750" indent="-285750">
-              <a:buFont typeface="Arial" panose="020B0604020202020204" pitchFamily="34" charset="0"/>
-              <a:buChar char="•"/>
-            </a:pPr>
-            <a:r>
-              <a:rPr lang="zh-TW" altLang="en-US" dirty="0">
-                <a:latin typeface="標楷體" panose="03000509000000000000" pitchFamily="65" charset="-120"/>
-                <a:ea typeface="標楷體" panose="03000509000000000000" pitchFamily="65" charset="-120"/>
-              </a:rPr>
-              <a:t>整體波形模擬</a:t>
-            </a:r>
-            <a:r>
-              <a:rPr lang="en-US" altLang="zh-TW" dirty="0">
-                <a:latin typeface="標楷體" panose="03000509000000000000" pitchFamily="65" charset="-120"/>
-                <a:ea typeface="標楷體" panose="03000509000000000000" pitchFamily="65" charset="-120"/>
-              </a:rPr>
-              <a:t>:</a:t>
-            </a:r>
-          </a:p>
-          <a:p>
-            <a:pPr marL="742950" lvl="1" indent="-285750">
-              <a:buFont typeface="Arial" panose="020B0604020202020204" pitchFamily="34" charset="0"/>
-              <a:buChar char="•"/>
-            </a:pPr>
-            <a:r>
-              <a:rPr lang="zh-TW" altLang="en-US" dirty="0">
-                <a:latin typeface="標楷體" panose="03000509000000000000" pitchFamily="65" charset="-120"/>
-                <a:ea typeface="標楷體" panose="03000509000000000000" pitchFamily="65" charset="-120"/>
-              </a:rPr>
-              <a:t>灰階圖片</a:t>
-            </a:r>
-            <a:r>
-              <a:rPr lang="en-US" altLang="zh-TW" dirty="0">
-                <a:latin typeface="標楷體" panose="03000509000000000000" pitchFamily="65" charset="-120"/>
-                <a:ea typeface="標楷體" panose="03000509000000000000" pitchFamily="65" charset="-120"/>
-              </a:rPr>
-              <a:t>: 640x480 (8bits)</a:t>
-            </a:r>
-            <a:endParaRPr lang="zh-TW" altLang="en-US" dirty="0">
-              <a:latin typeface="標楷體" panose="03000509000000000000" pitchFamily="65" charset="-120"/>
-              <a:ea typeface="標楷體" panose="03000509000000000000" pitchFamily="65" charset="-120"/>
-            </a:endParaRPr>
-          </a:p>
-        </p:txBody>
-      </p:sp>
-      <p:sp>
-        <p:nvSpPr>
-          <p:cNvPr id="10" name="文字方塊 9">
-            <a:extLst>
-              <a:ext uri="{FF2B5EF4-FFF2-40B4-BE49-F238E27FC236}">
-                <a16:creationId xmlns:a16="http://schemas.microsoft.com/office/drawing/2014/main" id="{E24CD2C8-46A2-450C-9CA0-485274647932}"/>
-              </a:ext>
-            </a:extLst>
-          </p:cNvPr>
-          <p:cNvSpPr txBox="1"/>
-          <p:nvPr/>
-        </p:nvSpPr>
-        <p:spPr>
-          <a:xfrm>
-            <a:off x="4634705" y="5680911"/>
-            <a:ext cx="2922590" cy="441453"/>
-          </a:xfrm>
-          <a:prstGeom prst="rect">
-            <a:avLst/>
-          </a:prstGeom>
-          <a:noFill/>
-        </p:spPr>
-        <p:txBody>
-          <a:bodyPr wrap="square">
-            <a:spAutoFit/>
-          </a:bodyPr>
-          <a:lstStyle/>
-          <a:p>
-            <a:r>
-              <a:rPr lang="zh-TW" altLang="en-US" dirty="0">
-                <a:latin typeface="標楷體" panose="03000509000000000000" pitchFamily="65" charset="-120"/>
-                <a:ea typeface="標楷體" panose="03000509000000000000" pitchFamily="65" charset="-120"/>
-              </a:rPr>
-              <a:t>圖</a:t>
-            </a:r>
-            <a:r>
-              <a:rPr lang="en-US" altLang="zh-TW" dirty="0">
-                <a:latin typeface="標楷體" panose="03000509000000000000" pitchFamily="65" charset="-120"/>
-                <a:ea typeface="標楷體" panose="03000509000000000000" pitchFamily="65" charset="-120"/>
-              </a:rPr>
-              <a:t>4.</a:t>
-            </a:r>
-            <a:r>
-              <a:rPr lang="en-US" altLang="zh-TW" dirty="0">
-                <a:latin typeface="Times New Roman" panose="02020603050405020304" pitchFamily="18" charset="0"/>
-                <a:ea typeface="標楷體" panose="03000509000000000000" pitchFamily="65" charset="-120"/>
-              </a:rPr>
-              <a:t>Bram_Sobel</a:t>
-            </a:r>
-            <a:r>
-              <a:rPr lang="zh-TW" altLang="en-US" dirty="0">
-                <a:latin typeface="標楷體" panose="03000509000000000000" pitchFamily="65" charset="-120"/>
-                <a:ea typeface="標楷體" panose="03000509000000000000" pitchFamily="65" charset="-120"/>
-              </a:rPr>
-              <a:t>單幀全圖</a:t>
-            </a:r>
-          </a:p>
-        </p:txBody>
-      </p:sp>
-      <p:sp>
-        <p:nvSpPr>
-          <p:cNvPr id="6" name="文字方塊 5">
-            <a:extLst>
-              <a:ext uri="{FF2B5EF4-FFF2-40B4-BE49-F238E27FC236}">
-                <a16:creationId xmlns:a16="http://schemas.microsoft.com/office/drawing/2014/main" id="{2F3346EE-318A-4DF8-8A3C-51A3B2C14DD6}"/>
-              </a:ext>
-            </a:extLst>
-          </p:cNvPr>
-          <p:cNvSpPr txBox="1"/>
-          <p:nvPr/>
-        </p:nvSpPr>
-        <p:spPr>
-          <a:xfrm>
-            <a:off x="7374597" y="1411839"/>
-            <a:ext cx="3126801" cy="1754326"/>
-          </a:xfrm>
-          <a:prstGeom prst="rect">
-            <a:avLst/>
-          </a:prstGeom>
-          <a:noFill/>
-        </p:spPr>
-        <p:txBody>
-          <a:bodyPr wrap="square">
-            <a:spAutoFit/>
-          </a:bodyPr>
-          <a:lstStyle/>
-          <a:p>
-            <a:r>
-              <a:rPr lang="zh-TW" altLang="en-US" dirty="0">
-                <a:latin typeface="標楷體" panose="03000509000000000000" pitchFamily="65" charset="-120"/>
-                <a:ea typeface="標楷體" panose="03000509000000000000" pitchFamily="65" charset="-120"/>
-              </a:rPr>
-              <a:t>每個像素</a:t>
-            </a:r>
-            <a:r>
-              <a:rPr lang="en-US" altLang="zh-TW" dirty="0">
-                <a:latin typeface="標楷體" panose="03000509000000000000" pitchFamily="65" charset="-120"/>
-                <a:ea typeface="標楷體" panose="03000509000000000000" pitchFamily="65" charset="-120"/>
-              </a:rPr>
-              <a:t>:</a:t>
-            </a:r>
-            <a:r>
-              <a:rPr lang="zh-TW" altLang="en-US" dirty="0">
-                <a:latin typeface="標楷體" panose="03000509000000000000" pitchFamily="65" charset="-120"/>
-                <a:ea typeface="標楷體" panose="03000509000000000000" pitchFamily="65" charset="-120"/>
-              </a:rPr>
-              <a:t> </a:t>
-            </a:r>
-            <a:r>
-              <a:rPr lang="en-US" altLang="zh-TW" dirty="0">
-                <a:latin typeface="標楷體" panose="03000509000000000000" pitchFamily="65" charset="-120"/>
-                <a:ea typeface="標楷體" panose="03000509000000000000" pitchFamily="65" charset="-120"/>
-              </a:rPr>
-              <a:t>1/50</a:t>
-            </a:r>
-            <a:r>
-              <a:rPr lang="en-US" altLang="zh-TW" dirty="0">
-                <a:latin typeface="Times New Roman" panose="02020603050405020304" pitchFamily="18" charset="0"/>
-                <a:ea typeface="標楷體" panose="03000509000000000000" pitchFamily="65" charset="-120"/>
-                <a:cs typeface="Times New Roman" panose="02020603050405020304" pitchFamily="18" charset="0"/>
-              </a:rPr>
-              <a:t>M</a:t>
-            </a:r>
-            <a:r>
-              <a:rPr lang="en-US" altLang="zh-TW" dirty="0">
-                <a:latin typeface="標楷體" panose="03000509000000000000" pitchFamily="65" charset="-120"/>
-                <a:ea typeface="標楷體" panose="03000509000000000000" pitchFamily="65" charset="-120"/>
-              </a:rPr>
-              <a:t> </a:t>
-            </a:r>
-            <a:r>
-              <a:rPr lang="en-US" altLang="zh-TW" dirty="0">
-                <a:latin typeface="Times New Roman" panose="02020603050405020304" pitchFamily="18" charset="0"/>
-                <a:ea typeface="標楷體" panose="03000509000000000000" pitchFamily="65" charset="-120"/>
-                <a:cs typeface="Times New Roman" panose="02020603050405020304" pitchFamily="18" charset="0"/>
-              </a:rPr>
-              <a:t>sec</a:t>
-            </a:r>
-          </a:p>
-          <a:p>
-            <a:r>
-              <a:rPr lang="zh-TW" altLang="en-US" dirty="0">
-                <a:latin typeface="標楷體" panose="03000509000000000000" pitchFamily="65" charset="-120"/>
-                <a:ea typeface="標楷體" panose="03000509000000000000" pitchFamily="65" charset="-120"/>
-              </a:rPr>
-              <a:t>每張圖</a:t>
-            </a:r>
-            <a:r>
-              <a:rPr lang="en-US" altLang="zh-TW" dirty="0">
-                <a:latin typeface="標楷體" panose="03000509000000000000" pitchFamily="65" charset="-120"/>
-                <a:ea typeface="標楷體" panose="03000509000000000000" pitchFamily="65" charset="-120"/>
-              </a:rPr>
-              <a:t>:</a:t>
-            </a:r>
-            <a:r>
-              <a:rPr lang="zh-TW" altLang="en-US" dirty="0">
-                <a:latin typeface="標楷體" panose="03000509000000000000" pitchFamily="65" charset="-120"/>
-                <a:ea typeface="標楷體" panose="03000509000000000000" pitchFamily="65" charset="-120"/>
-              </a:rPr>
-              <a:t> </a:t>
-            </a:r>
-            <a:r>
-              <a:rPr lang="en-US" altLang="zh-TW" dirty="0">
-                <a:latin typeface="標楷體" panose="03000509000000000000" pitchFamily="65" charset="-120"/>
-                <a:ea typeface="標楷體" panose="03000509000000000000" pitchFamily="65" charset="-120"/>
-              </a:rPr>
-              <a:t>800x525x1/50</a:t>
-            </a:r>
-            <a:r>
-              <a:rPr lang="en-US" altLang="zh-TW" dirty="0">
-                <a:latin typeface="Times New Roman" panose="02020603050405020304" pitchFamily="18" charset="0"/>
-                <a:ea typeface="標楷體" panose="03000509000000000000" pitchFamily="65" charset="-120"/>
-                <a:cs typeface="Times New Roman" panose="02020603050405020304" pitchFamily="18" charset="0"/>
-              </a:rPr>
-              <a:t>M</a:t>
-            </a:r>
-            <a:r>
-              <a:rPr lang="en-US" altLang="zh-TW" dirty="0">
-                <a:latin typeface="標楷體" panose="03000509000000000000" pitchFamily="65" charset="-120"/>
-                <a:ea typeface="標楷體" panose="03000509000000000000" pitchFamily="65" charset="-120"/>
-              </a:rPr>
-              <a:t> </a:t>
-            </a:r>
-            <a:r>
-              <a:rPr lang="en-US" altLang="zh-TW" dirty="0">
-                <a:latin typeface="Times New Roman" panose="02020603050405020304" pitchFamily="18" charset="0"/>
-                <a:ea typeface="標楷體" panose="03000509000000000000" pitchFamily="65" charset="-120"/>
-                <a:cs typeface="Times New Roman" panose="02020603050405020304" pitchFamily="18" charset="0"/>
-              </a:rPr>
-              <a:t>sec</a:t>
-            </a:r>
-          </a:p>
-          <a:p>
-            <a:r>
-              <a:rPr lang="en-US" altLang="zh-TW" dirty="0">
-                <a:latin typeface="Times New Roman" panose="02020603050405020304" pitchFamily="18" charset="0"/>
-                <a:ea typeface="標楷體" panose="03000509000000000000" pitchFamily="65" charset="-120"/>
-                <a:cs typeface="Times New Roman" panose="02020603050405020304" pitchFamily="18" charset="0"/>
-              </a:rPr>
-              <a:t>	≈16.8ms</a:t>
-            </a:r>
-            <a:endParaRPr lang="en-US" altLang="zh-TW" dirty="0">
-              <a:latin typeface="標楷體" panose="03000509000000000000" pitchFamily="65" charset="-120"/>
-              <a:ea typeface="標楷體" panose="03000509000000000000" pitchFamily="65" charset="-120"/>
-            </a:endParaRPr>
-          </a:p>
-          <a:p>
-            <a:r>
-              <a:rPr lang="en-US" altLang="zh-TW" dirty="0" err="1">
-                <a:latin typeface="標楷體" panose="03000509000000000000" pitchFamily="65" charset="-120"/>
-                <a:ea typeface="標楷體" panose="03000509000000000000" pitchFamily="65" charset="-120"/>
-              </a:rPr>
-              <a:t>T</a:t>
-            </a:r>
-            <a:r>
-              <a:rPr lang="en-US" altLang="zh-TW" sz="1400" dirty="0" err="1">
-                <a:latin typeface="Times New Roman" panose="02020603050405020304" pitchFamily="18" charset="0"/>
-                <a:ea typeface="標楷體" panose="03000509000000000000" pitchFamily="65" charset="-120"/>
-                <a:cs typeface="Times New Roman" panose="02020603050405020304" pitchFamily="18" charset="0"/>
-              </a:rPr>
-              <a:t>move</a:t>
-            </a:r>
-            <a:r>
-              <a:rPr lang="en-US" altLang="zh-TW" sz="1400" dirty="0">
-                <a:latin typeface="標楷體" panose="03000509000000000000" pitchFamily="65" charset="-120"/>
-                <a:ea typeface="標楷體" panose="03000509000000000000" pitchFamily="65" charset="-120"/>
-              </a:rPr>
-              <a:t> </a:t>
-            </a:r>
-            <a:r>
-              <a:rPr lang="en-US" altLang="zh-TW" dirty="0">
-                <a:latin typeface="標楷體" panose="03000509000000000000" pitchFamily="65" charset="-120"/>
-                <a:ea typeface="標楷體" panose="03000509000000000000" pitchFamily="65" charset="-120"/>
-              </a:rPr>
-              <a:t>&gt; </a:t>
-            </a:r>
-            <a:r>
-              <a:rPr lang="zh-TW" altLang="en-US" dirty="0">
-                <a:latin typeface="標楷體" panose="03000509000000000000" pitchFamily="65" charset="-120"/>
-                <a:ea typeface="標楷體" panose="03000509000000000000" pitchFamily="65" charset="-120"/>
-              </a:rPr>
-              <a:t>單張圖</a:t>
-            </a:r>
-            <a:r>
-              <a:rPr lang="en-US" altLang="zh-TW" dirty="0">
-                <a:latin typeface="標楷體" panose="03000509000000000000" pitchFamily="65" charset="-120"/>
-                <a:ea typeface="標楷體" panose="03000509000000000000" pitchFamily="65" charset="-120"/>
-              </a:rPr>
-              <a:t>(16.8</a:t>
-            </a:r>
-            <a:r>
-              <a:rPr lang="en-US" altLang="zh-TW" dirty="0">
-                <a:latin typeface="Times New Roman" panose="02020603050405020304" pitchFamily="18" charset="0"/>
-                <a:ea typeface="標楷體" panose="03000509000000000000" pitchFamily="65" charset="-120"/>
-                <a:cs typeface="Times New Roman" panose="02020603050405020304" pitchFamily="18" charset="0"/>
-              </a:rPr>
-              <a:t>ms</a:t>
-            </a:r>
-            <a:r>
-              <a:rPr lang="en-US" altLang="zh-TW" dirty="0">
-                <a:latin typeface="標楷體" panose="03000509000000000000" pitchFamily="65" charset="-120"/>
-                <a:ea typeface="標楷體" panose="03000509000000000000" pitchFamily="65" charset="-120"/>
-              </a:rPr>
-              <a:t>)</a:t>
-            </a:r>
-          </a:p>
-          <a:p>
-            <a:r>
-              <a:rPr lang="en-US" altLang="zh-TW" dirty="0" err="1">
-                <a:latin typeface="Times New Roman" panose="02020603050405020304" pitchFamily="18" charset="0"/>
-                <a:ea typeface="標楷體" panose="03000509000000000000" pitchFamily="65" charset="-120"/>
-                <a:cs typeface="Times New Roman" panose="02020603050405020304" pitchFamily="18" charset="0"/>
-              </a:rPr>
-              <a:t>move_clk</a:t>
-            </a:r>
-            <a:r>
-              <a:rPr lang="en-US" altLang="zh-TW" dirty="0">
-                <a:latin typeface="Times New Roman" panose="02020603050405020304" pitchFamily="18" charset="0"/>
-                <a:ea typeface="標楷體" panose="03000509000000000000" pitchFamily="65" charset="-120"/>
-                <a:cs typeface="Times New Roman" panose="02020603050405020304" pitchFamily="18" charset="0"/>
-              </a:rPr>
-              <a:t> </a:t>
-            </a:r>
-            <a:r>
-              <a:rPr lang="en-US" altLang="zh-TW" dirty="0">
-                <a:latin typeface="標楷體" panose="03000509000000000000" pitchFamily="65" charset="-120"/>
-                <a:ea typeface="標楷體" panose="03000509000000000000" pitchFamily="65" charset="-120"/>
-              </a:rPr>
-              <a:t>≦ 59.524(</a:t>
-            </a:r>
-            <a:r>
-              <a:rPr lang="en-US" altLang="zh-TW" dirty="0">
-                <a:latin typeface="Times New Roman" panose="02020603050405020304" pitchFamily="18" charset="0"/>
-                <a:ea typeface="標楷體" panose="03000509000000000000" pitchFamily="65" charset="-120"/>
-                <a:cs typeface="Times New Roman" panose="02020603050405020304" pitchFamily="18" charset="0"/>
-              </a:rPr>
-              <a:t>Hz</a:t>
-            </a:r>
-            <a:r>
-              <a:rPr lang="en-US" altLang="zh-TW" dirty="0">
-                <a:latin typeface="標楷體" panose="03000509000000000000" pitchFamily="65" charset="-120"/>
-                <a:ea typeface="標楷體" panose="03000509000000000000" pitchFamily="65" charset="-120"/>
-              </a:rPr>
-              <a:t>) </a:t>
-            </a:r>
-          </a:p>
-          <a:p>
-            <a:r>
-              <a:rPr lang="en-US" altLang="zh-TW" dirty="0">
-                <a:latin typeface="標楷體" panose="03000509000000000000" pitchFamily="65" charset="-120"/>
-                <a:ea typeface="標楷體" panose="03000509000000000000" pitchFamily="65" charset="-120"/>
-              </a:rPr>
-              <a:t>=&gt;100M/2^21 = 47.683(</a:t>
-            </a:r>
-            <a:r>
-              <a:rPr lang="en-US" altLang="zh-TW" dirty="0">
-                <a:latin typeface="Times New Roman" panose="02020603050405020304" pitchFamily="18" charset="0"/>
-                <a:ea typeface="標楷體" panose="03000509000000000000" pitchFamily="65" charset="-120"/>
-                <a:cs typeface="Times New Roman" panose="02020603050405020304" pitchFamily="18" charset="0"/>
-              </a:rPr>
-              <a:t>Hz</a:t>
-            </a:r>
-            <a:r>
-              <a:rPr lang="en-US" altLang="zh-TW" dirty="0">
-                <a:latin typeface="標楷體" panose="03000509000000000000" pitchFamily="65" charset="-120"/>
-                <a:ea typeface="標楷體" panose="03000509000000000000" pitchFamily="65" charset="-120"/>
-              </a:rPr>
-              <a:t>)</a:t>
-            </a:r>
-            <a:endParaRPr lang="zh-TW" altLang="en-US" dirty="0">
-              <a:latin typeface="標楷體" panose="03000509000000000000" pitchFamily="65" charset="-120"/>
-              <a:ea typeface="標楷體" panose="03000509000000000000" pitchFamily="65" charset="-120"/>
-            </a:endParaRPr>
-          </a:p>
-        </p:txBody>
-      </p:sp>
-    </p:spTree>
-    <p:extLst>
-      <p:ext uri="{BB962C8B-B14F-4D97-AF65-F5344CB8AC3E}">
-        <p14:creationId xmlns:p14="http://schemas.microsoft.com/office/powerpoint/2010/main" val="882001098"/>
-      </p:ext>
-    </p:extLst>
-  </p:cSld>
-  <p:clrMapOvr>
-    <a:masterClrMapping/>
-  </p:clrMapOvr>
-</p:sld>
-</file>
-
 <file path=ppt/slides/slide2.xml><?xml version="1.0" encoding="utf-8"?>
 <p:sld xmlns:a="http://schemas.openxmlformats.org/drawingml/2006/main" xmlns:r="http://schemas.openxmlformats.org/officeDocument/2006/relationships" xmlns:p="http://schemas.openxmlformats.org/presentationml/2006/main">
   <p:cSld>
@@ -10495,45 +10413,20 @@
             </a:r>
             <a:r>
               <a:rPr lang="en-US" altLang="zh-TW" sz="3200" dirty="0"/>
-              <a:t>–</a:t>
-            </a:r>
-            <a:r>
-              <a:rPr lang="en-US" altLang="zh-TW" sz="3200" dirty="0" err="1">
-                <a:ea typeface="Tahoma" panose="020B0604030504040204" pitchFamily="34" charset="0"/>
-              </a:rPr>
-              <a:t>Bram_VGA</a:t>
-            </a:r>
-            <a:r>
-              <a:rPr lang="zh-TW" altLang="en-US" sz="3200" dirty="0">
-                <a:ea typeface="Tahoma" panose="020B0604030504040204" pitchFamily="34" charset="0"/>
-              </a:rPr>
+              <a:t>– </a:t>
+            </a:r>
+            <a:r>
+              <a:rPr lang="en-US" altLang="zh-TW" sz="3200" dirty="0" err="1"/>
+              <a:t>NonMaxSuppression</a:t>
+            </a:r>
+            <a:r>
+              <a:rPr lang="en-US" altLang="zh-TW" sz="3200" dirty="0"/>
               <a:t> </a:t>
             </a:r>
             <a:r>
-              <a:rPr lang="en-US" altLang="zh-TW" sz="3200" dirty="0">
-                <a:ea typeface="Tahoma" panose="020B0604030504040204" pitchFamily="34" charset="0"/>
-              </a:rPr>
-              <a:t>+</a:t>
-            </a:r>
-            <a:r>
-              <a:rPr lang="zh-TW" altLang="en-US" sz="3200" dirty="0">
-                <a:ea typeface="Tahoma" panose="020B0604030504040204" pitchFamily="34" charset="0"/>
-              </a:rPr>
-              <a:t> </a:t>
-            </a:r>
-            <a:r>
-              <a:rPr lang="en-US" altLang="zh-TW" sz="3200" dirty="0">
-                <a:ea typeface="Tahoma" panose="020B0604030504040204" pitchFamily="34" charset="0"/>
-              </a:rPr>
-              <a:t>Sobel </a:t>
-            </a:r>
-            <a:r>
-              <a:rPr lang="zh-TW" altLang="en-US" sz="3200" dirty="0">
-                <a:latin typeface="標楷體" panose="03000509000000000000" pitchFamily="65" charset="-120"/>
-              </a:rPr>
+              <a:rPr lang="zh-TW" altLang="en-US" sz="3200" dirty="0"/>
               <a:t>波形模擬</a:t>
             </a:r>
-            <a:endParaRPr lang="zh-TW" altLang="en-US" sz="3200" dirty="0"/>
           </a:p>
         </p:txBody>
       </p:sp>
@@ -10949,7 +10842,7 @@
     </p:spTree>
     <p:extLst>
       <p:ext uri="{BB962C8B-B14F-4D97-AF65-F5344CB8AC3E}">
-        <p14:creationId xmlns:p14="http://schemas.microsoft.com/office/powerpoint/2010/main" val="3703064775"/>
+        <p14:creationId xmlns:p14="http://schemas.microsoft.com/office/powerpoint/2010/main" val="882001098"/>
       </p:ext>
     </p:extLst>
   </p:cSld>
@@ -10978,6 +10871,515 @@
       </p:grpSpPr>
       <p:sp>
         <p:nvSpPr>
+          <p:cNvPr id="3" name="標題 2"/>
+          <p:cNvSpPr>
+            <a:spLocks noGrp="1"/>
+          </p:cNvSpPr>
+          <p:nvPr>
+            <p:ph type="title"/>
+          </p:nvPr>
+        </p:nvSpPr>
+        <p:spPr>
+          <a:xfrm>
+            <a:off x="838200" y="365125"/>
+            <a:ext cx="10515600" cy="720000"/>
+          </a:xfrm>
+        </p:spPr>
+        <p:txBody>
+          <a:bodyPr>
+            <a:noAutofit/>
+          </a:bodyPr>
+          <a:lstStyle/>
+          <a:p>
+            <a:r>
+              <a:rPr lang="zh-TW" altLang="en-US" sz="3200" dirty="0"/>
+              <a:t>成果展示 </a:t>
+            </a:r>
+            <a:r>
+              <a:rPr lang="en-US" altLang="zh-TW" sz="3200" dirty="0"/>
+              <a:t>–</a:t>
+            </a:r>
+            <a:r>
+              <a:rPr lang="en-US" altLang="zh-TW" sz="3200" dirty="0" err="1">
+                <a:ea typeface="Tahoma" panose="020B0604030504040204" pitchFamily="34" charset="0"/>
+              </a:rPr>
+              <a:t>Bram_VGA</a:t>
+            </a:r>
+            <a:r>
+              <a:rPr lang="zh-TW" altLang="en-US" sz="3200" dirty="0">
+                <a:ea typeface="Tahoma" panose="020B0604030504040204" pitchFamily="34" charset="0"/>
+              </a:rPr>
+              <a:t> </a:t>
+            </a:r>
+            <a:r>
+              <a:rPr lang="en-US" altLang="zh-TW" sz="3200" dirty="0">
+                <a:ea typeface="Tahoma" panose="020B0604030504040204" pitchFamily="34" charset="0"/>
+              </a:rPr>
+              <a:t>+</a:t>
+            </a:r>
+            <a:r>
+              <a:rPr lang="zh-TW" altLang="en-US" sz="3200" dirty="0">
+                <a:ea typeface="Tahoma" panose="020B0604030504040204" pitchFamily="34" charset="0"/>
+              </a:rPr>
+              <a:t> </a:t>
+            </a:r>
+            <a:r>
+              <a:rPr lang="en-US" altLang="zh-TW" sz="3200" dirty="0">
+                <a:ea typeface="Tahoma" panose="020B0604030504040204" pitchFamily="34" charset="0"/>
+              </a:rPr>
+              <a:t>Sobel </a:t>
+            </a:r>
+            <a:r>
+              <a:rPr lang="zh-TW" altLang="en-US" sz="3200" dirty="0">
+                <a:latin typeface="標楷體" panose="03000509000000000000" pitchFamily="65" charset="-120"/>
+              </a:rPr>
+              <a:t>波形模擬</a:t>
+            </a:r>
+            <a:endParaRPr lang="zh-TW" altLang="en-US" sz="3200" dirty="0"/>
+          </a:p>
+        </p:txBody>
+      </p:sp>
+      <p:sp>
+        <p:nvSpPr>
+          <p:cNvPr id="14" name="文字方塊 13">
+            <a:extLst>
+              <a:ext uri="{FF2B5EF4-FFF2-40B4-BE49-F238E27FC236}">
+                <a16:creationId xmlns:a16="http://schemas.microsoft.com/office/drawing/2014/main" id="{E4E592F9-FC71-4DD1-9118-16844995CC7F}"/>
+              </a:ext>
+            </a:extLst>
+          </p:cNvPr>
+          <p:cNvSpPr txBox="1"/>
+          <p:nvPr/>
+        </p:nvSpPr>
+        <p:spPr>
+          <a:xfrm>
+            <a:off x="2022446" y="1365672"/>
+            <a:ext cx="5373306" cy="646331"/>
+          </a:xfrm>
+          <a:prstGeom prst="rect">
+            <a:avLst/>
+          </a:prstGeom>
+          <a:noFill/>
+        </p:spPr>
+        <p:txBody>
+          <a:bodyPr wrap="square">
+            <a:spAutoFit/>
+          </a:bodyPr>
+          <a:lstStyle/>
+          <a:p>
+            <a:pPr marL="285750" indent="-285750">
+              <a:buFont typeface="Arial" panose="020B0604020202020204" pitchFamily="34" charset="0"/>
+              <a:buChar char="•"/>
+            </a:pPr>
+            <a:r>
+              <a:rPr lang="zh-TW" altLang="en-US" dirty="0">
+                <a:latin typeface="標楷體" panose="03000509000000000000" pitchFamily="65" charset="-120"/>
+                <a:ea typeface="標楷體" panose="03000509000000000000" pitchFamily="65" charset="-120"/>
+              </a:rPr>
+              <a:t>整體波形模擬</a:t>
+            </a:r>
+            <a:r>
+              <a:rPr lang="en-US" altLang="zh-TW" dirty="0">
+                <a:latin typeface="標楷體" panose="03000509000000000000" pitchFamily="65" charset="-120"/>
+                <a:ea typeface="標楷體" panose="03000509000000000000" pitchFamily="65" charset="-120"/>
+              </a:rPr>
+              <a:t>:</a:t>
+            </a:r>
+          </a:p>
+          <a:p>
+            <a:pPr marL="742950" lvl="1" indent="-285750">
+              <a:buFont typeface="Arial" panose="020B0604020202020204" pitchFamily="34" charset="0"/>
+              <a:buChar char="•"/>
+            </a:pPr>
+            <a:r>
+              <a:rPr lang="zh-TW" altLang="en-US" dirty="0">
+                <a:latin typeface="標楷體" panose="03000509000000000000" pitchFamily="65" charset="-120"/>
+                <a:ea typeface="標楷體" panose="03000509000000000000" pitchFamily="65" charset="-120"/>
+              </a:rPr>
+              <a:t>灰階圖片</a:t>
+            </a:r>
+            <a:r>
+              <a:rPr lang="en-US" altLang="zh-TW" dirty="0">
+                <a:latin typeface="標楷體" panose="03000509000000000000" pitchFamily="65" charset="-120"/>
+                <a:ea typeface="標楷體" panose="03000509000000000000" pitchFamily="65" charset="-120"/>
+              </a:rPr>
+              <a:t>: 640x480 (8bits)</a:t>
+            </a:r>
+            <a:endParaRPr lang="zh-TW" altLang="en-US" dirty="0">
+              <a:latin typeface="標楷體" panose="03000509000000000000" pitchFamily="65" charset="-120"/>
+              <a:ea typeface="標楷體" panose="03000509000000000000" pitchFamily="65" charset="-120"/>
+            </a:endParaRPr>
+          </a:p>
+        </p:txBody>
+      </p:sp>
+      <p:sp>
+        <p:nvSpPr>
+          <p:cNvPr id="10" name="文字方塊 9">
+            <a:extLst>
+              <a:ext uri="{FF2B5EF4-FFF2-40B4-BE49-F238E27FC236}">
+                <a16:creationId xmlns:a16="http://schemas.microsoft.com/office/drawing/2014/main" id="{E24CD2C8-46A2-450C-9CA0-485274647932}"/>
+              </a:ext>
+            </a:extLst>
+          </p:cNvPr>
+          <p:cNvSpPr txBox="1"/>
+          <p:nvPr/>
+        </p:nvSpPr>
+        <p:spPr>
+          <a:xfrm>
+            <a:off x="4634705" y="5680911"/>
+            <a:ext cx="2922590" cy="441453"/>
+          </a:xfrm>
+          <a:prstGeom prst="rect">
+            <a:avLst/>
+          </a:prstGeom>
+          <a:noFill/>
+        </p:spPr>
+        <p:txBody>
+          <a:bodyPr wrap="square">
+            <a:spAutoFit/>
+          </a:bodyPr>
+          <a:lstStyle/>
+          <a:p>
+            <a:r>
+              <a:rPr lang="zh-TW" altLang="en-US" dirty="0">
+                <a:latin typeface="標楷體" panose="03000509000000000000" pitchFamily="65" charset="-120"/>
+                <a:ea typeface="標楷體" panose="03000509000000000000" pitchFamily="65" charset="-120"/>
+              </a:rPr>
+              <a:t>圖</a:t>
+            </a:r>
+            <a:r>
+              <a:rPr lang="en-US" altLang="zh-TW" dirty="0">
+                <a:latin typeface="標楷體" panose="03000509000000000000" pitchFamily="65" charset="-120"/>
+                <a:ea typeface="標楷體" panose="03000509000000000000" pitchFamily="65" charset="-120"/>
+              </a:rPr>
+              <a:t>4.</a:t>
+            </a:r>
+            <a:r>
+              <a:rPr lang="en-US" altLang="zh-TW" dirty="0">
+                <a:latin typeface="Times New Roman" panose="02020603050405020304" pitchFamily="18" charset="0"/>
+                <a:ea typeface="標楷體" panose="03000509000000000000" pitchFamily="65" charset="-120"/>
+              </a:rPr>
+              <a:t>Bram_Sobel</a:t>
+            </a:r>
+            <a:r>
+              <a:rPr lang="zh-TW" altLang="en-US" dirty="0">
+                <a:latin typeface="標楷體" panose="03000509000000000000" pitchFamily="65" charset="-120"/>
+                <a:ea typeface="標楷體" panose="03000509000000000000" pitchFamily="65" charset="-120"/>
+              </a:rPr>
+              <a:t>單幀全圖</a:t>
+            </a:r>
+          </a:p>
+        </p:txBody>
+      </p:sp>
+      <p:sp>
+        <p:nvSpPr>
+          <p:cNvPr id="6" name="文字方塊 5">
+            <a:extLst>
+              <a:ext uri="{FF2B5EF4-FFF2-40B4-BE49-F238E27FC236}">
+                <a16:creationId xmlns:a16="http://schemas.microsoft.com/office/drawing/2014/main" id="{2F3346EE-318A-4DF8-8A3C-51A3B2C14DD6}"/>
+              </a:ext>
+            </a:extLst>
+          </p:cNvPr>
+          <p:cNvSpPr txBox="1"/>
+          <p:nvPr/>
+        </p:nvSpPr>
+        <p:spPr>
+          <a:xfrm>
+            <a:off x="7374597" y="1411839"/>
+            <a:ext cx="3126801" cy="1754326"/>
+          </a:xfrm>
+          <a:prstGeom prst="rect">
+            <a:avLst/>
+          </a:prstGeom>
+          <a:noFill/>
+        </p:spPr>
+        <p:txBody>
+          <a:bodyPr wrap="square">
+            <a:spAutoFit/>
+          </a:bodyPr>
+          <a:lstStyle/>
+          <a:p>
+            <a:r>
+              <a:rPr lang="zh-TW" altLang="en-US" dirty="0">
+                <a:latin typeface="標楷體" panose="03000509000000000000" pitchFamily="65" charset="-120"/>
+                <a:ea typeface="標楷體" panose="03000509000000000000" pitchFamily="65" charset="-120"/>
+              </a:rPr>
+              <a:t>每個像素</a:t>
+            </a:r>
+            <a:r>
+              <a:rPr lang="en-US" altLang="zh-TW" dirty="0">
+                <a:latin typeface="標楷體" panose="03000509000000000000" pitchFamily="65" charset="-120"/>
+                <a:ea typeface="標楷體" panose="03000509000000000000" pitchFamily="65" charset="-120"/>
+              </a:rPr>
+              <a:t>:</a:t>
+            </a:r>
+            <a:r>
+              <a:rPr lang="zh-TW" altLang="en-US" dirty="0">
+                <a:latin typeface="標楷體" panose="03000509000000000000" pitchFamily="65" charset="-120"/>
+                <a:ea typeface="標楷體" panose="03000509000000000000" pitchFamily="65" charset="-120"/>
+              </a:rPr>
+              <a:t> </a:t>
+            </a:r>
+            <a:r>
+              <a:rPr lang="en-US" altLang="zh-TW" dirty="0">
+                <a:latin typeface="標楷體" panose="03000509000000000000" pitchFamily="65" charset="-120"/>
+                <a:ea typeface="標楷體" panose="03000509000000000000" pitchFamily="65" charset="-120"/>
+              </a:rPr>
+              <a:t>1/50</a:t>
+            </a:r>
+            <a:r>
+              <a:rPr lang="en-US" altLang="zh-TW" dirty="0">
+                <a:latin typeface="Times New Roman" panose="02020603050405020304" pitchFamily="18" charset="0"/>
+                <a:ea typeface="標楷體" panose="03000509000000000000" pitchFamily="65" charset="-120"/>
+                <a:cs typeface="Times New Roman" panose="02020603050405020304" pitchFamily="18" charset="0"/>
+              </a:rPr>
+              <a:t>M</a:t>
+            </a:r>
+            <a:r>
+              <a:rPr lang="en-US" altLang="zh-TW" dirty="0">
+                <a:latin typeface="標楷體" panose="03000509000000000000" pitchFamily="65" charset="-120"/>
+                <a:ea typeface="標楷體" panose="03000509000000000000" pitchFamily="65" charset="-120"/>
+              </a:rPr>
+              <a:t> </a:t>
+            </a:r>
+            <a:r>
+              <a:rPr lang="en-US" altLang="zh-TW" dirty="0">
+                <a:latin typeface="Times New Roman" panose="02020603050405020304" pitchFamily="18" charset="0"/>
+                <a:ea typeface="標楷體" panose="03000509000000000000" pitchFamily="65" charset="-120"/>
+                <a:cs typeface="Times New Roman" panose="02020603050405020304" pitchFamily="18" charset="0"/>
+              </a:rPr>
+              <a:t>sec</a:t>
+            </a:r>
+          </a:p>
+          <a:p>
+            <a:r>
+              <a:rPr lang="zh-TW" altLang="en-US" dirty="0">
+                <a:latin typeface="標楷體" panose="03000509000000000000" pitchFamily="65" charset="-120"/>
+                <a:ea typeface="標楷體" panose="03000509000000000000" pitchFamily="65" charset="-120"/>
+              </a:rPr>
+              <a:t>每張圖</a:t>
+            </a:r>
+            <a:r>
+              <a:rPr lang="en-US" altLang="zh-TW" dirty="0">
+                <a:latin typeface="標楷體" panose="03000509000000000000" pitchFamily="65" charset="-120"/>
+                <a:ea typeface="標楷體" panose="03000509000000000000" pitchFamily="65" charset="-120"/>
+              </a:rPr>
+              <a:t>:</a:t>
+            </a:r>
+            <a:r>
+              <a:rPr lang="zh-TW" altLang="en-US" dirty="0">
+                <a:latin typeface="標楷體" panose="03000509000000000000" pitchFamily="65" charset="-120"/>
+                <a:ea typeface="標楷體" panose="03000509000000000000" pitchFamily="65" charset="-120"/>
+              </a:rPr>
+              <a:t> </a:t>
+            </a:r>
+            <a:r>
+              <a:rPr lang="en-US" altLang="zh-TW" dirty="0">
+                <a:latin typeface="標楷體" panose="03000509000000000000" pitchFamily="65" charset="-120"/>
+                <a:ea typeface="標楷體" panose="03000509000000000000" pitchFamily="65" charset="-120"/>
+              </a:rPr>
+              <a:t>800x525x1/50</a:t>
+            </a:r>
+            <a:r>
+              <a:rPr lang="en-US" altLang="zh-TW" dirty="0">
+                <a:latin typeface="Times New Roman" panose="02020603050405020304" pitchFamily="18" charset="0"/>
+                <a:ea typeface="標楷體" panose="03000509000000000000" pitchFamily="65" charset="-120"/>
+                <a:cs typeface="Times New Roman" panose="02020603050405020304" pitchFamily="18" charset="0"/>
+              </a:rPr>
+              <a:t>M</a:t>
+            </a:r>
+            <a:r>
+              <a:rPr lang="en-US" altLang="zh-TW" dirty="0">
+                <a:latin typeface="標楷體" panose="03000509000000000000" pitchFamily="65" charset="-120"/>
+                <a:ea typeface="標楷體" panose="03000509000000000000" pitchFamily="65" charset="-120"/>
+              </a:rPr>
+              <a:t> </a:t>
+            </a:r>
+            <a:r>
+              <a:rPr lang="en-US" altLang="zh-TW" dirty="0">
+                <a:latin typeface="Times New Roman" panose="02020603050405020304" pitchFamily="18" charset="0"/>
+                <a:ea typeface="標楷體" panose="03000509000000000000" pitchFamily="65" charset="-120"/>
+                <a:cs typeface="Times New Roman" panose="02020603050405020304" pitchFamily="18" charset="0"/>
+              </a:rPr>
+              <a:t>sec</a:t>
+            </a:r>
+          </a:p>
+          <a:p>
+            <a:r>
+              <a:rPr lang="en-US" altLang="zh-TW" dirty="0">
+                <a:latin typeface="Times New Roman" panose="02020603050405020304" pitchFamily="18" charset="0"/>
+                <a:ea typeface="標楷體" panose="03000509000000000000" pitchFamily="65" charset="-120"/>
+                <a:cs typeface="Times New Roman" panose="02020603050405020304" pitchFamily="18" charset="0"/>
+              </a:rPr>
+              <a:t>	≈16.8ms</a:t>
+            </a:r>
+            <a:endParaRPr lang="en-US" altLang="zh-TW" dirty="0">
+              <a:latin typeface="標楷體" panose="03000509000000000000" pitchFamily="65" charset="-120"/>
+              <a:ea typeface="標楷體" panose="03000509000000000000" pitchFamily="65" charset="-120"/>
+            </a:endParaRPr>
+          </a:p>
+          <a:p>
+            <a:r>
+              <a:rPr lang="en-US" altLang="zh-TW" dirty="0" err="1">
+                <a:latin typeface="標楷體" panose="03000509000000000000" pitchFamily="65" charset="-120"/>
+                <a:ea typeface="標楷體" panose="03000509000000000000" pitchFamily="65" charset="-120"/>
+              </a:rPr>
+              <a:t>T</a:t>
+            </a:r>
+            <a:r>
+              <a:rPr lang="en-US" altLang="zh-TW" sz="1400" dirty="0" err="1">
+                <a:latin typeface="Times New Roman" panose="02020603050405020304" pitchFamily="18" charset="0"/>
+                <a:ea typeface="標楷體" panose="03000509000000000000" pitchFamily="65" charset="-120"/>
+                <a:cs typeface="Times New Roman" panose="02020603050405020304" pitchFamily="18" charset="0"/>
+              </a:rPr>
+              <a:t>move</a:t>
+            </a:r>
+            <a:r>
+              <a:rPr lang="en-US" altLang="zh-TW" sz="1400" dirty="0">
+                <a:latin typeface="標楷體" panose="03000509000000000000" pitchFamily="65" charset="-120"/>
+                <a:ea typeface="標楷體" panose="03000509000000000000" pitchFamily="65" charset="-120"/>
+              </a:rPr>
+              <a:t> </a:t>
+            </a:r>
+            <a:r>
+              <a:rPr lang="en-US" altLang="zh-TW" dirty="0">
+                <a:latin typeface="標楷體" panose="03000509000000000000" pitchFamily="65" charset="-120"/>
+                <a:ea typeface="標楷體" panose="03000509000000000000" pitchFamily="65" charset="-120"/>
+              </a:rPr>
+              <a:t>&gt; </a:t>
+            </a:r>
+            <a:r>
+              <a:rPr lang="zh-TW" altLang="en-US" dirty="0">
+                <a:latin typeface="標楷體" panose="03000509000000000000" pitchFamily="65" charset="-120"/>
+                <a:ea typeface="標楷體" panose="03000509000000000000" pitchFamily="65" charset="-120"/>
+              </a:rPr>
+              <a:t>單張圖</a:t>
+            </a:r>
+            <a:r>
+              <a:rPr lang="en-US" altLang="zh-TW" dirty="0">
+                <a:latin typeface="標楷體" panose="03000509000000000000" pitchFamily="65" charset="-120"/>
+                <a:ea typeface="標楷體" panose="03000509000000000000" pitchFamily="65" charset="-120"/>
+              </a:rPr>
+              <a:t>(16.8</a:t>
+            </a:r>
+            <a:r>
+              <a:rPr lang="en-US" altLang="zh-TW" dirty="0">
+                <a:latin typeface="Times New Roman" panose="02020603050405020304" pitchFamily="18" charset="0"/>
+                <a:ea typeface="標楷體" panose="03000509000000000000" pitchFamily="65" charset="-120"/>
+                <a:cs typeface="Times New Roman" panose="02020603050405020304" pitchFamily="18" charset="0"/>
+              </a:rPr>
+              <a:t>ms</a:t>
+            </a:r>
+            <a:r>
+              <a:rPr lang="en-US" altLang="zh-TW" dirty="0">
+                <a:latin typeface="標楷體" panose="03000509000000000000" pitchFamily="65" charset="-120"/>
+                <a:ea typeface="標楷體" panose="03000509000000000000" pitchFamily="65" charset="-120"/>
+              </a:rPr>
+              <a:t>)</a:t>
+            </a:r>
+          </a:p>
+          <a:p>
+            <a:r>
+              <a:rPr lang="en-US" altLang="zh-TW" dirty="0" err="1">
+                <a:latin typeface="Times New Roman" panose="02020603050405020304" pitchFamily="18" charset="0"/>
+                <a:ea typeface="標楷體" panose="03000509000000000000" pitchFamily="65" charset="-120"/>
+                <a:cs typeface="Times New Roman" panose="02020603050405020304" pitchFamily="18" charset="0"/>
+              </a:rPr>
+              <a:t>move_clk</a:t>
+            </a:r>
+            <a:r>
+              <a:rPr lang="en-US" altLang="zh-TW" dirty="0">
+                <a:latin typeface="Times New Roman" panose="02020603050405020304" pitchFamily="18" charset="0"/>
+                <a:ea typeface="標楷體" panose="03000509000000000000" pitchFamily="65" charset="-120"/>
+                <a:cs typeface="Times New Roman" panose="02020603050405020304" pitchFamily="18" charset="0"/>
+              </a:rPr>
+              <a:t> </a:t>
+            </a:r>
+            <a:r>
+              <a:rPr lang="en-US" altLang="zh-TW" dirty="0">
+                <a:latin typeface="標楷體" panose="03000509000000000000" pitchFamily="65" charset="-120"/>
+                <a:ea typeface="標楷體" panose="03000509000000000000" pitchFamily="65" charset="-120"/>
+              </a:rPr>
+              <a:t>≦ 59.524(</a:t>
+            </a:r>
+            <a:r>
+              <a:rPr lang="en-US" altLang="zh-TW" dirty="0">
+                <a:latin typeface="Times New Roman" panose="02020603050405020304" pitchFamily="18" charset="0"/>
+                <a:ea typeface="標楷體" panose="03000509000000000000" pitchFamily="65" charset="-120"/>
+                <a:cs typeface="Times New Roman" panose="02020603050405020304" pitchFamily="18" charset="0"/>
+              </a:rPr>
+              <a:t>Hz</a:t>
+            </a:r>
+            <a:r>
+              <a:rPr lang="en-US" altLang="zh-TW" dirty="0">
+                <a:latin typeface="標楷體" panose="03000509000000000000" pitchFamily="65" charset="-120"/>
+                <a:ea typeface="標楷體" panose="03000509000000000000" pitchFamily="65" charset="-120"/>
+              </a:rPr>
+              <a:t>) </a:t>
+            </a:r>
+          </a:p>
+          <a:p>
+            <a:r>
+              <a:rPr lang="en-US" altLang="zh-TW" dirty="0">
+                <a:latin typeface="標楷體" panose="03000509000000000000" pitchFamily="65" charset="-120"/>
+                <a:ea typeface="標楷體" panose="03000509000000000000" pitchFamily="65" charset="-120"/>
+              </a:rPr>
+              <a:t>=&gt;100M/2^21 = 47.683(</a:t>
+            </a:r>
+            <a:r>
+              <a:rPr lang="en-US" altLang="zh-TW" dirty="0">
+                <a:latin typeface="Times New Roman" panose="02020603050405020304" pitchFamily="18" charset="0"/>
+                <a:ea typeface="標楷體" panose="03000509000000000000" pitchFamily="65" charset="-120"/>
+                <a:cs typeface="Times New Roman" panose="02020603050405020304" pitchFamily="18" charset="0"/>
+              </a:rPr>
+              <a:t>Hz</a:t>
+            </a:r>
+            <a:r>
+              <a:rPr lang="en-US" altLang="zh-TW" dirty="0">
+                <a:latin typeface="標楷體" panose="03000509000000000000" pitchFamily="65" charset="-120"/>
+                <a:ea typeface="標楷體" panose="03000509000000000000" pitchFamily="65" charset="-120"/>
+              </a:rPr>
+              <a:t>)</a:t>
+            </a:r>
+            <a:endParaRPr lang="zh-TW" altLang="en-US" dirty="0">
+              <a:latin typeface="標楷體" panose="03000509000000000000" pitchFamily="65" charset="-120"/>
+              <a:ea typeface="標楷體" panose="03000509000000000000" pitchFamily="65" charset="-120"/>
+            </a:endParaRPr>
+          </a:p>
+        </p:txBody>
+      </p:sp>
+    </p:spTree>
+    <p:extLst>
+      <p:ext uri="{BB962C8B-B14F-4D97-AF65-F5344CB8AC3E}">
+        <p14:creationId xmlns:p14="http://schemas.microsoft.com/office/powerpoint/2010/main" val="3703064775"/>
+      </p:ext>
+    </p:extLst>
+  </p:cSld>
+  <p:clrMapOvr>
+    <a:masterClrMapping/>
+  </p:clrMapOvr>
+</p:sld>
+</file>
+
+<file path=ppt/slides/slide22.xml><?xml version="1.0" encoding="utf-8"?>
+<p:sld xmlns:a="http://schemas.openxmlformats.org/drawingml/2006/main" xmlns:r="http://schemas.openxmlformats.org/officeDocument/2006/relationships" xmlns:p="http://schemas.openxmlformats.org/presentationml/2006/main">
+  <p:cSld>
+    <p:spTree>
+      <p:nvGrpSpPr>
+        <p:cNvPr id="1" name=""/>
+        <p:cNvGrpSpPr/>
+        <p:nvPr/>
+      </p:nvGrpSpPr>
+      <p:grpSpPr>
+        <a:xfrm>
+          <a:off x="0" y="0"/>
+          <a:ext cx="0" cy="0"/>
+          <a:chOff x="0" y="0"/>
+          <a:chExt cx="0" cy="0"/>
+        </a:xfrm>
+      </p:grpSpPr>
+      <p:sp>
+        <p:nvSpPr>
           <p:cNvPr id="2" name="內容版面配置區 1"/>
           <p:cNvSpPr>
             <a:spLocks noGrp="1"/>
@@ -11109,7 +11511,7 @@
 </p:sld>
 </file>
 
-<file path=ppt/slides/slide22.xml><?xml version="1.0" encoding="utf-8"?>
+<file path=ppt/slides/slide23.xml><?xml version="1.0" encoding="utf-8"?>
 <p:sld xmlns:a="http://schemas.openxmlformats.org/drawingml/2006/main" xmlns:r="http://schemas.openxmlformats.org/officeDocument/2006/relationships" xmlns:p="http://schemas.openxmlformats.org/presentationml/2006/main">
   <p:cSld>
     <p:spTree>
@@ -11417,7 +11819,7 @@
 </p:sld>
 </file>
 
-<file path=ppt/slides/slide23.xml><?xml version="1.0" encoding="utf-8"?>
+<file path=ppt/slides/slide24.xml><?xml version="1.0" encoding="utf-8"?>
 <p:sld xmlns:a="http://schemas.openxmlformats.org/drawingml/2006/main" xmlns:r="http://schemas.openxmlformats.org/officeDocument/2006/relationships" xmlns:p="http://schemas.openxmlformats.org/presentationml/2006/main">
   <p:cSld>
     <p:spTree>
@@ -11621,7 +12023,7 @@
 </p:sld>
 </file>
 
-<file path=ppt/slides/slide24.xml><?xml version="1.0" encoding="utf-8"?>
+<file path=ppt/slides/slide25.xml><?xml version="1.0" encoding="utf-8"?>
 <p:sld xmlns:a="http://schemas.openxmlformats.org/drawingml/2006/main" xmlns:r="http://schemas.openxmlformats.org/officeDocument/2006/relationships" xmlns:p="http://schemas.openxmlformats.org/presentationml/2006/main">
   <p:cSld>
     <p:spTree>
@@ -11833,7 +12235,7 @@
 </p:sld>
 </file>
 
-<file path=ppt/slides/slide25.xml><?xml version="1.0" encoding="utf-8"?>
+<file path=ppt/slides/slide26.xml><?xml version="1.0" encoding="utf-8"?>
 <p:sld xmlns:a="http://schemas.openxmlformats.org/drawingml/2006/main" xmlns:r="http://schemas.openxmlformats.org/officeDocument/2006/relationships" xmlns:p="http://schemas.openxmlformats.org/presentationml/2006/main">
   <p:cSld>
     <p:spTree>
@@ -14908,6 +15310,185 @@
               </a:solidFill>
               <a:latin typeface="Times New Roman" panose="02020603050405020304" pitchFamily="18" charset="0"/>
             </a:endParaRPr>
+          </a:p>
+        </p:txBody>
+      </p:sp>
+      <p:sp>
+        <p:nvSpPr>
+          <p:cNvPr id="7" name="文字方塊 6">
+            <a:extLst>
+              <a:ext uri="{FF2B5EF4-FFF2-40B4-BE49-F238E27FC236}">
+                <a16:creationId xmlns:a16="http://schemas.microsoft.com/office/drawing/2014/main" id="{B05BCC34-BE83-43D4-A873-2EE1F1EF0DB7}"/>
+              </a:ext>
+            </a:extLst>
+          </p:cNvPr>
+          <p:cNvSpPr txBox="1"/>
+          <p:nvPr/>
+        </p:nvSpPr>
+        <p:spPr>
+          <a:xfrm>
+            <a:off x="4210235" y="3036906"/>
+            <a:ext cx="6094520" cy="2031325"/>
+          </a:xfrm>
+          <a:prstGeom prst="rect">
+            <a:avLst/>
+          </a:prstGeom>
+          <a:noFill/>
+        </p:spPr>
+        <p:txBody>
+          <a:bodyPr wrap="square">
+            <a:spAutoFit/>
+          </a:bodyPr>
+          <a:lstStyle/>
+          <a:p>
+            <a:r>
+              <a:rPr lang="zh-TW" altLang="en-US" dirty="0"/>
+              <a:t>雙邊濾波</a:t>
+            </a:r>
+            <a:r>
+              <a:rPr lang="en-US" altLang="zh-TW" dirty="0"/>
+              <a:t>: </a:t>
+            </a:r>
+            <a:r>
+              <a:rPr lang="zh-TW" altLang="en-US" dirty="0"/>
+              <a:t>且比較周圍像素灰階差</a:t>
+            </a:r>
+            <a:r>
+              <a:rPr lang="en-US" altLang="zh-TW" dirty="0"/>
+              <a:t>(</a:t>
+            </a:r>
+            <a:r>
+              <a:rPr lang="zh-TW" altLang="en-US" dirty="0"/>
+              <a:t>值域，每個像素點對周圍的灰階差都不同，事後歸一化</a:t>
+            </a:r>
+            <a:r>
+              <a:rPr lang="en-US" altLang="zh-TW" dirty="0"/>
+              <a:t>)</a:t>
+            </a:r>
+            <a:r>
+              <a:rPr lang="zh-TW" altLang="en-US" dirty="0"/>
+              <a:t>，高斯模糊</a:t>
+            </a:r>
+            <a:r>
+              <a:rPr lang="en-US" altLang="zh-TW" dirty="0"/>
+              <a:t>(</a:t>
+            </a:r>
+            <a:r>
+              <a:rPr lang="zh-TW" altLang="en-US" dirty="0"/>
+              <a:t>事先歸一化，寫好的</a:t>
+            </a:r>
+            <a:r>
+              <a:rPr lang="en-US" altLang="zh-TW" dirty="0"/>
+              <a:t>)	---  Sobel</a:t>
+            </a:r>
+            <a:r>
+              <a:rPr lang="zh-TW" altLang="en-US" dirty="0"/>
+              <a:t>找梯度</a:t>
+            </a:r>
+            <a:r>
+              <a:rPr lang="en-US" altLang="zh-TW" dirty="0"/>
+              <a:t>|</a:t>
+            </a:r>
+            <a:r>
+              <a:rPr lang="en-US" altLang="zh-TW" dirty="0" err="1"/>
+              <a:t>Gx+Gy</a:t>
+            </a:r>
+            <a:r>
+              <a:rPr lang="en-US" altLang="zh-TW" dirty="0"/>
+              <a:t>| , </a:t>
+            </a:r>
+            <a:r>
+              <a:rPr lang="en-US" altLang="zh-TW" dirty="0" err="1"/>
+              <a:t>cordic</a:t>
+            </a:r>
+            <a:r>
+              <a:rPr lang="en-US" altLang="zh-TW" dirty="0"/>
+              <a:t> </a:t>
+            </a:r>
+            <a:r>
+              <a:rPr lang="zh-TW" altLang="en-US" dirty="0"/>
+              <a:t>找角度 </a:t>
+            </a:r>
+            <a:r>
+              <a:rPr lang="en-US" altLang="zh-TW" dirty="0"/>
+              <a:t>=&gt; NMS(</a:t>
+            </a:r>
+            <a:r>
+              <a:rPr lang="zh-TW" altLang="en-US" dirty="0"/>
+              <a:t>找極大值</a:t>
+            </a:r>
+            <a:r>
+              <a:rPr lang="en-US" altLang="zh-TW" dirty="0"/>
+              <a:t>)</a:t>
+            </a:r>
+            <a:r>
+              <a:rPr lang="zh-TW" altLang="en-US" dirty="0"/>
+              <a:t>九宮格篩區域</a:t>
+            </a:r>
+            <a:r>
+              <a:rPr lang="en-US" altLang="zh-TW" dirty="0"/>
+              <a:t>, </a:t>
+            </a:r>
+            <a:r>
+              <a:rPr lang="zh-TW" altLang="en-US" dirty="0"/>
+              <a:t>保留重疊區域 </a:t>
+            </a:r>
+            <a:r>
+              <a:rPr lang="en-US" altLang="zh-TW" dirty="0"/>
+              <a:t>=&gt; </a:t>
+            </a:r>
+            <a:r>
+              <a:rPr lang="en-US" altLang="zh-TW" dirty="0" err="1"/>
+              <a:t>Hysterizethreshold</a:t>
+            </a:r>
+            <a:r>
+              <a:rPr lang="en-US" altLang="zh-TW" dirty="0"/>
+              <a:t> </a:t>
+            </a:r>
+            <a:r>
+              <a:rPr lang="zh-TW" altLang="en-US" dirty="0"/>
+              <a:t>磁滯閥值分類強</a:t>
+            </a:r>
+            <a:r>
+              <a:rPr lang="en-US" altLang="zh-TW" dirty="0"/>
+              <a:t>,</a:t>
+            </a:r>
+            <a:r>
+              <a:rPr lang="zh-TW" altLang="en-US" dirty="0"/>
+              <a:t>弱</a:t>
+            </a:r>
+            <a:r>
+              <a:rPr lang="en-US" altLang="zh-TW" dirty="0"/>
+              <a:t>,</a:t>
+            </a:r>
+            <a:r>
+              <a:rPr lang="zh-TW" altLang="en-US" dirty="0"/>
+              <a:t>非邊緣，將中間區段的弱邊緣與強邊緣連線 </a:t>
+            </a:r>
+            <a:r>
+              <a:rPr lang="en-US" altLang="zh-TW" dirty="0"/>
+              <a:t>=&gt; </a:t>
+            </a:r>
+            <a:r>
+              <a:rPr lang="en-US" altLang="zh-TW" dirty="0" err="1"/>
+              <a:t>LineBuffer</a:t>
+            </a:r>
+            <a:r>
+              <a:rPr lang="zh-TW" altLang="en-US" dirty="0"/>
+              <a:t>檢查上一行邊緣 </a:t>
+            </a:r>
+            <a:r>
+              <a:rPr lang="en-US" altLang="zh-TW" dirty="0"/>
+              <a:t>=&gt; </a:t>
+            </a:r>
+            <a:r>
+              <a:rPr lang="en-US" altLang="zh-TW" dirty="0" err="1"/>
+              <a:t>o_canny_reg</a:t>
+            </a:r>
+            <a:r>
+              <a:rPr lang="zh-TW" altLang="en-US" dirty="0"/>
+              <a:t>檢查上一點像素的結果</a:t>
+            </a:r>
           </a:p>
         </p:txBody>
       </p:sp>

--- a/HW8_Canny_BRam/N06-Tutorial/專案進度報告-Canny_VGA-吳東穎-20230607.pptx
+++ b/HW8_Canny_BRam/N06-Tutorial/專案進度報告-Canny_VGA-吳東穎-20230607.pptx
@@ -5,10 +5,10 @@
     <p:sldMasterId id="2147483648" r:id="rId1"/>
   </p:sldMasterIdLst>
   <p:notesMasterIdLst>
-    <p:notesMasterId r:id="rId28"/>
+    <p:notesMasterId r:id="rId34"/>
   </p:notesMasterIdLst>
   <p:handoutMasterIdLst>
-    <p:handoutMasterId r:id="rId29"/>
+    <p:handoutMasterId r:id="rId35"/>
   </p:handoutMasterIdLst>
   <p:sldIdLst>
     <p:sldId id="259" r:id="rId2"/>
@@ -20,23 +20,29 @@
     <p:sldId id="614" r:id="rId8"/>
     <p:sldId id="1250" r:id="rId9"/>
     <p:sldId id="1311" r:id="rId10"/>
-    <p:sldId id="1309" r:id="rId11"/>
-    <p:sldId id="1293" r:id="rId12"/>
-    <p:sldId id="1296" r:id="rId13"/>
-    <p:sldId id="1294" r:id="rId14"/>
-    <p:sldId id="1301" r:id="rId15"/>
-    <p:sldId id="1312" r:id="rId16"/>
-    <p:sldId id="261" r:id="rId17"/>
-    <p:sldId id="1305" r:id="rId18"/>
-    <p:sldId id="1306" r:id="rId19"/>
-    <p:sldId id="1307" r:id="rId20"/>
-    <p:sldId id="1300" r:id="rId21"/>
-    <p:sldId id="1308" r:id="rId22"/>
-    <p:sldId id="1258" r:id="rId23"/>
-    <p:sldId id="1282" r:id="rId24"/>
-    <p:sldId id="1302" r:id="rId25"/>
-    <p:sldId id="1310" r:id="rId26"/>
-    <p:sldId id="271" r:id="rId27"/>
+    <p:sldId id="1315" r:id="rId11"/>
+    <p:sldId id="1316" r:id="rId12"/>
+    <p:sldId id="1317" r:id="rId13"/>
+    <p:sldId id="1309" r:id="rId14"/>
+    <p:sldId id="1293" r:id="rId15"/>
+    <p:sldId id="1296" r:id="rId16"/>
+    <p:sldId id="1294" r:id="rId17"/>
+    <p:sldId id="1301" r:id="rId18"/>
+    <p:sldId id="1312" r:id="rId19"/>
+    <p:sldId id="1318" r:id="rId20"/>
+    <p:sldId id="261" r:id="rId21"/>
+    <p:sldId id="1305" r:id="rId22"/>
+    <p:sldId id="1306" r:id="rId23"/>
+    <p:sldId id="1307" r:id="rId24"/>
+    <p:sldId id="1300" r:id="rId25"/>
+    <p:sldId id="1308" r:id="rId26"/>
+    <p:sldId id="1258" r:id="rId27"/>
+    <p:sldId id="1282" r:id="rId28"/>
+    <p:sldId id="1302" r:id="rId29"/>
+    <p:sldId id="1310" r:id="rId30"/>
+    <p:sldId id="1313" r:id="rId31"/>
+    <p:sldId id="1314" r:id="rId32"/>
+    <p:sldId id="271" r:id="rId33"/>
   </p:sldIdLst>
   <p:sldSz cx="12192000" cy="6858000"/>
   <p:notesSz cx="6858000" cy="9144000"/>
@@ -173,6 +179,9 @@
           <p14:sldIdLst>
             <p14:sldId id="1250"/>
             <p14:sldId id="1311"/>
+            <p14:sldId id="1315"/>
+            <p14:sldId id="1316"/>
+            <p14:sldId id="1317"/>
             <p14:sldId id="1309"/>
             <p14:sldId id="1293"/>
           </p14:sldIdLst>
@@ -183,6 +192,7 @@
             <p14:sldId id="1294"/>
             <p14:sldId id="1301"/>
             <p14:sldId id="1312"/>
+            <p14:sldId id="1318"/>
           </p14:sldIdLst>
         </p14:section>
         <p14:section name="成果展示(2023/6/7)" id="{70DC3051-68F9-4DEC-9A31-AFAFBB0B0227}">
@@ -221,6 +231,8 @@
             <p14:sldId id="1282"/>
             <p14:sldId id="1302"/>
             <p14:sldId id="1310"/>
+            <p14:sldId id="1313"/>
+            <p14:sldId id="1314"/>
           </p14:sldIdLst>
         </p14:section>
         <p14:section name="參考資料" id="{45BCF316-EF51-4D48-B1BE-363829FB5D01}">
@@ -326,7 +338,7 @@
               <a:rPr lang="zh-TW" altLang="en-US" smtClean="0">
                 <a:ea typeface="標楷體" panose="03000509000000000000" pitchFamily="65" charset="-120"/>
               </a:rPr>
-              <a:t>2023/6/2</a:t>
+              <a:t>2023/6/3</a:t>
             </a:fld>
             <a:endParaRPr lang="zh-TW" altLang="en-US" dirty="0">
               <a:ea typeface="標楷體" panose="03000509000000000000" pitchFamily="65" charset="-120"/>
@@ -504,7 +516,7 @@
             <a:fld id="{2CB905C5-9D54-40E2-B40C-7996280CAB02}" type="datetimeFigureOut">
               <a:rPr lang="zh-TW" altLang="en-US" smtClean="0"/>
               <a:pPr/>
-              <a:t>2023/6/2</a:t>
+              <a:t>2023/6/3</a:t>
             </a:fld>
             <a:endParaRPr lang="zh-TW" altLang="en-US" dirty="0"/>
           </a:p>
@@ -925,7 +937,7 @@
           <a:p>
             <a:fld id="{EF8A6B0B-A5FB-4629-B823-69B1A9EB3A43}" type="slidenum">
               <a:rPr lang="zh-TW" altLang="en-US" smtClean="0"/>
-              <a:t>23</a:t>
+              <a:t>27</a:t>
             </a:fld>
             <a:endParaRPr lang="zh-TW" altLang="en-US"/>
           </a:p>
@@ -1009,7 +1021,7 @@
           <a:p>
             <a:fld id="{EF8A6B0B-A5FB-4629-B823-69B1A9EB3A43}" type="slidenum">
               <a:rPr lang="zh-TW" altLang="en-US" smtClean="0"/>
-              <a:t>24</a:t>
+              <a:t>28</a:t>
             </a:fld>
             <a:endParaRPr lang="zh-TW" altLang="en-US"/>
           </a:p>
@@ -1093,7 +1105,7 @@
           <a:p>
             <a:fld id="{EF8A6B0B-A5FB-4629-B823-69B1A9EB3A43}" type="slidenum">
               <a:rPr lang="zh-TW" altLang="en-US" smtClean="0"/>
-              <a:t>25</a:t>
+              <a:t>29</a:t>
             </a:fld>
             <a:endParaRPr lang="zh-TW" altLang="en-US"/>
           </a:p>
@@ -1103,6 +1115,174 @@
     <p:extLst>
       <p:ext uri="{BB962C8B-B14F-4D97-AF65-F5344CB8AC3E}">
         <p14:creationId xmlns:p14="http://schemas.microsoft.com/office/powerpoint/2010/main" val="2058271607"/>
+      </p:ext>
+    </p:extLst>
+  </p:cSld>
+  <p:clrMapOvr>
+    <a:masterClrMapping/>
+  </p:clrMapOvr>
+</p:notes>
+</file>
+
+<file path=ppt/notesSlides/notesSlide13.xml><?xml version="1.0" encoding="utf-8"?>
+<p:notes xmlns:a="http://schemas.openxmlformats.org/drawingml/2006/main" xmlns:r="http://schemas.openxmlformats.org/officeDocument/2006/relationships" xmlns:p="http://schemas.openxmlformats.org/presentationml/2006/main">
+  <p:cSld>
+    <p:spTree>
+      <p:nvGrpSpPr>
+        <p:cNvPr id="1" name=""/>
+        <p:cNvGrpSpPr/>
+        <p:nvPr/>
+      </p:nvGrpSpPr>
+      <p:grpSpPr>
+        <a:xfrm>
+          <a:off x="0" y="0"/>
+          <a:ext cx="0" cy="0"/>
+          <a:chOff x="0" y="0"/>
+          <a:chExt cx="0" cy="0"/>
+        </a:xfrm>
+      </p:grpSpPr>
+      <p:sp>
+        <p:nvSpPr>
+          <p:cNvPr id="2" name="投影片圖像版面配置區 1"/>
+          <p:cNvSpPr>
+            <a:spLocks noGrp="1" noRot="1" noChangeAspect="1"/>
+          </p:cNvSpPr>
+          <p:nvPr>
+            <p:ph type="sldImg"/>
+          </p:nvPr>
+        </p:nvSpPr>
+        <p:spPr/>
+      </p:sp>
+      <p:sp>
+        <p:nvSpPr>
+          <p:cNvPr id="3" name="備忘稿版面配置區 2"/>
+          <p:cNvSpPr>
+            <a:spLocks noGrp="1"/>
+          </p:cNvSpPr>
+          <p:nvPr>
+            <p:ph type="body" idx="1"/>
+          </p:nvPr>
+        </p:nvSpPr>
+        <p:spPr/>
+        <p:txBody>
+          <a:bodyPr/>
+          <a:lstStyle/>
+          <a:p>
+            <a:endParaRPr lang="zh-TW" altLang="en-US" dirty="0"/>
+          </a:p>
+        </p:txBody>
+      </p:sp>
+      <p:sp>
+        <p:nvSpPr>
+          <p:cNvPr id="4" name="投影片編號版面配置區 3"/>
+          <p:cNvSpPr>
+            <a:spLocks noGrp="1"/>
+          </p:cNvSpPr>
+          <p:nvPr>
+            <p:ph type="sldNum" sz="quarter" idx="10"/>
+          </p:nvPr>
+        </p:nvSpPr>
+        <p:spPr/>
+        <p:txBody>
+          <a:bodyPr/>
+          <a:lstStyle/>
+          <a:p>
+            <a:fld id="{EF8A6B0B-A5FB-4629-B823-69B1A9EB3A43}" type="slidenum">
+              <a:rPr lang="zh-TW" altLang="en-US" smtClean="0"/>
+              <a:t>30</a:t>
+            </a:fld>
+            <a:endParaRPr lang="zh-TW" altLang="en-US"/>
+          </a:p>
+        </p:txBody>
+      </p:sp>
+    </p:spTree>
+    <p:extLst>
+      <p:ext uri="{BB962C8B-B14F-4D97-AF65-F5344CB8AC3E}">
+        <p14:creationId xmlns:p14="http://schemas.microsoft.com/office/powerpoint/2010/main" val="2292930631"/>
+      </p:ext>
+    </p:extLst>
+  </p:cSld>
+  <p:clrMapOvr>
+    <a:masterClrMapping/>
+  </p:clrMapOvr>
+</p:notes>
+</file>
+
+<file path=ppt/notesSlides/notesSlide14.xml><?xml version="1.0" encoding="utf-8"?>
+<p:notes xmlns:a="http://schemas.openxmlformats.org/drawingml/2006/main" xmlns:r="http://schemas.openxmlformats.org/officeDocument/2006/relationships" xmlns:p="http://schemas.openxmlformats.org/presentationml/2006/main">
+  <p:cSld>
+    <p:spTree>
+      <p:nvGrpSpPr>
+        <p:cNvPr id="1" name=""/>
+        <p:cNvGrpSpPr/>
+        <p:nvPr/>
+      </p:nvGrpSpPr>
+      <p:grpSpPr>
+        <a:xfrm>
+          <a:off x="0" y="0"/>
+          <a:ext cx="0" cy="0"/>
+          <a:chOff x="0" y="0"/>
+          <a:chExt cx="0" cy="0"/>
+        </a:xfrm>
+      </p:grpSpPr>
+      <p:sp>
+        <p:nvSpPr>
+          <p:cNvPr id="2" name="投影片圖像版面配置區 1"/>
+          <p:cNvSpPr>
+            <a:spLocks noGrp="1" noRot="1" noChangeAspect="1"/>
+          </p:cNvSpPr>
+          <p:nvPr>
+            <p:ph type="sldImg"/>
+          </p:nvPr>
+        </p:nvSpPr>
+        <p:spPr/>
+      </p:sp>
+      <p:sp>
+        <p:nvSpPr>
+          <p:cNvPr id="3" name="備忘稿版面配置區 2"/>
+          <p:cNvSpPr>
+            <a:spLocks noGrp="1"/>
+          </p:cNvSpPr>
+          <p:nvPr>
+            <p:ph type="body" idx="1"/>
+          </p:nvPr>
+        </p:nvSpPr>
+        <p:spPr/>
+        <p:txBody>
+          <a:bodyPr/>
+          <a:lstStyle/>
+          <a:p>
+            <a:endParaRPr lang="zh-TW" altLang="en-US" dirty="0"/>
+          </a:p>
+        </p:txBody>
+      </p:sp>
+      <p:sp>
+        <p:nvSpPr>
+          <p:cNvPr id="4" name="投影片編號版面配置區 3"/>
+          <p:cNvSpPr>
+            <a:spLocks noGrp="1"/>
+          </p:cNvSpPr>
+          <p:nvPr>
+            <p:ph type="sldNum" sz="quarter" idx="10"/>
+          </p:nvPr>
+        </p:nvSpPr>
+        <p:spPr/>
+        <p:txBody>
+          <a:bodyPr/>
+          <a:lstStyle/>
+          <a:p>
+            <a:fld id="{EF8A6B0B-A5FB-4629-B823-69B1A9EB3A43}" type="slidenum">
+              <a:rPr lang="zh-TW" altLang="en-US" smtClean="0"/>
+              <a:t>31</a:t>
+            </a:fld>
+            <a:endParaRPr lang="zh-TW" altLang="en-US"/>
+          </a:p>
+        </p:txBody>
+      </p:sp>
+    </p:spTree>
+    <p:extLst>
+      <p:ext uri="{BB962C8B-B14F-4D97-AF65-F5344CB8AC3E}">
+        <p14:creationId xmlns:p14="http://schemas.microsoft.com/office/powerpoint/2010/main" val="4229284268"/>
       </p:ext>
     </p:extLst>
   </p:cSld>
@@ -1261,7 +1441,7 @@
           <a:p>
             <a:fld id="{EF8A6B0B-A5FB-4629-B823-69B1A9EB3A43}" type="slidenum">
               <a:rPr lang="zh-TW" altLang="en-US" smtClean="0"/>
-              <a:t>16</a:t>
+              <a:t>20</a:t>
             </a:fld>
             <a:endParaRPr lang="zh-TW" altLang="en-US"/>
           </a:p>
@@ -1345,7 +1525,7 @@
           <a:p>
             <a:fld id="{EF8A6B0B-A5FB-4629-B823-69B1A9EB3A43}" type="slidenum">
               <a:rPr lang="zh-TW" altLang="en-US" smtClean="0"/>
-              <a:t>17</a:t>
+              <a:t>21</a:t>
             </a:fld>
             <a:endParaRPr lang="zh-TW" altLang="en-US"/>
           </a:p>
@@ -1429,7 +1609,7 @@
           <a:p>
             <a:fld id="{EF8A6B0B-A5FB-4629-B823-69B1A9EB3A43}" type="slidenum">
               <a:rPr lang="zh-TW" altLang="en-US" smtClean="0"/>
-              <a:t>18</a:t>
+              <a:t>22</a:t>
             </a:fld>
             <a:endParaRPr lang="zh-TW" altLang="en-US"/>
           </a:p>
@@ -1513,7 +1693,7 @@
           <a:p>
             <a:fld id="{EF8A6B0B-A5FB-4629-B823-69B1A9EB3A43}" type="slidenum">
               <a:rPr lang="zh-TW" altLang="en-US" smtClean="0"/>
-              <a:t>19</a:t>
+              <a:t>23</a:t>
             </a:fld>
             <a:endParaRPr lang="zh-TW" altLang="en-US"/>
           </a:p>
@@ -1597,7 +1777,7 @@
           <a:p>
             <a:fld id="{EF8A6B0B-A5FB-4629-B823-69B1A9EB3A43}" type="slidenum">
               <a:rPr lang="zh-TW" altLang="en-US" smtClean="0"/>
-              <a:t>20</a:t>
+              <a:t>24</a:t>
             </a:fld>
             <a:endParaRPr lang="zh-TW" altLang="en-US"/>
           </a:p>
@@ -1681,7 +1861,7 @@
           <a:p>
             <a:fld id="{EF8A6B0B-A5FB-4629-B823-69B1A9EB3A43}" type="slidenum">
               <a:rPr lang="zh-TW" altLang="en-US" smtClean="0"/>
-              <a:t>21</a:t>
+              <a:t>25</a:t>
             </a:fld>
             <a:endParaRPr lang="zh-TW" altLang="en-US"/>
           </a:p>
@@ -1765,7 +1945,7 @@
           <a:p>
             <a:fld id="{EF8A6B0B-A5FB-4629-B823-69B1A9EB3A43}" type="slidenum">
               <a:rPr lang="zh-TW" altLang="en-US" smtClean="0"/>
-              <a:t>22</a:t>
+              <a:t>26</a:t>
             </a:fld>
             <a:endParaRPr lang="zh-TW" altLang="en-US"/>
           </a:p>
@@ -1918,7 +2098,7 @@
           <a:p>
             <a:fld id="{0C0CC965-A63A-473D-BEFB-C8F9714D5269}" type="datetimeFigureOut">
               <a:rPr lang="zh-TW" altLang="en-US" smtClean="0"/>
-              <a:t>2023/6/2</a:t>
+              <a:t>2023/6/3</a:t>
             </a:fld>
             <a:endParaRPr lang="zh-TW" altLang="en-US"/>
           </a:p>
@@ -2086,7 +2266,7 @@
           <a:p>
             <a:fld id="{0C0CC965-A63A-473D-BEFB-C8F9714D5269}" type="datetimeFigureOut">
               <a:rPr lang="zh-TW" altLang="en-US" smtClean="0"/>
-              <a:t>2023/6/2</a:t>
+              <a:t>2023/6/3</a:t>
             </a:fld>
             <a:endParaRPr lang="zh-TW" altLang="en-US"/>
           </a:p>
@@ -2264,7 +2444,7 @@
           <a:p>
             <a:fld id="{0C0CC965-A63A-473D-BEFB-C8F9714D5269}" type="datetimeFigureOut">
               <a:rPr lang="zh-TW" altLang="en-US" smtClean="0"/>
-              <a:t>2023/6/2</a:t>
+              <a:t>2023/6/3</a:t>
             </a:fld>
             <a:endParaRPr lang="zh-TW" altLang="en-US"/>
           </a:p>
@@ -2486,7 +2666,7 @@
           <a:p>
             <a:fld id="{0C0CC965-A63A-473D-BEFB-C8F9714D5269}" type="datetimeFigureOut">
               <a:rPr lang="zh-TW" altLang="en-US" smtClean="0"/>
-              <a:t>2023/6/2</a:t>
+              <a:t>2023/6/3</a:t>
             </a:fld>
             <a:endParaRPr lang="zh-TW" altLang="en-US"/>
           </a:p>
@@ -2681,7 +2861,7 @@
           <a:p>
             <a:fld id="{0C0CC965-A63A-473D-BEFB-C8F9714D5269}" type="datetimeFigureOut">
               <a:rPr lang="zh-TW" altLang="en-US" smtClean="0"/>
-              <a:t>2023/6/2</a:t>
+              <a:t>2023/6/3</a:t>
             </a:fld>
             <a:endParaRPr lang="zh-TW" altLang="en-US"/>
           </a:p>
@@ -2926,7 +3106,7 @@
           <a:p>
             <a:fld id="{0C0CC965-A63A-473D-BEFB-C8F9714D5269}" type="datetimeFigureOut">
               <a:rPr lang="zh-TW" altLang="en-US" smtClean="0"/>
-              <a:t>2023/6/2</a:t>
+              <a:t>2023/6/3</a:t>
             </a:fld>
             <a:endParaRPr lang="zh-TW" altLang="en-US"/>
           </a:p>
@@ -3155,7 +3335,7 @@
           <a:p>
             <a:fld id="{0C0CC965-A63A-473D-BEFB-C8F9714D5269}" type="datetimeFigureOut">
               <a:rPr lang="zh-TW" altLang="en-US" smtClean="0"/>
-              <a:t>2023/6/2</a:t>
+              <a:t>2023/6/3</a:t>
             </a:fld>
             <a:endParaRPr lang="zh-TW" altLang="en-US"/>
           </a:p>
@@ -3519,7 +3699,7 @@
           <a:p>
             <a:fld id="{0C0CC965-A63A-473D-BEFB-C8F9714D5269}" type="datetimeFigureOut">
               <a:rPr lang="zh-TW" altLang="en-US" smtClean="0"/>
-              <a:t>2023/6/2</a:t>
+              <a:t>2023/6/3</a:t>
             </a:fld>
             <a:endParaRPr lang="zh-TW" altLang="en-US"/>
           </a:p>
@@ -3636,7 +3816,7 @@
           <a:p>
             <a:fld id="{0C0CC965-A63A-473D-BEFB-C8F9714D5269}" type="datetimeFigureOut">
               <a:rPr lang="zh-TW" altLang="en-US" smtClean="0"/>
-              <a:t>2023/6/2</a:t>
+              <a:t>2023/6/3</a:t>
             </a:fld>
             <a:endParaRPr lang="zh-TW" altLang="en-US"/>
           </a:p>
@@ -3731,7 +3911,7 @@
           <a:p>
             <a:fld id="{0C0CC965-A63A-473D-BEFB-C8F9714D5269}" type="datetimeFigureOut">
               <a:rPr lang="zh-TW" altLang="en-US" smtClean="0"/>
-              <a:t>2023/6/2</a:t>
+              <a:t>2023/6/3</a:t>
             </a:fld>
             <a:endParaRPr lang="zh-TW" altLang="en-US"/>
           </a:p>
@@ -4006,7 +4186,7 @@
           <a:p>
             <a:fld id="{0C0CC965-A63A-473D-BEFB-C8F9714D5269}" type="datetimeFigureOut">
               <a:rPr lang="zh-TW" altLang="en-US" smtClean="0"/>
-              <a:t>2023/6/2</a:t>
+              <a:t>2023/6/3</a:t>
             </a:fld>
             <a:endParaRPr lang="zh-TW" altLang="en-US"/>
           </a:p>
@@ -4258,7 +4438,7 @@
           <a:p>
             <a:fld id="{0C0CC965-A63A-473D-BEFB-C8F9714D5269}" type="datetimeFigureOut">
               <a:rPr lang="zh-TW" altLang="en-US" smtClean="0"/>
-              <a:t>2023/6/2</a:t>
+              <a:t>2023/6/3</a:t>
             </a:fld>
             <a:endParaRPr lang="zh-TW" altLang="en-US"/>
           </a:p>
@@ -4472,7 +4652,7 @@
             <a:fld id="{0C0CC965-A63A-473D-BEFB-C8F9714D5269}" type="datetimeFigureOut">
               <a:rPr lang="zh-TW" altLang="en-US" smtClean="0"/>
               <a:pPr/>
-              <a:t>2023/6/2</a:t>
+              <a:t>2023/6/3</a:t>
             </a:fld>
             <a:endParaRPr lang="zh-TW" altLang="en-US"/>
           </a:p>
@@ -5161,22 +5341,19 @@
               <a:t>–</a:t>
             </a:r>
             <a:r>
-              <a:rPr lang="zh-TW" altLang="en-US" sz="4400" dirty="0">
-                <a:latin typeface="Times New Roman" panose="02020603050405020304" pitchFamily="18" charset="0"/>
-                <a:ea typeface="標楷體" panose="03000509000000000000" pitchFamily="65" charset="-120"/>
-              </a:rPr>
-              <a:t>影像前處理</a:t>
+              <a:rPr lang="zh-TW" altLang="en-US" dirty="0"/>
+              <a:t> </a:t>
             </a:r>
             <a:r>
               <a:rPr lang="en-US" altLang="zh-TW" sz="4400" dirty="0">
                 <a:latin typeface="Times New Roman" panose="02020603050405020304" pitchFamily="18" charset="0"/>
                 <a:ea typeface="標楷體" panose="03000509000000000000" pitchFamily="65" charset="-120"/>
               </a:rPr>
-              <a:t> </a:t>
+              <a:t>Sobel </a:t>
             </a:r>
             <a:r>
               <a:rPr lang="en-US" altLang="zh-TW" dirty="0"/>
-              <a:t>(2023/5/27</a:t>
+              <a:t>(2023/6/1</a:t>
             </a:r>
             <a:r>
               <a:rPr lang="zh-TW" altLang="en-US" dirty="0"/>
@@ -5192,10 +5369,10 @@
       </p:sp>
       <p:sp>
         <p:nvSpPr>
-          <p:cNvPr id="5" name="文字方塊 4">
+          <p:cNvPr id="8" name="文字方塊 7">
             <a:extLst>
               <a:ext uri="{FF2B5EF4-FFF2-40B4-BE49-F238E27FC236}">
-                <a16:creationId xmlns:a16="http://schemas.microsoft.com/office/drawing/2014/main" id="{1305ED3A-520E-4115-889C-3403FD309DDE}"/>
+                <a16:creationId xmlns:a16="http://schemas.microsoft.com/office/drawing/2014/main" id="{4B5AEB51-4D94-4607-8BE2-41BD0A0F5B04}"/>
               </a:ext>
             </a:extLst>
           </p:cNvPr>
@@ -5205,7 +5382,7 @@
         <p:spPr>
           <a:xfrm>
             <a:off x="1247784" y="1399296"/>
-            <a:ext cx="6977848" cy="1323439"/>
+            <a:ext cx="6977848" cy="646331"/>
           </a:xfrm>
           <a:prstGeom prst="rect">
             <a:avLst/>
@@ -5222,111 +5399,182 @@
               <a:buFont typeface="Arial" panose="020B0604020202020204" pitchFamily="34" charset="0"/>
               <a:buChar char="•"/>
             </a:pPr>
-            <a:r>
-              <a:rPr lang="en-US" altLang="zh-TW" sz="1600" dirty="0" err="1">
-                <a:latin typeface="Times New Roman" panose="02020603050405020304" pitchFamily="18" charset="0"/>
-                <a:ea typeface="標楷體" panose="03000509000000000000" pitchFamily="65" charset="-120"/>
-              </a:rPr>
-              <a:t>Cachesystem</a:t>
-            </a:r>
-            <a:endParaRPr lang="en-US" altLang="zh-TW" sz="1600" dirty="0">
+            <a:endParaRPr lang="en-US" altLang="zh-TW" dirty="0">
               <a:latin typeface="Times New Roman" panose="02020603050405020304" pitchFamily="18" charset="0"/>
               <a:ea typeface="標楷體" panose="03000509000000000000" pitchFamily="65" charset="-120"/>
             </a:endParaRPr>
           </a:p>
           <a:p>
-            <a:pPr marL="1200150" lvl="2" indent="-285750">
+            <a:pPr marL="742950" lvl="1" indent="-285750">
               <a:buFont typeface="Arial" panose="020B0604020202020204" pitchFamily="34" charset="0"/>
               <a:buChar char="•"/>
             </a:pPr>
             <a:r>
-              <a:rPr lang="en-US" altLang="zh-TW" sz="1600" dirty="0">
-                <a:latin typeface="Times New Roman" panose="02020603050405020304" pitchFamily="18" charset="0"/>
-                <a:ea typeface="標楷體" panose="03000509000000000000" pitchFamily="65" charset="-120"/>
-              </a:rPr>
-              <a:t>line buffer</a:t>
-            </a:r>
-          </a:p>
-          <a:p>
-            <a:pPr marL="1657350" lvl="3" indent="-285750">
-              <a:buFont typeface="Arial" panose="020B0604020202020204" pitchFamily="34" charset="0"/>
-              <a:buChar char="•"/>
-            </a:pPr>
-            <a:r>
-              <a:rPr lang="en-US" altLang="zh-TW" sz="1600" dirty="0" err="1">
-                <a:latin typeface="Times New Roman" panose="02020603050405020304" pitchFamily="18" charset="0"/>
-                <a:ea typeface="標楷體" panose="03000509000000000000" pitchFamily="65" charset="-120"/>
-              </a:rPr>
-              <a:t>GaussianFilter</a:t>
-            </a:r>
-            <a:endParaRPr lang="en-US" altLang="zh-TW" sz="1600" dirty="0">
-              <a:latin typeface="Times New Roman" panose="02020603050405020304" pitchFamily="18" charset="0"/>
-              <a:ea typeface="標楷體" panose="03000509000000000000" pitchFamily="65" charset="-120"/>
-            </a:endParaRPr>
-          </a:p>
-          <a:p>
-            <a:pPr marL="1657350" lvl="3" indent="-285750">
-              <a:buFont typeface="Arial" panose="020B0604020202020204" pitchFamily="34" charset="0"/>
-              <a:buChar char="•"/>
-            </a:pPr>
-            <a:r>
-              <a:rPr lang="en-US" altLang="zh-TW" sz="1600" dirty="0" err="1">
-                <a:latin typeface="Times New Roman" panose="02020603050405020304" pitchFamily="18" charset="0"/>
-                <a:ea typeface="標楷體" panose="03000509000000000000" pitchFamily="65" charset="-120"/>
-              </a:rPr>
-              <a:t>NonMaxSuppression</a:t>
-            </a:r>
-            <a:endParaRPr lang="en-US" altLang="zh-TW" sz="1600" dirty="0">
-              <a:latin typeface="Times New Roman" panose="02020603050405020304" pitchFamily="18" charset="0"/>
-              <a:ea typeface="標楷體" panose="03000509000000000000" pitchFamily="65" charset="-120"/>
-            </a:endParaRPr>
-          </a:p>
-          <a:p>
-            <a:pPr marL="1200150" lvl="2" indent="-285750">
-              <a:buFont typeface="Arial" panose="020B0604020202020204" pitchFamily="34" charset="0"/>
-              <a:buChar char="•"/>
-            </a:pPr>
-            <a:endParaRPr lang="zh-TW" altLang="en-US" sz="1600" dirty="0">
-              <a:latin typeface="Times New Roman" panose="02020603050405020304" pitchFamily="18" charset="0"/>
-              <a:ea typeface="標楷體" panose="03000509000000000000" pitchFamily="65" charset="-120"/>
-            </a:endParaRPr>
+              <a:rPr lang="en-US" altLang="zh-TW" dirty="0">
+                <a:latin typeface="Times New Roman" panose="02020603050405020304" pitchFamily="18" charset="0"/>
+                <a:ea typeface="標楷體" panose="03000509000000000000" pitchFamily="65" charset="-120"/>
+              </a:rPr>
+              <a:t>Sobel</a:t>
+            </a:r>
+            <a:r>
+              <a:rPr lang="zh-TW" altLang="en-US" dirty="0">
+                <a:latin typeface="Times New Roman" panose="02020603050405020304" pitchFamily="18" charset="0"/>
+                <a:ea typeface="標楷體" panose="03000509000000000000" pitchFamily="65" charset="-120"/>
+              </a:rPr>
+              <a:t>找梯度</a:t>
+            </a:r>
+            <a:r>
+              <a:rPr lang="en-US" altLang="zh-TW" dirty="0">
+                <a:latin typeface="Times New Roman" panose="02020603050405020304" pitchFamily="18" charset="0"/>
+                <a:ea typeface="標楷體" panose="03000509000000000000" pitchFamily="65" charset="-120"/>
+              </a:rPr>
+              <a:t>|</a:t>
+            </a:r>
+            <a:r>
+              <a:rPr lang="en-US" altLang="zh-TW" dirty="0" err="1">
+                <a:latin typeface="Times New Roman" panose="02020603050405020304" pitchFamily="18" charset="0"/>
+                <a:ea typeface="標楷體" panose="03000509000000000000" pitchFamily="65" charset="-120"/>
+              </a:rPr>
+              <a:t>Gx+Gy</a:t>
+            </a:r>
+            <a:r>
+              <a:rPr lang="en-US" altLang="zh-TW" dirty="0">
+                <a:latin typeface="Times New Roman" panose="02020603050405020304" pitchFamily="18" charset="0"/>
+                <a:ea typeface="標楷體" panose="03000509000000000000" pitchFamily="65" charset="-120"/>
+              </a:rPr>
+              <a:t>| , </a:t>
+            </a:r>
+            <a:r>
+              <a:rPr lang="en-US" altLang="zh-TW" dirty="0" err="1">
+                <a:latin typeface="Times New Roman" panose="02020603050405020304" pitchFamily="18" charset="0"/>
+                <a:ea typeface="標楷體" panose="03000509000000000000" pitchFamily="65" charset="-120"/>
+              </a:rPr>
+              <a:t>cordic</a:t>
+            </a:r>
+            <a:r>
+              <a:rPr lang="en-US" altLang="zh-TW" dirty="0">
+                <a:latin typeface="Times New Roman" panose="02020603050405020304" pitchFamily="18" charset="0"/>
+                <a:ea typeface="標楷體" panose="03000509000000000000" pitchFamily="65" charset="-120"/>
+              </a:rPr>
+              <a:t> </a:t>
+            </a:r>
+            <a:r>
+              <a:rPr lang="zh-TW" altLang="en-US" dirty="0">
+                <a:latin typeface="Times New Roman" panose="02020603050405020304" pitchFamily="18" charset="0"/>
+                <a:ea typeface="標楷體" panose="03000509000000000000" pitchFamily="65" charset="-120"/>
+              </a:rPr>
+              <a:t>將</a:t>
+            </a:r>
+            <a:r>
+              <a:rPr lang="en-US" altLang="zh-TW" dirty="0">
+                <a:latin typeface="Times New Roman" panose="02020603050405020304" pitchFamily="18" charset="0"/>
+                <a:ea typeface="標楷體" panose="03000509000000000000" pitchFamily="65" charset="-120"/>
+              </a:rPr>
+              <a:t>Gx, </a:t>
+            </a:r>
+            <a:r>
+              <a:rPr lang="en-US" altLang="zh-TW" dirty="0" err="1">
+                <a:latin typeface="Times New Roman" panose="02020603050405020304" pitchFamily="18" charset="0"/>
+                <a:ea typeface="標楷體" panose="03000509000000000000" pitchFamily="65" charset="-120"/>
+              </a:rPr>
+              <a:t>Gy</a:t>
+            </a:r>
+            <a:r>
+              <a:rPr lang="zh-TW" altLang="en-US" dirty="0">
+                <a:latin typeface="Times New Roman" panose="02020603050405020304" pitchFamily="18" charset="0"/>
+                <a:ea typeface="標楷體" panose="03000509000000000000" pitchFamily="65" charset="-120"/>
+              </a:rPr>
+              <a:t>取</a:t>
+            </a:r>
+            <a:r>
+              <a:rPr lang="en-US" altLang="zh-TW" dirty="0">
+                <a:latin typeface="Times New Roman" panose="02020603050405020304" pitchFamily="18" charset="0"/>
+                <a:ea typeface="標楷體" panose="03000509000000000000" pitchFamily="65" charset="-120"/>
+              </a:rPr>
+              <a:t>arctan</a:t>
+            </a:r>
+            <a:r>
+              <a:rPr lang="zh-TW" altLang="en-US" dirty="0">
+                <a:latin typeface="Times New Roman" panose="02020603050405020304" pitchFamily="18" charset="0"/>
+                <a:ea typeface="標楷體" panose="03000509000000000000" pitchFamily="65" charset="-120"/>
+              </a:rPr>
+              <a:t>角度</a:t>
+            </a:r>
+            <a:r>
+              <a:rPr lang="en-US" altLang="zh-TW" dirty="0">
+                <a:latin typeface="Times New Roman" panose="02020603050405020304" pitchFamily="18" charset="0"/>
+                <a:ea typeface="標楷體" panose="03000509000000000000" pitchFamily="65" charset="-120"/>
+              </a:rPr>
+              <a:t>(</a:t>
+            </a:r>
+            <a:r>
+              <a:rPr lang="zh-TW" altLang="en-US" dirty="0">
+                <a:latin typeface="Times New Roman" panose="02020603050405020304" pitchFamily="18" charset="0"/>
+                <a:ea typeface="標楷體" panose="03000509000000000000" pitchFamily="65" charset="-120"/>
+              </a:rPr>
+              <a:t>需迭帶</a:t>
+            </a:r>
+            <a:r>
+              <a:rPr lang="en-US" altLang="zh-TW" dirty="0">
+                <a:latin typeface="Times New Roman" panose="02020603050405020304" pitchFamily="18" charset="0"/>
+                <a:ea typeface="標楷體" panose="03000509000000000000" pitchFamily="65" charset="-120"/>
+              </a:rPr>
+              <a:t>)</a:t>
+            </a:r>
           </a:p>
         </p:txBody>
       </p:sp>
       <p:pic>
         <p:nvPicPr>
-          <p:cNvPr id="6" name="圖片 5">
+          <p:cNvPr id="2050" name="Picture 2">
             <a:extLst>
               <a:ext uri="{FF2B5EF4-FFF2-40B4-BE49-F238E27FC236}">
-                <a16:creationId xmlns:a16="http://schemas.microsoft.com/office/drawing/2014/main" id="{1FAF7140-00C9-4CF3-935E-5EECEB77D2D1}"/>
+                <a16:creationId xmlns:a16="http://schemas.microsoft.com/office/drawing/2014/main" id="{37DB9BBF-D60A-434A-98BC-09D7C56B2D80}"/>
               </a:ext>
             </a:extLst>
           </p:cNvPr>
           <p:cNvPicPr>
-            <a:picLocks noChangeAspect="1"/>
+            <a:picLocks noChangeAspect="1" noChangeArrowheads="1"/>
           </p:cNvPicPr>
           <p:nvPr/>
         </p:nvPicPr>
         <p:blipFill>
-          <a:blip r:embed="rId2"/>
+          <a:blip r:embed="rId2" cstate="print">
+            <a:extLst>
+              <a:ext uri="{28A0092B-C50C-407E-A947-70E740481C1C}">
+                <a14:useLocalDpi xmlns:a14="http://schemas.microsoft.com/office/drawing/2010/main" val="0"/>
+              </a:ext>
+            </a:extLst>
+          </a:blip>
+          <a:srcRect/>
           <a:stretch>
             <a:fillRect/>
           </a:stretch>
         </p:blipFill>
-        <p:spPr>
+        <p:spPr bwMode="auto">
           <a:xfrm>
-            <a:off x="701906" y="2921496"/>
-            <a:ext cx="10788188" cy="1905606"/>
+            <a:off x="1142031" y="2359798"/>
+            <a:ext cx="9907938" cy="3110791"/>
           </a:xfrm>
           <a:prstGeom prst="rect">
             <a:avLst/>
           </a:prstGeom>
+          <a:noFill/>
+          <a:extLst>
+            <a:ext uri="{909E8E84-426E-40DD-AFC4-6F175D3DCCD1}">
+              <a14:hiddenFill xmlns:a14="http://schemas.microsoft.com/office/drawing/2010/main">
+                <a:solidFill>
+                  <a:srgbClr val="FFFFFF"/>
+                </a:solidFill>
+              </a14:hiddenFill>
+            </a:ext>
+          </a:extLst>
         </p:spPr>
       </p:pic>
     </p:spTree>
     <p:extLst>
       <p:ext uri="{BB962C8B-B14F-4D97-AF65-F5344CB8AC3E}">
-        <p14:creationId xmlns:p14="http://schemas.microsoft.com/office/powerpoint/2010/main" val="3361011053"/>
+        <p14:creationId xmlns:p14="http://schemas.microsoft.com/office/powerpoint/2010/main" val="1508003400"/>
       </p:ext>
     </p:extLst>
   </p:cSld>
@@ -5365,7 +5613,9 @@
         </p:nvSpPr>
         <p:spPr/>
         <p:txBody>
-          <a:bodyPr/>
+          <a:bodyPr>
+            <a:normAutofit/>
+          </a:bodyPr>
           <a:lstStyle/>
           <a:p>
             <a:r>
@@ -5381,16 +5631,15 @@
               <a:t> </a:t>
             </a:r>
             <a:r>
+              <a:rPr lang="en-US" altLang="zh-TW" sz="4400" dirty="0">
+                <a:latin typeface="Times New Roman" panose="02020603050405020304" pitchFamily="18" charset="0"/>
+                <a:ea typeface="標楷體" panose="03000509000000000000" pitchFamily="65" charset="-120"/>
+              </a:rPr>
+              <a:t>NMS </a:t>
+            </a:r>
+            <a:r>
               <a:rPr lang="en-US" altLang="zh-TW" dirty="0"/>
-              <a:t>Break down</a:t>
-            </a:r>
-            <a:r>
-              <a:rPr lang="zh-TW" altLang="en-US" dirty="0"/>
-              <a:t> </a:t>
-            </a:r>
-            <a:r>
-              <a:rPr lang="en-US" altLang="zh-TW" dirty="0"/>
-              <a:t>(2023/5/27</a:t>
+              <a:t>(2023/6/1</a:t>
             </a:r>
             <a:r>
               <a:rPr lang="zh-TW" altLang="en-US" dirty="0"/>
@@ -5406,32 +5655,717 @@
       </p:sp>
       <p:pic>
         <p:nvPicPr>
-          <p:cNvPr id="5" name="圖片 4">
+          <p:cNvPr id="3074" name="Picture 2">
             <a:extLst>
               <a:ext uri="{FF2B5EF4-FFF2-40B4-BE49-F238E27FC236}">
-                <a16:creationId xmlns:a16="http://schemas.microsoft.com/office/drawing/2014/main" id="{5EECF16B-42EF-409F-A13B-DAA8BC1BA834}"/>
+                <a16:creationId xmlns:a16="http://schemas.microsoft.com/office/drawing/2014/main" id="{A379D0A2-0601-43F5-8FB8-F5CCFC08C6E5}"/>
               </a:ext>
             </a:extLst>
           </p:cNvPr>
           <p:cNvPicPr>
-            <a:picLocks noChangeAspect="1"/>
+            <a:picLocks noChangeAspect="1" noChangeArrowheads="1"/>
           </p:cNvPicPr>
           <p:nvPr/>
         </p:nvPicPr>
         <p:blipFill>
-          <a:blip r:embed="rId2"/>
+          <a:blip r:embed="rId2" cstate="print">
+            <a:extLst>
+              <a:ext uri="{28A0092B-C50C-407E-A947-70E740481C1C}">
+                <a14:useLocalDpi xmlns:a14="http://schemas.microsoft.com/office/drawing/2010/main" val="0"/>
+              </a:ext>
+            </a:extLst>
+          </a:blip>
+          <a:srcRect/>
           <a:stretch>
             <a:fillRect/>
           </a:stretch>
         </p:blipFill>
-        <p:spPr>
+        <p:spPr bwMode="auto">
           <a:xfrm>
-            <a:off x="1458769" y="1499863"/>
-            <a:ext cx="9274461" cy="4479710"/>
+            <a:off x="1471371" y="1933138"/>
+            <a:ext cx="9249255" cy="2548908"/>
           </a:xfrm>
           <a:prstGeom prst="rect">
             <a:avLst/>
           </a:prstGeom>
+          <a:noFill/>
+          <a:extLst>
+            <a:ext uri="{909E8E84-426E-40DD-AFC4-6F175D3DCCD1}">
+              <a14:hiddenFill xmlns:a14="http://schemas.microsoft.com/office/drawing/2010/main">
+                <a:solidFill>
+                  <a:srgbClr val="FFFFFF"/>
+                </a:solidFill>
+              </a14:hiddenFill>
+            </a:ext>
+          </a:extLst>
+        </p:spPr>
+      </p:pic>
+      <p:sp>
+        <p:nvSpPr>
+          <p:cNvPr id="5" name="文字方塊 4">
+            <a:extLst>
+              <a:ext uri="{FF2B5EF4-FFF2-40B4-BE49-F238E27FC236}">
+                <a16:creationId xmlns:a16="http://schemas.microsoft.com/office/drawing/2014/main" id="{97E90AF5-F96E-423F-B50E-6619A241B4B6}"/>
+              </a:ext>
+            </a:extLst>
+          </p:cNvPr>
+          <p:cNvSpPr txBox="1"/>
+          <p:nvPr/>
+        </p:nvSpPr>
+        <p:spPr>
+          <a:xfrm>
+            <a:off x="1471371" y="1471473"/>
+            <a:ext cx="8782338" cy="923330"/>
+          </a:xfrm>
+          <a:prstGeom prst="rect">
+            <a:avLst/>
+          </a:prstGeom>
+          <a:noFill/>
+        </p:spPr>
+        <p:txBody>
+          <a:bodyPr wrap="square" rtlCol="0">
+            <a:spAutoFit/>
+          </a:bodyPr>
+          <a:lstStyle/>
+          <a:p>
+            <a:pPr marL="1200150" lvl="2" indent="-285750">
+              <a:buFont typeface="Arial" panose="020B0604020202020204" pitchFamily="34" charset="0"/>
+              <a:buChar char="•"/>
+            </a:pPr>
+            <a:r>
+              <a:rPr lang="en-US" altLang="zh-TW" dirty="0">
+                <a:latin typeface="Times New Roman" panose="02020603050405020304" pitchFamily="18" charset="0"/>
+                <a:ea typeface="標楷體" panose="03000509000000000000" pitchFamily="65" charset="-120"/>
+              </a:rPr>
+              <a:t>NMS(</a:t>
+            </a:r>
+            <a:r>
+              <a:rPr lang="zh-TW" altLang="en-US" dirty="0">
+                <a:latin typeface="Times New Roman" panose="02020603050405020304" pitchFamily="18" charset="0"/>
+                <a:ea typeface="標楷體" panose="03000509000000000000" pitchFamily="65" charset="-120"/>
+              </a:rPr>
+              <a:t>找極大值</a:t>
+            </a:r>
+            <a:r>
+              <a:rPr lang="en-US" altLang="zh-TW" dirty="0">
+                <a:latin typeface="Times New Roman" panose="02020603050405020304" pitchFamily="18" charset="0"/>
+                <a:ea typeface="標楷體" panose="03000509000000000000" pitchFamily="65" charset="-120"/>
+              </a:rPr>
+              <a:t>)</a:t>
+            </a:r>
+            <a:r>
+              <a:rPr lang="zh-TW" altLang="en-US" dirty="0">
+                <a:latin typeface="Times New Roman" panose="02020603050405020304" pitchFamily="18" charset="0"/>
+                <a:ea typeface="標楷體" panose="03000509000000000000" pitchFamily="65" charset="-120"/>
+              </a:rPr>
+              <a:t> 依角度值劃分成</a:t>
+            </a:r>
+            <a:r>
+              <a:rPr lang="en-US" altLang="zh-TW" dirty="0">
+                <a:latin typeface="Times New Roman" panose="02020603050405020304" pitchFamily="18" charset="0"/>
+                <a:ea typeface="標楷體" panose="03000509000000000000" pitchFamily="65" charset="-120"/>
+              </a:rPr>
+              <a:t>4</a:t>
+            </a:r>
+            <a:r>
+              <a:rPr lang="zh-TW" altLang="en-US" dirty="0">
+                <a:latin typeface="Times New Roman" panose="02020603050405020304" pitchFamily="18" charset="0"/>
+                <a:ea typeface="標楷體" panose="03000509000000000000" pitchFamily="65" charset="-120"/>
+              </a:rPr>
+              <a:t>個區域，判斷</a:t>
+            </a:r>
+            <a:r>
+              <a:rPr lang="en-US" altLang="zh-TW" dirty="0">
+                <a:latin typeface="Times New Roman" panose="02020603050405020304" pitchFamily="18" charset="0"/>
+                <a:ea typeface="標楷體" panose="03000509000000000000" pitchFamily="65" charset="-120"/>
+              </a:rPr>
+              <a:t>kernel</a:t>
+            </a:r>
+            <a:r>
+              <a:rPr lang="zh-TW" altLang="en-US" dirty="0">
+                <a:latin typeface="Times New Roman" panose="02020603050405020304" pitchFamily="18" charset="0"/>
+                <a:ea typeface="標楷體" panose="03000509000000000000" pitchFamily="65" charset="-120"/>
+              </a:rPr>
+              <a:t>中心點在角度區域中是否為最大值，若是則保留</a:t>
+            </a:r>
+            <a:endParaRPr lang="en-US" altLang="zh-TW" dirty="0">
+              <a:latin typeface="Times New Roman" panose="02020603050405020304" pitchFamily="18" charset="0"/>
+              <a:ea typeface="標楷體" panose="03000509000000000000" pitchFamily="65" charset="-120"/>
+            </a:endParaRPr>
+          </a:p>
+          <a:p>
+            <a:pPr marL="1200150" lvl="2" indent="-285750">
+              <a:buFont typeface="Arial" panose="020B0604020202020204" pitchFamily="34" charset="0"/>
+              <a:buChar char="•"/>
+            </a:pPr>
+            <a:endParaRPr lang="zh-TW" altLang="en-US" dirty="0">
+              <a:latin typeface="Times New Roman" panose="02020603050405020304" pitchFamily="18" charset="0"/>
+              <a:ea typeface="標楷體" panose="03000509000000000000" pitchFamily="65" charset="-120"/>
+            </a:endParaRPr>
+          </a:p>
+        </p:txBody>
+      </p:sp>
+      <p:pic>
+        <p:nvPicPr>
+          <p:cNvPr id="1026" name="Picture 2">
+            <a:extLst>
+              <a:ext uri="{FF2B5EF4-FFF2-40B4-BE49-F238E27FC236}">
+                <a16:creationId xmlns:a16="http://schemas.microsoft.com/office/drawing/2014/main" id="{2CBBCEA9-B5CF-4083-9BB9-6FAA5AF80FF1}"/>
+              </a:ext>
+            </a:extLst>
+          </p:cNvPr>
+          <p:cNvPicPr>
+            <a:picLocks noChangeAspect="1" noChangeArrowheads="1"/>
+          </p:cNvPicPr>
+          <p:nvPr/>
+        </p:nvPicPr>
+        <p:blipFill>
+          <a:blip r:embed="rId3" cstate="print">
+            <a:extLst>
+              <a:ext uri="{28A0092B-C50C-407E-A947-70E740481C1C}">
+                <a14:useLocalDpi xmlns:a14="http://schemas.microsoft.com/office/drawing/2010/main" val="0"/>
+              </a:ext>
+            </a:extLst>
+          </a:blip>
+          <a:srcRect/>
+          <a:stretch>
+            <a:fillRect/>
+          </a:stretch>
+        </p:blipFill>
+        <p:spPr bwMode="auto">
+          <a:xfrm>
+            <a:off x="3468209" y="3429000"/>
+            <a:ext cx="5009965" cy="3168953"/>
+          </a:xfrm>
+          <a:prstGeom prst="rect">
+            <a:avLst/>
+          </a:prstGeom>
+          <a:noFill/>
+          <a:extLst>
+            <a:ext uri="{909E8E84-426E-40DD-AFC4-6F175D3DCCD1}">
+              <a14:hiddenFill xmlns:a14="http://schemas.microsoft.com/office/drawing/2010/main">
+                <a:solidFill>
+                  <a:srgbClr val="FFFFFF"/>
+                </a:solidFill>
+              </a14:hiddenFill>
+            </a:ext>
+          </a:extLst>
+        </p:spPr>
+      </p:pic>
+    </p:spTree>
+    <p:extLst>
+      <p:ext uri="{BB962C8B-B14F-4D97-AF65-F5344CB8AC3E}">
+        <p14:creationId xmlns:p14="http://schemas.microsoft.com/office/powerpoint/2010/main" val="1914345327"/>
+      </p:ext>
+    </p:extLst>
+  </p:cSld>
+  <p:clrMapOvr>
+    <a:masterClrMapping/>
+  </p:clrMapOvr>
+</p:sld>
+</file>
+
+<file path=ppt/slides/slide12.xml><?xml version="1.0" encoding="utf-8"?>
+<p:sld xmlns:a="http://schemas.openxmlformats.org/drawingml/2006/main" xmlns:r="http://schemas.openxmlformats.org/officeDocument/2006/relationships" xmlns:p="http://schemas.openxmlformats.org/presentationml/2006/main">
+  <p:cSld>
+    <p:spTree>
+      <p:nvGrpSpPr>
+        <p:cNvPr id="1" name=""/>
+        <p:cNvGrpSpPr/>
+        <p:nvPr/>
+      </p:nvGrpSpPr>
+      <p:grpSpPr>
+        <a:xfrm>
+          <a:off x="0" y="0"/>
+          <a:ext cx="0" cy="0"/>
+          <a:chOff x="0" y="0"/>
+          <a:chExt cx="0" cy="0"/>
+        </a:xfrm>
+      </p:grpSpPr>
+      <p:sp>
+        <p:nvSpPr>
+          <p:cNvPr id="4" name="標題 3"/>
+          <p:cNvSpPr>
+            <a:spLocks noGrp="1"/>
+          </p:cNvSpPr>
+          <p:nvPr>
+            <p:ph type="title"/>
+          </p:nvPr>
+        </p:nvSpPr>
+        <p:spPr/>
+        <p:txBody>
+          <a:bodyPr>
+            <a:normAutofit fontScale="90000"/>
+          </a:bodyPr>
+          <a:lstStyle/>
+          <a:p>
+            <a:r>
+              <a:rPr lang="zh-TW" altLang="en-US" dirty="0"/>
+              <a:t>系統分析 </a:t>
+            </a:r>
+            <a:r>
+              <a:rPr lang="en-US" altLang="zh-TW" dirty="0"/>
+              <a:t>–</a:t>
+            </a:r>
+            <a:r>
+              <a:rPr lang="zh-TW" altLang="en-US" dirty="0"/>
+              <a:t> </a:t>
+            </a:r>
+            <a:r>
+              <a:rPr lang="en-US" altLang="zh-TW" sz="4400" dirty="0" err="1">
+                <a:cs typeface="Times New Roman" panose="02020603050405020304" pitchFamily="18" charset="0"/>
+              </a:rPr>
+              <a:t>HysteresisThresholding</a:t>
+            </a:r>
+            <a:r>
+              <a:rPr lang="en-US" altLang="zh-TW" sz="4400" dirty="0">
+                <a:latin typeface="Times New Roman" panose="02020603050405020304" pitchFamily="18" charset="0"/>
+                <a:ea typeface="標楷體" panose="03000509000000000000" pitchFamily="65" charset="-120"/>
+              </a:rPr>
+              <a:t> </a:t>
+            </a:r>
+            <a:r>
+              <a:rPr lang="en-US" altLang="zh-TW" dirty="0"/>
+              <a:t>(2023/6/1</a:t>
+            </a:r>
+            <a:r>
+              <a:rPr lang="zh-TW" altLang="en-US" dirty="0"/>
+              <a:t>更新</a:t>
+            </a:r>
+            <a:r>
+              <a:rPr lang="en-US" altLang="zh-TW" dirty="0"/>
+              <a:t>)</a:t>
+            </a:r>
+            <a:endParaRPr lang="zh-TW" altLang="en-US" dirty="0"/>
+          </a:p>
+        </p:txBody>
+      </p:sp>
+      <p:pic>
+        <p:nvPicPr>
+          <p:cNvPr id="4098" name="Picture 2">
+            <a:extLst>
+              <a:ext uri="{FF2B5EF4-FFF2-40B4-BE49-F238E27FC236}">
+                <a16:creationId xmlns:a16="http://schemas.microsoft.com/office/drawing/2014/main" id="{49F2DECF-7E76-4732-A5A4-2B64853DE854}"/>
+              </a:ext>
+            </a:extLst>
+          </p:cNvPr>
+          <p:cNvPicPr>
+            <a:picLocks noChangeAspect="1" noChangeArrowheads="1"/>
+          </p:cNvPicPr>
+          <p:nvPr/>
+        </p:nvPicPr>
+        <p:blipFill>
+          <a:blip r:embed="rId2" cstate="print">
+            <a:extLst>
+              <a:ext uri="{28A0092B-C50C-407E-A947-70E740481C1C}">
+                <a14:useLocalDpi xmlns:a14="http://schemas.microsoft.com/office/drawing/2010/main" val="0"/>
+              </a:ext>
+            </a:extLst>
+          </a:blip>
+          <a:srcRect/>
+          <a:stretch>
+            <a:fillRect/>
+          </a:stretch>
+        </p:blipFill>
+        <p:spPr bwMode="auto">
+          <a:xfrm>
+            <a:off x="250106" y="3429000"/>
+            <a:ext cx="11691787" cy="1293828"/>
+          </a:xfrm>
+          <a:prstGeom prst="rect">
+            <a:avLst/>
+          </a:prstGeom>
+          <a:noFill/>
+          <a:extLst>
+            <a:ext uri="{909E8E84-426E-40DD-AFC4-6F175D3DCCD1}">
+              <a14:hiddenFill xmlns:a14="http://schemas.microsoft.com/office/drawing/2010/main">
+                <a:solidFill>
+                  <a:srgbClr val="FFFFFF"/>
+                </a:solidFill>
+              </a14:hiddenFill>
+            </a:ext>
+          </a:extLst>
+        </p:spPr>
+      </p:pic>
+      <p:sp>
+        <p:nvSpPr>
+          <p:cNvPr id="5" name="文字方塊 4">
+            <a:extLst>
+              <a:ext uri="{FF2B5EF4-FFF2-40B4-BE49-F238E27FC236}">
+                <a16:creationId xmlns:a16="http://schemas.microsoft.com/office/drawing/2014/main" id="{2CFFFB15-4013-4478-9F05-E8F3CDEEB115}"/>
+              </a:ext>
+            </a:extLst>
+          </p:cNvPr>
+          <p:cNvSpPr txBox="1"/>
+          <p:nvPr/>
+        </p:nvSpPr>
+        <p:spPr>
+          <a:xfrm>
+            <a:off x="1292173" y="1724025"/>
+            <a:ext cx="8553164" cy="923330"/>
+          </a:xfrm>
+          <a:prstGeom prst="rect">
+            <a:avLst/>
+          </a:prstGeom>
+          <a:noFill/>
+        </p:spPr>
+        <p:txBody>
+          <a:bodyPr wrap="square" rtlCol="0">
+            <a:spAutoFit/>
+          </a:bodyPr>
+          <a:lstStyle/>
+          <a:p>
+            <a:pPr marL="742950" lvl="1" indent="-285750">
+              <a:buFont typeface="Arial" panose="020B0604020202020204" pitchFamily="34" charset="0"/>
+              <a:buChar char="•"/>
+            </a:pPr>
+            <a:r>
+              <a:rPr lang="en-US" altLang="zh-TW" dirty="0" err="1">
+                <a:latin typeface="Times New Roman" panose="02020603050405020304" pitchFamily="18" charset="0"/>
+                <a:ea typeface="標楷體" panose="03000509000000000000" pitchFamily="65" charset="-120"/>
+              </a:rPr>
+              <a:t>Hysterizethreshold</a:t>
+            </a:r>
+            <a:r>
+              <a:rPr lang="en-US" altLang="zh-TW" dirty="0">
+                <a:latin typeface="Times New Roman" panose="02020603050405020304" pitchFamily="18" charset="0"/>
+                <a:ea typeface="標楷體" panose="03000509000000000000" pitchFamily="65" charset="-120"/>
+              </a:rPr>
+              <a:t> </a:t>
+            </a:r>
+          </a:p>
+          <a:p>
+            <a:pPr marL="1200150" lvl="2" indent="-285750">
+              <a:buFont typeface="Arial" panose="020B0604020202020204" pitchFamily="34" charset="0"/>
+              <a:buChar char="•"/>
+            </a:pPr>
+            <a:r>
+              <a:rPr lang="zh-TW" altLang="en-US" dirty="0">
+                <a:latin typeface="Times New Roman" panose="02020603050405020304" pitchFamily="18" charset="0"/>
+                <a:ea typeface="標楷體" panose="03000509000000000000" pitchFamily="65" charset="-120"/>
+              </a:rPr>
+              <a:t>過濾掉</a:t>
+            </a:r>
+            <a:r>
+              <a:rPr lang="en-US" altLang="zh-TW" dirty="0">
+                <a:latin typeface="Times New Roman" panose="02020603050405020304" pitchFamily="18" charset="0"/>
+                <a:ea typeface="標楷體" panose="03000509000000000000" pitchFamily="65" charset="-120"/>
+              </a:rPr>
+              <a:t>NMS</a:t>
+            </a:r>
+            <a:r>
+              <a:rPr lang="zh-TW" altLang="en-US" dirty="0">
+                <a:latin typeface="Times New Roman" panose="02020603050405020304" pitchFamily="18" charset="0"/>
+                <a:ea typeface="標楷體" panose="03000509000000000000" pitchFamily="65" charset="-120"/>
+              </a:rPr>
+              <a:t>含噪點之邊緣</a:t>
+            </a:r>
+            <a:endParaRPr lang="en-US" altLang="zh-TW" dirty="0">
+              <a:latin typeface="Times New Roman" panose="02020603050405020304" pitchFamily="18" charset="0"/>
+              <a:ea typeface="標楷體" panose="03000509000000000000" pitchFamily="65" charset="-120"/>
+            </a:endParaRPr>
+          </a:p>
+          <a:p>
+            <a:pPr marL="1200150" lvl="2" indent="-285750">
+              <a:buFont typeface="Arial" panose="020B0604020202020204" pitchFamily="34" charset="0"/>
+              <a:buChar char="•"/>
+            </a:pPr>
+            <a:r>
+              <a:rPr lang="zh-TW" altLang="en-US" dirty="0">
+                <a:latin typeface="Times New Roman" panose="02020603050405020304" pitchFamily="18" charset="0"/>
+                <a:ea typeface="標楷體" panose="03000509000000000000" pitchFamily="65" charset="-120"/>
+              </a:rPr>
+              <a:t>磁滯閥值分類強</a:t>
+            </a:r>
+            <a:r>
+              <a:rPr lang="en-US" altLang="zh-TW" dirty="0">
+                <a:latin typeface="Times New Roman" panose="02020603050405020304" pitchFamily="18" charset="0"/>
+                <a:ea typeface="標楷體" panose="03000509000000000000" pitchFamily="65" charset="-120"/>
+              </a:rPr>
+              <a:t>,</a:t>
+            </a:r>
+            <a:r>
+              <a:rPr lang="zh-TW" altLang="en-US" dirty="0">
+                <a:latin typeface="Times New Roman" panose="02020603050405020304" pitchFamily="18" charset="0"/>
+                <a:ea typeface="標楷體" panose="03000509000000000000" pitchFamily="65" charset="-120"/>
+              </a:rPr>
+              <a:t>弱</a:t>
+            </a:r>
+            <a:r>
+              <a:rPr lang="en-US" altLang="zh-TW" dirty="0">
+                <a:latin typeface="Times New Roman" panose="02020603050405020304" pitchFamily="18" charset="0"/>
+                <a:ea typeface="標楷體" panose="03000509000000000000" pitchFamily="65" charset="-120"/>
+              </a:rPr>
+              <a:t>,</a:t>
+            </a:r>
+            <a:r>
+              <a:rPr lang="zh-TW" altLang="en-US" dirty="0">
+                <a:latin typeface="Times New Roman" panose="02020603050405020304" pitchFamily="18" charset="0"/>
+                <a:ea typeface="標楷體" panose="03000509000000000000" pitchFamily="65" charset="-120"/>
+              </a:rPr>
+              <a:t>非邊緣，將中間區段的弱邊緣與強邊緣連線</a:t>
+            </a:r>
+          </a:p>
+        </p:txBody>
+      </p:sp>
+    </p:spTree>
+    <p:extLst>
+      <p:ext uri="{BB962C8B-B14F-4D97-AF65-F5344CB8AC3E}">
+        <p14:creationId xmlns:p14="http://schemas.microsoft.com/office/powerpoint/2010/main" val="946151550"/>
+      </p:ext>
+    </p:extLst>
+  </p:cSld>
+  <p:clrMapOvr>
+    <a:masterClrMapping/>
+  </p:clrMapOvr>
+</p:sld>
+</file>
+
+<file path=ppt/slides/slide13.xml><?xml version="1.0" encoding="utf-8"?>
+<p:sld xmlns:a="http://schemas.openxmlformats.org/drawingml/2006/main" xmlns:r="http://schemas.openxmlformats.org/officeDocument/2006/relationships" xmlns:p="http://schemas.openxmlformats.org/presentationml/2006/main">
+  <p:cSld>
+    <p:spTree>
+      <p:nvGrpSpPr>
+        <p:cNvPr id="1" name=""/>
+        <p:cNvGrpSpPr/>
+        <p:nvPr/>
+      </p:nvGrpSpPr>
+      <p:grpSpPr>
+        <a:xfrm>
+          <a:off x="0" y="0"/>
+          <a:ext cx="0" cy="0"/>
+          <a:chOff x="0" y="0"/>
+          <a:chExt cx="0" cy="0"/>
+        </a:xfrm>
+      </p:grpSpPr>
+      <p:sp>
+        <p:nvSpPr>
+          <p:cNvPr id="4" name="標題 3"/>
+          <p:cNvSpPr>
+            <a:spLocks noGrp="1"/>
+          </p:cNvSpPr>
+          <p:nvPr>
+            <p:ph type="title"/>
+          </p:nvPr>
+        </p:nvSpPr>
+        <p:spPr/>
+        <p:txBody>
+          <a:bodyPr>
+            <a:normAutofit/>
+          </a:bodyPr>
+          <a:lstStyle/>
+          <a:p>
+            <a:r>
+              <a:rPr lang="zh-TW" altLang="en-US" dirty="0"/>
+              <a:t>系統分析 </a:t>
+            </a:r>
+            <a:r>
+              <a:rPr lang="en-US" altLang="zh-TW" dirty="0"/>
+              <a:t>–</a:t>
+            </a:r>
+            <a:r>
+              <a:rPr lang="zh-TW" altLang="en-US" sz="4400" dirty="0">
+                <a:latin typeface="Times New Roman" panose="02020603050405020304" pitchFamily="18" charset="0"/>
+                <a:ea typeface="標楷體" panose="03000509000000000000" pitchFamily="65" charset="-120"/>
+              </a:rPr>
+              <a:t>影像前處理</a:t>
+            </a:r>
+            <a:r>
+              <a:rPr lang="en-US" altLang="zh-TW" sz="4400" dirty="0">
+                <a:latin typeface="Times New Roman" panose="02020603050405020304" pitchFamily="18" charset="0"/>
+                <a:ea typeface="標楷體" panose="03000509000000000000" pitchFamily="65" charset="-120"/>
+              </a:rPr>
+              <a:t> </a:t>
+            </a:r>
+            <a:r>
+              <a:rPr lang="en-US" altLang="zh-TW" dirty="0"/>
+              <a:t>(2023/6/2</a:t>
+            </a:r>
+            <a:r>
+              <a:rPr lang="zh-TW" altLang="en-US" dirty="0"/>
+              <a:t>更新</a:t>
+            </a:r>
+            <a:r>
+              <a:rPr lang="en-US" altLang="zh-TW" dirty="0"/>
+              <a:t>)</a:t>
+            </a:r>
+            <a:endParaRPr lang="zh-TW" altLang="en-US" dirty="0"/>
+          </a:p>
+        </p:txBody>
+      </p:sp>
+      <p:pic>
+        <p:nvPicPr>
+          <p:cNvPr id="4098" name="Picture 2">
+            <a:extLst>
+              <a:ext uri="{FF2B5EF4-FFF2-40B4-BE49-F238E27FC236}">
+                <a16:creationId xmlns:a16="http://schemas.microsoft.com/office/drawing/2014/main" id="{7222F95E-07EC-43F4-954F-A3028FF132B3}"/>
+              </a:ext>
+            </a:extLst>
+          </p:cNvPr>
+          <p:cNvPicPr>
+            <a:picLocks noChangeAspect="1" noChangeArrowheads="1"/>
+          </p:cNvPicPr>
+          <p:nvPr/>
+        </p:nvPicPr>
+        <p:blipFill>
+          <a:blip r:embed="rId2" cstate="print">
+            <a:extLst>
+              <a:ext uri="{28A0092B-C50C-407E-A947-70E740481C1C}">
+                <a14:useLocalDpi xmlns:a14="http://schemas.microsoft.com/office/drawing/2010/main" val="0"/>
+              </a:ext>
+            </a:extLst>
+          </a:blip>
+          <a:srcRect/>
+          <a:stretch>
+            <a:fillRect/>
+          </a:stretch>
+        </p:blipFill>
+        <p:spPr bwMode="auto">
+          <a:xfrm>
+            <a:off x="3076452" y="998999"/>
+            <a:ext cx="5419478" cy="5978587"/>
+          </a:xfrm>
+          <a:prstGeom prst="rect">
+            <a:avLst/>
+          </a:prstGeom>
+          <a:noFill/>
+          <a:extLst>
+            <a:ext uri="{909E8E84-426E-40DD-AFC4-6F175D3DCCD1}">
+              <a14:hiddenFill xmlns:a14="http://schemas.microsoft.com/office/drawing/2010/main">
+                <a:solidFill>
+                  <a:srgbClr val="FFFFFF"/>
+                </a:solidFill>
+              </a14:hiddenFill>
+            </a:ext>
+          </a:extLst>
+        </p:spPr>
+      </p:pic>
+    </p:spTree>
+    <p:extLst>
+      <p:ext uri="{BB962C8B-B14F-4D97-AF65-F5344CB8AC3E}">
+        <p14:creationId xmlns:p14="http://schemas.microsoft.com/office/powerpoint/2010/main" val="3361011053"/>
+      </p:ext>
+    </p:extLst>
+  </p:cSld>
+  <p:clrMapOvr>
+    <a:masterClrMapping/>
+  </p:clrMapOvr>
+</p:sld>
+</file>
+
+<file path=ppt/slides/slide14.xml><?xml version="1.0" encoding="utf-8"?>
+<p:sld xmlns:a="http://schemas.openxmlformats.org/drawingml/2006/main" xmlns:r="http://schemas.openxmlformats.org/officeDocument/2006/relationships" xmlns:p="http://schemas.openxmlformats.org/presentationml/2006/main">
+  <p:cSld>
+    <p:spTree>
+      <p:nvGrpSpPr>
+        <p:cNvPr id="1" name=""/>
+        <p:cNvGrpSpPr/>
+        <p:nvPr/>
+      </p:nvGrpSpPr>
+      <p:grpSpPr>
+        <a:xfrm>
+          <a:off x="0" y="0"/>
+          <a:ext cx="0" cy="0"/>
+          <a:chOff x="0" y="0"/>
+          <a:chExt cx="0" cy="0"/>
+        </a:xfrm>
+      </p:grpSpPr>
+      <p:sp>
+        <p:nvSpPr>
+          <p:cNvPr id="4" name="標題 3"/>
+          <p:cNvSpPr>
+            <a:spLocks noGrp="1"/>
+          </p:cNvSpPr>
+          <p:nvPr>
+            <p:ph type="title"/>
+          </p:nvPr>
+        </p:nvSpPr>
+        <p:spPr/>
+        <p:txBody>
+          <a:bodyPr/>
+          <a:lstStyle/>
+          <a:p>
+            <a:r>
+              <a:rPr lang="zh-TW" altLang="en-US" dirty="0"/>
+              <a:t>系統分析 </a:t>
+            </a:r>
+            <a:r>
+              <a:rPr lang="en-US" altLang="zh-TW" dirty="0"/>
+              <a:t>–</a:t>
+            </a:r>
+            <a:r>
+              <a:rPr lang="zh-TW" altLang="en-US" dirty="0"/>
+              <a:t> </a:t>
+            </a:r>
+            <a:r>
+              <a:rPr lang="en-US" altLang="zh-TW" dirty="0"/>
+              <a:t>Break down</a:t>
+            </a:r>
+            <a:r>
+              <a:rPr lang="zh-TW" altLang="en-US" dirty="0"/>
+              <a:t> </a:t>
+            </a:r>
+            <a:r>
+              <a:rPr lang="en-US" altLang="zh-TW" dirty="0"/>
+              <a:t>(2023/5/27</a:t>
+            </a:r>
+            <a:r>
+              <a:rPr lang="zh-TW" altLang="en-US" dirty="0"/>
+              <a:t>更新</a:t>
+            </a:r>
+            <a:r>
+              <a:rPr lang="en-US" altLang="zh-TW" dirty="0"/>
+              <a:t>)</a:t>
+            </a:r>
+            <a:endParaRPr lang="zh-TW" altLang="en-US" dirty="0"/>
+          </a:p>
+        </p:txBody>
+      </p:sp>
+      <p:pic>
+        <p:nvPicPr>
+          <p:cNvPr id="3076" name="Picture 4">
+            <a:extLst>
+              <a:ext uri="{FF2B5EF4-FFF2-40B4-BE49-F238E27FC236}">
+                <a16:creationId xmlns:a16="http://schemas.microsoft.com/office/drawing/2014/main" id="{8B7E05DE-F0A1-4720-860E-6CE1002AC3B1}"/>
+              </a:ext>
+            </a:extLst>
+          </p:cNvPr>
+          <p:cNvPicPr>
+            <a:picLocks noChangeAspect="1" noChangeArrowheads="1"/>
+          </p:cNvPicPr>
+          <p:nvPr/>
+        </p:nvPicPr>
+        <p:blipFill>
+          <a:blip r:embed="rId2" cstate="print">
+            <a:extLst>
+              <a:ext uri="{28A0092B-C50C-407E-A947-70E740481C1C}">
+                <a14:useLocalDpi xmlns:a14="http://schemas.microsoft.com/office/drawing/2010/main" val="0"/>
+              </a:ext>
+            </a:extLst>
+          </a:blip>
+          <a:srcRect/>
+          <a:stretch>
+            <a:fillRect/>
+          </a:stretch>
+        </p:blipFill>
+        <p:spPr bwMode="auto">
+          <a:xfrm>
+            <a:off x="1481137" y="1164501"/>
+            <a:ext cx="9229725" cy="5114925"/>
+          </a:xfrm>
+          <a:prstGeom prst="rect">
+            <a:avLst/>
+          </a:prstGeom>
+          <a:noFill/>
+          <a:extLst>
+            <a:ext uri="{909E8E84-426E-40DD-AFC4-6F175D3DCCD1}">
+              <a14:hiddenFill xmlns:a14="http://schemas.microsoft.com/office/drawing/2010/main">
+                <a:solidFill>
+                  <a:srgbClr val="FFFFFF"/>
+                </a:solidFill>
+              </a14:hiddenFill>
+            </a:ext>
+          </a:extLst>
         </p:spPr>
       </p:pic>
     </p:spTree>
@@ -5447,7 +6381,7 @@
 </p:sld>
 </file>
 
-<file path=ppt/slides/slide12.xml><?xml version="1.0" encoding="utf-8"?>
+<file path=ppt/slides/slide15.xml><?xml version="1.0" encoding="utf-8"?>
 <p:sld xmlns:a="http://schemas.openxmlformats.org/drawingml/2006/main" xmlns:r="http://schemas.openxmlformats.org/officeDocument/2006/relationships" xmlns:p="http://schemas.openxmlformats.org/presentationml/2006/main">
   <p:cSld>
     <p:spTree>
@@ -6409,7 +7343,7 @@
 </p:sld>
 </file>
 
-<file path=ppt/slides/slide13.xml><?xml version="1.0" encoding="utf-8"?>
+<file path=ppt/slides/slide16.xml><?xml version="1.0" encoding="utf-8"?>
 <p:sld xmlns:a="http://schemas.openxmlformats.org/drawingml/2006/main" xmlns:r="http://schemas.openxmlformats.org/officeDocument/2006/relationships" xmlns:p="http://schemas.openxmlformats.org/presentationml/2006/main">
   <p:cSld>
     <p:spTree>
@@ -8149,7 +9083,7 @@
 </p:sld>
 </file>
 
-<file path=ppt/slides/slide14.xml><?xml version="1.0" encoding="utf-8"?>
+<file path=ppt/slides/slide17.xml><?xml version="1.0" encoding="utf-8"?>
 <p:sld xmlns:a="http://schemas.openxmlformats.org/drawingml/2006/main" xmlns:r="http://schemas.openxmlformats.org/officeDocument/2006/relationships" xmlns:p="http://schemas.openxmlformats.org/presentationml/2006/main">
   <p:cSld>
     <p:spTree>
@@ -8519,7 +9453,7 @@
 </p:sld>
 </file>
 
-<file path=ppt/slides/slide15.xml><?xml version="1.0" encoding="utf-8"?>
+<file path=ppt/slides/slide18.xml><?xml version="1.0" encoding="utf-8"?>
 <p:sld xmlns:a="http://schemas.openxmlformats.org/drawingml/2006/main" xmlns:r="http://schemas.openxmlformats.org/officeDocument/2006/relationships" xmlns:p="http://schemas.openxmlformats.org/presentationml/2006/main">
   <p:cSld>
     <p:spTree>
@@ -8919,7 +9853,557 @@
 </p:sld>
 </file>
 
-<file path=ppt/slides/slide16.xml><?xml version="1.0" encoding="utf-8"?>
+<file path=ppt/slides/slide19.xml><?xml version="1.0" encoding="utf-8"?>
+<p:sld xmlns:a="http://schemas.openxmlformats.org/drawingml/2006/main" xmlns:r="http://schemas.openxmlformats.org/officeDocument/2006/relationships" xmlns:p="http://schemas.openxmlformats.org/presentationml/2006/main">
+  <p:cSld>
+    <p:spTree>
+      <p:nvGrpSpPr>
+        <p:cNvPr id="1" name=""/>
+        <p:cNvGrpSpPr/>
+        <p:nvPr/>
+      </p:nvGrpSpPr>
+      <p:grpSpPr>
+        <a:xfrm>
+          <a:off x="0" y="0"/>
+          <a:ext cx="0" cy="0"/>
+          <a:chOff x="0" y="0"/>
+          <a:chExt cx="0" cy="0"/>
+        </a:xfrm>
+      </p:grpSpPr>
+      <p:sp>
+        <p:nvSpPr>
+          <p:cNvPr id="3" name="標題 2"/>
+          <p:cNvSpPr>
+            <a:spLocks noGrp="1"/>
+          </p:cNvSpPr>
+          <p:nvPr>
+            <p:ph type="title"/>
+          </p:nvPr>
+        </p:nvSpPr>
+        <p:spPr>
+          <a:xfrm>
+            <a:off x="838200" y="329614"/>
+            <a:ext cx="10515600" cy="720000"/>
+          </a:xfrm>
+        </p:spPr>
+        <p:txBody>
+          <a:bodyPr>
+            <a:normAutofit/>
+          </a:bodyPr>
+          <a:lstStyle/>
+          <a:p>
+            <a:r>
+              <a:rPr lang="zh-TW" altLang="en-US" sz="4000" dirty="0"/>
+              <a:t>專案架構圖 </a:t>
+            </a:r>
+            <a:r>
+              <a:rPr lang="en-US" altLang="zh-TW" sz="4000" dirty="0"/>
+              <a:t>–</a:t>
+            </a:r>
+            <a:r>
+              <a:rPr lang="zh-TW" altLang="en-US" sz="4000" dirty="0"/>
+              <a:t> </a:t>
+            </a:r>
+            <a:r>
+              <a:rPr lang="zh-TW" altLang="en-US" sz="4000" dirty="0">
+                <a:latin typeface="標楷體" panose="03000509000000000000" pitchFamily="65" charset="-120"/>
+                <a:ea typeface="標楷體" panose="03000509000000000000" pitchFamily="65" charset="-120"/>
+              </a:rPr>
+              <a:t>方塊圖</a:t>
+            </a:r>
+            <a:r>
+              <a:rPr lang="en-US" altLang="zh-TW" sz="4000" dirty="0"/>
+              <a:t>(2023/6/1</a:t>
+            </a:r>
+            <a:r>
+              <a:rPr lang="zh-TW" altLang="en-US" sz="4000" dirty="0"/>
+              <a:t>更新</a:t>
+            </a:r>
+            <a:r>
+              <a:rPr lang="en-US" altLang="zh-TW" sz="4000" dirty="0"/>
+              <a:t>)</a:t>
+            </a:r>
+            <a:endParaRPr lang="zh-TW" altLang="en-US" sz="4000" dirty="0"/>
+          </a:p>
+        </p:txBody>
+      </p:sp>
+      <p:sp>
+        <p:nvSpPr>
+          <p:cNvPr id="4" name="文字方塊 3">
+            <a:extLst>
+              <a:ext uri="{FF2B5EF4-FFF2-40B4-BE49-F238E27FC236}">
+                <a16:creationId xmlns:a16="http://schemas.microsoft.com/office/drawing/2014/main" id="{3B666394-AEC8-471C-8F95-8308C72E30DF}"/>
+              </a:ext>
+            </a:extLst>
+          </p:cNvPr>
+          <p:cNvSpPr txBox="1"/>
+          <p:nvPr/>
+        </p:nvSpPr>
+        <p:spPr>
+          <a:xfrm>
+            <a:off x="1624615" y="1379160"/>
+            <a:ext cx="3808520" cy="1569660"/>
+          </a:xfrm>
+          <a:prstGeom prst="rect">
+            <a:avLst/>
+          </a:prstGeom>
+          <a:noFill/>
+        </p:spPr>
+        <p:txBody>
+          <a:bodyPr wrap="square" rtlCol="0">
+            <a:spAutoFit/>
+          </a:bodyPr>
+          <a:lstStyle/>
+          <a:p>
+            <a:pPr marL="742950" lvl="1" indent="-285750">
+              <a:buFont typeface="Arial" panose="020B0604020202020204" pitchFamily="34" charset="0"/>
+              <a:buChar char="•"/>
+            </a:pPr>
+            <a:r>
+              <a:rPr lang="en-US" altLang="zh-TW" sz="1600" dirty="0">
+                <a:latin typeface="Times New Roman" panose="02020603050405020304" pitchFamily="18" charset="0"/>
+                <a:ea typeface="標楷體" panose="03000509000000000000" pitchFamily="65" charset="-120"/>
+              </a:rPr>
+              <a:t>RTL</a:t>
+            </a:r>
+          </a:p>
+          <a:p>
+            <a:pPr marL="1200150" lvl="2" indent="-285750">
+              <a:buFont typeface="Arial" panose="020B0604020202020204" pitchFamily="34" charset="0"/>
+              <a:buChar char="•"/>
+            </a:pPr>
+            <a:r>
+              <a:rPr lang="zh-TW" altLang="en-US" sz="1600" dirty="0">
+                <a:latin typeface="Times New Roman" panose="02020603050405020304" pitchFamily="18" charset="0"/>
+                <a:ea typeface="標楷體" panose="03000509000000000000" pitchFamily="65" charset="-120"/>
+              </a:rPr>
+              <a:t>除頻</a:t>
+            </a:r>
+            <a:endParaRPr lang="en-US" altLang="zh-TW" sz="1600" dirty="0">
+              <a:latin typeface="Times New Roman" panose="02020603050405020304" pitchFamily="18" charset="0"/>
+              <a:ea typeface="標楷體" panose="03000509000000000000" pitchFamily="65" charset="-120"/>
+            </a:endParaRPr>
+          </a:p>
+          <a:p>
+            <a:pPr marL="1200150" lvl="2" indent="-285750">
+              <a:buFont typeface="Arial" panose="020B0604020202020204" pitchFamily="34" charset="0"/>
+              <a:buChar char="•"/>
+            </a:pPr>
+            <a:r>
+              <a:rPr lang="en-US" altLang="zh-TW" sz="1600" dirty="0" err="1">
+                <a:latin typeface="Times New Roman" panose="02020603050405020304" pitchFamily="18" charset="0"/>
+                <a:ea typeface="標楷體" panose="03000509000000000000" pitchFamily="65" charset="-120"/>
+              </a:rPr>
+              <a:t>sync_pulse</a:t>
+            </a:r>
+            <a:endParaRPr lang="en-US" altLang="zh-TW" sz="1600" dirty="0">
+              <a:latin typeface="Times New Roman" panose="02020603050405020304" pitchFamily="18" charset="0"/>
+              <a:ea typeface="標楷體" panose="03000509000000000000" pitchFamily="65" charset="-120"/>
+            </a:endParaRPr>
+          </a:p>
+          <a:p>
+            <a:pPr marL="1200150" lvl="2" indent="-285750">
+              <a:buFont typeface="Arial" panose="020B0604020202020204" pitchFamily="34" charset="0"/>
+              <a:buChar char="•"/>
+            </a:pPr>
+            <a:r>
+              <a:rPr lang="en-US" altLang="zh-TW" sz="1600" dirty="0" err="1">
+                <a:latin typeface="Times New Roman" panose="02020603050405020304" pitchFamily="18" charset="0"/>
+                <a:ea typeface="標楷體" panose="03000509000000000000" pitchFamily="65" charset="-120"/>
+              </a:rPr>
+              <a:t>sync_to_count</a:t>
+            </a:r>
+            <a:endParaRPr lang="en-US" altLang="zh-TW" sz="1600" dirty="0">
+              <a:latin typeface="Times New Roman" panose="02020603050405020304" pitchFamily="18" charset="0"/>
+              <a:ea typeface="標楷體" panose="03000509000000000000" pitchFamily="65" charset="-120"/>
+            </a:endParaRPr>
+          </a:p>
+          <a:p>
+            <a:pPr marL="1200150" lvl="2" indent="-285750">
+              <a:buFont typeface="Arial" panose="020B0604020202020204" pitchFamily="34" charset="0"/>
+              <a:buChar char="•"/>
+            </a:pPr>
+            <a:r>
+              <a:rPr lang="en-US" altLang="zh-TW" sz="1600" dirty="0" err="1">
+                <a:latin typeface="Times New Roman" panose="02020603050405020304" pitchFamily="18" charset="0"/>
+                <a:ea typeface="標楷體" panose="03000509000000000000" pitchFamily="65" charset="-120"/>
+              </a:rPr>
+              <a:t>Bram_gary</a:t>
+            </a:r>
+            <a:r>
+              <a:rPr lang="en-US" altLang="zh-TW" sz="1600" dirty="0">
+                <a:latin typeface="Times New Roman" panose="02020603050405020304" pitchFamily="18" charset="0"/>
+                <a:ea typeface="標楷體" panose="03000509000000000000" pitchFamily="65" charset="-120"/>
+              </a:rPr>
+              <a:t> (.COE)</a:t>
+            </a:r>
+          </a:p>
+          <a:p>
+            <a:pPr marL="1200150" lvl="2" indent="-285750">
+              <a:buFont typeface="Arial" panose="020B0604020202020204" pitchFamily="34" charset="0"/>
+              <a:buChar char="•"/>
+            </a:pPr>
+            <a:r>
+              <a:rPr lang="en-US" altLang="zh-TW" sz="1600" dirty="0" err="1">
+                <a:latin typeface="Times New Roman" panose="02020603050405020304" pitchFamily="18" charset="0"/>
+                <a:ea typeface="標楷體" panose="03000509000000000000" pitchFamily="65" charset="-120"/>
+              </a:rPr>
+              <a:t>VGA_out</a:t>
+            </a:r>
+            <a:endParaRPr lang="en-US" altLang="zh-TW" sz="1600" dirty="0">
+              <a:latin typeface="Times New Roman" panose="02020603050405020304" pitchFamily="18" charset="0"/>
+              <a:ea typeface="標楷體" panose="03000509000000000000" pitchFamily="65" charset="-120"/>
+            </a:endParaRPr>
+          </a:p>
+        </p:txBody>
+      </p:sp>
+      <p:pic>
+        <p:nvPicPr>
+          <p:cNvPr id="8" name="圖片 7">
+            <a:extLst>
+              <a:ext uri="{FF2B5EF4-FFF2-40B4-BE49-F238E27FC236}">
+                <a16:creationId xmlns:a16="http://schemas.microsoft.com/office/drawing/2014/main" id="{0CE1B584-442C-4682-8203-BB033110CACE}"/>
+              </a:ext>
+            </a:extLst>
+          </p:cNvPr>
+          <p:cNvPicPr>
+            <a:picLocks noChangeAspect="1"/>
+          </p:cNvPicPr>
+          <p:nvPr/>
+        </p:nvPicPr>
+        <p:blipFill>
+          <a:blip r:embed="rId2"/>
+          <a:stretch>
+            <a:fillRect/>
+          </a:stretch>
+        </p:blipFill>
+        <p:spPr>
+          <a:xfrm rot="5400000" flipH="1">
+            <a:off x="172653" y="1849651"/>
+            <a:ext cx="162090" cy="468581"/>
+          </a:xfrm>
+          <a:prstGeom prst="rect">
+            <a:avLst/>
+          </a:prstGeom>
+        </p:spPr>
+      </p:pic>
+      <p:sp>
+        <p:nvSpPr>
+          <p:cNvPr id="7" name="文字方塊 6">
+            <a:extLst>
+              <a:ext uri="{FF2B5EF4-FFF2-40B4-BE49-F238E27FC236}">
+                <a16:creationId xmlns:a16="http://schemas.microsoft.com/office/drawing/2014/main" id="{6414C650-64EC-4B6F-8D8A-23165979C40A}"/>
+              </a:ext>
+            </a:extLst>
+          </p:cNvPr>
+          <p:cNvSpPr txBox="1"/>
+          <p:nvPr/>
+        </p:nvSpPr>
+        <p:spPr>
+          <a:xfrm>
+            <a:off x="3528875" y="1642385"/>
+            <a:ext cx="6094520" cy="1569660"/>
+          </a:xfrm>
+          <a:prstGeom prst="rect">
+            <a:avLst/>
+          </a:prstGeom>
+          <a:noFill/>
+        </p:spPr>
+        <p:txBody>
+          <a:bodyPr wrap="square">
+            <a:spAutoFit/>
+          </a:bodyPr>
+          <a:lstStyle/>
+          <a:p>
+            <a:pPr marL="1200150" lvl="2" indent="-285750">
+              <a:buFont typeface="Arial" panose="020B0604020202020204" pitchFamily="34" charset="0"/>
+              <a:buChar char="•"/>
+            </a:pPr>
+            <a:r>
+              <a:rPr lang="en-US" altLang="zh-TW" sz="1600" dirty="0" err="1">
+                <a:latin typeface="Times New Roman" panose="02020603050405020304" pitchFamily="18" charset="0"/>
+                <a:ea typeface="標楷體" panose="03000509000000000000" pitchFamily="65" charset="-120"/>
+              </a:rPr>
+              <a:t>GaussianFilter_warpper</a:t>
+            </a:r>
+            <a:endParaRPr lang="en-US" altLang="zh-TW" sz="1600" dirty="0">
+              <a:latin typeface="Times New Roman" panose="02020603050405020304" pitchFamily="18" charset="0"/>
+              <a:ea typeface="標楷體" panose="03000509000000000000" pitchFamily="65" charset="-120"/>
+            </a:endParaRPr>
+          </a:p>
+          <a:p>
+            <a:pPr marL="1657350" lvl="3" indent="-285750">
+              <a:buFont typeface="Arial" panose="020B0604020202020204" pitchFamily="34" charset="0"/>
+              <a:buChar char="•"/>
+            </a:pPr>
+            <a:r>
+              <a:rPr lang="en-US" altLang="zh-TW" sz="1600" dirty="0" err="1">
+                <a:latin typeface="Times New Roman" panose="02020603050405020304" pitchFamily="18" charset="0"/>
+                <a:ea typeface="標楷體" panose="03000509000000000000" pitchFamily="65" charset="-120"/>
+              </a:rPr>
+              <a:t>CacheSystem</a:t>
+            </a:r>
+            <a:endParaRPr lang="en-US" altLang="zh-TW" sz="1600" dirty="0">
+              <a:latin typeface="Times New Roman" panose="02020603050405020304" pitchFamily="18" charset="0"/>
+              <a:ea typeface="標楷體" panose="03000509000000000000" pitchFamily="65" charset="-120"/>
+            </a:endParaRPr>
+          </a:p>
+          <a:p>
+            <a:pPr marL="2114550" lvl="4" indent="-285750">
+              <a:buFont typeface="Arial" panose="020B0604020202020204" pitchFamily="34" charset="0"/>
+              <a:buChar char="•"/>
+            </a:pPr>
+            <a:r>
+              <a:rPr lang="en-US" altLang="zh-TW" sz="1600" dirty="0">
+                <a:latin typeface="Times New Roman" panose="02020603050405020304" pitchFamily="18" charset="0"/>
+                <a:ea typeface="標楷體" panose="03000509000000000000" pitchFamily="65" charset="-120"/>
+              </a:rPr>
+              <a:t>line buffer x3</a:t>
+            </a:r>
+          </a:p>
+          <a:p>
+            <a:pPr marL="1657350" lvl="3" indent="-285750">
+              <a:buFont typeface="Arial" panose="020B0604020202020204" pitchFamily="34" charset="0"/>
+              <a:buChar char="•"/>
+            </a:pPr>
+            <a:r>
+              <a:rPr lang="en-US" altLang="zh-TW" sz="1600" dirty="0" err="1">
+                <a:latin typeface="Times New Roman" panose="02020603050405020304" pitchFamily="18" charset="0"/>
+                <a:ea typeface="標楷體" panose="03000509000000000000" pitchFamily="65" charset="-120"/>
+              </a:rPr>
+              <a:t>GaussianFilter</a:t>
+            </a:r>
+            <a:endParaRPr lang="en-US" altLang="zh-TW" sz="1600" dirty="0">
+              <a:latin typeface="Times New Roman" panose="02020603050405020304" pitchFamily="18" charset="0"/>
+              <a:ea typeface="標楷體" panose="03000509000000000000" pitchFamily="65" charset="-120"/>
+            </a:endParaRPr>
+          </a:p>
+          <a:p>
+            <a:pPr marL="1657350" lvl="3" indent="-285750">
+              <a:buFont typeface="Arial" panose="020B0604020202020204" pitchFamily="34" charset="0"/>
+              <a:buChar char="•"/>
+            </a:pPr>
+            <a:r>
+              <a:rPr lang="en-US" altLang="zh-TW" sz="1600" dirty="0">
+                <a:latin typeface="Times New Roman" panose="02020603050405020304" pitchFamily="18" charset="0"/>
+                <a:ea typeface="標楷體" panose="03000509000000000000" pitchFamily="65" charset="-120"/>
+              </a:rPr>
+              <a:t>NMS</a:t>
+            </a:r>
+          </a:p>
+          <a:p>
+            <a:pPr marL="1657350" lvl="3" indent="-285750">
+              <a:buFont typeface="Arial" panose="020B0604020202020204" pitchFamily="34" charset="0"/>
+              <a:buChar char="•"/>
+            </a:pPr>
+            <a:r>
+              <a:rPr lang="en-US" altLang="zh-TW" sz="1600">
+                <a:latin typeface="Times New Roman" panose="02020603050405020304" pitchFamily="18" charset="0"/>
+                <a:ea typeface="標楷體" panose="03000509000000000000" pitchFamily="65" charset="-120"/>
+              </a:rPr>
+              <a:t>HysteresisThresholding</a:t>
+            </a:r>
+            <a:endParaRPr lang="en-US" altLang="zh-TW" sz="1600" dirty="0">
+              <a:latin typeface="Times New Roman" panose="02020603050405020304" pitchFamily="18" charset="0"/>
+              <a:ea typeface="標楷體" panose="03000509000000000000" pitchFamily="65" charset="-120"/>
+            </a:endParaRPr>
+          </a:p>
+        </p:txBody>
+      </p:sp>
+      <p:pic>
+        <p:nvPicPr>
+          <p:cNvPr id="6" name="圖片 5">
+            <a:extLst>
+              <a:ext uri="{FF2B5EF4-FFF2-40B4-BE49-F238E27FC236}">
+                <a16:creationId xmlns:a16="http://schemas.microsoft.com/office/drawing/2014/main" id="{B1BF6CA1-A96C-47A9-BD86-C678D91AFC9E}"/>
+              </a:ext>
+            </a:extLst>
+          </p:cNvPr>
+          <p:cNvPicPr>
+            <a:picLocks noChangeAspect="1"/>
+          </p:cNvPicPr>
+          <p:nvPr/>
+        </p:nvPicPr>
+        <p:blipFill>
+          <a:blip r:embed="rId3"/>
+          <a:stretch>
+            <a:fillRect/>
+          </a:stretch>
+        </p:blipFill>
+        <p:spPr>
+          <a:xfrm>
+            <a:off x="1701822" y="3212045"/>
+            <a:ext cx="8788355" cy="2972392"/>
+          </a:xfrm>
+          <a:prstGeom prst="rect">
+            <a:avLst/>
+          </a:prstGeom>
+        </p:spPr>
+      </p:pic>
+    </p:spTree>
+    <p:extLst>
+      <p:ext uri="{BB962C8B-B14F-4D97-AF65-F5344CB8AC3E}">
+        <p14:creationId xmlns:p14="http://schemas.microsoft.com/office/powerpoint/2010/main" val="2670436712"/>
+      </p:ext>
+    </p:extLst>
+  </p:cSld>
+  <p:clrMapOvr>
+    <a:masterClrMapping/>
+  </p:clrMapOvr>
+</p:sld>
+</file>
+
+<file path=ppt/slides/slide2.xml><?xml version="1.0" encoding="utf-8"?>
+<p:sld xmlns:a="http://schemas.openxmlformats.org/drawingml/2006/main" xmlns:r="http://schemas.openxmlformats.org/officeDocument/2006/relationships" xmlns:p="http://schemas.openxmlformats.org/presentationml/2006/main">
+  <p:cSld>
+    <p:spTree>
+      <p:nvGrpSpPr>
+        <p:cNvPr id="1" name=""/>
+        <p:cNvGrpSpPr/>
+        <p:nvPr/>
+      </p:nvGrpSpPr>
+      <p:grpSpPr>
+        <a:xfrm>
+          <a:off x="0" y="0"/>
+          <a:ext cx="0" cy="0"/>
+          <a:chOff x="0" y="0"/>
+          <a:chExt cx="0" cy="0"/>
+        </a:xfrm>
+      </p:grpSpPr>
+      <p:sp>
+        <p:nvSpPr>
+          <p:cNvPr id="3" name="標題 2"/>
+          <p:cNvSpPr>
+            <a:spLocks noGrp="1"/>
+          </p:cNvSpPr>
+          <p:nvPr>
+            <p:ph type="title"/>
+          </p:nvPr>
+        </p:nvSpPr>
+        <p:spPr/>
+        <p:txBody>
+          <a:bodyPr/>
+          <a:lstStyle/>
+          <a:p>
+            <a:r>
+              <a:rPr lang="zh-TW" altLang="en-US" dirty="0"/>
+              <a:t>控管記錄 </a:t>
+            </a:r>
+            <a:r>
+              <a:rPr lang="en-US" altLang="zh-TW" dirty="0"/>
+              <a:t>–</a:t>
+            </a:r>
+            <a:r>
+              <a:rPr lang="zh-TW" altLang="en-US" dirty="0"/>
+              <a:t> </a:t>
+            </a:r>
+            <a:r>
+              <a:rPr lang="en-US" altLang="zh-TW" dirty="0"/>
+              <a:t>NAS</a:t>
+            </a:r>
+            <a:r>
+              <a:rPr lang="zh-TW" altLang="en-US" dirty="0"/>
+              <a:t> </a:t>
+            </a:r>
+            <a:r>
+              <a:rPr lang="en-US" altLang="zh-TW" dirty="0"/>
+              <a:t>(</a:t>
+            </a:r>
+            <a:r>
+              <a:rPr lang="en-US" altLang="zh-TW" sz="4400" dirty="0"/>
+              <a:t>2023/6/1</a:t>
+            </a:r>
+            <a:r>
+              <a:rPr lang="en-US" altLang="zh-TW" dirty="0"/>
+              <a:t>)</a:t>
+            </a:r>
+            <a:endParaRPr lang="zh-TW" altLang="en-US" dirty="0"/>
+          </a:p>
+        </p:txBody>
+      </p:sp>
+      <p:sp>
+        <p:nvSpPr>
+          <p:cNvPr id="9" name="矩形 8">
+            <a:extLst>
+              <a:ext uri="{FF2B5EF4-FFF2-40B4-BE49-F238E27FC236}">
+                <a16:creationId xmlns:a16="http://schemas.microsoft.com/office/drawing/2014/main" id="{1F596EB5-194B-41DD-9405-83C981B5180E}"/>
+              </a:ext>
+            </a:extLst>
+          </p:cNvPr>
+          <p:cNvSpPr/>
+          <p:nvPr/>
+        </p:nvSpPr>
+        <p:spPr>
+          <a:xfrm>
+            <a:off x="92279" y="1235933"/>
+            <a:ext cx="3120704" cy="1323439"/>
+          </a:xfrm>
+          <a:prstGeom prst="rect">
+            <a:avLst/>
+          </a:prstGeom>
+        </p:spPr>
+        <p:txBody>
+          <a:bodyPr wrap="square">
+            <a:spAutoFit/>
+          </a:bodyPr>
+          <a:lstStyle/>
+          <a:p>
+            <a:pPr marL="285750" lvl="1" indent="-285750"/>
+            <a:r>
+              <a:rPr lang="zh-TW" altLang="en-US" sz="2000" dirty="0">
+                <a:latin typeface="Times New Roman" panose="02020603050405020304" pitchFamily="18" charset="0"/>
+                <a:ea typeface="標楷體" panose="03000509000000000000" pitchFamily="65" charset="-120"/>
+              </a:rPr>
+              <a:t>本週更新：</a:t>
+            </a:r>
+            <a:endParaRPr lang="en-US" altLang="zh-TW" sz="2000" dirty="0">
+              <a:latin typeface="Times New Roman" panose="02020603050405020304" pitchFamily="18" charset="0"/>
+              <a:ea typeface="標楷體" panose="03000509000000000000" pitchFamily="65" charset="-120"/>
+            </a:endParaRPr>
+          </a:p>
+          <a:p>
+            <a:pPr marL="285750" lvl="1" indent="-285750"/>
+            <a:r>
+              <a:rPr lang="en-US" altLang="zh-TW" sz="2000" dirty="0">
+                <a:latin typeface="Times New Roman" panose="02020603050405020304" pitchFamily="18" charset="0"/>
+                <a:ea typeface="標楷體" panose="03000509000000000000" pitchFamily="65" charset="-120"/>
+              </a:rPr>
+              <a:t>N02-Architecture</a:t>
+            </a:r>
+          </a:p>
+          <a:p>
+            <a:pPr marL="285750" lvl="1" indent="-285750"/>
+            <a:r>
+              <a:rPr lang="en-US" altLang="zh-TW" sz="2000" dirty="0">
+                <a:latin typeface="Times New Roman" panose="02020603050405020304" pitchFamily="18" charset="0"/>
+                <a:ea typeface="標楷體" panose="03000509000000000000" pitchFamily="65" charset="-120"/>
+              </a:rPr>
+              <a:t>N06-Demo&amp;ppt</a:t>
+            </a:r>
+          </a:p>
+          <a:p>
+            <a:pPr marL="285750" lvl="1" indent="-285750"/>
+            <a:endParaRPr lang="en-US" altLang="zh-TW" sz="2000" dirty="0">
+              <a:latin typeface="Times New Roman" panose="02020603050405020304" pitchFamily="18" charset="0"/>
+              <a:ea typeface="標楷體" panose="03000509000000000000" pitchFamily="65" charset="-120"/>
+            </a:endParaRPr>
+          </a:p>
+        </p:txBody>
+      </p:sp>
+    </p:spTree>
+    <p:extLst>
+      <p:ext uri="{BB962C8B-B14F-4D97-AF65-F5344CB8AC3E}">
+        <p14:creationId xmlns:p14="http://schemas.microsoft.com/office/powerpoint/2010/main" val="3556275576"/>
+      </p:ext>
+    </p:extLst>
+  </p:cSld>
+  <p:clrMapOvr>
+    <a:masterClrMapping/>
+  </p:clrMapOvr>
+</p:sld>
+</file>
+
+<file path=ppt/slides/slide20.xml><?xml version="1.0" encoding="utf-8"?>
 <p:sld xmlns:a="http://schemas.openxmlformats.org/drawingml/2006/main" xmlns:r="http://schemas.openxmlformats.org/officeDocument/2006/relationships" xmlns:p="http://schemas.openxmlformats.org/presentationml/2006/main">
   <p:cSld>
     <p:spTree>
@@ -9419,7 +10903,7 @@
 </p:sld>
 </file>
 
-<file path=ppt/slides/slide17.xml><?xml version="1.0" encoding="utf-8"?>
+<file path=ppt/slides/slide21.xml><?xml version="1.0" encoding="utf-8"?>
 <p:sld xmlns:a="http://schemas.openxmlformats.org/drawingml/2006/main" xmlns:r="http://schemas.openxmlformats.org/officeDocument/2006/relationships" xmlns:p="http://schemas.openxmlformats.org/presentationml/2006/main">
   <p:cSld>
     <p:spTree>
@@ -9694,7 +11178,7 @@
 </p:sld>
 </file>
 
-<file path=ppt/slides/slide18.xml><?xml version="1.0" encoding="utf-8"?>
+<file path=ppt/slides/slide22.xml><?xml version="1.0" encoding="utf-8"?>
 <p:sld xmlns:a="http://schemas.openxmlformats.org/drawingml/2006/main" xmlns:r="http://schemas.openxmlformats.org/officeDocument/2006/relationships" xmlns:p="http://schemas.openxmlformats.org/presentationml/2006/main">
   <p:cSld>
     <p:spTree>
@@ -9969,7 +11453,7 @@
 </p:sld>
 </file>
 
-<file path=ppt/slides/slide19.xml><?xml version="1.0" encoding="utf-8"?>
+<file path=ppt/slides/slide23.xml><?xml version="1.0" encoding="utf-8"?>
 <p:sld xmlns:a="http://schemas.openxmlformats.org/drawingml/2006/main" xmlns:r="http://schemas.openxmlformats.org/officeDocument/2006/relationships" xmlns:p="http://schemas.openxmlformats.org/presentationml/2006/main">
   <p:cSld>
     <p:spTree>
@@ -10218,7 +11702,7 @@
 </p:sld>
 </file>
 
-<file path=ppt/slides/slide2.xml><?xml version="1.0" encoding="utf-8"?>
+<file path=ppt/slides/slide24.xml><?xml version="1.0" encoding="utf-8"?>
 <p:sld xmlns:a="http://schemas.openxmlformats.org/drawingml/2006/main" xmlns:r="http://schemas.openxmlformats.org/officeDocument/2006/relationships" xmlns:p="http://schemas.openxmlformats.org/presentationml/2006/main">
   <p:cSld>
     <p:spTree>
@@ -10245,67 +11729,62 @@
             <p:ph type="title"/>
           </p:nvPr>
         </p:nvSpPr>
-        <p:spPr/>
-        <p:txBody>
-          <a:bodyPr/>
+        <p:spPr>
+          <a:xfrm>
+            <a:off x="838200" y="365125"/>
+            <a:ext cx="10515600" cy="720000"/>
+          </a:xfrm>
+        </p:spPr>
+        <p:txBody>
+          <a:bodyPr>
+            <a:noAutofit/>
+          </a:bodyPr>
           <a:lstStyle/>
           <a:p>
             <a:r>
-              <a:rPr lang="zh-TW" altLang="en-US" dirty="0"/>
-              <a:t>控管記錄 </a:t>
-            </a:r>
-            <a:r>
-              <a:rPr lang="en-US" altLang="zh-TW" dirty="0"/>
-              <a:t>–</a:t>
-            </a:r>
-            <a:r>
-              <a:rPr lang="zh-TW" altLang="en-US" dirty="0"/>
+              <a:rPr lang="zh-TW" altLang="en-US" sz="3200" dirty="0"/>
+              <a:t>成果展示 </a:t>
+            </a:r>
+            <a:r>
+              <a:rPr lang="en-US" altLang="zh-TW" sz="3200" dirty="0"/>
+              <a:t>– </a:t>
+            </a:r>
+            <a:r>
+              <a:rPr lang="en-US" altLang="zh-TW" sz="3200" dirty="0" err="1"/>
+              <a:t>NonMaxSuppression</a:t>
+            </a:r>
+            <a:r>
+              <a:rPr lang="en-US" altLang="zh-TW" sz="3200" dirty="0"/>
               <a:t> </a:t>
             </a:r>
             <a:r>
-              <a:rPr lang="en-US" altLang="zh-TW" dirty="0"/>
-              <a:t>NAS</a:t>
-            </a:r>
-            <a:r>
-              <a:rPr lang="zh-TW" altLang="en-US" dirty="0"/>
-              <a:t> </a:t>
-            </a:r>
-            <a:r>
-              <a:rPr lang="en-US" altLang="zh-TW" dirty="0"/>
-              <a:t>(</a:t>
-            </a:r>
-            <a:r>
-              <a:rPr lang="en-US" altLang="zh-TW" sz="4400" dirty="0"/>
-              <a:t>2023/6/1</a:t>
-            </a:r>
-            <a:r>
-              <a:rPr lang="en-US" altLang="zh-TW" dirty="0"/>
-              <a:t>)</a:t>
-            </a:r>
-            <a:endParaRPr lang="zh-TW" altLang="en-US" dirty="0"/>
-          </a:p>
-        </p:txBody>
-      </p:sp>
-      <p:sp>
-        <p:nvSpPr>
-          <p:cNvPr id="9" name="矩形 8">
+              <a:rPr lang="zh-TW" altLang="en-US" sz="3200" dirty="0"/>
+              <a:t>波形模擬</a:t>
+            </a:r>
+          </a:p>
+        </p:txBody>
+      </p:sp>
+      <p:sp>
+        <p:nvSpPr>
+          <p:cNvPr id="14" name="文字方塊 13">
             <a:extLst>
               <a:ext uri="{FF2B5EF4-FFF2-40B4-BE49-F238E27FC236}">
-                <a16:creationId xmlns:a16="http://schemas.microsoft.com/office/drawing/2014/main" id="{1F596EB5-194B-41DD-9405-83C981B5180E}"/>
+                <a16:creationId xmlns:a16="http://schemas.microsoft.com/office/drawing/2014/main" id="{E4E592F9-FC71-4DD1-9118-16844995CC7F}"/>
               </a:ext>
             </a:extLst>
           </p:cNvPr>
-          <p:cNvSpPr/>
+          <p:cNvSpPr txBox="1"/>
           <p:nvPr/>
         </p:nvSpPr>
         <p:spPr>
           <a:xfrm>
-            <a:off x="92279" y="1235933"/>
-            <a:ext cx="3120704" cy="1323439"/>
+            <a:off x="2022446" y="1365672"/>
+            <a:ext cx="5373306" cy="646331"/>
           </a:xfrm>
           <a:prstGeom prst="rect">
             <a:avLst/>
           </a:prstGeom>
+          <a:noFill/>
         </p:spPr>
         <p:txBody>
           <a:bodyPr wrap="square">
@@ -10313,43 +11792,382 @@
           </a:bodyPr>
           <a:lstStyle/>
           <a:p>
-            <a:pPr marL="285750" lvl="1" indent="-285750"/>
-            <a:r>
-              <a:rPr lang="zh-TW" altLang="en-US" sz="2000" dirty="0">
-                <a:latin typeface="Times New Roman" panose="02020603050405020304" pitchFamily="18" charset="0"/>
-                <a:ea typeface="標楷體" panose="03000509000000000000" pitchFamily="65" charset="-120"/>
-              </a:rPr>
-              <a:t>本週更新：</a:t>
-            </a:r>
-            <a:endParaRPr lang="en-US" altLang="zh-TW" sz="2000" dirty="0">
-              <a:latin typeface="Times New Roman" panose="02020603050405020304" pitchFamily="18" charset="0"/>
+            <a:pPr marL="285750" indent="-285750">
+              <a:buFont typeface="Arial" panose="020B0604020202020204" pitchFamily="34" charset="0"/>
+              <a:buChar char="•"/>
+            </a:pPr>
+            <a:r>
+              <a:rPr lang="zh-TW" altLang="en-US" dirty="0">
+                <a:latin typeface="標楷體" panose="03000509000000000000" pitchFamily="65" charset="-120"/>
+                <a:ea typeface="標楷體" panose="03000509000000000000" pitchFamily="65" charset="-120"/>
+              </a:rPr>
+              <a:t>整體波形模擬</a:t>
+            </a:r>
+            <a:r>
+              <a:rPr lang="en-US" altLang="zh-TW" dirty="0">
+                <a:latin typeface="標楷體" panose="03000509000000000000" pitchFamily="65" charset="-120"/>
+                <a:ea typeface="標楷體" panose="03000509000000000000" pitchFamily="65" charset="-120"/>
+              </a:rPr>
+              <a:t>:</a:t>
+            </a:r>
+          </a:p>
+          <a:p>
+            <a:pPr marL="742950" lvl="1" indent="-285750">
+              <a:buFont typeface="Arial" panose="020B0604020202020204" pitchFamily="34" charset="0"/>
+              <a:buChar char="•"/>
+            </a:pPr>
+            <a:r>
+              <a:rPr lang="zh-TW" altLang="en-US" dirty="0">
+                <a:latin typeface="標楷體" panose="03000509000000000000" pitchFamily="65" charset="-120"/>
+                <a:ea typeface="標楷體" panose="03000509000000000000" pitchFamily="65" charset="-120"/>
+              </a:rPr>
+              <a:t>灰階圖片</a:t>
+            </a:r>
+            <a:r>
+              <a:rPr lang="en-US" altLang="zh-TW" dirty="0">
+                <a:latin typeface="標楷體" panose="03000509000000000000" pitchFamily="65" charset="-120"/>
+                <a:ea typeface="標楷體" panose="03000509000000000000" pitchFamily="65" charset="-120"/>
+              </a:rPr>
+              <a:t>: 640x480 (8bits)</a:t>
+            </a:r>
+            <a:endParaRPr lang="zh-TW" altLang="en-US" dirty="0">
+              <a:latin typeface="標楷體" panose="03000509000000000000" pitchFamily="65" charset="-120"/>
               <a:ea typeface="標楷體" panose="03000509000000000000" pitchFamily="65" charset="-120"/>
             </a:endParaRPr>
           </a:p>
-          <a:p>
-            <a:pPr marL="285750" lvl="1" indent="-285750"/>
-            <a:r>
-              <a:rPr lang="en-US" altLang="zh-TW" sz="2000" dirty="0">
-                <a:latin typeface="Times New Roman" panose="02020603050405020304" pitchFamily="18" charset="0"/>
-                <a:ea typeface="標楷體" panose="03000509000000000000" pitchFamily="65" charset="-120"/>
-              </a:rPr>
-              <a:t>N02-Architecture</a:t>
-            </a:r>
-          </a:p>
-          <a:p>
-            <a:pPr marL="285750" lvl="1" indent="-285750"/>
-            <a:r>
-              <a:rPr lang="en-US" altLang="zh-TW" sz="2000" dirty="0">
-                <a:latin typeface="Times New Roman" panose="02020603050405020304" pitchFamily="18" charset="0"/>
-                <a:ea typeface="標楷體" panose="03000509000000000000" pitchFamily="65" charset="-120"/>
-              </a:rPr>
-              <a:t>N06-Demo&amp;ppt</a:t>
-            </a:r>
-          </a:p>
-          <a:p>
-            <a:pPr marL="285750" lvl="1" indent="-285750"/>
-            <a:endParaRPr lang="en-US" altLang="zh-TW" sz="2000" dirty="0">
-              <a:latin typeface="Times New Roman" panose="02020603050405020304" pitchFamily="18" charset="0"/>
+        </p:txBody>
+      </p:sp>
+      <p:sp>
+        <p:nvSpPr>
+          <p:cNvPr id="10" name="文字方塊 9">
+            <a:extLst>
+              <a:ext uri="{FF2B5EF4-FFF2-40B4-BE49-F238E27FC236}">
+                <a16:creationId xmlns:a16="http://schemas.microsoft.com/office/drawing/2014/main" id="{E24CD2C8-46A2-450C-9CA0-485274647932}"/>
+              </a:ext>
+            </a:extLst>
+          </p:cNvPr>
+          <p:cNvSpPr txBox="1"/>
+          <p:nvPr/>
+        </p:nvSpPr>
+        <p:spPr>
+          <a:xfrm>
+            <a:off x="4634705" y="5680911"/>
+            <a:ext cx="2922590" cy="441453"/>
+          </a:xfrm>
+          <a:prstGeom prst="rect">
+            <a:avLst/>
+          </a:prstGeom>
+          <a:noFill/>
+        </p:spPr>
+        <p:txBody>
+          <a:bodyPr wrap="square">
+            <a:spAutoFit/>
+          </a:bodyPr>
+          <a:lstStyle/>
+          <a:p>
+            <a:r>
+              <a:rPr lang="zh-TW" altLang="en-US" dirty="0">
+                <a:latin typeface="標楷體" panose="03000509000000000000" pitchFamily="65" charset="-120"/>
+                <a:ea typeface="標楷體" panose="03000509000000000000" pitchFamily="65" charset="-120"/>
+              </a:rPr>
+              <a:t>圖</a:t>
+            </a:r>
+            <a:r>
+              <a:rPr lang="en-US" altLang="zh-TW" dirty="0">
+                <a:latin typeface="標楷體" panose="03000509000000000000" pitchFamily="65" charset="-120"/>
+                <a:ea typeface="標楷體" panose="03000509000000000000" pitchFamily="65" charset="-120"/>
+              </a:rPr>
+              <a:t>4.</a:t>
+            </a:r>
+            <a:r>
+              <a:rPr lang="en-US" altLang="zh-TW" dirty="0">
+                <a:latin typeface="Times New Roman" panose="02020603050405020304" pitchFamily="18" charset="0"/>
+                <a:ea typeface="標楷體" panose="03000509000000000000" pitchFamily="65" charset="-120"/>
+              </a:rPr>
+              <a:t>Bram_Sobel</a:t>
+            </a:r>
+            <a:r>
+              <a:rPr lang="zh-TW" altLang="en-US" dirty="0">
+                <a:latin typeface="標楷體" panose="03000509000000000000" pitchFamily="65" charset="-120"/>
+                <a:ea typeface="標楷體" panose="03000509000000000000" pitchFamily="65" charset="-120"/>
+              </a:rPr>
+              <a:t>單幀全圖</a:t>
+            </a:r>
+          </a:p>
+        </p:txBody>
+      </p:sp>
+      <p:sp>
+        <p:nvSpPr>
+          <p:cNvPr id="6" name="文字方塊 5">
+            <a:extLst>
+              <a:ext uri="{FF2B5EF4-FFF2-40B4-BE49-F238E27FC236}">
+                <a16:creationId xmlns:a16="http://schemas.microsoft.com/office/drawing/2014/main" id="{2F3346EE-318A-4DF8-8A3C-51A3B2C14DD6}"/>
+              </a:ext>
+            </a:extLst>
+          </p:cNvPr>
+          <p:cNvSpPr txBox="1"/>
+          <p:nvPr/>
+        </p:nvSpPr>
+        <p:spPr>
+          <a:xfrm>
+            <a:off x="7374597" y="1411839"/>
+            <a:ext cx="3126801" cy="1754326"/>
+          </a:xfrm>
+          <a:prstGeom prst="rect">
+            <a:avLst/>
+          </a:prstGeom>
+          <a:noFill/>
+        </p:spPr>
+        <p:txBody>
+          <a:bodyPr wrap="square">
+            <a:spAutoFit/>
+          </a:bodyPr>
+          <a:lstStyle/>
+          <a:p>
+            <a:r>
+              <a:rPr lang="zh-TW" altLang="en-US" dirty="0">
+                <a:latin typeface="標楷體" panose="03000509000000000000" pitchFamily="65" charset="-120"/>
+                <a:ea typeface="標楷體" panose="03000509000000000000" pitchFamily="65" charset="-120"/>
+              </a:rPr>
+              <a:t>每個像素</a:t>
+            </a:r>
+            <a:r>
+              <a:rPr lang="en-US" altLang="zh-TW" dirty="0">
+                <a:latin typeface="標楷體" panose="03000509000000000000" pitchFamily="65" charset="-120"/>
+                <a:ea typeface="標楷體" panose="03000509000000000000" pitchFamily="65" charset="-120"/>
+              </a:rPr>
+              <a:t>:</a:t>
+            </a:r>
+            <a:r>
+              <a:rPr lang="zh-TW" altLang="en-US" dirty="0">
+                <a:latin typeface="標楷體" panose="03000509000000000000" pitchFamily="65" charset="-120"/>
+                <a:ea typeface="標楷體" panose="03000509000000000000" pitchFamily="65" charset="-120"/>
+              </a:rPr>
+              <a:t> </a:t>
+            </a:r>
+            <a:r>
+              <a:rPr lang="en-US" altLang="zh-TW" dirty="0">
+                <a:latin typeface="標楷體" panose="03000509000000000000" pitchFamily="65" charset="-120"/>
+                <a:ea typeface="標楷體" panose="03000509000000000000" pitchFamily="65" charset="-120"/>
+              </a:rPr>
+              <a:t>1/50</a:t>
+            </a:r>
+            <a:r>
+              <a:rPr lang="en-US" altLang="zh-TW" dirty="0">
+                <a:latin typeface="Times New Roman" panose="02020603050405020304" pitchFamily="18" charset="0"/>
+                <a:ea typeface="標楷體" panose="03000509000000000000" pitchFamily="65" charset="-120"/>
+                <a:cs typeface="Times New Roman" panose="02020603050405020304" pitchFamily="18" charset="0"/>
+              </a:rPr>
+              <a:t>M</a:t>
+            </a:r>
+            <a:r>
+              <a:rPr lang="en-US" altLang="zh-TW" dirty="0">
+                <a:latin typeface="標楷體" panose="03000509000000000000" pitchFamily="65" charset="-120"/>
+                <a:ea typeface="標楷體" panose="03000509000000000000" pitchFamily="65" charset="-120"/>
+              </a:rPr>
+              <a:t> </a:t>
+            </a:r>
+            <a:r>
+              <a:rPr lang="en-US" altLang="zh-TW" dirty="0">
+                <a:latin typeface="Times New Roman" panose="02020603050405020304" pitchFamily="18" charset="0"/>
+                <a:ea typeface="標楷體" panose="03000509000000000000" pitchFamily="65" charset="-120"/>
+                <a:cs typeface="Times New Roman" panose="02020603050405020304" pitchFamily="18" charset="0"/>
+              </a:rPr>
+              <a:t>sec</a:t>
+            </a:r>
+          </a:p>
+          <a:p>
+            <a:r>
+              <a:rPr lang="zh-TW" altLang="en-US" dirty="0">
+                <a:latin typeface="標楷體" panose="03000509000000000000" pitchFamily="65" charset="-120"/>
+                <a:ea typeface="標楷體" panose="03000509000000000000" pitchFamily="65" charset="-120"/>
+              </a:rPr>
+              <a:t>每張圖</a:t>
+            </a:r>
+            <a:r>
+              <a:rPr lang="en-US" altLang="zh-TW" dirty="0">
+                <a:latin typeface="標楷體" panose="03000509000000000000" pitchFamily="65" charset="-120"/>
+                <a:ea typeface="標楷體" panose="03000509000000000000" pitchFamily="65" charset="-120"/>
+              </a:rPr>
+              <a:t>:</a:t>
+            </a:r>
+            <a:r>
+              <a:rPr lang="zh-TW" altLang="en-US" dirty="0">
+                <a:latin typeface="標楷體" panose="03000509000000000000" pitchFamily="65" charset="-120"/>
+                <a:ea typeface="標楷體" panose="03000509000000000000" pitchFamily="65" charset="-120"/>
+              </a:rPr>
+              <a:t> </a:t>
+            </a:r>
+            <a:r>
+              <a:rPr lang="en-US" altLang="zh-TW" dirty="0">
+                <a:latin typeface="標楷體" panose="03000509000000000000" pitchFamily="65" charset="-120"/>
+                <a:ea typeface="標楷體" panose="03000509000000000000" pitchFamily="65" charset="-120"/>
+              </a:rPr>
+              <a:t>800x525x1/50</a:t>
+            </a:r>
+            <a:r>
+              <a:rPr lang="en-US" altLang="zh-TW" dirty="0">
+                <a:latin typeface="Times New Roman" panose="02020603050405020304" pitchFamily="18" charset="0"/>
+                <a:ea typeface="標楷體" panose="03000509000000000000" pitchFamily="65" charset="-120"/>
+                <a:cs typeface="Times New Roman" panose="02020603050405020304" pitchFamily="18" charset="0"/>
+              </a:rPr>
+              <a:t>M</a:t>
+            </a:r>
+            <a:r>
+              <a:rPr lang="en-US" altLang="zh-TW" dirty="0">
+                <a:latin typeface="標楷體" panose="03000509000000000000" pitchFamily="65" charset="-120"/>
+                <a:ea typeface="標楷體" panose="03000509000000000000" pitchFamily="65" charset="-120"/>
+              </a:rPr>
+              <a:t> </a:t>
+            </a:r>
+            <a:r>
+              <a:rPr lang="en-US" altLang="zh-TW" dirty="0">
+                <a:latin typeface="Times New Roman" panose="02020603050405020304" pitchFamily="18" charset="0"/>
+                <a:ea typeface="標楷體" panose="03000509000000000000" pitchFamily="65" charset="-120"/>
+                <a:cs typeface="Times New Roman" panose="02020603050405020304" pitchFamily="18" charset="0"/>
+              </a:rPr>
+              <a:t>sec</a:t>
+            </a:r>
+          </a:p>
+          <a:p>
+            <a:r>
+              <a:rPr lang="en-US" altLang="zh-TW" dirty="0">
+                <a:latin typeface="Times New Roman" panose="02020603050405020304" pitchFamily="18" charset="0"/>
+                <a:ea typeface="標楷體" panose="03000509000000000000" pitchFamily="65" charset="-120"/>
+                <a:cs typeface="Times New Roman" panose="02020603050405020304" pitchFamily="18" charset="0"/>
+              </a:rPr>
+              <a:t>	≈16.8ms</a:t>
+            </a:r>
+            <a:endParaRPr lang="en-US" altLang="zh-TW" dirty="0">
+              <a:latin typeface="標楷體" panose="03000509000000000000" pitchFamily="65" charset="-120"/>
+              <a:ea typeface="標楷體" panose="03000509000000000000" pitchFamily="65" charset="-120"/>
+            </a:endParaRPr>
+          </a:p>
+          <a:p>
+            <a:r>
+              <a:rPr lang="en-US" altLang="zh-TW" dirty="0" err="1">
+                <a:latin typeface="標楷體" panose="03000509000000000000" pitchFamily="65" charset="-120"/>
+                <a:ea typeface="標楷體" panose="03000509000000000000" pitchFamily="65" charset="-120"/>
+              </a:rPr>
+              <a:t>T</a:t>
+            </a:r>
+            <a:r>
+              <a:rPr lang="en-US" altLang="zh-TW" sz="1400" dirty="0" err="1">
+                <a:latin typeface="Times New Roman" panose="02020603050405020304" pitchFamily="18" charset="0"/>
+                <a:ea typeface="標楷體" panose="03000509000000000000" pitchFamily="65" charset="-120"/>
+                <a:cs typeface="Times New Roman" panose="02020603050405020304" pitchFamily="18" charset="0"/>
+              </a:rPr>
+              <a:t>move</a:t>
+            </a:r>
+            <a:r>
+              <a:rPr lang="en-US" altLang="zh-TW" sz="1400" dirty="0">
+                <a:latin typeface="標楷體" panose="03000509000000000000" pitchFamily="65" charset="-120"/>
+                <a:ea typeface="標楷體" panose="03000509000000000000" pitchFamily="65" charset="-120"/>
+              </a:rPr>
+              <a:t> </a:t>
+            </a:r>
+            <a:r>
+              <a:rPr lang="en-US" altLang="zh-TW" dirty="0">
+                <a:latin typeface="標楷體" panose="03000509000000000000" pitchFamily="65" charset="-120"/>
+                <a:ea typeface="標楷體" panose="03000509000000000000" pitchFamily="65" charset="-120"/>
+              </a:rPr>
+              <a:t>&gt; </a:t>
+            </a:r>
+            <a:r>
+              <a:rPr lang="zh-TW" altLang="en-US" dirty="0">
+                <a:latin typeface="標楷體" panose="03000509000000000000" pitchFamily="65" charset="-120"/>
+                <a:ea typeface="標楷體" panose="03000509000000000000" pitchFamily="65" charset="-120"/>
+              </a:rPr>
+              <a:t>單張圖</a:t>
+            </a:r>
+            <a:r>
+              <a:rPr lang="en-US" altLang="zh-TW" dirty="0">
+                <a:latin typeface="標楷體" panose="03000509000000000000" pitchFamily="65" charset="-120"/>
+                <a:ea typeface="標楷體" panose="03000509000000000000" pitchFamily="65" charset="-120"/>
+              </a:rPr>
+              <a:t>(16.8</a:t>
+            </a:r>
+            <a:r>
+              <a:rPr lang="en-US" altLang="zh-TW" dirty="0">
+                <a:latin typeface="Times New Roman" panose="02020603050405020304" pitchFamily="18" charset="0"/>
+                <a:ea typeface="標楷體" panose="03000509000000000000" pitchFamily="65" charset="-120"/>
+                <a:cs typeface="Times New Roman" panose="02020603050405020304" pitchFamily="18" charset="0"/>
+              </a:rPr>
+              <a:t>ms</a:t>
+            </a:r>
+            <a:r>
+              <a:rPr lang="en-US" altLang="zh-TW" dirty="0">
+                <a:latin typeface="標楷體" panose="03000509000000000000" pitchFamily="65" charset="-120"/>
+                <a:ea typeface="標楷體" panose="03000509000000000000" pitchFamily="65" charset="-120"/>
+              </a:rPr>
+              <a:t>)</a:t>
+            </a:r>
+          </a:p>
+          <a:p>
+            <a:r>
+              <a:rPr lang="en-US" altLang="zh-TW" dirty="0" err="1">
+                <a:latin typeface="Times New Roman" panose="02020603050405020304" pitchFamily="18" charset="0"/>
+                <a:ea typeface="標楷體" panose="03000509000000000000" pitchFamily="65" charset="-120"/>
+                <a:cs typeface="Times New Roman" panose="02020603050405020304" pitchFamily="18" charset="0"/>
+              </a:rPr>
+              <a:t>move_clk</a:t>
+            </a:r>
+            <a:r>
+              <a:rPr lang="en-US" altLang="zh-TW" dirty="0">
+                <a:latin typeface="Times New Roman" panose="02020603050405020304" pitchFamily="18" charset="0"/>
+                <a:ea typeface="標楷體" panose="03000509000000000000" pitchFamily="65" charset="-120"/>
+                <a:cs typeface="Times New Roman" panose="02020603050405020304" pitchFamily="18" charset="0"/>
+              </a:rPr>
+              <a:t> </a:t>
+            </a:r>
+            <a:r>
+              <a:rPr lang="en-US" altLang="zh-TW" dirty="0">
+                <a:latin typeface="標楷體" panose="03000509000000000000" pitchFamily="65" charset="-120"/>
+                <a:ea typeface="標楷體" panose="03000509000000000000" pitchFamily="65" charset="-120"/>
+              </a:rPr>
+              <a:t>≦ 59.524(</a:t>
+            </a:r>
+            <a:r>
+              <a:rPr lang="en-US" altLang="zh-TW" dirty="0">
+                <a:latin typeface="Times New Roman" panose="02020603050405020304" pitchFamily="18" charset="0"/>
+                <a:ea typeface="標楷體" panose="03000509000000000000" pitchFamily="65" charset="-120"/>
+                <a:cs typeface="Times New Roman" panose="02020603050405020304" pitchFamily="18" charset="0"/>
+              </a:rPr>
+              <a:t>Hz</a:t>
+            </a:r>
+            <a:r>
+              <a:rPr lang="en-US" altLang="zh-TW" dirty="0">
+                <a:latin typeface="標楷體" panose="03000509000000000000" pitchFamily="65" charset="-120"/>
+                <a:ea typeface="標楷體" panose="03000509000000000000" pitchFamily="65" charset="-120"/>
+              </a:rPr>
+              <a:t>) </a:t>
+            </a:r>
+          </a:p>
+          <a:p>
+            <a:r>
+              <a:rPr lang="en-US" altLang="zh-TW" dirty="0">
+                <a:latin typeface="標楷體" panose="03000509000000000000" pitchFamily="65" charset="-120"/>
+                <a:ea typeface="標楷體" panose="03000509000000000000" pitchFamily="65" charset="-120"/>
+              </a:rPr>
+              <a:t>=&gt;100M/2^21 = 47.683(</a:t>
+            </a:r>
+            <a:r>
+              <a:rPr lang="en-US" altLang="zh-TW" dirty="0">
+                <a:latin typeface="Times New Roman" panose="02020603050405020304" pitchFamily="18" charset="0"/>
+                <a:ea typeface="標楷體" panose="03000509000000000000" pitchFamily="65" charset="-120"/>
+                <a:cs typeface="Times New Roman" panose="02020603050405020304" pitchFamily="18" charset="0"/>
+              </a:rPr>
+              <a:t>Hz</a:t>
+            </a:r>
+            <a:r>
+              <a:rPr lang="en-US" altLang="zh-TW" dirty="0">
+                <a:latin typeface="標楷體" panose="03000509000000000000" pitchFamily="65" charset="-120"/>
+                <a:ea typeface="標楷體" panose="03000509000000000000" pitchFamily="65" charset="-120"/>
+              </a:rPr>
+              <a:t>)</a:t>
+            </a:r>
+            <a:endParaRPr lang="zh-TW" altLang="en-US" dirty="0">
+              <a:latin typeface="標楷體" panose="03000509000000000000" pitchFamily="65" charset="-120"/>
               <a:ea typeface="標楷體" panose="03000509000000000000" pitchFamily="65" charset="-120"/>
             </a:endParaRPr>
           </a:p>
@@ -10358,7 +12176,7 @@
     </p:spTree>
     <p:extLst>
       <p:ext uri="{BB962C8B-B14F-4D97-AF65-F5344CB8AC3E}">
-        <p14:creationId xmlns:p14="http://schemas.microsoft.com/office/powerpoint/2010/main" val="3556275576"/>
+        <p14:creationId xmlns:p14="http://schemas.microsoft.com/office/powerpoint/2010/main" val="882001098"/>
       </p:ext>
     </p:extLst>
   </p:cSld>
@@ -10368,7 +12186,7 @@
 </p:sld>
 </file>
 
-<file path=ppt/slides/slide20.xml><?xml version="1.0" encoding="utf-8"?>
+<file path=ppt/slides/slide25.xml><?xml version="1.0" encoding="utf-8"?>
 <p:sld xmlns:a="http://schemas.openxmlformats.org/drawingml/2006/main" xmlns:r="http://schemas.openxmlformats.org/officeDocument/2006/relationships" xmlns:p="http://schemas.openxmlformats.org/presentationml/2006/main">
   <p:cSld>
     <p:spTree>
@@ -10413,20 +12231,45 @@
             </a:r>
             <a:r>
               <a:rPr lang="en-US" altLang="zh-TW" sz="3200" dirty="0"/>
-              <a:t>– </a:t>
-            </a:r>
-            <a:r>
-              <a:rPr lang="en-US" altLang="zh-TW" sz="3200" dirty="0" err="1"/>
-              <a:t>NonMaxSuppression</a:t>
-            </a:r>
-            <a:r>
-              <a:rPr lang="en-US" altLang="zh-TW" sz="3200" dirty="0"/>
+              <a:t>–</a:t>
+            </a:r>
+            <a:r>
+              <a:rPr lang="en-US" altLang="zh-TW" sz="3200" dirty="0" err="1">
+                <a:ea typeface="Tahoma" panose="020B0604030504040204" pitchFamily="34" charset="0"/>
+              </a:rPr>
+              <a:t>Bram_VGA</a:t>
+            </a:r>
+            <a:r>
+              <a:rPr lang="zh-TW" altLang="en-US" sz="3200" dirty="0">
+                <a:ea typeface="Tahoma" panose="020B0604030504040204" pitchFamily="34" charset="0"/>
+              </a:rPr>
               <a:t> </a:t>
             </a:r>
             <a:r>
-              <a:rPr lang="zh-TW" altLang="en-US" sz="3200" dirty="0"/>
+              <a:rPr lang="en-US" altLang="zh-TW" sz="3200" dirty="0">
+                <a:ea typeface="Tahoma" panose="020B0604030504040204" pitchFamily="34" charset="0"/>
+              </a:rPr>
+              <a:t>+</a:t>
+            </a:r>
+            <a:r>
+              <a:rPr lang="zh-TW" altLang="en-US" sz="3200" dirty="0">
+                <a:ea typeface="Tahoma" panose="020B0604030504040204" pitchFamily="34" charset="0"/>
+              </a:rPr>
+              <a:t> </a:t>
+            </a:r>
+            <a:r>
+              <a:rPr lang="en-US" altLang="zh-TW" sz="3200" dirty="0">
+                <a:ea typeface="Tahoma" panose="020B0604030504040204" pitchFamily="34" charset="0"/>
+              </a:rPr>
+              <a:t>Sobel </a:t>
+            </a:r>
+            <a:r>
+              <a:rPr lang="zh-TW" altLang="en-US" sz="3200" dirty="0">
+                <a:latin typeface="標楷體" panose="03000509000000000000" pitchFamily="65" charset="-120"/>
+              </a:rPr>
               <a:t>波形模擬</a:t>
             </a:r>
+            <a:endParaRPr lang="zh-TW" altLang="en-US" sz="3200" dirty="0"/>
           </a:p>
         </p:txBody>
       </p:sp>
@@ -10842,7 +12685,7 @@
     </p:spTree>
     <p:extLst>
       <p:ext uri="{BB962C8B-B14F-4D97-AF65-F5344CB8AC3E}">
-        <p14:creationId xmlns:p14="http://schemas.microsoft.com/office/powerpoint/2010/main" val="882001098"/>
+        <p14:creationId xmlns:p14="http://schemas.microsoft.com/office/powerpoint/2010/main" val="3703064775"/>
       </p:ext>
     </p:extLst>
   </p:cSld>
@@ -10852,7 +12695,7 @@
 </p:sld>
 </file>
 
-<file path=ppt/slides/slide21.xml><?xml version="1.0" encoding="utf-8"?>
+<file path=ppt/slides/slide26.xml><?xml version="1.0" encoding="utf-8"?>
 <p:sld xmlns:a="http://schemas.openxmlformats.org/drawingml/2006/main" xmlns:r="http://schemas.openxmlformats.org/officeDocument/2006/relationships" xmlns:p="http://schemas.openxmlformats.org/presentationml/2006/main">
   <p:cSld>
     <p:spTree>
@@ -10871,515 +12714,6 @@
       </p:grpSpPr>
       <p:sp>
         <p:nvSpPr>
-          <p:cNvPr id="3" name="標題 2"/>
-          <p:cNvSpPr>
-            <a:spLocks noGrp="1"/>
-          </p:cNvSpPr>
-          <p:nvPr>
-            <p:ph type="title"/>
-          </p:nvPr>
-        </p:nvSpPr>
-        <p:spPr>
-          <a:xfrm>
-            <a:off x="838200" y="365125"/>
-            <a:ext cx="10515600" cy="720000"/>
-          </a:xfrm>
-        </p:spPr>
-        <p:txBody>
-          <a:bodyPr>
-            <a:noAutofit/>
-          </a:bodyPr>
-          <a:lstStyle/>
-          <a:p>
-            <a:r>
-              <a:rPr lang="zh-TW" altLang="en-US" sz="3200" dirty="0"/>
-              <a:t>成果展示 </a:t>
-            </a:r>
-            <a:r>
-              <a:rPr lang="en-US" altLang="zh-TW" sz="3200" dirty="0"/>
-              <a:t>–</a:t>
-            </a:r>
-            <a:r>
-              <a:rPr lang="en-US" altLang="zh-TW" sz="3200" dirty="0" err="1">
-                <a:ea typeface="Tahoma" panose="020B0604030504040204" pitchFamily="34" charset="0"/>
-              </a:rPr>
-              <a:t>Bram_VGA</a:t>
-            </a:r>
-            <a:r>
-              <a:rPr lang="zh-TW" altLang="en-US" sz="3200" dirty="0">
-                <a:ea typeface="Tahoma" panose="020B0604030504040204" pitchFamily="34" charset="0"/>
-              </a:rPr>
-              <a:t> </a:t>
-            </a:r>
-            <a:r>
-              <a:rPr lang="en-US" altLang="zh-TW" sz="3200" dirty="0">
-                <a:ea typeface="Tahoma" panose="020B0604030504040204" pitchFamily="34" charset="0"/>
-              </a:rPr>
-              <a:t>+</a:t>
-            </a:r>
-            <a:r>
-              <a:rPr lang="zh-TW" altLang="en-US" sz="3200" dirty="0">
-                <a:ea typeface="Tahoma" panose="020B0604030504040204" pitchFamily="34" charset="0"/>
-              </a:rPr>
-              <a:t> </a:t>
-            </a:r>
-            <a:r>
-              <a:rPr lang="en-US" altLang="zh-TW" sz="3200" dirty="0">
-                <a:ea typeface="Tahoma" panose="020B0604030504040204" pitchFamily="34" charset="0"/>
-              </a:rPr>
-              <a:t>Sobel </a:t>
-            </a:r>
-            <a:r>
-              <a:rPr lang="zh-TW" altLang="en-US" sz="3200" dirty="0">
-                <a:latin typeface="標楷體" panose="03000509000000000000" pitchFamily="65" charset="-120"/>
-              </a:rPr>
-              <a:t>波形模擬</a:t>
-            </a:r>
-            <a:endParaRPr lang="zh-TW" altLang="en-US" sz="3200" dirty="0"/>
-          </a:p>
-        </p:txBody>
-      </p:sp>
-      <p:sp>
-        <p:nvSpPr>
-          <p:cNvPr id="14" name="文字方塊 13">
-            <a:extLst>
-              <a:ext uri="{FF2B5EF4-FFF2-40B4-BE49-F238E27FC236}">
-                <a16:creationId xmlns:a16="http://schemas.microsoft.com/office/drawing/2014/main" id="{E4E592F9-FC71-4DD1-9118-16844995CC7F}"/>
-              </a:ext>
-            </a:extLst>
-          </p:cNvPr>
-          <p:cNvSpPr txBox="1"/>
-          <p:nvPr/>
-        </p:nvSpPr>
-        <p:spPr>
-          <a:xfrm>
-            <a:off x="2022446" y="1365672"/>
-            <a:ext cx="5373306" cy="646331"/>
-          </a:xfrm>
-          <a:prstGeom prst="rect">
-            <a:avLst/>
-          </a:prstGeom>
-          <a:noFill/>
-        </p:spPr>
-        <p:txBody>
-          <a:bodyPr wrap="square">
-            <a:spAutoFit/>
-          </a:bodyPr>
-          <a:lstStyle/>
-          <a:p>
-            <a:pPr marL="285750" indent="-285750">
-              <a:buFont typeface="Arial" panose="020B0604020202020204" pitchFamily="34" charset="0"/>
-              <a:buChar char="•"/>
-            </a:pPr>
-            <a:r>
-              <a:rPr lang="zh-TW" altLang="en-US" dirty="0">
-                <a:latin typeface="標楷體" panose="03000509000000000000" pitchFamily="65" charset="-120"/>
-                <a:ea typeface="標楷體" panose="03000509000000000000" pitchFamily="65" charset="-120"/>
-              </a:rPr>
-              <a:t>整體波形模擬</a:t>
-            </a:r>
-            <a:r>
-              <a:rPr lang="en-US" altLang="zh-TW" dirty="0">
-                <a:latin typeface="標楷體" panose="03000509000000000000" pitchFamily="65" charset="-120"/>
-                <a:ea typeface="標楷體" panose="03000509000000000000" pitchFamily="65" charset="-120"/>
-              </a:rPr>
-              <a:t>:</a:t>
-            </a:r>
-          </a:p>
-          <a:p>
-            <a:pPr marL="742950" lvl="1" indent="-285750">
-              <a:buFont typeface="Arial" panose="020B0604020202020204" pitchFamily="34" charset="0"/>
-              <a:buChar char="•"/>
-            </a:pPr>
-            <a:r>
-              <a:rPr lang="zh-TW" altLang="en-US" dirty="0">
-                <a:latin typeface="標楷體" panose="03000509000000000000" pitchFamily="65" charset="-120"/>
-                <a:ea typeface="標楷體" panose="03000509000000000000" pitchFamily="65" charset="-120"/>
-              </a:rPr>
-              <a:t>灰階圖片</a:t>
-            </a:r>
-            <a:r>
-              <a:rPr lang="en-US" altLang="zh-TW" dirty="0">
-                <a:latin typeface="標楷體" panose="03000509000000000000" pitchFamily="65" charset="-120"/>
-                <a:ea typeface="標楷體" panose="03000509000000000000" pitchFamily="65" charset="-120"/>
-              </a:rPr>
-              <a:t>: 640x480 (8bits)</a:t>
-            </a:r>
-            <a:endParaRPr lang="zh-TW" altLang="en-US" dirty="0">
-              <a:latin typeface="標楷體" panose="03000509000000000000" pitchFamily="65" charset="-120"/>
-              <a:ea typeface="標楷體" panose="03000509000000000000" pitchFamily="65" charset="-120"/>
-            </a:endParaRPr>
-          </a:p>
-        </p:txBody>
-      </p:sp>
-      <p:sp>
-        <p:nvSpPr>
-          <p:cNvPr id="10" name="文字方塊 9">
-            <a:extLst>
-              <a:ext uri="{FF2B5EF4-FFF2-40B4-BE49-F238E27FC236}">
-                <a16:creationId xmlns:a16="http://schemas.microsoft.com/office/drawing/2014/main" id="{E24CD2C8-46A2-450C-9CA0-485274647932}"/>
-              </a:ext>
-            </a:extLst>
-          </p:cNvPr>
-          <p:cNvSpPr txBox="1"/>
-          <p:nvPr/>
-        </p:nvSpPr>
-        <p:spPr>
-          <a:xfrm>
-            <a:off x="4634705" y="5680911"/>
-            <a:ext cx="2922590" cy="441453"/>
-          </a:xfrm>
-          <a:prstGeom prst="rect">
-            <a:avLst/>
-          </a:prstGeom>
-          <a:noFill/>
-        </p:spPr>
-        <p:txBody>
-          <a:bodyPr wrap="square">
-            <a:spAutoFit/>
-          </a:bodyPr>
-          <a:lstStyle/>
-          <a:p>
-            <a:r>
-              <a:rPr lang="zh-TW" altLang="en-US" dirty="0">
-                <a:latin typeface="標楷體" panose="03000509000000000000" pitchFamily="65" charset="-120"/>
-                <a:ea typeface="標楷體" panose="03000509000000000000" pitchFamily="65" charset="-120"/>
-              </a:rPr>
-              <a:t>圖</a:t>
-            </a:r>
-            <a:r>
-              <a:rPr lang="en-US" altLang="zh-TW" dirty="0">
-                <a:latin typeface="標楷體" panose="03000509000000000000" pitchFamily="65" charset="-120"/>
-                <a:ea typeface="標楷體" panose="03000509000000000000" pitchFamily="65" charset="-120"/>
-              </a:rPr>
-              <a:t>4.</a:t>
-            </a:r>
-            <a:r>
-              <a:rPr lang="en-US" altLang="zh-TW" dirty="0">
-                <a:latin typeface="Times New Roman" panose="02020603050405020304" pitchFamily="18" charset="0"/>
-                <a:ea typeface="標楷體" panose="03000509000000000000" pitchFamily="65" charset="-120"/>
-              </a:rPr>
-              <a:t>Bram_Sobel</a:t>
-            </a:r>
-            <a:r>
-              <a:rPr lang="zh-TW" altLang="en-US" dirty="0">
-                <a:latin typeface="標楷體" panose="03000509000000000000" pitchFamily="65" charset="-120"/>
-                <a:ea typeface="標楷體" panose="03000509000000000000" pitchFamily="65" charset="-120"/>
-              </a:rPr>
-              <a:t>單幀全圖</a:t>
-            </a:r>
-          </a:p>
-        </p:txBody>
-      </p:sp>
-      <p:sp>
-        <p:nvSpPr>
-          <p:cNvPr id="6" name="文字方塊 5">
-            <a:extLst>
-              <a:ext uri="{FF2B5EF4-FFF2-40B4-BE49-F238E27FC236}">
-                <a16:creationId xmlns:a16="http://schemas.microsoft.com/office/drawing/2014/main" id="{2F3346EE-318A-4DF8-8A3C-51A3B2C14DD6}"/>
-              </a:ext>
-            </a:extLst>
-          </p:cNvPr>
-          <p:cNvSpPr txBox="1"/>
-          <p:nvPr/>
-        </p:nvSpPr>
-        <p:spPr>
-          <a:xfrm>
-            <a:off x="7374597" y="1411839"/>
-            <a:ext cx="3126801" cy="1754326"/>
-          </a:xfrm>
-          <a:prstGeom prst="rect">
-            <a:avLst/>
-          </a:prstGeom>
-          <a:noFill/>
-        </p:spPr>
-        <p:txBody>
-          <a:bodyPr wrap="square">
-            <a:spAutoFit/>
-          </a:bodyPr>
-          <a:lstStyle/>
-          <a:p>
-            <a:r>
-              <a:rPr lang="zh-TW" altLang="en-US" dirty="0">
-                <a:latin typeface="標楷體" panose="03000509000000000000" pitchFamily="65" charset="-120"/>
-                <a:ea typeface="標楷體" panose="03000509000000000000" pitchFamily="65" charset="-120"/>
-              </a:rPr>
-              <a:t>每個像素</a:t>
-            </a:r>
-            <a:r>
-              <a:rPr lang="en-US" altLang="zh-TW" dirty="0">
-                <a:latin typeface="標楷體" panose="03000509000000000000" pitchFamily="65" charset="-120"/>
-                <a:ea typeface="標楷體" panose="03000509000000000000" pitchFamily="65" charset="-120"/>
-              </a:rPr>
-              <a:t>:</a:t>
-            </a:r>
-            <a:r>
-              <a:rPr lang="zh-TW" altLang="en-US" dirty="0">
-                <a:latin typeface="標楷體" panose="03000509000000000000" pitchFamily="65" charset="-120"/>
-                <a:ea typeface="標楷體" panose="03000509000000000000" pitchFamily="65" charset="-120"/>
-              </a:rPr>
-              <a:t> </a:t>
-            </a:r>
-            <a:r>
-              <a:rPr lang="en-US" altLang="zh-TW" dirty="0">
-                <a:latin typeface="標楷體" panose="03000509000000000000" pitchFamily="65" charset="-120"/>
-                <a:ea typeface="標楷體" panose="03000509000000000000" pitchFamily="65" charset="-120"/>
-              </a:rPr>
-              <a:t>1/50</a:t>
-            </a:r>
-            <a:r>
-              <a:rPr lang="en-US" altLang="zh-TW" dirty="0">
-                <a:latin typeface="Times New Roman" panose="02020603050405020304" pitchFamily="18" charset="0"/>
-                <a:ea typeface="標楷體" panose="03000509000000000000" pitchFamily="65" charset="-120"/>
-                <a:cs typeface="Times New Roman" panose="02020603050405020304" pitchFamily="18" charset="0"/>
-              </a:rPr>
-              <a:t>M</a:t>
-            </a:r>
-            <a:r>
-              <a:rPr lang="en-US" altLang="zh-TW" dirty="0">
-                <a:latin typeface="標楷體" panose="03000509000000000000" pitchFamily="65" charset="-120"/>
-                <a:ea typeface="標楷體" panose="03000509000000000000" pitchFamily="65" charset="-120"/>
-              </a:rPr>
-              <a:t> </a:t>
-            </a:r>
-            <a:r>
-              <a:rPr lang="en-US" altLang="zh-TW" dirty="0">
-                <a:latin typeface="Times New Roman" panose="02020603050405020304" pitchFamily="18" charset="0"/>
-                <a:ea typeface="標楷體" panose="03000509000000000000" pitchFamily="65" charset="-120"/>
-                <a:cs typeface="Times New Roman" panose="02020603050405020304" pitchFamily="18" charset="0"/>
-              </a:rPr>
-              <a:t>sec</a:t>
-            </a:r>
-          </a:p>
-          <a:p>
-            <a:r>
-              <a:rPr lang="zh-TW" altLang="en-US" dirty="0">
-                <a:latin typeface="標楷體" panose="03000509000000000000" pitchFamily="65" charset="-120"/>
-                <a:ea typeface="標楷體" panose="03000509000000000000" pitchFamily="65" charset="-120"/>
-              </a:rPr>
-              <a:t>每張圖</a:t>
-            </a:r>
-            <a:r>
-              <a:rPr lang="en-US" altLang="zh-TW" dirty="0">
-                <a:latin typeface="標楷體" panose="03000509000000000000" pitchFamily="65" charset="-120"/>
-                <a:ea typeface="標楷體" panose="03000509000000000000" pitchFamily="65" charset="-120"/>
-              </a:rPr>
-              <a:t>:</a:t>
-            </a:r>
-            <a:r>
-              <a:rPr lang="zh-TW" altLang="en-US" dirty="0">
-                <a:latin typeface="標楷體" panose="03000509000000000000" pitchFamily="65" charset="-120"/>
-                <a:ea typeface="標楷體" panose="03000509000000000000" pitchFamily="65" charset="-120"/>
-              </a:rPr>
-              <a:t> </a:t>
-            </a:r>
-            <a:r>
-              <a:rPr lang="en-US" altLang="zh-TW" dirty="0">
-                <a:latin typeface="標楷體" panose="03000509000000000000" pitchFamily="65" charset="-120"/>
-                <a:ea typeface="標楷體" panose="03000509000000000000" pitchFamily="65" charset="-120"/>
-              </a:rPr>
-              <a:t>800x525x1/50</a:t>
-            </a:r>
-            <a:r>
-              <a:rPr lang="en-US" altLang="zh-TW" dirty="0">
-                <a:latin typeface="Times New Roman" panose="02020603050405020304" pitchFamily="18" charset="0"/>
-                <a:ea typeface="標楷體" panose="03000509000000000000" pitchFamily="65" charset="-120"/>
-                <a:cs typeface="Times New Roman" panose="02020603050405020304" pitchFamily="18" charset="0"/>
-              </a:rPr>
-              <a:t>M</a:t>
-            </a:r>
-            <a:r>
-              <a:rPr lang="en-US" altLang="zh-TW" dirty="0">
-                <a:latin typeface="標楷體" panose="03000509000000000000" pitchFamily="65" charset="-120"/>
-                <a:ea typeface="標楷體" panose="03000509000000000000" pitchFamily="65" charset="-120"/>
-              </a:rPr>
-              <a:t> </a:t>
-            </a:r>
-            <a:r>
-              <a:rPr lang="en-US" altLang="zh-TW" dirty="0">
-                <a:latin typeface="Times New Roman" panose="02020603050405020304" pitchFamily="18" charset="0"/>
-                <a:ea typeface="標楷體" panose="03000509000000000000" pitchFamily="65" charset="-120"/>
-                <a:cs typeface="Times New Roman" panose="02020603050405020304" pitchFamily="18" charset="0"/>
-              </a:rPr>
-              <a:t>sec</a:t>
-            </a:r>
-          </a:p>
-          <a:p>
-            <a:r>
-              <a:rPr lang="en-US" altLang="zh-TW" dirty="0">
-                <a:latin typeface="Times New Roman" panose="02020603050405020304" pitchFamily="18" charset="0"/>
-                <a:ea typeface="標楷體" panose="03000509000000000000" pitchFamily="65" charset="-120"/>
-                <a:cs typeface="Times New Roman" panose="02020603050405020304" pitchFamily="18" charset="0"/>
-              </a:rPr>
-              <a:t>	≈16.8ms</a:t>
-            </a:r>
-            <a:endParaRPr lang="en-US" altLang="zh-TW" dirty="0">
-              <a:latin typeface="標楷體" panose="03000509000000000000" pitchFamily="65" charset="-120"/>
-              <a:ea typeface="標楷體" panose="03000509000000000000" pitchFamily="65" charset="-120"/>
-            </a:endParaRPr>
-          </a:p>
-          <a:p>
-            <a:r>
-              <a:rPr lang="en-US" altLang="zh-TW" dirty="0" err="1">
-                <a:latin typeface="標楷體" panose="03000509000000000000" pitchFamily="65" charset="-120"/>
-                <a:ea typeface="標楷體" panose="03000509000000000000" pitchFamily="65" charset="-120"/>
-              </a:rPr>
-              <a:t>T</a:t>
-            </a:r>
-            <a:r>
-              <a:rPr lang="en-US" altLang="zh-TW" sz="1400" dirty="0" err="1">
-                <a:latin typeface="Times New Roman" panose="02020603050405020304" pitchFamily="18" charset="0"/>
-                <a:ea typeface="標楷體" panose="03000509000000000000" pitchFamily="65" charset="-120"/>
-                <a:cs typeface="Times New Roman" panose="02020603050405020304" pitchFamily="18" charset="0"/>
-              </a:rPr>
-              <a:t>move</a:t>
-            </a:r>
-            <a:r>
-              <a:rPr lang="en-US" altLang="zh-TW" sz="1400" dirty="0">
-                <a:latin typeface="標楷體" panose="03000509000000000000" pitchFamily="65" charset="-120"/>
-                <a:ea typeface="標楷體" panose="03000509000000000000" pitchFamily="65" charset="-120"/>
-              </a:rPr>
-              <a:t> </a:t>
-            </a:r>
-            <a:r>
-              <a:rPr lang="en-US" altLang="zh-TW" dirty="0">
-                <a:latin typeface="標楷體" panose="03000509000000000000" pitchFamily="65" charset="-120"/>
-                <a:ea typeface="標楷體" panose="03000509000000000000" pitchFamily="65" charset="-120"/>
-              </a:rPr>
-              <a:t>&gt; </a:t>
-            </a:r>
-            <a:r>
-              <a:rPr lang="zh-TW" altLang="en-US" dirty="0">
-                <a:latin typeface="標楷體" panose="03000509000000000000" pitchFamily="65" charset="-120"/>
-                <a:ea typeface="標楷體" panose="03000509000000000000" pitchFamily="65" charset="-120"/>
-              </a:rPr>
-              <a:t>單張圖</a:t>
-            </a:r>
-            <a:r>
-              <a:rPr lang="en-US" altLang="zh-TW" dirty="0">
-                <a:latin typeface="標楷體" panose="03000509000000000000" pitchFamily="65" charset="-120"/>
-                <a:ea typeface="標楷體" panose="03000509000000000000" pitchFamily="65" charset="-120"/>
-              </a:rPr>
-              <a:t>(16.8</a:t>
-            </a:r>
-            <a:r>
-              <a:rPr lang="en-US" altLang="zh-TW" dirty="0">
-                <a:latin typeface="Times New Roman" panose="02020603050405020304" pitchFamily="18" charset="0"/>
-                <a:ea typeface="標楷體" panose="03000509000000000000" pitchFamily="65" charset="-120"/>
-                <a:cs typeface="Times New Roman" panose="02020603050405020304" pitchFamily="18" charset="0"/>
-              </a:rPr>
-              <a:t>ms</a:t>
-            </a:r>
-            <a:r>
-              <a:rPr lang="en-US" altLang="zh-TW" dirty="0">
-                <a:latin typeface="標楷體" panose="03000509000000000000" pitchFamily="65" charset="-120"/>
-                <a:ea typeface="標楷體" panose="03000509000000000000" pitchFamily="65" charset="-120"/>
-              </a:rPr>
-              <a:t>)</a:t>
-            </a:r>
-          </a:p>
-          <a:p>
-            <a:r>
-              <a:rPr lang="en-US" altLang="zh-TW" dirty="0" err="1">
-                <a:latin typeface="Times New Roman" panose="02020603050405020304" pitchFamily="18" charset="0"/>
-                <a:ea typeface="標楷體" panose="03000509000000000000" pitchFamily="65" charset="-120"/>
-                <a:cs typeface="Times New Roman" panose="02020603050405020304" pitchFamily="18" charset="0"/>
-              </a:rPr>
-              <a:t>move_clk</a:t>
-            </a:r>
-            <a:r>
-              <a:rPr lang="en-US" altLang="zh-TW" dirty="0">
-                <a:latin typeface="Times New Roman" panose="02020603050405020304" pitchFamily="18" charset="0"/>
-                <a:ea typeface="標楷體" panose="03000509000000000000" pitchFamily="65" charset="-120"/>
-                <a:cs typeface="Times New Roman" panose="02020603050405020304" pitchFamily="18" charset="0"/>
-              </a:rPr>
-              <a:t> </a:t>
-            </a:r>
-            <a:r>
-              <a:rPr lang="en-US" altLang="zh-TW" dirty="0">
-                <a:latin typeface="標楷體" panose="03000509000000000000" pitchFamily="65" charset="-120"/>
-                <a:ea typeface="標楷體" panose="03000509000000000000" pitchFamily="65" charset="-120"/>
-              </a:rPr>
-              <a:t>≦ 59.524(</a:t>
-            </a:r>
-            <a:r>
-              <a:rPr lang="en-US" altLang="zh-TW" dirty="0">
-                <a:latin typeface="Times New Roman" panose="02020603050405020304" pitchFamily="18" charset="0"/>
-                <a:ea typeface="標楷體" panose="03000509000000000000" pitchFamily="65" charset="-120"/>
-                <a:cs typeface="Times New Roman" panose="02020603050405020304" pitchFamily="18" charset="0"/>
-              </a:rPr>
-              <a:t>Hz</a:t>
-            </a:r>
-            <a:r>
-              <a:rPr lang="en-US" altLang="zh-TW" dirty="0">
-                <a:latin typeface="標楷體" panose="03000509000000000000" pitchFamily="65" charset="-120"/>
-                <a:ea typeface="標楷體" panose="03000509000000000000" pitchFamily="65" charset="-120"/>
-              </a:rPr>
-              <a:t>) </a:t>
-            </a:r>
-          </a:p>
-          <a:p>
-            <a:r>
-              <a:rPr lang="en-US" altLang="zh-TW" dirty="0">
-                <a:latin typeface="標楷體" panose="03000509000000000000" pitchFamily="65" charset="-120"/>
-                <a:ea typeface="標楷體" panose="03000509000000000000" pitchFamily="65" charset="-120"/>
-              </a:rPr>
-              <a:t>=&gt;100M/2^21 = 47.683(</a:t>
-            </a:r>
-            <a:r>
-              <a:rPr lang="en-US" altLang="zh-TW" dirty="0">
-                <a:latin typeface="Times New Roman" panose="02020603050405020304" pitchFamily="18" charset="0"/>
-                <a:ea typeface="標楷體" panose="03000509000000000000" pitchFamily="65" charset="-120"/>
-                <a:cs typeface="Times New Roman" panose="02020603050405020304" pitchFamily="18" charset="0"/>
-              </a:rPr>
-              <a:t>Hz</a:t>
-            </a:r>
-            <a:r>
-              <a:rPr lang="en-US" altLang="zh-TW" dirty="0">
-                <a:latin typeface="標楷體" panose="03000509000000000000" pitchFamily="65" charset="-120"/>
-                <a:ea typeface="標楷體" panose="03000509000000000000" pitchFamily="65" charset="-120"/>
-              </a:rPr>
-              <a:t>)</a:t>
-            </a:r>
-            <a:endParaRPr lang="zh-TW" altLang="en-US" dirty="0">
-              <a:latin typeface="標楷體" panose="03000509000000000000" pitchFamily="65" charset="-120"/>
-              <a:ea typeface="標楷體" panose="03000509000000000000" pitchFamily="65" charset="-120"/>
-            </a:endParaRPr>
-          </a:p>
-        </p:txBody>
-      </p:sp>
-    </p:spTree>
-    <p:extLst>
-      <p:ext uri="{BB962C8B-B14F-4D97-AF65-F5344CB8AC3E}">
-        <p14:creationId xmlns:p14="http://schemas.microsoft.com/office/powerpoint/2010/main" val="3703064775"/>
-      </p:ext>
-    </p:extLst>
-  </p:cSld>
-  <p:clrMapOvr>
-    <a:masterClrMapping/>
-  </p:clrMapOvr>
-</p:sld>
-</file>
-
-<file path=ppt/slides/slide22.xml><?xml version="1.0" encoding="utf-8"?>
-<p:sld xmlns:a="http://schemas.openxmlformats.org/drawingml/2006/main" xmlns:r="http://schemas.openxmlformats.org/officeDocument/2006/relationships" xmlns:p="http://schemas.openxmlformats.org/presentationml/2006/main">
-  <p:cSld>
-    <p:spTree>
-      <p:nvGrpSpPr>
-        <p:cNvPr id="1" name=""/>
-        <p:cNvGrpSpPr/>
-        <p:nvPr/>
-      </p:nvGrpSpPr>
-      <p:grpSpPr>
-        <a:xfrm>
-          <a:off x="0" y="0"/>
-          <a:ext cx="0" cy="0"/>
-          <a:chOff x="0" y="0"/>
-          <a:chExt cx="0" cy="0"/>
-        </a:xfrm>
-      </p:grpSpPr>
-      <p:sp>
-        <p:nvSpPr>
           <p:cNvPr id="2" name="內容版面配置區 1"/>
           <p:cNvSpPr>
             <a:spLocks noGrp="1"/>
@@ -11511,7 +12845,7 @@
 </p:sld>
 </file>
 
-<file path=ppt/slides/slide23.xml><?xml version="1.0" encoding="utf-8"?>
+<file path=ppt/slides/slide27.xml><?xml version="1.0" encoding="utf-8"?>
 <p:sld xmlns:a="http://schemas.openxmlformats.org/drawingml/2006/main" xmlns:r="http://schemas.openxmlformats.org/officeDocument/2006/relationships" xmlns:p="http://schemas.openxmlformats.org/presentationml/2006/main">
   <p:cSld>
     <p:spTree>
@@ -11819,7 +13153,7 @@
 </p:sld>
 </file>
 
-<file path=ppt/slides/slide24.xml><?xml version="1.0" encoding="utf-8"?>
+<file path=ppt/slides/slide28.xml><?xml version="1.0" encoding="utf-8"?>
 <p:sld xmlns:a="http://schemas.openxmlformats.org/drawingml/2006/main" xmlns:r="http://schemas.openxmlformats.org/officeDocument/2006/relationships" xmlns:p="http://schemas.openxmlformats.org/presentationml/2006/main">
   <p:cSld>
     <p:spTree>
@@ -12023,7 +13357,7 @@
 </p:sld>
 </file>
 
-<file path=ppt/slides/slide25.xml><?xml version="1.0" encoding="utf-8"?>
+<file path=ppt/slides/slide29.xml><?xml version="1.0" encoding="utf-8"?>
 <p:sld xmlns:a="http://schemas.openxmlformats.org/drawingml/2006/main" xmlns:r="http://schemas.openxmlformats.org/officeDocument/2006/relationships" xmlns:p="http://schemas.openxmlformats.org/presentationml/2006/main">
   <p:cSld>
     <p:spTree>
@@ -12235,246 +13569,6 @@
 </p:sld>
 </file>
 
-<file path=ppt/slides/slide26.xml><?xml version="1.0" encoding="utf-8"?>
-<p:sld xmlns:a="http://schemas.openxmlformats.org/drawingml/2006/main" xmlns:r="http://schemas.openxmlformats.org/officeDocument/2006/relationships" xmlns:p="http://schemas.openxmlformats.org/presentationml/2006/main">
-  <p:cSld>
-    <p:spTree>
-      <p:nvGrpSpPr>
-        <p:cNvPr id="1" name=""/>
-        <p:cNvGrpSpPr/>
-        <p:nvPr/>
-      </p:nvGrpSpPr>
-      <p:grpSpPr>
-        <a:xfrm>
-          <a:off x="0" y="0"/>
-          <a:ext cx="0" cy="0"/>
-          <a:chOff x="0" y="0"/>
-          <a:chExt cx="0" cy="0"/>
-        </a:xfrm>
-      </p:grpSpPr>
-      <p:sp>
-        <p:nvSpPr>
-          <p:cNvPr id="2" name="內容版面配置區 1"/>
-          <p:cNvSpPr>
-            <a:spLocks noGrp="1"/>
-          </p:cNvSpPr>
-          <p:nvPr>
-            <p:ph idx="1"/>
-          </p:nvPr>
-        </p:nvSpPr>
-        <p:spPr>
-          <a:xfrm>
-            <a:off x="838200" y="1201850"/>
-            <a:ext cx="10515600" cy="5037776"/>
-          </a:xfrm>
-        </p:spPr>
-        <p:txBody>
-          <a:bodyPr/>
-          <a:lstStyle/>
-          <a:p>
-            <a:pPr lvl="1"/>
-            <a:endParaRPr lang="en-US" altLang="zh-TW" dirty="0">
-              <a:solidFill>
-                <a:srgbClr val="0563C1"/>
-              </a:solidFill>
-              <a:cs typeface="Times New Roman" panose="02020603050405020304" pitchFamily="18" charset="0"/>
-            </a:endParaRPr>
-          </a:p>
-          <a:p>
-            <a:pPr lvl="1"/>
-            <a:endParaRPr lang="en-US" altLang="zh-TW" b="0" i="0" dirty="0">
-              <a:solidFill>
-                <a:srgbClr val="000000"/>
-              </a:solidFill>
-              <a:effectLst/>
-              <a:cs typeface="Times New Roman" panose="02020603050405020304" pitchFamily="18" charset="0"/>
-            </a:endParaRPr>
-          </a:p>
-          <a:p>
-            <a:pPr lvl="1"/>
-            <a:r>
-              <a:rPr lang="en-US" altLang="zh-TW" dirty="0">
-                <a:solidFill>
-                  <a:srgbClr val="0563C1"/>
-                </a:solidFill>
-                <a:cs typeface="Times New Roman" panose="02020603050405020304" pitchFamily="18" charset="0"/>
-              </a:rPr>
-              <a:t>img2.mif:</a:t>
-            </a:r>
-          </a:p>
-          <a:p>
-            <a:pPr lvl="2"/>
-            <a:r>
-              <a:rPr lang="en-US" altLang="zh-TW" dirty="0">
-                <a:solidFill>
-                  <a:srgbClr val="0563C1"/>
-                </a:solidFill>
-                <a:cs typeface="Times New Roman" panose="02020603050405020304" pitchFamily="18" charset="0"/>
-              </a:rPr>
-              <a:t>OS</a:t>
-            </a:r>
-            <a:r>
-              <a:rPr lang="zh-TW" altLang="en-US" dirty="0">
-                <a:solidFill>
-                  <a:srgbClr val="0563C1"/>
-                </a:solidFill>
-                <a:cs typeface="Times New Roman" panose="02020603050405020304" pitchFamily="18" charset="0"/>
-              </a:rPr>
-              <a:t> </a:t>
-            </a:r>
-            <a:r>
-              <a:rPr lang="en-US" altLang="zh-TW" dirty="0">
-                <a:solidFill>
-                  <a:srgbClr val="0563C1"/>
-                </a:solidFill>
-                <a:cs typeface="Times New Roman" panose="02020603050405020304" pitchFamily="18" charset="0"/>
-              </a:rPr>
-              <a:t>tool: </a:t>
-            </a:r>
-            <a:r>
-              <a:rPr lang="en-US" altLang="zh-TW" dirty="0">
-                <a:hlinkClick r:id="rId2"/>
-              </a:rPr>
-              <a:t>【</a:t>
-            </a:r>
-            <a:r>
-              <a:rPr lang="zh-TW" altLang="en-US" dirty="0">
-                <a:hlinkClick r:id="rId2"/>
-              </a:rPr>
-              <a:t>原創</a:t>
-            </a:r>
-            <a:r>
-              <a:rPr lang="en-US" altLang="zh-TW" dirty="0">
-                <a:hlinkClick r:id="rId2"/>
-              </a:rPr>
-              <a:t>】bmp</a:t>
-            </a:r>
-            <a:r>
-              <a:rPr lang="zh-TW" altLang="en-US" dirty="0">
-                <a:hlinkClick r:id="rId2"/>
-              </a:rPr>
-              <a:t>轉</a:t>
-            </a:r>
-            <a:r>
-              <a:rPr lang="en-US" altLang="zh-TW" dirty="0" err="1">
-                <a:hlinkClick r:id="rId2"/>
-              </a:rPr>
-              <a:t>mif</a:t>
-            </a:r>
-            <a:r>
-              <a:rPr lang="zh-TW" altLang="en-US" dirty="0">
-                <a:hlinkClick r:id="rId2"/>
-              </a:rPr>
-              <a:t>、</a:t>
-            </a:r>
-            <a:r>
-              <a:rPr lang="en-US" altLang="zh-TW" dirty="0" err="1">
-                <a:hlinkClick r:id="rId2"/>
-              </a:rPr>
-              <a:t>coe</a:t>
-            </a:r>
-            <a:r>
-              <a:rPr lang="zh-TW" altLang="en-US" dirty="0">
-                <a:hlinkClick r:id="rId2"/>
-              </a:rPr>
-              <a:t>或</a:t>
-            </a:r>
-            <a:r>
-              <a:rPr lang="en-US" altLang="zh-TW" dirty="0">
-                <a:hlinkClick r:id="rId2"/>
-              </a:rPr>
-              <a:t>hex</a:t>
-            </a:r>
-            <a:r>
-              <a:rPr lang="zh-TW" altLang="en-US" dirty="0">
-                <a:hlinkClick r:id="rId2"/>
-              </a:rPr>
-              <a:t>軟體發佈及使用介紹 </a:t>
-            </a:r>
-            <a:r>
-              <a:rPr lang="en-US" altLang="zh-TW" dirty="0">
-                <a:hlinkClick r:id="rId2"/>
-              </a:rPr>
-              <a:t>...</a:t>
-            </a:r>
-            <a:endParaRPr lang="en-US" altLang="zh-TW" dirty="0"/>
-          </a:p>
-          <a:p>
-            <a:pPr lvl="2"/>
-            <a:endParaRPr lang="en-US" altLang="zh-TW" dirty="0"/>
-          </a:p>
-          <a:p>
-            <a:pPr lvl="1"/>
-            <a:r>
-              <a:rPr lang="en-US" altLang="zh-TW" dirty="0"/>
-              <a:t>img2gray:</a:t>
-            </a:r>
-          </a:p>
-          <a:p>
-            <a:pPr lvl="2"/>
-            <a:r>
-              <a:rPr lang="en-US" altLang="zh-TW" dirty="0">
-                <a:hlinkClick r:id="rId3"/>
-              </a:rPr>
-              <a:t>VHDL coding tips and tricks: Generic VHDL Code for Binary to Gray and Gray to Binary converter</a:t>
-            </a:r>
-            <a:endParaRPr lang="en-US" altLang="zh-TW" dirty="0"/>
-          </a:p>
-          <a:p>
-            <a:pPr lvl="2"/>
-            <a:endParaRPr lang="en-US" altLang="zh-TW" dirty="0">
-              <a:solidFill>
-                <a:srgbClr val="0563C1"/>
-              </a:solidFill>
-              <a:cs typeface="Times New Roman" panose="02020603050405020304" pitchFamily="18" charset="0"/>
-            </a:endParaRPr>
-          </a:p>
-          <a:p>
-            <a:pPr lvl="1"/>
-            <a:endParaRPr lang="en-US" altLang="zh-TW" dirty="0">
-              <a:solidFill>
-                <a:srgbClr val="0563C1"/>
-              </a:solidFill>
-              <a:cs typeface="Times New Roman" panose="02020603050405020304" pitchFamily="18" charset="0"/>
-            </a:endParaRPr>
-          </a:p>
-        </p:txBody>
-      </p:sp>
-      <p:sp>
-        <p:nvSpPr>
-          <p:cNvPr id="3" name="標題 2"/>
-          <p:cNvSpPr>
-            <a:spLocks noGrp="1"/>
-          </p:cNvSpPr>
-          <p:nvPr>
-            <p:ph type="title"/>
-          </p:nvPr>
-        </p:nvSpPr>
-        <p:spPr/>
-        <p:txBody>
-          <a:bodyPr/>
-          <a:lstStyle/>
-          <a:p>
-            <a:r>
-              <a:rPr lang="zh-TW" altLang="en-US" dirty="0"/>
-              <a:t>參考資料</a:t>
-            </a:r>
-          </a:p>
-        </p:txBody>
-      </p:sp>
-    </p:spTree>
-    <p:extLst>
-      <p:ext uri="{BB962C8B-B14F-4D97-AF65-F5344CB8AC3E}">
-        <p14:creationId xmlns:p14="http://schemas.microsoft.com/office/powerpoint/2010/main" val="1759100234"/>
-      </p:ext>
-    </p:extLst>
-  </p:cSld>
-  <p:clrMapOvr>
-    <a:masterClrMapping/>
-  </p:clrMapOvr>
-</p:sld>
-</file>
-
 <file path=ppt/slides/slide3.xml><?xml version="1.0" encoding="utf-8"?>
 <p:sld xmlns:a="http://schemas.openxmlformats.org/drawingml/2006/main" xmlns:r="http://schemas.openxmlformats.org/officeDocument/2006/relationships" xmlns:p="http://schemas.openxmlformats.org/presentationml/2006/main">
   <p:cSld>
@@ -12603,6 +13697,635 @@
     <p:extLst>
       <p:ext uri="{BB962C8B-B14F-4D97-AF65-F5344CB8AC3E}">
         <p14:creationId xmlns:p14="http://schemas.microsoft.com/office/powerpoint/2010/main" val="2552787574"/>
+      </p:ext>
+    </p:extLst>
+  </p:cSld>
+  <p:clrMapOvr>
+    <a:masterClrMapping/>
+  </p:clrMapOvr>
+</p:sld>
+</file>
+
+<file path=ppt/slides/slide30.xml><?xml version="1.0" encoding="utf-8"?>
+<p:sld xmlns:a="http://schemas.openxmlformats.org/drawingml/2006/main" xmlns:r="http://schemas.openxmlformats.org/officeDocument/2006/relationships" xmlns:p="http://schemas.openxmlformats.org/presentationml/2006/main">
+  <p:cSld>
+    <p:spTree>
+      <p:nvGrpSpPr>
+        <p:cNvPr id="1" name=""/>
+        <p:cNvGrpSpPr/>
+        <p:nvPr/>
+      </p:nvGrpSpPr>
+      <p:grpSpPr>
+        <a:xfrm>
+          <a:off x="0" y="0"/>
+          <a:ext cx="0" cy="0"/>
+          <a:chOff x="0" y="0"/>
+          <a:chExt cx="0" cy="0"/>
+        </a:xfrm>
+      </p:grpSpPr>
+      <p:sp>
+        <p:nvSpPr>
+          <p:cNvPr id="2" name="內容版面配置區 1"/>
+          <p:cNvSpPr>
+            <a:spLocks noGrp="1"/>
+          </p:cNvSpPr>
+          <p:nvPr>
+            <p:ph idx="1"/>
+          </p:nvPr>
+        </p:nvSpPr>
+        <p:spPr>
+          <a:xfrm>
+            <a:off x="838199" y="1186406"/>
+            <a:ext cx="11082947" cy="5041866"/>
+          </a:xfrm>
+        </p:spPr>
+        <p:txBody>
+          <a:bodyPr/>
+          <a:lstStyle/>
+          <a:p>
+            <a:endParaRPr lang="en-US" altLang="zh-TW" sz="1200" dirty="0"/>
+          </a:p>
+          <a:p>
+            <a:pPr lvl="1"/>
+            <a:r>
+              <a:rPr lang="en-US" altLang="zh-TW" sz="1800" dirty="0"/>
+              <a:t>Q2:</a:t>
+            </a:r>
+            <a:r>
+              <a:rPr lang="zh-TW" altLang="en-US" sz="1800" dirty="0"/>
+              <a:t> </a:t>
+            </a:r>
+            <a:r>
+              <a:rPr lang="en-US" altLang="zh-TW" sz="1800" dirty="0" err="1"/>
+              <a:t>BRAM_out</a:t>
+            </a:r>
+            <a:r>
+              <a:rPr lang="en-US" altLang="zh-TW" sz="1800" dirty="0"/>
+              <a:t> 0</a:t>
+            </a:r>
+          </a:p>
+          <a:p>
+            <a:pPr lvl="2"/>
+            <a:r>
+              <a:rPr lang="en-US" altLang="zh-TW" sz="1800" dirty="0"/>
+              <a:t>fifo_generator_0</a:t>
+            </a:r>
+          </a:p>
+          <a:p>
+            <a:pPr lvl="2"/>
+            <a:r>
+              <a:rPr lang="en-US" altLang="zh-TW" sz="1800" dirty="0"/>
+              <a:t>enable </a:t>
+            </a:r>
+            <a:r>
+              <a:rPr lang="en-US" altLang="zh-TW" sz="1800" dirty="0" err="1"/>
+              <a:t>constain</a:t>
+            </a:r>
+            <a:endParaRPr lang="en-US" altLang="zh-TW" sz="1800" dirty="0"/>
+          </a:p>
+          <a:p>
+            <a:pPr lvl="1"/>
+            <a:r>
+              <a:rPr lang="en-US" altLang="zh-TW" sz="1800" dirty="0"/>
+              <a:t>A2:</a:t>
+            </a:r>
+          </a:p>
+        </p:txBody>
+      </p:sp>
+      <p:sp>
+        <p:nvSpPr>
+          <p:cNvPr id="3" name="標題 2"/>
+          <p:cNvSpPr>
+            <a:spLocks noGrp="1"/>
+          </p:cNvSpPr>
+          <p:nvPr>
+            <p:ph type="title"/>
+          </p:nvPr>
+        </p:nvSpPr>
+        <p:spPr/>
+        <p:txBody>
+          <a:bodyPr/>
+          <a:lstStyle/>
+          <a:p>
+            <a:r>
+              <a:rPr lang="zh-TW" altLang="en-US" dirty="0"/>
+              <a:t>問題記錄 </a:t>
+            </a:r>
+            <a:r>
+              <a:rPr lang="en-US" altLang="zh-TW" dirty="0"/>
+              <a:t>- (</a:t>
+            </a:r>
+            <a:r>
+              <a:rPr lang="zh-TW" altLang="en-US" dirty="0"/>
+              <a:t>軟體問題</a:t>
+            </a:r>
+            <a:r>
+              <a:rPr lang="en-US" altLang="zh-TW" dirty="0"/>
+              <a:t>)</a:t>
+            </a:r>
+            <a:endParaRPr lang="zh-TW" altLang="en-US" dirty="0"/>
+          </a:p>
+        </p:txBody>
+      </p:sp>
+      <p:sp>
+        <p:nvSpPr>
+          <p:cNvPr id="10" name="文字方塊 9">
+            <a:extLst>
+              <a:ext uri="{FF2B5EF4-FFF2-40B4-BE49-F238E27FC236}">
+                <a16:creationId xmlns:a16="http://schemas.microsoft.com/office/drawing/2014/main" id="{BB5CB510-3FAF-4E7E-8F5C-C436845458D1}"/>
+              </a:ext>
+            </a:extLst>
+          </p:cNvPr>
+          <p:cNvSpPr txBox="1"/>
+          <p:nvPr/>
+        </p:nvSpPr>
+        <p:spPr>
+          <a:xfrm>
+            <a:off x="9518410" y="5671594"/>
+            <a:ext cx="3837396" cy="369332"/>
+          </a:xfrm>
+          <a:prstGeom prst="rect">
+            <a:avLst/>
+          </a:prstGeom>
+          <a:noFill/>
+        </p:spPr>
+        <p:txBody>
+          <a:bodyPr wrap="square">
+            <a:spAutoFit/>
+          </a:bodyPr>
+          <a:lstStyle/>
+          <a:p>
+            <a:r>
+              <a:rPr lang="zh-TW" altLang="en-US" dirty="0">
+                <a:latin typeface="標楷體" panose="03000509000000000000" pitchFamily="65" charset="-120"/>
+                <a:ea typeface="標楷體" panose="03000509000000000000" pitchFamily="65" charset="-120"/>
+              </a:rPr>
+              <a:t>圖</a:t>
+            </a:r>
+            <a:r>
+              <a:rPr lang="en-US" altLang="zh-TW" dirty="0">
+                <a:latin typeface="標楷體" panose="03000509000000000000" pitchFamily="65" charset="-120"/>
+                <a:ea typeface="標楷體" panose="03000509000000000000" pitchFamily="65" charset="-120"/>
+              </a:rPr>
+              <a:t>3-1.</a:t>
+            </a:r>
+            <a:r>
+              <a:rPr lang="en-US" altLang="zh-TW" sz="1800" dirty="0"/>
+              <a:t> </a:t>
+            </a:r>
+            <a:r>
+              <a:rPr lang="en-US" altLang="zh-TW" sz="1800" dirty="0" err="1"/>
+              <a:t>IP_enable.vhd</a:t>
+            </a:r>
+            <a:r>
+              <a:rPr lang="en-US" altLang="zh-TW" sz="1800" dirty="0"/>
+              <a:t> </a:t>
+            </a:r>
+            <a:endParaRPr lang="zh-TW" altLang="en-US" dirty="0">
+              <a:latin typeface="Times New Roman" panose="02020603050405020304" pitchFamily="18" charset="0"/>
+              <a:cs typeface="Times New Roman" panose="02020603050405020304" pitchFamily="18" charset="0"/>
+            </a:endParaRPr>
+          </a:p>
+        </p:txBody>
+      </p:sp>
+      <p:pic>
+        <p:nvPicPr>
+          <p:cNvPr id="6" name="圖片 5">
+            <a:extLst>
+              <a:ext uri="{FF2B5EF4-FFF2-40B4-BE49-F238E27FC236}">
+                <a16:creationId xmlns:a16="http://schemas.microsoft.com/office/drawing/2014/main" id="{23BA981A-3940-4922-9BB1-9131B30E846F}"/>
+              </a:ext>
+            </a:extLst>
+          </p:cNvPr>
+          <p:cNvPicPr>
+            <a:picLocks noChangeAspect="1"/>
+          </p:cNvPicPr>
+          <p:nvPr/>
+        </p:nvPicPr>
+        <p:blipFill>
+          <a:blip r:embed="rId3"/>
+          <a:stretch>
+            <a:fillRect/>
+          </a:stretch>
+        </p:blipFill>
+        <p:spPr>
+          <a:xfrm>
+            <a:off x="1905867" y="2859412"/>
+            <a:ext cx="8947610" cy="3181514"/>
+          </a:xfrm>
+          <a:prstGeom prst="rect">
+            <a:avLst/>
+          </a:prstGeom>
+        </p:spPr>
+      </p:pic>
+    </p:spTree>
+    <p:extLst>
+      <p:ext uri="{BB962C8B-B14F-4D97-AF65-F5344CB8AC3E}">
+        <p14:creationId xmlns:p14="http://schemas.microsoft.com/office/powerpoint/2010/main" val="3197806420"/>
+      </p:ext>
+    </p:extLst>
+  </p:cSld>
+  <p:clrMapOvr>
+    <a:masterClrMapping/>
+  </p:clrMapOvr>
+</p:sld>
+</file>
+
+<file path=ppt/slides/slide31.xml><?xml version="1.0" encoding="utf-8"?>
+<p:sld xmlns:a="http://schemas.openxmlformats.org/drawingml/2006/main" xmlns:r="http://schemas.openxmlformats.org/officeDocument/2006/relationships" xmlns:p="http://schemas.openxmlformats.org/presentationml/2006/main">
+  <p:cSld>
+    <p:spTree>
+      <p:nvGrpSpPr>
+        <p:cNvPr id="1" name=""/>
+        <p:cNvGrpSpPr/>
+        <p:nvPr/>
+      </p:nvGrpSpPr>
+      <p:grpSpPr>
+        <a:xfrm>
+          <a:off x="0" y="0"/>
+          <a:ext cx="0" cy="0"/>
+          <a:chOff x="0" y="0"/>
+          <a:chExt cx="0" cy="0"/>
+        </a:xfrm>
+      </p:grpSpPr>
+      <p:sp>
+        <p:nvSpPr>
+          <p:cNvPr id="2" name="內容版面配置區 1"/>
+          <p:cNvSpPr>
+            <a:spLocks noGrp="1"/>
+          </p:cNvSpPr>
+          <p:nvPr>
+            <p:ph idx="1"/>
+          </p:nvPr>
+        </p:nvSpPr>
+        <p:spPr>
+          <a:xfrm>
+            <a:off x="838199" y="1186406"/>
+            <a:ext cx="11082947" cy="5041866"/>
+          </a:xfrm>
+        </p:spPr>
+        <p:txBody>
+          <a:bodyPr/>
+          <a:lstStyle/>
+          <a:p>
+            <a:endParaRPr lang="en-US" altLang="zh-TW" sz="1200" dirty="0"/>
+          </a:p>
+          <a:p>
+            <a:pPr lvl="1"/>
+            <a:r>
+              <a:rPr lang="en-US" altLang="zh-TW" sz="1800" dirty="0"/>
+              <a:t>Q2:</a:t>
+            </a:r>
+            <a:r>
+              <a:rPr lang="zh-TW" altLang="en-US" sz="1800" dirty="0"/>
+              <a:t> </a:t>
+            </a:r>
+            <a:r>
+              <a:rPr lang="en-US" altLang="zh-TW" sz="1800" dirty="0" err="1"/>
+              <a:t>BRAM_out</a:t>
+            </a:r>
+            <a:r>
+              <a:rPr lang="en-US" altLang="zh-TW" sz="1800" dirty="0"/>
+              <a:t> 0</a:t>
+            </a:r>
+          </a:p>
+          <a:p>
+            <a:pPr lvl="2"/>
+            <a:r>
+              <a:rPr lang="en-US" altLang="zh-TW" sz="1800" dirty="0"/>
+              <a:t>fifo_generator_0</a:t>
+            </a:r>
+          </a:p>
+          <a:p>
+            <a:pPr lvl="2"/>
+            <a:r>
+              <a:rPr lang="en-US" altLang="zh-TW" sz="1800" dirty="0"/>
+              <a:t>enable </a:t>
+            </a:r>
+            <a:r>
+              <a:rPr lang="en-US" altLang="zh-TW" sz="1800" dirty="0" err="1"/>
+              <a:t>constain</a:t>
+            </a:r>
+            <a:endParaRPr lang="en-US" altLang="zh-TW" sz="1800" dirty="0"/>
+          </a:p>
+          <a:p>
+            <a:pPr lvl="1"/>
+            <a:r>
+              <a:rPr lang="en-US" altLang="zh-TW" sz="1800" dirty="0"/>
+              <a:t>A2:</a:t>
+            </a:r>
+          </a:p>
+        </p:txBody>
+      </p:sp>
+      <p:sp>
+        <p:nvSpPr>
+          <p:cNvPr id="3" name="標題 2"/>
+          <p:cNvSpPr>
+            <a:spLocks noGrp="1"/>
+          </p:cNvSpPr>
+          <p:nvPr>
+            <p:ph type="title"/>
+          </p:nvPr>
+        </p:nvSpPr>
+        <p:spPr/>
+        <p:txBody>
+          <a:bodyPr/>
+          <a:lstStyle/>
+          <a:p>
+            <a:r>
+              <a:rPr lang="zh-TW" altLang="en-US" dirty="0"/>
+              <a:t>問題記錄 </a:t>
+            </a:r>
+            <a:r>
+              <a:rPr lang="en-US" altLang="zh-TW" dirty="0"/>
+              <a:t>- (</a:t>
+            </a:r>
+            <a:r>
+              <a:rPr lang="zh-TW" altLang="en-US" dirty="0"/>
+              <a:t>軟體問題</a:t>
+            </a:r>
+            <a:r>
+              <a:rPr lang="en-US" altLang="zh-TW" dirty="0"/>
+              <a:t>)</a:t>
+            </a:r>
+            <a:endParaRPr lang="zh-TW" altLang="en-US" dirty="0"/>
+          </a:p>
+        </p:txBody>
+      </p:sp>
+      <p:pic>
+        <p:nvPicPr>
+          <p:cNvPr id="5" name="圖片 4">
+            <a:extLst>
+              <a:ext uri="{FF2B5EF4-FFF2-40B4-BE49-F238E27FC236}">
+                <a16:creationId xmlns:a16="http://schemas.microsoft.com/office/drawing/2014/main" id="{B797C0D6-0B3E-425B-9DFC-AD48E09AA334}"/>
+              </a:ext>
+            </a:extLst>
+          </p:cNvPr>
+          <p:cNvPicPr>
+            <a:picLocks noChangeAspect="1"/>
+          </p:cNvPicPr>
+          <p:nvPr/>
+        </p:nvPicPr>
+        <p:blipFill>
+          <a:blip r:embed="rId3"/>
+          <a:stretch>
+            <a:fillRect/>
+          </a:stretch>
+        </p:blipFill>
+        <p:spPr>
+          <a:xfrm>
+            <a:off x="3951341" y="1186406"/>
+            <a:ext cx="4502381" cy="5150115"/>
+          </a:xfrm>
+          <a:prstGeom prst="rect">
+            <a:avLst/>
+          </a:prstGeom>
+        </p:spPr>
+      </p:pic>
+    </p:spTree>
+    <p:extLst>
+      <p:ext uri="{BB962C8B-B14F-4D97-AF65-F5344CB8AC3E}">
+        <p14:creationId xmlns:p14="http://schemas.microsoft.com/office/powerpoint/2010/main" val="1088604526"/>
+      </p:ext>
+    </p:extLst>
+  </p:cSld>
+  <p:clrMapOvr>
+    <a:masterClrMapping/>
+  </p:clrMapOvr>
+</p:sld>
+</file>
+
+<file path=ppt/slides/slide32.xml><?xml version="1.0" encoding="utf-8"?>
+<p:sld xmlns:a="http://schemas.openxmlformats.org/drawingml/2006/main" xmlns:r="http://schemas.openxmlformats.org/officeDocument/2006/relationships" xmlns:p="http://schemas.openxmlformats.org/presentationml/2006/main">
+  <p:cSld>
+    <p:spTree>
+      <p:nvGrpSpPr>
+        <p:cNvPr id="1" name=""/>
+        <p:cNvGrpSpPr/>
+        <p:nvPr/>
+      </p:nvGrpSpPr>
+      <p:grpSpPr>
+        <a:xfrm>
+          <a:off x="0" y="0"/>
+          <a:ext cx="0" cy="0"/>
+          <a:chOff x="0" y="0"/>
+          <a:chExt cx="0" cy="0"/>
+        </a:xfrm>
+      </p:grpSpPr>
+      <p:sp>
+        <p:nvSpPr>
+          <p:cNvPr id="2" name="內容版面配置區 1"/>
+          <p:cNvSpPr>
+            <a:spLocks noGrp="1"/>
+          </p:cNvSpPr>
+          <p:nvPr>
+            <p:ph idx="1"/>
+          </p:nvPr>
+        </p:nvSpPr>
+        <p:spPr>
+          <a:xfrm>
+            <a:off x="838200" y="1201850"/>
+            <a:ext cx="10515600" cy="5037776"/>
+          </a:xfrm>
+        </p:spPr>
+        <p:txBody>
+          <a:bodyPr/>
+          <a:lstStyle/>
+          <a:p>
+            <a:pPr lvl="1"/>
+            <a:endParaRPr lang="en-US" altLang="zh-TW" dirty="0">
+              <a:solidFill>
+                <a:srgbClr val="0563C1"/>
+              </a:solidFill>
+              <a:cs typeface="Times New Roman" panose="02020603050405020304" pitchFamily="18" charset="0"/>
+            </a:endParaRPr>
+          </a:p>
+          <a:p>
+            <a:pPr lvl="1"/>
+            <a:endParaRPr lang="en-US" altLang="zh-TW" b="0" i="0" dirty="0">
+              <a:solidFill>
+                <a:srgbClr val="000000"/>
+              </a:solidFill>
+              <a:effectLst/>
+              <a:cs typeface="Times New Roman" panose="02020603050405020304" pitchFamily="18" charset="0"/>
+            </a:endParaRPr>
+          </a:p>
+          <a:p>
+            <a:pPr lvl="1"/>
+            <a:r>
+              <a:rPr lang="en-US" altLang="zh-TW" dirty="0">
+                <a:solidFill>
+                  <a:srgbClr val="0563C1"/>
+                </a:solidFill>
+                <a:cs typeface="Times New Roman" panose="02020603050405020304" pitchFamily="18" charset="0"/>
+              </a:rPr>
+              <a:t>img2.mif:</a:t>
+            </a:r>
+          </a:p>
+          <a:p>
+            <a:pPr lvl="2"/>
+            <a:r>
+              <a:rPr lang="en-US" altLang="zh-TW" dirty="0">
+                <a:solidFill>
+                  <a:srgbClr val="0563C1"/>
+                </a:solidFill>
+                <a:cs typeface="Times New Roman" panose="02020603050405020304" pitchFamily="18" charset="0"/>
+              </a:rPr>
+              <a:t>OS</a:t>
+            </a:r>
+            <a:r>
+              <a:rPr lang="zh-TW" altLang="en-US" dirty="0">
+                <a:solidFill>
+                  <a:srgbClr val="0563C1"/>
+                </a:solidFill>
+                <a:cs typeface="Times New Roman" panose="02020603050405020304" pitchFamily="18" charset="0"/>
+              </a:rPr>
+              <a:t> </a:t>
+            </a:r>
+            <a:r>
+              <a:rPr lang="en-US" altLang="zh-TW" dirty="0">
+                <a:solidFill>
+                  <a:srgbClr val="0563C1"/>
+                </a:solidFill>
+                <a:cs typeface="Times New Roman" panose="02020603050405020304" pitchFamily="18" charset="0"/>
+              </a:rPr>
+              <a:t>tool: </a:t>
+            </a:r>
+            <a:r>
+              <a:rPr lang="en-US" altLang="zh-TW" dirty="0">
+                <a:hlinkClick r:id="rId2"/>
+              </a:rPr>
+              <a:t>【</a:t>
+            </a:r>
+            <a:r>
+              <a:rPr lang="zh-TW" altLang="en-US" dirty="0">
+                <a:hlinkClick r:id="rId2"/>
+              </a:rPr>
+              <a:t>原創</a:t>
+            </a:r>
+            <a:r>
+              <a:rPr lang="en-US" altLang="zh-TW" dirty="0">
+                <a:hlinkClick r:id="rId2"/>
+              </a:rPr>
+              <a:t>】bmp</a:t>
+            </a:r>
+            <a:r>
+              <a:rPr lang="zh-TW" altLang="en-US" dirty="0">
+                <a:hlinkClick r:id="rId2"/>
+              </a:rPr>
+              <a:t>轉</a:t>
+            </a:r>
+            <a:r>
+              <a:rPr lang="en-US" altLang="zh-TW" dirty="0" err="1">
+                <a:hlinkClick r:id="rId2"/>
+              </a:rPr>
+              <a:t>mif</a:t>
+            </a:r>
+            <a:r>
+              <a:rPr lang="zh-TW" altLang="en-US" dirty="0">
+                <a:hlinkClick r:id="rId2"/>
+              </a:rPr>
+              <a:t>、</a:t>
+            </a:r>
+            <a:r>
+              <a:rPr lang="en-US" altLang="zh-TW" dirty="0" err="1">
+                <a:hlinkClick r:id="rId2"/>
+              </a:rPr>
+              <a:t>coe</a:t>
+            </a:r>
+            <a:r>
+              <a:rPr lang="zh-TW" altLang="en-US" dirty="0">
+                <a:hlinkClick r:id="rId2"/>
+              </a:rPr>
+              <a:t>或</a:t>
+            </a:r>
+            <a:r>
+              <a:rPr lang="en-US" altLang="zh-TW" dirty="0">
+                <a:hlinkClick r:id="rId2"/>
+              </a:rPr>
+              <a:t>hex</a:t>
+            </a:r>
+            <a:r>
+              <a:rPr lang="zh-TW" altLang="en-US" dirty="0">
+                <a:hlinkClick r:id="rId2"/>
+              </a:rPr>
+              <a:t>軟體發佈及使用介紹 </a:t>
+            </a:r>
+            <a:r>
+              <a:rPr lang="en-US" altLang="zh-TW" dirty="0">
+                <a:hlinkClick r:id="rId2"/>
+              </a:rPr>
+              <a:t>...</a:t>
+            </a:r>
+            <a:endParaRPr lang="en-US" altLang="zh-TW" dirty="0"/>
+          </a:p>
+          <a:p>
+            <a:pPr lvl="2"/>
+            <a:endParaRPr lang="en-US" altLang="zh-TW" dirty="0"/>
+          </a:p>
+          <a:p>
+            <a:pPr lvl="1"/>
+            <a:r>
+              <a:rPr lang="en-US" altLang="zh-TW" dirty="0"/>
+              <a:t>img2gray:</a:t>
+            </a:r>
+          </a:p>
+          <a:p>
+            <a:pPr lvl="2"/>
+            <a:r>
+              <a:rPr lang="en-US" altLang="zh-TW" dirty="0">
+                <a:hlinkClick r:id="rId3"/>
+              </a:rPr>
+              <a:t>VHDL coding tips and tricks: Generic VHDL Code for Binary to Gray and Gray to Binary converter</a:t>
+            </a:r>
+            <a:endParaRPr lang="en-US" altLang="zh-TW" dirty="0"/>
+          </a:p>
+          <a:p>
+            <a:pPr lvl="2"/>
+            <a:endParaRPr lang="en-US" altLang="zh-TW" dirty="0">
+              <a:solidFill>
+                <a:srgbClr val="0563C1"/>
+              </a:solidFill>
+              <a:cs typeface="Times New Roman" panose="02020603050405020304" pitchFamily="18" charset="0"/>
+            </a:endParaRPr>
+          </a:p>
+          <a:p>
+            <a:pPr lvl="1"/>
+            <a:endParaRPr lang="en-US" altLang="zh-TW" dirty="0">
+              <a:solidFill>
+                <a:srgbClr val="0563C1"/>
+              </a:solidFill>
+              <a:cs typeface="Times New Roman" panose="02020603050405020304" pitchFamily="18" charset="0"/>
+            </a:endParaRPr>
+          </a:p>
+        </p:txBody>
+      </p:sp>
+      <p:sp>
+        <p:nvSpPr>
+          <p:cNvPr id="3" name="標題 2"/>
+          <p:cNvSpPr>
+            <a:spLocks noGrp="1"/>
+          </p:cNvSpPr>
+          <p:nvPr>
+            <p:ph type="title"/>
+          </p:nvPr>
+        </p:nvSpPr>
+        <p:spPr/>
+        <p:txBody>
+          <a:bodyPr/>
+          <a:lstStyle/>
+          <a:p>
+            <a:r>
+              <a:rPr lang="zh-TW" altLang="en-US" dirty="0"/>
+              <a:t>參考資料</a:t>
+            </a:r>
+          </a:p>
+        </p:txBody>
+      </p:sp>
+    </p:spTree>
+    <p:extLst>
+      <p:ext uri="{BB962C8B-B14F-4D97-AF65-F5344CB8AC3E}">
+        <p14:creationId xmlns:p14="http://schemas.microsoft.com/office/powerpoint/2010/main" val="1759100234"/>
       </p:ext>
     </p:extLst>
   </p:cSld>
@@ -13580,31 +15303,19 @@
             <a:pPr marL="742950" lvl="2" indent="-285750"/>
             <a:r>
               <a:rPr lang="zh-TW" altLang="en-US" dirty="0"/>
-              <a:t>按鈕調變</a:t>
-            </a:r>
-            <a:r>
-              <a:rPr lang="en-US" altLang="zh-TW" dirty="0"/>
+              <a:t>指撥開關</a:t>
+            </a:r>
+            <a:r>
+              <a:rPr lang="zh-TW" altLang="en-US"/>
+              <a:t>切換</a:t>
+            </a:r>
+            <a:r>
+              <a:rPr lang="en-US" altLang="zh-TW"/>
               <a:t>Canny</a:t>
             </a:r>
             <a:r>
-              <a:rPr lang="zh-TW" altLang="en-US" dirty="0"/>
-              <a:t>的上</a:t>
-            </a:r>
-            <a:r>
-              <a:rPr lang="en-US" altLang="zh-TW" dirty="0"/>
-              <a:t>, </a:t>
-            </a:r>
-            <a:r>
-              <a:rPr lang="zh-TW" altLang="en-US" dirty="0"/>
-              <a:t>下 </a:t>
-            </a:r>
-            <a:r>
-              <a:rPr lang="en-US" altLang="zh-TW" dirty="0"/>
-              <a:t>threshold</a:t>
-            </a:r>
-            <a:r>
-              <a:rPr lang="zh-TW" altLang="en-US" dirty="0"/>
-              <a:t>數值</a:t>
+              <a:rPr lang="zh-TW" altLang="en-US"/>
+              <a:t>過程、結果</a:t>
             </a:r>
             <a:endParaRPr lang="en-US" altLang="zh-TW" dirty="0"/>
           </a:p>
@@ -15046,7 +16757,7 @@
         </p:nvSpPr>
         <p:spPr>
           <a:xfrm>
-            <a:off x="1642367" y="5255571"/>
+            <a:off x="1639268" y="5255571"/>
             <a:ext cx="745725" cy="406265"/>
           </a:xfrm>
           <a:prstGeom prst="rect">
@@ -15068,6 +16779,52 @@
                 <a:latin typeface="Times New Roman" panose="02020603050405020304" pitchFamily="18" charset="0"/>
               </a:rPr>
               <a:t>Gx</a:t>
+            </a:r>
+            <a:endParaRPr lang="zh-TW" altLang="en-US" dirty="0">
+              <a:solidFill>
+                <a:srgbClr val="FF0000"/>
+              </a:solidFill>
+              <a:latin typeface="Times New Roman" panose="02020603050405020304" pitchFamily="18" charset="0"/>
+            </a:endParaRPr>
+          </a:p>
+        </p:txBody>
+      </p:sp>
+      <p:sp>
+        <p:nvSpPr>
+          <p:cNvPr id="7" name="文字方塊 6">
+            <a:extLst>
+              <a:ext uri="{FF2B5EF4-FFF2-40B4-BE49-F238E27FC236}">
+                <a16:creationId xmlns:a16="http://schemas.microsoft.com/office/drawing/2014/main" id="{1E4F5FC1-D5A6-409D-A7B7-9CC56D0E4C7D}"/>
+              </a:ext>
+            </a:extLst>
+          </p:cNvPr>
+          <p:cNvSpPr txBox="1"/>
+          <p:nvPr/>
+        </p:nvSpPr>
+        <p:spPr>
+          <a:xfrm>
+            <a:off x="4301701" y="5279880"/>
+            <a:ext cx="1255720" cy="369332"/>
+          </a:xfrm>
+          <a:prstGeom prst="rect">
+            <a:avLst/>
+          </a:prstGeom>
+          <a:noFill/>
+        </p:spPr>
+        <p:txBody>
+          <a:bodyPr wrap="square" rtlCol="0">
+            <a:spAutoFit/>
+          </a:bodyPr>
+          <a:lstStyle/>
+          <a:p>
+            <a:r>
+              <a:rPr lang="en-US" altLang="zh-TW" dirty="0" err="1">
+                <a:solidFill>
+                  <a:srgbClr val="FF0000"/>
+                </a:solidFill>
+                <a:latin typeface="Times New Roman" panose="02020603050405020304" pitchFamily="18" charset="0"/>
+              </a:rPr>
+              <a:t>img_kernel</a:t>
             </a:r>
             <a:endParaRPr lang="zh-TW" altLang="en-US" dirty="0">
               <a:solidFill>
@@ -15150,7 +16907,7 @@
             </a:r>
             <a:r>
               <a:rPr lang="en-US" altLang="zh-TW" dirty="0"/>
-              <a:t>(2023/5/27</a:t>
+              <a:t>(2023/6/1</a:t>
             </a:r>
             <a:r>
               <a:rPr lang="zh-TW" altLang="en-US" dirty="0"/>
@@ -15178,8 +16935,8 @@
         </p:nvSpPr>
         <p:spPr>
           <a:xfrm>
-            <a:off x="1247784" y="1399296"/>
-            <a:ext cx="6977848" cy="1323439"/>
+            <a:off x="1247784" y="1798791"/>
+            <a:ext cx="6977848" cy="369332"/>
           </a:xfrm>
           <a:prstGeom prst="rect">
             <a:avLst/>
@@ -15192,87 +16949,84 @@
           </a:bodyPr>
           <a:lstStyle/>
           <a:p>
-            <a:pPr marL="742950" lvl="1" indent="-285750">
-              <a:buFont typeface="Arial" panose="020B0604020202020204" pitchFamily="34" charset="0"/>
-              <a:buChar char="•"/>
-            </a:pPr>
-            <a:r>
-              <a:rPr lang="en-US" altLang="zh-TW" sz="1600" dirty="0" err="1">
-                <a:latin typeface="Times New Roman" panose="02020603050405020304" pitchFamily="18" charset="0"/>
-                <a:ea typeface="標楷體" panose="03000509000000000000" pitchFamily="65" charset="-120"/>
-              </a:rPr>
-              <a:t>Cachesystem</a:t>
-            </a:r>
-            <a:endParaRPr lang="en-US" altLang="zh-TW" sz="1600" dirty="0">
-              <a:latin typeface="Times New Roman" panose="02020603050405020304" pitchFamily="18" charset="0"/>
-              <a:ea typeface="標楷體" panose="03000509000000000000" pitchFamily="65" charset="-120"/>
-            </a:endParaRPr>
-          </a:p>
-          <a:p>
             <a:pPr marL="1200150" lvl="2" indent="-285750">
               <a:buFont typeface="Arial" panose="020B0604020202020204" pitchFamily="34" charset="0"/>
               <a:buChar char="•"/>
             </a:pPr>
             <a:r>
-              <a:rPr lang="en-US" altLang="zh-TW" sz="1600" dirty="0">
-                <a:latin typeface="Times New Roman" panose="02020603050405020304" pitchFamily="18" charset="0"/>
-                <a:ea typeface="標楷體" panose="03000509000000000000" pitchFamily="65" charset="-120"/>
-              </a:rPr>
-              <a:t>line buffer</a:t>
-            </a:r>
-          </a:p>
-          <a:p>
-            <a:pPr marL="1657350" lvl="3" indent="-285750">
-              <a:buFont typeface="Arial" panose="020B0604020202020204" pitchFamily="34" charset="0"/>
-              <a:buChar char="•"/>
-            </a:pPr>
-            <a:r>
-              <a:rPr lang="en-US" altLang="zh-TW" sz="1600" dirty="0" err="1">
-                <a:latin typeface="Times New Roman" panose="02020603050405020304" pitchFamily="18" charset="0"/>
-                <a:ea typeface="標楷體" panose="03000509000000000000" pitchFamily="65" charset="-120"/>
-              </a:rPr>
-              <a:t>GaussianFilter</a:t>
-            </a:r>
-            <a:endParaRPr lang="en-US" altLang="zh-TW" sz="1600" dirty="0">
-              <a:latin typeface="Times New Roman" panose="02020603050405020304" pitchFamily="18" charset="0"/>
+              <a:rPr lang="zh-TW" altLang="en-US" dirty="0">
+                <a:latin typeface="標楷體" panose="03000509000000000000" pitchFamily="65" charset="-120"/>
+                <a:ea typeface="標楷體" panose="03000509000000000000" pitchFamily="65" charset="-120"/>
+              </a:rPr>
+              <a:t>高斯模糊</a:t>
+            </a:r>
+            <a:r>
+              <a:rPr lang="en-US" altLang="zh-TW" dirty="0">
+                <a:latin typeface="標楷體" panose="03000509000000000000" pitchFamily="65" charset="-120"/>
+                <a:ea typeface="標楷體" panose="03000509000000000000" pitchFamily="65" charset="-120"/>
+              </a:rPr>
+              <a:t>	</a:t>
+            </a:r>
+            <a:endParaRPr lang="zh-TW" altLang="en-US" dirty="0">
+              <a:latin typeface="標楷體" panose="03000509000000000000" pitchFamily="65" charset="-120"/>
               <a:ea typeface="標楷體" panose="03000509000000000000" pitchFamily="65" charset="-120"/>
             </a:endParaRPr>
           </a:p>
-          <a:p>
-            <a:pPr marL="1657350" lvl="3" indent="-285750">
-              <a:buFont typeface="Arial" panose="020B0604020202020204" pitchFamily="34" charset="0"/>
-              <a:buChar char="•"/>
-            </a:pPr>
-            <a:r>
-              <a:rPr lang="en-US" altLang="zh-TW" sz="1600" dirty="0" err="1">
-                <a:latin typeface="Times New Roman" panose="02020603050405020304" pitchFamily="18" charset="0"/>
-                <a:ea typeface="標楷體" panose="03000509000000000000" pitchFamily="65" charset="-120"/>
-              </a:rPr>
-              <a:t>NonMaxSuppression</a:t>
-            </a:r>
-            <a:endParaRPr lang="en-US" altLang="zh-TW" sz="1600" dirty="0">
-              <a:latin typeface="Times New Roman" panose="02020603050405020304" pitchFamily="18" charset="0"/>
-              <a:ea typeface="標楷體" panose="03000509000000000000" pitchFamily="65" charset="-120"/>
-            </a:endParaRPr>
-          </a:p>
-          <a:p>
-            <a:pPr marL="1200150" lvl="2" indent="-285750">
-              <a:buFont typeface="Arial" panose="020B0604020202020204" pitchFamily="34" charset="0"/>
-              <a:buChar char="•"/>
-            </a:pPr>
-            <a:endParaRPr lang="zh-TW" altLang="en-US" sz="1600" dirty="0">
-              <a:latin typeface="Times New Roman" panose="02020603050405020304" pitchFamily="18" charset="0"/>
-              <a:ea typeface="標楷體" panose="03000509000000000000" pitchFamily="65" charset="-120"/>
-            </a:endParaRPr>
-          </a:p>
-        </p:txBody>
-      </p:sp>
-      <p:sp>
-        <p:nvSpPr>
-          <p:cNvPr id="12" name="文字方塊 11">
+        </p:txBody>
+      </p:sp>
+      <p:pic>
+        <p:nvPicPr>
+          <p:cNvPr id="6" name="Picture 2">
             <a:extLst>
               <a:ext uri="{FF2B5EF4-FFF2-40B4-BE49-F238E27FC236}">
-                <a16:creationId xmlns:a16="http://schemas.microsoft.com/office/drawing/2014/main" id="{070FA912-F4AE-4B48-913B-6B5AC39B177C}"/>
+                <a16:creationId xmlns:a16="http://schemas.microsoft.com/office/drawing/2014/main" id="{AD605B4F-C6D6-440D-948B-08BD1A4DEC54}"/>
+              </a:ext>
+            </a:extLst>
+          </p:cNvPr>
+          <p:cNvPicPr>
+            <a:picLocks noChangeAspect="1" noChangeArrowheads="1"/>
+          </p:cNvPicPr>
+          <p:nvPr/>
+        </p:nvPicPr>
+        <p:blipFill>
+          <a:blip r:embed="rId2" cstate="print">
+            <a:extLst>
+              <a:ext uri="{28A0092B-C50C-407E-A947-70E740481C1C}">
+                <a14:useLocalDpi xmlns:a14="http://schemas.microsoft.com/office/drawing/2010/main" val="0"/>
+              </a:ext>
+            </a:extLst>
+          </a:blip>
+          <a:srcRect/>
+          <a:stretch>
+            <a:fillRect/>
+          </a:stretch>
+        </p:blipFill>
+        <p:spPr bwMode="auto">
+          <a:xfrm>
+            <a:off x="2356614" y="2831910"/>
+            <a:ext cx="7478772" cy="2478997"/>
+          </a:xfrm>
+          <a:prstGeom prst="rect">
+            <a:avLst/>
+          </a:prstGeom>
+          <a:noFill/>
+          <a:extLst>
+            <a:ext uri="{909E8E84-426E-40DD-AFC4-6F175D3DCCD1}">
+              <a14:hiddenFill xmlns:a14="http://schemas.microsoft.com/office/drawing/2010/main">
+                <a:solidFill>
+                  <a:srgbClr val="FFFFFF"/>
+                </a:solidFill>
+              </a14:hiddenFill>
+            </a:ext>
+          </a:extLst>
+        </p:spPr>
+      </p:pic>
+      <p:sp>
+        <p:nvSpPr>
+          <p:cNvPr id="8" name="文字方塊 7">
+            <a:extLst>
+              <a:ext uri="{FF2B5EF4-FFF2-40B4-BE49-F238E27FC236}">
+                <a16:creationId xmlns:a16="http://schemas.microsoft.com/office/drawing/2014/main" id="{3CF59709-CBBE-4E9D-821B-C49663AC617F}"/>
               </a:ext>
             </a:extLst>
           </p:cNvPr>
@@ -15281,8 +17035,8 @@
         </p:nvSpPr>
         <p:spPr>
           <a:xfrm>
-            <a:off x="1642367" y="5255571"/>
-            <a:ext cx="745725" cy="406265"/>
+            <a:off x="6768484" y="1623468"/>
+            <a:ext cx="5012184" cy="646331"/>
           </a:xfrm>
           <a:prstGeom prst="rect">
             <a:avLst/>
@@ -15290,205 +17044,64 @@
           <a:noFill/>
         </p:spPr>
         <p:txBody>
-          <a:bodyPr wrap="square" rtlCol="0">
-            <a:spAutoFit/>
-          </a:bodyPr>
-          <a:lstStyle/>
-          <a:p>
-            <a:r>
-              <a:rPr lang="en-US" altLang="zh-TW" dirty="0">
-                <a:solidFill>
-                  <a:srgbClr val="FF0000"/>
-                </a:solidFill>
-                <a:latin typeface="Times New Roman" panose="02020603050405020304" pitchFamily="18" charset="0"/>
-              </a:rPr>
-              <a:t>Gx</a:t>
-            </a:r>
-            <a:endParaRPr lang="zh-TW" altLang="en-US" dirty="0">
-              <a:solidFill>
-                <a:srgbClr val="FF0000"/>
-              </a:solidFill>
-              <a:latin typeface="Times New Roman" panose="02020603050405020304" pitchFamily="18" charset="0"/>
-            </a:endParaRPr>
-          </a:p>
-        </p:txBody>
-      </p:sp>
-      <p:sp>
-        <p:nvSpPr>
-          <p:cNvPr id="7" name="文字方塊 6">
-            <a:extLst>
-              <a:ext uri="{FF2B5EF4-FFF2-40B4-BE49-F238E27FC236}">
-                <a16:creationId xmlns:a16="http://schemas.microsoft.com/office/drawing/2014/main" id="{B05BCC34-BE83-43D4-A873-2EE1F1EF0DB7}"/>
-              </a:ext>
-            </a:extLst>
-          </p:cNvPr>
-          <p:cNvSpPr txBox="1"/>
-          <p:nvPr/>
-        </p:nvSpPr>
-        <p:spPr>
-          <a:xfrm>
-            <a:off x="4210235" y="3036906"/>
-            <a:ext cx="6094520" cy="2031325"/>
-          </a:xfrm>
-          <a:prstGeom prst="rect">
-            <a:avLst/>
-          </a:prstGeom>
-          <a:noFill/>
-        </p:spPr>
-        <p:txBody>
           <a:bodyPr wrap="square">
             <a:spAutoFit/>
           </a:bodyPr>
           <a:lstStyle/>
           <a:p>
             <a:r>
-              <a:rPr lang="zh-TW" altLang="en-US" dirty="0"/>
+              <a:rPr lang="en-US" altLang="zh-TW" dirty="0">
+                <a:latin typeface="標楷體" panose="03000509000000000000" pitchFamily="65" charset="-120"/>
+                <a:ea typeface="標楷體" panose="03000509000000000000" pitchFamily="65" charset="-120"/>
+              </a:rPr>
+              <a:t>--</a:t>
+            </a:r>
+            <a:r>
+              <a:rPr lang="zh-TW" altLang="en-US" dirty="0">
+                <a:latin typeface="標楷體" panose="03000509000000000000" pitchFamily="65" charset="-120"/>
+                <a:ea typeface="標楷體" panose="03000509000000000000" pitchFamily="65" charset="-120"/>
+              </a:rPr>
               <a:t>雙邊濾波</a:t>
             </a:r>
             <a:r>
-              <a:rPr lang="en-US" altLang="zh-TW" dirty="0"/>
+              <a:rPr lang="en-US" altLang="zh-TW" dirty="0">
+                <a:latin typeface="標楷體" panose="03000509000000000000" pitchFamily="65" charset="-120"/>
+                <a:ea typeface="標楷體" panose="03000509000000000000" pitchFamily="65" charset="-120"/>
+              </a:rPr>
               <a:t>: </a:t>
             </a:r>
             <a:r>
-              <a:rPr lang="zh-TW" altLang="en-US" dirty="0"/>
+              <a:rPr lang="zh-TW" altLang="en-US" dirty="0">
+                <a:latin typeface="標楷體" panose="03000509000000000000" pitchFamily="65" charset="-120"/>
+                <a:ea typeface="標楷體" panose="03000509000000000000" pitchFamily="65" charset="-120"/>
+              </a:rPr>
               <a:t>且比較周圍像素灰階差</a:t>
             </a:r>
             <a:r>
-              <a:rPr lang="en-US" altLang="zh-TW" dirty="0"/>
+              <a:rPr lang="en-US" altLang="zh-TW" dirty="0">
+                <a:latin typeface="標楷體" panose="03000509000000000000" pitchFamily="65" charset="-120"/>
+                <a:ea typeface="標楷體" panose="03000509000000000000" pitchFamily="65" charset="-120"/>
+              </a:rPr>
               <a:t>(</a:t>
             </a:r>
             <a:r>
-              <a:rPr lang="zh-TW" altLang="en-US" dirty="0"/>
+              <a:rPr lang="zh-TW" altLang="en-US" dirty="0">
+                <a:latin typeface="標楷體" panose="03000509000000000000" pitchFamily="65" charset="-120"/>
+                <a:ea typeface="標楷體" panose="03000509000000000000" pitchFamily="65" charset="-120"/>
+              </a:rPr>
               <a:t>值域，每個像素點對周圍的灰階差都不同，事後歸一化</a:t>
             </a:r>
             <a:r>
-              <a:rPr lang="en-US" altLang="zh-TW" dirty="0"/>
+              <a:rPr lang="en-US" altLang="zh-TW" dirty="0">
+                <a:latin typeface="標楷體" panose="03000509000000000000" pitchFamily="65" charset="-120"/>
+                <a:ea typeface="標楷體" panose="03000509000000000000" pitchFamily="65" charset="-120"/>
+              </a:rPr>
               <a:t>)</a:t>
             </a:r>
-            <a:r>
-              <a:rPr lang="zh-TW" altLang="en-US" dirty="0"/>
-              <a:t>，高斯模糊</a:t>
-            </a:r>
-            <a:r>
-              <a:rPr lang="en-US" altLang="zh-TW" dirty="0"/>
-              <a:t>(</a:t>
-            </a:r>
-            <a:r>
-              <a:rPr lang="zh-TW" altLang="en-US" dirty="0"/>
-              <a:t>事先歸一化，寫好的</a:t>
-            </a:r>
-            <a:r>
-              <a:rPr lang="en-US" altLang="zh-TW" dirty="0"/>
-              <a:t>)	---  Sobel</a:t>
-            </a:r>
-            <a:r>
-              <a:rPr lang="zh-TW" altLang="en-US" dirty="0"/>
-              <a:t>找梯度</a:t>
-            </a:r>
-            <a:r>
-              <a:rPr lang="en-US" altLang="zh-TW" dirty="0"/>
-              <a:t>|</a:t>
-            </a:r>
-            <a:r>
-              <a:rPr lang="en-US" altLang="zh-TW" dirty="0" err="1"/>
-              <a:t>Gx+Gy</a:t>
-            </a:r>
-            <a:r>
-              <a:rPr lang="en-US" altLang="zh-TW" dirty="0"/>
-              <a:t>| , </a:t>
-            </a:r>
-            <a:r>
-              <a:rPr lang="en-US" altLang="zh-TW" dirty="0" err="1"/>
-              <a:t>cordic</a:t>
-            </a:r>
-            <a:r>
-              <a:rPr lang="en-US" altLang="zh-TW" dirty="0"/>
-              <a:t> </a:t>
-            </a:r>
-            <a:r>
-              <a:rPr lang="zh-TW" altLang="en-US" dirty="0"/>
-              <a:t>找角度 </a:t>
-            </a:r>
-            <a:r>
-              <a:rPr lang="en-US" altLang="zh-TW" dirty="0"/>
-              <a:t>=&gt; NMS(</a:t>
-            </a:r>
-            <a:r>
-              <a:rPr lang="zh-TW" altLang="en-US" dirty="0"/>
-              <a:t>找極大值</a:t>
-            </a:r>
-            <a:r>
-              <a:rPr lang="en-US" altLang="zh-TW" dirty="0"/>
-              <a:t>)</a:t>
-            </a:r>
-            <a:r>
-              <a:rPr lang="zh-TW" altLang="en-US" dirty="0"/>
-              <a:t>九宮格篩區域</a:t>
-            </a:r>
-            <a:r>
-              <a:rPr lang="en-US" altLang="zh-TW" dirty="0"/>
-              <a:t>, </a:t>
-            </a:r>
-            <a:r>
-              <a:rPr lang="zh-TW" altLang="en-US" dirty="0"/>
-              <a:t>保留重疊區域 </a:t>
-            </a:r>
-            <a:r>
-              <a:rPr lang="en-US" altLang="zh-TW" dirty="0"/>
-              <a:t>=&gt; </a:t>
-            </a:r>
-            <a:r>
-              <a:rPr lang="en-US" altLang="zh-TW" dirty="0" err="1"/>
-              <a:t>Hysterizethreshold</a:t>
-            </a:r>
-            <a:r>
-              <a:rPr lang="en-US" altLang="zh-TW" dirty="0"/>
-              <a:t> </a:t>
-            </a:r>
-            <a:r>
-              <a:rPr lang="zh-TW" altLang="en-US" dirty="0"/>
-              <a:t>磁滯閥值分類強</a:t>
-            </a:r>
-            <a:r>
-              <a:rPr lang="en-US" altLang="zh-TW" dirty="0"/>
-              <a:t>,</a:t>
-            </a:r>
-            <a:r>
-              <a:rPr lang="zh-TW" altLang="en-US" dirty="0"/>
-              <a:t>弱</a:t>
-            </a:r>
-            <a:r>
-              <a:rPr lang="en-US" altLang="zh-TW" dirty="0"/>
-              <a:t>,</a:t>
-            </a:r>
-            <a:r>
-              <a:rPr lang="zh-TW" altLang="en-US" dirty="0"/>
-              <a:t>非邊緣，將中間區段的弱邊緣與強邊緣連線 </a:t>
-            </a:r>
-            <a:r>
-              <a:rPr lang="en-US" altLang="zh-TW" dirty="0"/>
-              <a:t>=&gt; </a:t>
-            </a:r>
-            <a:r>
-              <a:rPr lang="en-US" altLang="zh-TW" dirty="0" err="1"/>
-              <a:t>LineBuffer</a:t>
-            </a:r>
-            <a:r>
-              <a:rPr lang="zh-TW" altLang="en-US" dirty="0"/>
-              <a:t>檢查上一行邊緣 </a:t>
-            </a:r>
-            <a:r>
-              <a:rPr lang="en-US" altLang="zh-TW" dirty="0"/>
-              <a:t>=&gt; </a:t>
-            </a:r>
-            <a:r>
-              <a:rPr lang="en-US" altLang="zh-TW" dirty="0" err="1"/>
-              <a:t>o_canny_reg</a:t>
-            </a:r>
-            <a:r>
-              <a:rPr lang="zh-TW" altLang="en-US" dirty="0"/>
-              <a:t>檢查上一點像素的結果</a:t>
-            </a:r>
+            <a:endParaRPr lang="zh-TW" altLang="en-US" dirty="0">
+              <a:latin typeface="標楷體" panose="03000509000000000000" pitchFamily="65" charset="-120"/>
+              <a:ea typeface="標楷體" panose="03000509000000000000" pitchFamily="65" charset="-120"/>
+            </a:endParaRPr>
           </a:p>
         </p:txBody>
       </p:sp>

--- a/HW8_Canny_BRam/N06-Tutorial/專案進度報告-Canny_VGA-吳東穎-20230607.pptx
+++ b/HW8_Canny_BRam/N06-Tutorial/專案進度報告-Canny_VGA-吳東穎-20230607.pptx
@@ -5,44 +5,49 @@
     <p:sldMasterId id="2147483648" r:id="rId1"/>
   </p:sldMasterIdLst>
   <p:notesMasterIdLst>
-    <p:notesMasterId r:id="rId34"/>
+    <p:notesMasterId r:id="rId39"/>
   </p:notesMasterIdLst>
   <p:handoutMasterIdLst>
-    <p:handoutMasterId r:id="rId35"/>
+    <p:handoutMasterId r:id="rId40"/>
   </p:handoutMasterIdLst>
   <p:sldIdLst>
     <p:sldId id="259" r:id="rId2"/>
     <p:sldId id="1257" r:id="rId3"/>
-    <p:sldId id="1280" r:id="rId4"/>
-    <p:sldId id="1267" r:id="rId5"/>
-    <p:sldId id="1142" r:id="rId6"/>
-    <p:sldId id="269" r:id="rId7"/>
-    <p:sldId id="614" r:id="rId8"/>
-    <p:sldId id="1250" r:id="rId9"/>
-    <p:sldId id="1311" r:id="rId10"/>
-    <p:sldId id="1315" r:id="rId11"/>
-    <p:sldId id="1316" r:id="rId12"/>
-    <p:sldId id="1317" r:id="rId13"/>
-    <p:sldId id="1309" r:id="rId14"/>
-    <p:sldId id="1293" r:id="rId15"/>
-    <p:sldId id="1296" r:id="rId16"/>
-    <p:sldId id="1294" r:id="rId17"/>
-    <p:sldId id="1301" r:id="rId18"/>
+    <p:sldId id="1326" r:id="rId4"/>
+    <p:sldId id="1280" r:id="rId5"/>
+    <p:sldId id="1267" r:id="rId6"/>
+    <p:sldId id="1142" r:id="rId7"/>
+    <p:sldId id="269" r:id="rId8"/>
+    <p:sldId id="614" r:id="rId9"/>
+    <p:sldId id="1250" r:id="rId10"/>
+    <p:sldId id="1311" r:id="rId11"/>
+    <p:sldId id="1315" r:id="rId12"/>
+    <p:sldId id="1316" r:id="rId13"/>
+    <p:sldId id="1317" r:id="rId14"/>
+    <p:sldId id="1309" r:id="rId15"/>
+    <p:sldId id="1293" r:id="rId16"/>
+    <p:sldId id="1296" r:id="rId17"/>
+    <p:sldId id="1294" r:id="rId18"/>
     <p:sldId id="1312" r:id="rId19"/>
     <p:sldId id="1318" r:id="rId20"/>
     <p:sldId id="261" r:id="rId21"/>
     <p:sldId id="1305" r:id="rId22"/>
     <p:sldId id="1306" r:id="rId23"/>
     <p:sldId id="1307" r:id="rId24"/>
-    <p:sldId id="1300" r:id="rId25"/>
-    <p:sldId id="1308" r:id="rId26"/>
-    <p:sldId id="1258" r:id="rId27"/>
-    <p:sldId id="1282" r:id="rId28"/>
-    <p:sldId id="1302" r:id="rId29"/>
-    <p:sldId id="1310" r:id="rId30"/>
-    <p:sldId id="1313" r:id="rId31"/>
-    <p:sldId id="1314" r:id="rId32"/>
-    <p:sldId id="271" r:id="rId33"/>
+    <p:sldId id="1322" r:id="rId25"/>
+    <p:sldId id="1300" r:id="rId26"/>
+    <p:sldId id="1308" r:id="rId27"/>
+    <p:sldId id="1319" r:id="rId28"/>
+    <p:sldId id="1321" r:id="rId29"/>
+    <p:sldId id="1324" r:id="rId30"/>
+    <p:sldId id="1320" r:id="rId31"/>
+    <p:sldId id="1323" r:id="rId32"/>
+    <p:sldId id="1325" r:id="rId33"/>
+    <p:sldId id="1258" r:id="rId34"/>
+    <p:sldId id="1282" r:id="rId35"/>
+    <p:sldId id="1302" r:id="rId36"/>
+    <p:sldId id="1313" r:id="rId37"/>
+    <p:sldId id="271" r:id="rId38"/>
   </p:sldIdLst>
   <p:sldSz cx="12192000" cy="6858000"/>
   <p:notesSz cx="6858000" cy="9144000"/>
@@ -152,6 +157,7 @@
         <p14:section name="控管紀錄(NAS)" id="{2E5D7665-38B7-4012-891B-65C37992EB9E}">
           <p14:sldIdLst>
             <p14:sldId id="1257"/>
+            <p14:sldId id="1326"/>
           </p14:sldIdLst>
         </p14:section>
         <p14:section name="控管紀錄(Git)" id="{6A277EEA-9672-4024-8708-20A0F39A99C0}">
@@ -190,7 +196,6 @@
           <p14:sldIdLst>
             <p14:sldId id="1296"/>
             <p14:sldId id="1294"/>
-            <p14:sldId id="1301"/>
             <p14:sldId id="1312"/>
             <p14:sldId id="1318"/>
           </p14:sldIdLst>
@@ -211,6 +216,11 @@
             <p14:sldId id="1307"/>
           </p14:sldIdLst>
         </p14:section>
+        <p14:section name="Sobel" id="{EC4CFE80-13D9-41FF-B85C-0027FA1F0371}">
+          <p14:sldIdLst>
+            <p14:sldId id="1322"/>
+          </p14:sldIdLst>
+        </p14:section>
         <p14:section name="NonMaxSuppression" id="{91AB8E4F-5EB5-44E0-83F4-FED74068AA60}">
           <p14:sldIdLst>
             <p14:sldId id="1300"/>
@@ -222,7 +232,16 @@
           </p14:sldIdLst>
         </p14:section>
         <p14:section name="Bram+Canny_warpper" id="{523078B2-3363-4370-BE08-DE5D3D2ADE91}">
+          <p14:sldIdLst/>
+        </p14:section>
+        <p14:section name="VGA畫面(驗證)" id="{AACFFD94-4AEA-47C7-B01A-FA31C06436CC}">
           <p14:sldIdLst>
+            <p14:sldId id="1319"/>
+            <p14:sldId id="1321"/>
+            <p14:sldId id="1324"/>
+            <p14:sldId id="1320"/>
+            <p14:sldId id="1323"/>
+            <p14:sldId id="1325"/>
             <p14:sldId id="1258"/>
           </p14:sldIdLst>
         </p14:section>
@@ -230,9 +249,7 @@
           <p14:sldIdLst>
             <p14:sldId id="1282"/>
             <p14:sldId id="1302"/>
-            <p14:sldId id="1310"/>
             <p14:sldId id="1313"/>
-            <p14:sldId id="1314"/>
           </p14:sldIdLst>
         </p14:section>
         <p14:section name="參考資料" id="{45BCF316-EF51-4D48-B1BE-363829FB5D01}">
@@ -338,7 +355,7 @@
               <a:rPr lang="zh-TW" altLang="en-US" smtClean="0">
                 <a:ea typeface="標楷體" panose="03000509000000000000" pitchFamily="65" charset="-120"/>
               </a:rPr>
-              <a:t>2023/6/3</a:t>
+              <a:t>2023/6/6</a:t>
             </a:fld>
             <a:endParaRPr lang="zh-TW" altLang="en-US" dirty="0">
               <a:ea typeface="標楷體" panose="03000509000000000000" pitchFamily="65" charset="-120"/>
@@ -516,7 +533,7 @@
             <a:fld id="{2CB905C5-9D54-40E2-B40C-7996280CAB02}" type="datetimeFigureOut">
               <a:rPr lang="zh-TW" altLang="en-US" smtClean="0"/>
               <a:pPr/>
-              <a:t>2023/6/3</a:t>
+              <a:t>2023/6/6</a:t>
             </a:fld>
             <a:endParaRPr lang="zh-TW" altLang="en-US" dirty="0"/>
           </a:p>
@@ -937,7 +954,7 @@
           <a:p>
             <a:fld id="{EF8A6B0B-A5FB-4629-B823-69B1A9EB3A43}" type="slidenum">
               <a:rPr lang="zh-TW" altLang="en-US" smtClean="0"/>
-              <a:t>27</a:t>
+              <a:t>28</a:t>
             </a:fld>
             <a:endParaRPr lang="zh-TW" altLang="en-US"/>
           </a:p>
@@ -946,7 +963,7 @@
     </p:spTree>
     <p:extLst>
       <p:ext uri="{BB962C8B-B14F-4D97-AF65-F5344CB8AC3E}">
-        <p14:creationId xmlns:p14="http://schemas.microsoft.com/office/powerpoint/2010/main" val="800052063"/>
+        <p14:creationId xmlns:p14="http://schemas.microsoft.com/office/powerpoint/2010/main" val="843886258"/>
       </p:ext>
     </p:extLst>
   </p:cSld>
@@ -1021,7 +1038,7 @@
           <a:p>
             <a:fld id="{EF8A6B0B-A5FB-4629-B823-69B1A9EB3A43}" type="slidenum">
               <a:rPr lang="zh-TW" altLang="en-US" smtClean="0"/>
-              <a:t>28</a:t>
+              <a:t>29</a:t>
             </a:fld>
             <a:endParaRPr lang="zh-TW" altLang="en-US"/>
           </a:p>
@@ -1030,7 +1047,7 @@
     </p:spTree>
     <p:extLst>
       <p:ext uri="{BB962C8B-B14F-4D97-AF65-F5344CB8AC3E}">
-        <p14:creationId xmlns:p14="http://schemas.microsoft.com/office/powerpoint/2010/main" val="702336876"/>
+        <p14:creationId xmlns:p14="http://schemas.microsoft.com/office/powerpoint/2010/main" val="3170777769"/>
       </p:ext>
     </p:extLst>
   </p:cSld>
@@ -1105,7 +1122,7 @@
           <a:p>
             <a:fld id="{EF8A6B0B-A5FB-4629-B823-69B1A9EB3A43}" type="slidenum">
               <a:rPr lang="zh-TW" altLang="en-US" smtClean="0"/>
-              <a:t>29</a:t>
+              <a:t>30</a:t>
             </a:fld>
             <a:endParaRPr lang="zh-TW" altLang="en-US"/>
           </a:p>
@@ -1114,7 +1131,7 @@
     </p:spTree>
     <p:extLst>
       <p:ext uri="{BB962C8B-B14F-4D97-AF65-F5344CB8AC3E}">
-        <p14:creationId xmlns:p14="http://schemas.microsoft.com/office/powerpoint/2010/main" val="2058271607"/>
+        <p14:creationId xmlns:p14="http://schemas.microsoft.com/office/powerpoint/2010/main" val="4125046363"/>
       </p:ext>
     </p:extLst>
   </p:cSld>
@@ -1189,7 +1206,7 @@
           <a:p>
             <a:fld id="{EF8A6B0B-A5FB-4629-B823-69B1A9EB3A43}" type="slidenum">
               <a:rPr lang="zh-TW" altLang="en-US" smtClean="0"/>
-              <a:t>30</a:t>
+              <a:t>31</a:t>
             </a:fld>
             <a:endParaRPr lang="zh-TW" altLang="en-US"/>
           </a:p>
@@ -1198,7 +1215,7 @@
     </p:spTree>
     <p:extLst>
       <p:ext uri="{BB962C8B-B14F-4D97-AF65-F5344CB8AC3E}">
-        <p14:creationId xmlns:p14="http://schemas.microsoft.com/office/powerpoint/2010/main" val="2292930631"/>
+        <p14:creationId xmlns:p14="http://schemas.microsoft.com/office/powerpoint/2010/main" val="1415522227"/>
       </p:ext>
     </p:extLst>
   </p:cSld>
@@ -1273,7 +1290,7 @@
           <a:p>
             <a:fld id="{EF8A6B0B-A5FB-4629-B823-69B1A9EB3A43}" type="slidenum">
               <a:rPr lang="zh-TW" altLang="en-US" smtClean="0"/>
-              <a:t>31</a:t>
+              <a:t>32</a:t>
             </a:fld>
             <a:endParaRPr lang="zh-TW" altLang="en-US"/>
           </a:p>
@@ -1282,7 +1299,343 @@
     </p:spTree>
     <p:extLst>
       <p:ext uri="{BB962C8B-B14F-4D97-AF65-F5344CB8AC3E}">
-        <p14:creationId xmlns:p14="http://schemas.microsoft.com/office/powerpoint/2010/main" val="4229284268"/>
+        <p14:creationId xmlns:p14="http://schemas.microsoft.com/office/powerpoint/2010/main" val="3718682450"/>
+      </p:ext>
+    </p:extLst>
+  </p:cSld>
+  <p:clrMapOvr>
+    <a:masterClrMapping/>
+  </p:clrMapOvr>
+</p:notes>
+</file>
+
+<file path=ppt/notesSlides/notesSlide15.xml><?xml version="1.0" encoding="utf-8"?>
+<p:notes xmlns:a="http://schemas.openxmlformats.org/drawingml/2006/main" xmlns:r="http://schemas.openxmlformats.org/officeDocument/2006/relationships" xmlns:p="http://schemas.openxmlformats.org/presentationml/2006/main">
+  <p:cSld>
+    <p:spTree>
+      <p:nvGrpSpPr>
+        <p:cNvPr id="1" name=""/>
+        <p:cNvGrpSpPr/>
+        <p:nvPr/>
+      </p:nvGrpSpPr>
+      <p:grpSpPr>
+        <a:xfrm>
+          <a:off x="0" y="0"/>
+          <a:ext cx="0" cy="0"/>
+          <a:chOff x="0" y="0"/>
+          <a:chExt cx="0" cy="0"/>
+        </a:xfrm>
+      </p:grpSpPr>
+      <p:sp>
+        <p:nvSpPr>
+          <p:cNvPr id="2" name="投影片圖像版面配置區 1"/>
+          <p:cNvSpPr>
+            <a:spLocks noGrp="1" noRot="1" noChangeAspect="1"/>
+          </p:cNvSpPr>
+          <p:nvPr>
+            <p:ph type="sldImg"/>
+          </p:nvPr>
+        </p:nvSpPr>
+        <p:spPr/>
+      </p:sp>
+      <p:sp>
+        <p:nvSpPr>
+          <p:cNvPr id="3" name="備忘稿版面配置區 2"/>
+          <p:cNvSpPr>
+            <a:spLocks noGrp="1"/>
+          </p:cNvSpPr>
+          <p:nvPr>
+            <p:ph type="body" idx="1"/>
+          </p:nvPr>
+        </p:nvSpPr>
+        <p:spPr/>
+        <p:txBody>
+          <a:bodyPr/>
+          <a:lstStyle/>
+          <a:p>
+            <a:endParaRPr lang="zh-TW" altLang="en-US" dirty="0"/>
+          </a:p>
+        </p:txBody>
+      </p:sp>
+      <p:sp>
+        <p:nvSpPr>
+          <p:cNvPr id="4" name="投影片編號版面配置區 3"/>
+          <p:cNvSpPr>
+            <a:spLocks noGrp="1"/>
+          </p:cNvSpPr>
+          <p:nvPr>
+            <p:ph type="sldNum" sz="quarter" idx="10"/>
+          </p:nvPr>
+        </p:nvSpPr>
+        <p:spPr/>
+        <p:txBody>
+          <a:bodyPr/>
+          <a:lstStyle/>
+          <a:p>
+            <a:fld id="{EF8A6B0B-A5FB-4629-B823-69B1A9EB3A43}" type="slidenum">
+              <a:rPr lang="zh-TW" altLang="en-US" smtClean="0"/>
+              <a:t>33</a:t>
+            </a:fld>
+            <a:endParaRPr lang="zh-TW" altLang="en-US"/>
+          </a:p>
+        </p:txBody>
+      </p:sp>
+    </p:spTree>
+    <p:extLst>
+      <p:ext uri="{BB962C8B-B14F-4D97-AF65-F5344CB8AC3E}">
+        <p14:creationId xmlns:p14="http://schemas.microsoft.com/office/powerpoint/2010/main" val="1813557240"/>
+      </p:ext>
+    </p:extLst>
+  </p:cSld>
+  <p:clrMapOvr>
+    <a:masterClrMapping/>
+  </p:clrMapOvr>
+</p:notes>
+</file>
+
+<file path=ppt/notesSlides/notesSlide16.xml><?xml version="1.0" encoding="utf-8"?>
+<p:notes xmlns:a="http://schemas.openxmlformats.org/drawingml/2006/main" xmlns:r="http://schemas.openxmlformats.org/officeDocument/2006/relationships" xmlns:p="http://schemas.openxmlformats.org/presentationml/2006/main">
+  <p:cSld>
+    <p:spTree>
+      <p:nvGrpSpPr>
+        <p:cNvPr id="1" name=""/>
+        <p:cNvGrpSpPr/>
+        <p:nvPr/>
+      </p:nvGrpSpPr>
+      <p:grpSpPr>
+        <a:xfrm>
+          <a:off x="0" y="0"/>
+          <a:ext cx="0" cy="0"/>
+          <a:chOff x="0" y="0"/>
+          <a:chExt cx="0" cy="0"/>
+        </a:xfrm>
+      </p:grpSpPr>
+      <p:sp>
+        <p:nvSpPr>
+          <p:cNvPr id="2" name="投影片圖像版面配置區 1"/>
+          <p:cNvSpPr>
+            <a:spLocks noGrp="1" noRot="1" noChangeAspect="1"/>
+          </p:cNvSpPr>
+          <p:nvPr>
+            <p:ph type="sldImg"/>
+          </p:nvPr>
+        </p:nvSpPr>
+        <p:spPr/>
+      </p:sp>
+      <p:sp>
+        <p:nvSpPr>
+          <p:cNvPr id="3" name="備忘稿版面配置區 2"/>
+          <p:cNvSpPr>
+            <a:spLocks noGrp="1"/>
+          </p:cNvSpPr>
+          <p:nvPr>
+            <p:ph type="body" idx="1"/>
+          </p:nvPr>
+        </p:nvSpPr>
+        <p:spPr/>
+        <p:txBody>
+          <a:bodyPr/>
+          <a:lstStyle/>
+          <a:p>
+            <a:endParaRPr lang="zh-TW" altLang="en-US" dirty="0"/>
+          </a:p>
+        </p:txBody>
+      </p:sp>
+      <p:sp>
+        <p:nvSpPr>
+          <p:cNvPr id="4" name="投影片編號版面配置區 3"/>
+          <p:cNvSpPr>
+            <a:spLocks noGrp="1"/>
+          </p:cNvSpPr>
+          <p:nvPr>
+            <p:ph type="sldNum" sz="quarter" idx="10"/>
+          </p:nvPr>
+        </p:nvSpPr>
+        <p:spPr/>
+        <p:txBody>
+          <a:bodyPr/>
+          <a:lstStyle/>
+          <a:p>
+            <a:fld id="{EF8A6B0B-A5FB-4629-B823-69B1A9EB3A43}" type="slidenum">
+              <a:rPr lang="zh-TW" altLang="en-US" smtClean="0"/>
+              <a:t>34</a:t>
+            </a:fld>
+            <a:endParaRPr lang="zh-TW" altLang="en-US"/>
+          </a:p>
+        </p:txBody>
+      </p:sp>
+    </p:spTree>
+    <p:extLst>
+      <p:ext uri="{BB962C8B-B14F-4D97-AF65-F5344CB8AC3E}">
+        <p14:creationId xmlns:p14="http://schemas.microsoft.com/office/powerpoint/2010/main" val="800052063"/>
+      </p:ext>
+    </p:extLst>
+  </p:cSld>
+  <p:clrMapOvr>
+    <a:masterClrMapping/>
+  </p:clrMapOvr>
+</p:notes>
+</file>
+
+<file path=ppt/notesSlides/notesSlide17.xml><?xml version="1.0" encoding="utf-8"?>
+<p:notes xmlns:a="http://schemas.openxmlformats.org/drawingml/2006/main" xmlns:r="http://schemas.openxmlformats.org/officeDocument/2006/relationships" xmlns:p="http://schemas.openxmlformats.org/presentationml/2006/main">
+  <p:cSld>
+    <p:spTree>
+      <p:nvGrpSpPr>
+        <p:cNvPr id="1" name=""/>
+        <p:cNvGrpSpPr/>
+        <p:nvPr/>
+      </p:nvGrpSpPr>
+      <p:grpSpPr>
+        <a:xfrm>
+          <a:off x="0" y="0"/>
+          <a:ext cx="0" cy="0"/>
+          <a:chOff x="0" y="0"/>
+          <a:chExt cx="0" cy="0"/>
+        </a:xfrm>
+      </p:grpSpPr>
+      <p:sp>
+        <p:nvSpPr>
+          <p:cNvPr id="2" name="投影片圖像版面配置區 1"/>
+          <p:cNvSpPr>
+            <a:spLocks noGrp="1" noRot="1" noChangeAspect="1"/>
+          </p:cNvSpPr>
+          <p:nvPr>
+            <p:ph type="sldImg"/>
+          </p:nvPr>
+        </p:nvSpPr>
+        <p:spPr/>
+      </p:sp>
+      <p:sp>
+        <p:nvSpPr>
+          <p:cNvPr id="3" name="備忘稿版面配置區 2"/>
+          <p:cNvSpPr>
+            <a:spLocks noGrp="1"/>
+          </p:cNvSpPr>
+          <p:nvPr>
+            <p:ph type="body" idx="1"/>
+          </p:nvPr>
+        </p:nvSpPr>
+        <p:spPr/>
+        <p:txBody>
+          <a:bodyPr/>
+          <a:lstStyle/>
+          <a:p>
+            <a:endParaRPr lang="zh-TW" altLang="en-US" dirty="0"/>
+          </a:p>
+        </p:txBody>
+      </p:sp>
+      <p:sp>
+        <p:nvSpPr>
+          <p:cNvPr id="4" name="投影片編號版面配置區 3"/>
+          <p:cNvSpPr>
+            <a:spLocks noGrp="1"/>
+          </p:cNvSpPr>
+          <p:nvPr>
+            <p:ph type="sldNum" sz="quarter" idx="10"/>
+          </p:nvPr>
+        </p:nvSpPr>
+        <p:spPr/>
+        <p:txBody>
+          <a:bodyPr/>
+          <a:lstStyle/>
+          <a:p>
+            <a:fld id="{EF8A6B0B-A5FB-4629-B823-69B1A9EB3A43}" type="slidenum">
+              <a:rPr lang="zh-TW" altLang="en-US" smtClean="0"/>
+              <a:t>35</a:t>
+            </a:fld>
+            <a:endParaRPr lang="zh-TW" altLang="en-US"/>
+          </a:p>
+        </p:txBody>
+      </p:sp>
+    </p:spTree>
+    <p:extLst>
+      <p:ext uri="{BB962C8B-B14F-4D97-AF65-F5344CB8AC3E}">
+        <p14:creationId xmlns:p14="http://schemas.microsoft.com/office/powerpoint/2010/main" val="702336876"/>
+      </p:ext>
+    </p:extLst>
+  </p:cSld>
+  <p:clrMapOvr>
+    <a:masterClrMapping/>
+  </p:clrMapOvr>
+</p:notes>
+</file>
+
+<file path=ppt/notesSlides/notesSlide18.xml><?xml version="1.0" encoding="utf-8"?>
+<p:notes xmlns:a="http://schemas.openxmlformats.org/drawingml/2006/main" xmlns:r="http://schemas.openxmlformats.org/officeDocument/2006/relationships" xmlns:p="http://schemas.openxmlformats.org/presentationml/2006/main">
+  <p:cSld>
+    <p:spTree>
+      <p:nvGrpSpPr>
+        <p:cNvPr id="1" name=""/>
+        <p:cNvGrpSpPr/>
+        <p:nvPr/>
+      </p:nvGrpSpPr>
+      <p:grpSpPr>
+        <a:xfrm>
+          <a:off x="0" y="0"/>
+          <a:ext cx="0" cy="0"/>
+          <a:chOff x="0" y="0"/>
+          <a:chExt cx="0" cy="0"/>
+        </a:xfrm>
+      </p:grpSpPr>
+      <p:sp>
+        <p:nvSpPr>
+          <p:cNvPr id="2" name="投影片圖像版面配置區 1"/>
+          <p:cNvSpPr>
+            <a:spLocks noGrp="1" noRot="1" noChangeAspect="1"/>
+          </p:cNvSpPr>
+          <p:nvPr>
+            <p:ph type="sldImg"/>
+          </p:nvPr>
+        </p:nvSpPr>
+        <p:spPr/>
+      </p:sp>
+      <p:sp>
+        <p:nvSpPr>
+          <p:cNvPr id="3" name="備忘稿版面配置區 2"/>
+          <p:cNvSpPr>
+            <a:spLocks noGrp="1"/>
+          </p:cNvSpPr>
+          <p:nvPr>
+            <p:ph type="body" idx="1"/>
+          </p:nvPr>
+        </p:nvSpPr>
+        <p:spPr/>
+        <p:txBody>
+          <a:bodyPr/>
+          <a:lstStyle/>
+          <a:p>
+            <a:endParaRPr lang="zh-TW" altLang="en-US" dirty="0"/>
+          </a:p>
+        </p:txBody>
+      </p:sp>
+      <p:sp>
+        <p:nvSpPr>
+          <p:cNvPr id="4" name="投影片編號版面配置區 3"/>
+          <p:cNvSpPr>
+            <a:spLocks noGrp="1"/>
+          </p:cNvSpPr>
+          <p:nvPr>
+            <p:ph type="sldNum" sz="quarter" idx="10"/>
+          </p:nvPr>
+        </p:nvSpPr>
+        <p:spPr/>
+        <p:txBody>
+          <a:bodyPr/>
+          <a:lstStyle/>
+          <a:p>
+            <a:fld id="{EF8A6B0B-A5FB-4629-B823-69B1A9EB3A43}" type="slidenum">
+              <a:rPr lang="zh-TW" altLang="en-US" smtClean="0"/>
+              <a:t>36</a:t>
+            </a:fld>
+            <a:endParaRPr lang="zh-TW" altLang="en-US"/>
+          </a:p>
+        </p:txBody>
+      </p:sp>
+    </p:spTree>
+    <p:extLst>
+      <p:ext uri="{BB962C8B-B14F-4D97-AF65-F5344CB8AC3E}">
+        <p14:creationId xmlns:p14="http://schemas.microsoft.com/office/powerpoint/2010/main" val="2292930631"/>
       </p:ext>
     </p:extLst>
   </p:cSld>
@@ -1357,7 +1710,7 @@
           <a:p>
             <a:fld id="{EF8A6B0B-A5FB-4629-B823-69B1A9EB3A43}" type="slidenum">
               <a:rPr lang="zh-TW" altLang="en-US" smtClean="0"/>
-              <a:t>4</a:t>
+              <a:t>5</a:t>
             </a:fld>
             <a:endParaRPr lang="zh-TW" altLang="en-US"/>
           </a:p>
@@ -1777,7 +2130,7 @@
           <a:p>
             <a:fld id="{EF8A6B0B-A5FB-4629-B823-69B1A9EB3A43}" type="slidenum">
               <a:rPr lang="zh-TW" altLang="en-US" smtClean="0"/>
-              <a:t>24</a:t>
+              <a:t>25</a:t>
             </a:fld>
             <a:endParaRPr lang="zh-TW" altLang="en-US"/>
           </a:p>
@@ -1861,7 +2214,7 @@
           <a:p>
             <a:fld id="{EF8A6B0B-A5FB-4629-B823-69B1A9EB3A43}" type="slidenum">
               <a:rPr lang="zh-TW" altLang="en-US" smtClean="0"/>
-              <a:t>25</a:t>
+              <a:t>26</a:t>
             </a:fld>
             <a:endParaRPr lang="zh-TW" altLang="en-US"/>
           </a:p>
@@ -1945,7 +2298,7 @@
           <a:p>
             <a:fld id="{EF8A6B0B-A5FB-4629-B823-69B1A9EB3A43}" type="slidenum">
               <a:rPr lang="zh-TW" altLang="en-US" smtClean="0"/>
-              <a:t>26</a:t>
+              <a:t>27</a:t>
             </a:fld>
             <a:endParaRPr lang="zh-TW" altLang="en-US"/>
           </a:p>
@@ -1954,7 +2307,7 @@
     </p:spTree>
     <p:extLst>
       <p:ext uri="{BB962C8B-B14F-4D97-AF65-F5344CB8AC3E}">
-        <p14:creationId xmlns:p14="http://schemas.microsoft.com/office/powerpoint/2010/main" val="1813557240"/>
+        <p14:creationId xmlns:p14="http://schemas.microsoft.com/office/powerpoint/2010/main" val="2357847725"/>
       </p:ext>
     </p:extLst>
   </p:cSld>
@@ -2098,7 +2451,7 @@
           <a:p>
             <a:fld id="{0C0CC965-A63A-473D-BEFB-C8F9714D5269}" type="datetimeFigureOut">
               <a:rPr lang="zh-TW" altLang="en-US" smtClean="0"/>
-              <a:t>2023/6/3</a:t>
+              <a:t>2023/6/6</a:t>
             </a:fld>
             <a:endParaRPr lang="zh-TW" altLang="en-US"/>
           </a:p>
@@ -2266,7 +2619,7 @@
           <a:p>
             <a:fld id="{0C0CC965-A63A-473D-BEFB-C8F9714D5269}" type="datetimeFigureOut">
               <a:rPr lang="zh-TW" altLang="en-US" smtClean="0"/>
-              <a:t>2023/6/3</a:t>
+              <a:t>2023/6/6</a:t>
             </a:fld>
             <a:endParaRPr lang="zh-TW" altLang="en-US"/>
           </a:p>
@@ -2444,7 +2797,7 @@
           <a:p>
             <a:fld id="{0C0CC965-A63A-473D-BEFB-C8F9714D5269}" type="datetimeFigureOut">
               <a:rPr lang="zh-TW" altLang="en-US" smtClean="0"/>
-              <a:t>2023/6/3</a:t>
+              <a:t>2023/6/6</a:t>
             </a:fld>
             <a:endParaRPr lang="zh-TW" altLang="en-US"/>
           </a:p>
@@ -2666,7 +3019,7 @@
           <a:p>
             <a:fld id="{0C0CC965-A63A-473D-BEFB-C8F9714D5269}" type="datetimeFigureOut">
               <a:rPr lang="zh-TW" altLang="en-US" smtClean="0"/>
-              <a:t>2023/6/3</a:t>
+              <a:t>2023/6/6</a:t>
             </a:fld>
             <a:endParaRPr lang="zh-TW" altLang="en-US"/>
           </a:p>
@@ -2861,7 +3214,7 @@
           <a:p>
             <a:fld id="{0C0CC965-A63A-473D-BEFB-C8F9714D5269}" type="datetimeFigureOut">
               <a:rPr lang="zh-TW" altLang="en-US" smtClean="0"/>
-              <a:t>2023/6/3</a:t>
+              <a:t>2023/6/6</a:t>
             </a:fld>
             <a:endParaRPr lang="zh-TW" altLang="en-US"/>
           </a:p>
@@ -3106,7 +3459,7 @@
           <a:p>
             <a:fld id="{0C0CC965-A63A-473D-BEFB-C8F9714D5269}" type="datetimeFigureOut">
               <a:rPr lang="zh-TW" altLang="en-US" smtClean="0"/>
-              <a:t>2023/6/3</a:t>
+              <a:t>2023/6/6</a:t>
             </a:fld>
             <a:endParaRPr lang="zh-TW" altLang="en-US"/>
           </a:p>
@@ -3335,7 +3688,7 @@
           <a:p>
             <a:fld id="{0C0CC965-A63A-473D-BEFB-C8F9714D5269}" type="datetimeFigureOut">
               <a:rPr lang="zh-TW" altLang="en-US" smtClean="0"/>
-              <a:t>2023/6/3</a:t>
+              <a:t>2023/6/6</a:t>
             </a:fld>
             <a:endParaRPr lang="zh-TW" altLang="en-US"/>
           </a:p>
@@ -3699,7 +4052,7 @@
           <a:p>
             <a:fld id="{0C0CC965-A63A-473D-BEFB-C8F9714D5269}" type="datetimeFigureOut">
               <a:rPr lang="zh-TW" altLang="en-US" smtClean="0"/>
-              <a:t>2023/6/3</a:t>
+              <a:t>2023/6/6</a:t>
             </a:fld>
             <a:endParaRPr lang="zh-TW" altLang="en-US"/>
           </a:p>
@@ -3816,7 +4169,7 @@
           <a:p>
             <a:fld id="{0C0CC965-A63A-473D-BEFB-C8F9714D5269}" type="datetimeFigureOut">
               <a:rPr lang="zh-TW" altLang="en-US" smtClean="0"/>
-              <a:t>2023/6/3</a:t>
+              <a:t>2023/6/6</a:t>
             </a:fld>
             <a:endParaRPr lang="zh-TW" altLang="en-US"/>
           </a:p>
@@ -3911,7 +4264,7 @@
           <a:p>
             <a:fld id="{0C0CC965-A63A-473D-BEFB-C8F9714D5269}" type="datetimeFigureOut">
               <a:rPr lang="zh-TW" altLang="en-US" smtClean="0"/>
-              <a:t>2023/6/3</a:t>
+              <a:t>2023/6/6</a:t>
             </a:fld>
             <a:endParaRPr lang="zh-TW" altLang="en-US"/>
           </a:p>
@@ -4186,7 +4539,7 @@
           <a:p>
             <a:fld id="{0C0CC965-A63A-473D-BEFB-C8F9714D5269}" type="datetimeFigureOut">
               <a:rPr lang="zh-TW" altLang="en-US" smtClean="0"/>
-              <a:t>2023/6/3</a:t>
+              <a:t>2023/6/6</a:t>
             </a:fld>
             <a:endParaRPr lang="zh-TW" altLang="en-US"/>
           </a:p>
@@ -4438,7 +4791,7 @@
           <a:p>
             <a:fld id="{0C0CC965-A63A-473D-BEFB-C8F9714D5269}" type="datetimeFigureOut">
               <a:rPr lang="zh-TW" altLang="en-US" smtClean="0"/>
-              <a:t>2023/6/3</a:t>
+              <a:t>2023/6/6</a:t>
             </a:fld>
             <a:endParaRPr lang="zh-TW" altLang="en-US"/>
           </a:p>
@@ -4652,7 +5005,7 @@
             <a:fld id="{0C0CC965-A63A-473D-BEFB-C8F9714D5269}" type="datetimeFigureOut">
               <a:rPr lang="zh-TW" altLang="en-US" smtClean="0"/>
               <a:pPr/>
-              <a:t>2023/6/3</a:t>
+              <a:t>2023/6/6</a:t>
             </a:fld>
             <a:endParaRPr lang="zh-TW" altLang="en-US"/>
           </a:p>
@@ -5255,7 +5608,7 @@
             </a:r>
             <a:r>
               <a:rPr lang="en-US" altLang="zh-TW" dirty="0"/>
-              <a:t>2023/6/14</a:t>
+              <a:t>2023/6/8</a:t>
             </a:r>
           </a:p>
           <a:p>
@@ -5265,7 +5618,7 @@
             </a:r>
             <a:r>
               <a:rPr lang="en-US" altLang="zh-TW" dirty="0"/>
-              <a:t>2023/6/7</a:t>
+              <a:t>2023/6/1</a:t>
             </a:r>
           </a:p>
           <a:p>
@@ -5299,6 +5652,276 @@
 </file>
 
 <file path=ppt/slides/slide10.xml><?xml version="1.0" encoding="utf-8"?>
+<p:sld xmlns:a="http://schemas.openxmlformats.org/drawingml/2006/main" xmlns:r="http://schemas.openxmlformats.org/officeDocument/2006/relationships" xmlns:p="http://schemas.openxmlformats.org/presentationml/2006/main">
+  <p:cSld>
+    <p:spTree>
+      <p:nvGrpSpPr>
+        <p:cNvPr id="1" name=""/>
+        <p:cNvGrpSpPr/>
+        <p:nvPr/>
+      </p:nvGrpSpPr>
+      <p:grpSpPr>
+        <a:xfrm>
+          <a:off x="0" y="0"/>
+          <a:ext cx="0" cy="0"/>
+          <a:chOff x="0" y="0"/>
+          <a:chExt cx="0" cy="0"/>
+        </a:xfrm>
+      </p:grpSpPr>
+      <p:sp>
+        <p:nvSpPr>
+          <p:cNvPr id="4" name="標題 3"/>
+          <p:cNvSpPr>
+            <a:spLocks noGrp="1"/>
+          </p:cNvSpPr>
+          <p:nvPr>
+            <p:ph type="title"/>
+          </p:nvPr>
+        </p:nvSpPr>
+        <p:spPr/>
+        <p:txBody>
+          <a:bodyPr>
+            <a:normAutofit/>
+          </a:bodyPr>
+          <a:lstStyle/>
+          <a:p>
+            <a:r>
+              <a:rPr lang="zh-TW" altLang="en-US" dirty="0"/>
+              <a:t>系統分析 </a:t>
+            </a:r>
+            <a:r>
+              <a:rPr lang="en-US" altLang="zh-TW" dirty="0"/>
+              <a:t>–</a:t>
+            </a:r>
+            <a:r>
+              <a:rPr lang="zh-TW" altLang="en-US" dirty="0"/>
+              <a:t> </a:t>
+            </a:r>
+            <a:r>
+              <a:rPr lang="en-US" altLang="zh-TW" dirty="0"/>
+              <a:t>Gaussian</a:t>
+            </a:r>
+            <a:r>
+              <a:rPr lang="en-US" altLang="zh-TW" sz="4400" dirty="0">
+                <a:latin typeface="Times New Roman" panose="02020603050405020304" pitchFamily="18" charset="0"/>
+                <a:ea typeface="標楷體" panose="03000509000000000000" pitchFamily="65" charset="-120"/>
+              </a:rPr>
+              <a:t> filter </a:t>
+            </a:r>
+            <a:r>
+              <a:rPr lang="en-US" altLang="zh-TW" dirty="0"/>
+              <a:t>(2023/6/1</a:t>
+            </a:r>
+            <a:r>
+              <a:rPr lang="zh-TW" altLang="en-US" dirty="0"/>
+              <a:t>更新</a:t>
+            </a:r>
+            <a:r>
+              <a:rPr lang="en-US" altLang="zh-TW" dirty="0"/>
+              <a:t>)</a:t>
+            </a:r>
+            <a:endParaRPr lang="zh-TW" altLang="en-US" dirty="0"/>
+          </a:p>
+        </p:txBody>
+      </p:sp>
+      <p:sp>
+        <p:nvSpPr>
+          <p:cNvPr id="5" name="文字方塊 4">
+            <a:extLst>
+              <a:ext uri="{FF2B5EF4-FFF2-40B4-BE49-F238E27FC236}">
+                <a16:creationId xmlns:a16="http://schemas.microsoft.com/office/drawing/2014/main" id="{1305ED3A-520E-4115-889C-3403FD309DDE}"/>
+              </a:ext>
+            </a:extLst>
+          </p:cNvPr>
+          <p:cNvSpPr txBox="1"/>
+          <p:nvPr/>
+        </p:nvSpPr>
+        <p:spPr>
+          <a:xfrm>
+            <a:off x="1247784" y="1798791"/>
+            <a:ext cx="6977848" cy="369332"/>
+          </a:xfrm>
+          <a:prstGeom prst="rect">
+            <a:avLst/>
+          </a:prstGeom>
+          <a:noFill/>
+        </p:spPr>
+        <p:txBody>
+          <a:bodyPr wrap="square" rtlCol="0">
+            <a:spAutoFit/>
+          </a:bodyPr>
+          <a:lstStyle/>
+          <a:p>
+            <a:pPr marL="1200150" lvl="2" indent="-285750">
+              <a:buFont typeface="Arial" panose="020B0604020202020204" pitchFamily="34" charset="0"/>
+              <a:buChar char="•"/>
+            </a:pPr>
+            <a:r>
+              <a:rPr lang="zh-TW" altLang="en-US" dirty="0">
+                <a:latin typeface="標楷體" panose="03000509000000000000" pitchFamily="65" charset="-120"/>
+                <a:ea typeface="標楷體" panose="03000509000000000000" pitchFamily="65" charset="-120"/>
+              </a:rPr>
+              <a:t>高斯模糊</a:t>
+            </a:r>
+            <a:r>
+              <a:rPr lang="en-US" altLang="zh-TW" dirty="0">
+                <a:latin typeface="標楷體" panose="03000509000000000000" pitchFamily="65" charset="-120"/>
+                <a:ea typeface="標楷體" panose="03000509000000000000" pitchFamily="65" charset="-120"/>
+              </a:rPr>
+              <a:t>	</a:t>
+            </a:r>
+            <a:endParaRPr lang="zh-TW" altLang="en-US" dirty="0">
+              <a:latin typeface="標楷體" panose="03000509000000000000" pitchFamily="65" charset="-120"/>
+              <a:ea typeface="標楷體" panose="03000509000000000000" pitchFamily="65" charset="-120"/>
+            </a:endParaRPr>
+          </a:p>
+        </p:txBody>
+      </p:sp>
+      <p:pic>
+        <p:nvPicPr>
+          <p:cNvPr id="6" name="Picture 2">
+            <a:extLst>
+              <a:ext uri="{FF2B5EF4-FFF2-40B4-BE49-F238E27FC236}">
+                <a16:creationId xmlns:a16="http://schemas.microsoft.com/office/drawing/2014/main" id="{AD605B4F-C6D6-440D-948B-08BD1A4DEC54}"/>
+              </a:ext>
+            </a:extLst>
+          </p:cNvPr>
+          <p:cNvPicPr>
+            <a:picLocks noChangeAspect="1" noChangeArrowheads="1"/>
+          </p:cNvPicPr>
+          <p:nvPr/>
+        </p:nvPicPr>
+        <p:blipFill>
+          <a:blip r:embed="rId2" cstate="print">
+            <a:extLst>
+              <a:ext uri="{28A0092B-C50C-407E-A947-70E740481C1C}">
+                <a14:useLocalDpi xmlns:a14="http://schemas.microsoft.com/office/drawing/2010/main" val="0"/>
+              </a:ext>
+            </a:extLst>
+          </a:blip>
+          <a:srcRect/>
+          <a:stretch>
+            <a:fillRect/>
+          </a:stretch>
+        </p:blipFill>
+        <p:spPr bwMode="auto">
+          <a:xfrm>
+            <a:off x="2356614" y="2831910"/>
+            <a:ext cx="7478772" cy="2478997"/>
+          </a:xfrm>
+          <a:prstGeom prst="rect">
+            <a:avLst/>
+          </a:prstGeom>
+          <a:noFill/>
+          <a:extLst>
+            <a:ext uri="{909E8E84-426E-40DD-AFC4-6F175D3DCCD1}">
+              <a14:hiddenFill xmlns:a14="http://schemas.microsoft.com/office/drawing/2010/main">
+                <a:solidFill>
+                  <a:srgbClr val="FFFFFF"/>
+                </a:solidFill>
+              </a14:hiddenFill>
+            </a:ext>
+          </a:extLst>
+        </p:spPr>
+      </p:pic>
+      <p:sp>
+        <p:nvSpPr>
+          <p:cNvPr id="8" name="文字方塊 7">
+            <a:extLst>
+              <a:ext uri="{FF2B5EF4-FFF2-40B4-BE49-F238E27FC236}">
+                <a16:creationId xmlns:a16="http://schemas.microsoft.com/office/drawing/2014/main" id="{3CF59709-CBBE-4E9D-821B-C49663AC617F}"/>
+              </a:ext>
+            </a:extLst>
+          </p:cNvPr>
+          <p:cNvSpPr txBox="1"/>
+          <p:nvPr/>
+        </p:nvSpPr>
+        <p:spPr>
+          <a:xfrm>
+            <a:off x="6768484" y="1623468"/>
+            <a:ext cx="5012184" cy="646331"/>
+          </a:xfrm>
+          <a:prstGeom prst="rect">
+            <a:avLst/>
+          </a:prstGeom>
+          <a:noFill/>
+        </p:spPr>
+        <p:txBody>
+          <a:bodyPr wrap="square">
+            <a:spAutoFit/>
+          </a:bodyPr>
+          <a:lstStyle/>
+          <a:p>
+            <a:r>
+              <a:rPr lang="en-US" altLang="zh-TW" dirty="0">
+                <a:latin typeface="標楷體" panose="03000509000000000000" pitchFamily="65" charset="-120"/>
+                <a:ea typeface="標楷體" panose="03000509000000000000" pitchFamily="65" charset="-120"/>
+              </a:rPr>
+              <a:t>--</a:t>
+            </a:r>
+            <a:r>
+              <a:rPr lang="zh-TW" altLang="en-US" dirty="0">
+                <a:latin typeface="標楷體" panose="03000509000000000000" pitchFamily="65" charset="-120"/>
+                <a:ea typeface="標楷體" panose="03000509000000000000" pitchFamily="65" charset="-120"/>
+              </a:rPr>
+              <a:t>雙邊濾波</a:t>
+            </a:r>
+            <a:r>
+              <a:rPr lang="en-US" altLang="zh-TW" dirty="0">
+                <a:latin typeface="標楷體" panose="03000509000000000000" pitchFamily="65" charset="-120"/>
+                <a:ea typeface="標楷體" panose="03000509000000000000" pitchFamily="65" charset="-120"/>
+              </a:rPr>
+              <a:t>: </a:t>
+            </a:r>
+            <a:r>
+              <a:rPr lang="zh-TW" altLang="en-US" dirty="0">
+                <a:latin typeface="標楷體" panose="03000509000000000000" pitchFamily="65" charset="-120"/>
+                <a:ea typeface="標楷體" panose="03000509000000000000" pitchFamily="65" charset="-120"/>
+              </a:rPr>
+              <a:t>且比較周圍像素灰階差</a:t>
+            </a:r>
+            <a:r>
+              <a:rPr lang="en-US" altLang="zh-TW" dirty="0">
+                <a:latin typeface="標楷體" panose="03000509000000000000" pitchFamily="65" charset="-120"/>
+                <a:ea typeface="標楷體" panose="03000509000000000000" pitchFamily="65" charset="-120"/>
+              </a:rPr>
+              <a:t>(</a:t>
+            </a:r>
+            <a:r>
+              <a:rPr lang="zh-TW" altLang="en-US" dirty="0">
+                <a:latin typeface="標楷體" panose="03000509000000000000" pitchFamily="65" charset="-120"/>
+                <a:ea typeface="標楷體" panose="03000509000000000000" pitchFamily="65" charset="-120"/>
+              </a:rPr>
+              <a:t>值域，每個像素點對周圍的灰階差都不同，事後歸一化</a:t>
+            </a:r>
+            <a:r>
+              <a:rPr lang="en-US" altLang="zh-TW" dirty="0">
+                <a:latin typeface="標楷體" panose="03000509000000000000" pitchFamily="65" charset="-120"/>
+                <a:ea typeface="標楷體" panose="03000509000000000000" pitchFamily="65" charset="-120"/>
+              </a:rPr>
+              <a:t>)</a:t>
+            </a:r>
+            <a:endParaRPr lang="zh-TW" altLang="en-US" dirty="0">
+              <a:latin typeface="標楷體" panose="03000509000000000000" pitchFamily="65" charset="-120"/>
+              <a:ea typeface="標楷體" panose="03000509000000000000" pitchFamily="65" charset="-120"/>
+            </a:endParaRPr>
+          </a:p>
+        </p:txBody>
+      </p:sp>
+    </p:spTree>
+    <p:extLst>
+      <p:ext uri="{BB962C8B-B14F-4D97-AF65-F5344CB8AC3E}">
+        <p14:creationId xmlns:p14="http://schemas.microsoft.com/office/powerpoint/2010/main" val="3783060991"/>
+      </p:ext>
+    </p:extLst>
+  </p:cSld>
+  <p:clrMapOvr>
+    <a:masterClrMapping/>
+  </p:clrMapOvr>
+</p:sld>
+</file>
+
+<file path=ppt/slides/slide11.xml><?xml version="1.0" encoding="utf-8"?>
 <p:sld xmlns:a="http://schemas.openxmlformats.org/drawingml/2006/main" xmlns:r="http://schemas.openxmlformats.org/officeDocument/2006/relationships" xmlns:p="http://schemas.openxmlformats.org/presentationml/2006/main">
   <p:cSld>
     <p:spTree>
@@ -5584,7 +6207,7 @@
 </p:sld>
 </file>
 
-<file path=ppt/slides/slide11.xml><?xml version="1.0" encoding="utf-8"?>
+<file path=ppt/slides/slide12.xml><?xml version="1.0" encoding="utf-8"?>
 <p:sld xmlns:a="http://schemas.openxmlformats.org/drawingml/2006/main" xmlns:r="http://schemas.openxmlformats.org/officeDocument/2006/relationships" xmlns:p="http://schemas.openxmlformats.org/presentationml/2006/main">
   <p:cSld>
     <p:spTree>
@@ -5653,53 +6276,6 @@
           </a:p>
         </p:txBody>
       </p:sp>
-      <p:pic>
-        <p:nvPicPr>
-          <p:cNvPr id="3074" name="Picture 2">
-            <a:extLst>
-              <a:ext uri="{FF2B5EF4-FFF2-40B4-BE49-F238E27FC236}">
-                <a16:creationId xmlns:a16="http://schemas.microsoft.com/office/drawing/2014/main" id="{A379D0A2-0601-43F5-8FB8-F5CCFC08C6E5}"/>
-              </a:ext>
-            </a:extLst>
-          </p:cNvPr>
-          <p:cNvPicPr>
-            <a:picLocks noChangeAspect="1" noChangeArrowheads="1"/>
-          </p:cNvPicPr>
-          <p:nvPr/>
-        </p:nvPicPr>
-        <p:blipFill>
-          <a:blip r:embed="rId2" cstate="print">
-            <a:extLst>
-              <a:ext uri="{28A0092B-C50C-407E-A947-70E740481C1C}">
-                <a14:useLocalDpi xmlns:a14="http://schemas.microsoft.com/office/drawing/2010/main" val="0"/>
-              </a:ext>
-            </a:extLst>
-          </a:blip>
-          <a:srcRect/>
-          <a:stretch>
-            <a:fillRect/>
-          </a:stretch>
-        </p:blipFill>
-        <p:spPr bwMode="auto">
-          <a:xfrm>
-            <a:off x="1471371" y="1933138"/>
-            <a:ext cx="9249255" cy="2548908"/>
-          </a:xfrm>
-          <a:prstGeom prst="rect">
-            <a:avLst/>
-          </a:prstGeom>
-          <a:noFill/>
-          <a:extLst>
-            <a:ext uri="{909E8E84-426E-40DD-AFC4-6F175D3DCCD1}">
-              <a14:hiddenFill xmlns:a14="http://schemas.microsoft.com/office/drawing/2010/main">
-                <a:solidFill>
-                  <a:srgbClr val="FFFFFF"/>
-                </a:solidFill>
-              </a14:hiddenFill>
-            </a:ext>
-          </a:extLst>
-        </p:spPr>
-      </p:pic>
       <p:sp>
         <p:nvSpPr>
           <p:cNvPr id="5" name="文字方塊 4">
@@ -5820,7 +6396,7 @@
           <p:nvPr/>
         </p:nvPicPr>
         <p:blipFill>
-          <a:blip r:embed="rId3" cstate="print">
+          <a:blip r:embed="rId2" cstate="print">
             <a:extLst>
               <a:ext uri="{28A0092B-C50C-407E-A947-70E740481C1C}">
                 <a14:useLocalDpi xmlns:a14="http://schemas.microsoft.com/office/drawing/2010/main" val="0"/>
@@ -5852,6 +6428,53 @@
           </a:extLst>
         </p:spPr>
       </p:pic>
+      <p:pic>
+        <p:nvPicPr>
+          <p:cNvPr id="2" name="Picture 2">
+            <a:extLst>
+              <a:ext uri="{FF2B5EF4-FFF2-40B4-BE49-F238E27FC236}">
+                <a16:creationId xmlns:a16="http://schemas.microsoft.com/office/drawing/2014/main" id="{A14152A5-0F1B-4DA7-B066-32545C1210A6}"/>
+              </a:ext>
+            </a:extLst>
+          </p:cNvPr>
+          <p:cNvPicPr>
+            <a:picLocks noChangeAspect="1" noChangeArrowheads="1"/>
+          </p:cNvPicPr>
+          <p:nvPr/>
+        </p:nvPicPr>
+        <p:blipFill>
+          <a:blip r:embed="rId3" cstate="print">
+            <a:extLst>
+              <a:ext uri="{28A0092B-C50C-407E-A947-70E740481C1C}">
+                <a14:useLocalDpi xmlns:a14="http://schemas.microsoft.com/office/drawing/2010/main" val="0"/>
+              </a:ext>
+            </a:extLst>
+          </a:blip>
+          <a:srcRect/>
+          <a:stretch>
+            <a:fillRect/>
+          </a:stretch>
+        </p:blipFill>
+        <p:spPr bwMode="auto">
+          <a:xfrm>
+            <a:off x="1877758" y="2007504"/>
+            <a:ext cx="8436483" cy="2328101"/>
+          </a:xfrm>
+          <a:prstGeom prst="rect">
+            <a:avLst/>
+          </a:prstGeom>
+          <a:noFill/>
+          <a:extLst>
+            <a:ext uri="{909E8E84-426E-40DD-AFC4-6F175D3DCCD1}">
+              <a14:hiddenFill xmlns:a14="http://schemas.microsoft.com/office/drawing/2010/main">
+                <a:solidFill>
+                  <a:srgbClr val="FFFFFF"/>
+                </a:solidFill>
+              </a14:hiddenFill>
+            </a:ext>
+          </a:extLst>
+        </p:spPr>
+      </p:pic>
     </p:spTree>
     <p:extLst>
       <p:ext uri="{BB962C8B-B14F-4D97-AF65-F5344CB8AC3E}">
@@ -5865,7 +6488,7 @@
 </p:sld>
 </file>
 
-<file path=ppt/slides/slide12.xml><?xml version="1.0" encoding="utf-8"?>
+<file path=ppt/slides/slide13.xml><?xml version="1.0" encoding="utf-8"?>
 <p:sld xmlns:a="http://schemas.openxmlformats.org/drawingml/2006/main" xmlns:r="http://schemas.openxmlformats.org/officeDocument/2006/relationships" xmlns:p="http://schemas.openxmlformats.org/presentationml/2006/main">
   <p:cSld>
     <p:spTree>
@@ -6121,7 +6744,7 @@
 </p:sld>
 </file>
 
-<file path=ppt/slides/slide13.xml><?xml version="1.0" encoding="utf-8"?>
+<file path=ppt/slides/slide14.xml><?xml version="1.0" encoding="utf-8"?>
 <p:sld xmlns:a="http://schemas.openxmlformats.org/drawingml/2006/main" xmlns:r="http://schemas.openxmlformats.org/officeDocument/2006/relationships" xmlns:p="http://schemas.openxmlformats.org/presentationml/2006/main">
   <p:cSld>
     <p:spTree>
@@ -6253,7 +6876,7 @@
 </p:sld>
 </file>
 
-<file path=ppt/slides/slide14.xml><?xml version="1.0" encoding="utf-8"?>
+<file path=ppt/slides/slide15.xml><?xml version="1.0" encoding="utf-8"?>
 <p:sld xmlns:a="http://schemas.openxmlformats.org/drawingml/2006/main" xmlns:r="http://schemas.openxmlformats.org/officeDocument/2006/relationships" xmlns:p="http://schemas.openxmlformats.org/presentationml/2006/main">
   <p:cSld>
     <p:spTree>
@@ -6381,7 +7004,7 @@
 </p:sld>
 </file>
 
-<file path=ppt/slides/slide15.xml><?xml version="1.0" encoding="utf-8"?>
+<file path=ppt/slides/slide16.xml><?xml version="1.0" encoding="utf-8"?>
 <p:sld xmlns:a="http://schemas.openxmlformats.org/drawingml/2006/main" xmlns:r="http://schemas.openxmlformats.org/officeDocument/2006/relationships" xmlns:p="http://schemas.openxmlformats.org/presentationml/2006/main">
   <p:cSld>
     <p:spTree>
@@ -7343,7 +7966,7 @@
 </p:sld>
 </file>
 
-<file path=ppt/slides/slide16.xml><?xml version="1.0" encoding="utf-8"?>
+<file path=ppt/slides/slide17.xml><?xml version="1.0" encoding="utf-8"?>
 <p:sld xmlns:a="http://schemas.openxmlformats.org/drawingml/2006/main" xmlns:r="http://schemas.openxmlformats.org/officeDocument/2006/relationships" xmlns:p="http://schemas.openxmlformats.org/presentationml/2006/main">
   <p:cSld>
     <p:spTree>
@@ -9083,376 +9706,6 @@
 </p:sld>
 </file>
 
-<file path=ppt/slides/slide17.xml><?xml version="1.0" encoding="utf-8"?>
-<p:sld xmlns:a="http://schemas.openxmlformats.org/drawingml/2006/main" xmlns:r="http://schemas.openxmlformats.org/officeDocument/2006/relationships" xmlns:p="http://schemas.openxmlformats.org/presentationml/2006/main">
-  <p:cSld>
-    <p:spTree>
-      <p:nvGrpSpPr>
-        <p:cNvPr id="1" name=""/>
-        <p:cNvGrpSpPr/>
-        <p:nvPr/>
-      </p:nvGrpSpPr>
-      <p:grpSpPr>
-        <a:xfrm>
-          <a:off x="0" y="0"/>
-          <a:ext cx="0" cy="0"/>
-          <a:chOff x="0" y="0"/>
-          <a:chExt cx="0" cy="0"/>
-        </a:xfrm>
-      </p:grpSpPr>
-      <p:sp>
-        <p:nvSpPr>
-          <p:cNvPr id="3" name="標題 2"/>
-          <p:cNvSpPr>
-            <a:spLocks noGrp="1"/>
-          </p:cNvSpPr>
-          <p:nvPr>
-            <p:ph type="title"/>
-          </p:nvPr>
-        </p:nvSpPr>
-        <p:spPr>
-          <a:xfrm>
-            <a:off x="838200" y="329614"/>
-            <a:ext cx="10515600" cy="720000"/>
-          </a:xfrm>
-        </p:spPr>
-        <p:txBody>
-          <a:bodyPr>
-            <a:normAutofit/>
-          </a:bodyPr>
-          <a:lstStyle/>
-          <a:p>
-            <a:r>
-              <a:rPr lang="zh-TW" altLang="en-US" sz="4000" dirty="0"/>
-              <a:t>專案架構圖 </a:t>
-            </a:r>
-            <a:r>
-              <a:rPr lang="en-US" altLang="zh-TW" sz="4000" dirty="0"/>
-              <a:t>–</a:t>
-            </a:r>
-            <a:r>
-              <a:rPr lang="zh-TW" altLang="en-US" sz="4000" dirty="0"/>
-              <a:t> </a:t>
-            </a:r>
-            <a:r>
-              <a:rPr lang="zh-TW" altLang="en-US" sz="4000" dirty="0">
-                <a:latin typeface="標楷體" panose="03000509000000000000" pitchFamily="65" charset="-120"/>
-                <a:ea typeface="標楷體" panose="03000509000000000000" pitchFamily="65" charset="-120"/>
-              </a:rPr>
-              <a:t>方塊圖</a:t>
-            </a:r>
-            <a:r>
-              <a:rPr lang="en-US" altLang="zh-TW" sz="4000" dirty="0"/>
-              <a:t>(2023/5/31</a:t>
-            </a:r>
-            <a:r>
-              <a:rPr lang="zh-TW" altLang="en-US" sz="4000" dirty="0"/>
-              <a:t>更新</a:t>
-            </a:r>
-            <a:r>
-              <a:rPr lang="en-US" altLang="zh-TW" sz="4000" dirty="0"/>
-              <a:t>)</a:t>
-            </a:r>
-            <a:endParaRPr lang="zh-TW" altLang="en-US" sz="4000" dirty="0"/>
-          </a:p>
-        </p:txBody>
-      </p:sp>
-      <p:sp>
-        <p:nvSpPr>
-          <p:cNvPr id="4" name="文字方塊 3">
-            <a:extLst>
-              <a:ext uri="{FF2B5EF4-FFF2-40B4-BE49-F238E27FC236}">
-                <a16:creationId xmlns:a16="http://schemas.microsoft.com/office/drawing/2014/main" id="{3B666394-AEC8-471C-8F95-8308C72E30DF}"/>
-              </a:ext>
-            </a:extLst>
-          </p:cNvPr>
-          <p:cNvSpPr txBox="1"/>
-          <p:nvPr/>
-        </p:nvSpPr>
-        <p:spPr>
-          <a:xfrm>
-            <a:off x="1624615" y="1379160"/>
-            <a:ext cx="3808520" cy="1569660"/>
-          </a:xfrm>
-          <a:prstGeom prst="rect">
-            <a:avLst/>
-          </a:prstGeom>
-          <a:noFill/>
-        </p:spPr>
-        <p:txBody>
-          <a:bodyPr wrap="square" rtlCol="0">
-            <a:spAutoFit/>
-          </a:bodyPr>
-          <a:lstStyle/>
-          <a:p>
-            <a:pPr marL="742950" lvl="1" indent="-285750">
-              <a:buFont typeface="Arial" panose="020B0604020202020204" pitchFamily="34" charset="0"/>
-              <a:buChar char="•"/>
-            </a:pPr>
-            <a:r>
-              <a:rPr lang="en-US" altLang="zh-TW" sz="1600" dirty="0">
-                <a:latin typeface="Times New Roman" panose="02020603050405020304" pitchFamily="18" charset="0"/>
-                <a:ea typeface="標楷體" panose="03000509000000000000" pitchFamily="65" charset="-120"/>
-              </a:rPr>
-              <a:t>RTL</a:t>
-            </a:r>
-          </a:p>
-          <a:p>
-            <a:pPr marL="1200150" lvl="2" indent="-285750">
-              <a:buFont typeface="Arial" panose="020B0604020202020204" pitchFamily="34" charset="0"/>
-              <a:buChar char="•"/>
-            </a:pPr>
-            <a:r>
-              <a:rPr lang="zh-TW" altLang="en-US" sz="1600" dirty="0">
-                <a:latin typeface="Times New Roman" panose="02020603050405020304" pitchFamily="18" charset="0"/>
-                <a:ea typeface="標楷體" panose="03000509000000000000" pitchFamily="65" charset="-120"/>
-              </a:rPr>
-              <a:t>除頻</a:t>
-            </a:r>
-            <a:endParaRPr lang="en-US" altLang="zh-TW" sz="1600" dirty="0">
-              <a:latin typeface="Times New Roman" panose="02020603050405020304" pitchFamily="18" charset="0"/>
-              <a:ea typeface="標楷體" panose="03000509000000000000" pitchFamily="65" charset="-120"/>
-            </a:endParaRPr>
-          </a:p>
-          <a:p>
-            <a:pPr marL="1200150" lvl="2" indent="-285750">
-              <a:buFont typeface="Arial" panose="020B0604020202020204" pitchFamily="34" charset="0"/>
-              <a:buChar char="•"/>
-            </a:pPr>
-            <a:r>
-              <a:rPr lang="en-US" altLang="zh-TW" sz="1600" dirty="0" err="1">
-                <a:latin typeface="Times New Roman" panose="02020603050405020304" pitchFamily="18" charset="0"/>
-                <a:ea typeface="標楷體" panose="03000509000000000000" pitchFamily="65" charset="-120"/>
-              </a:rPr>
-              <a:t>sync_pulse</a:t>
-            </a:r>
-            <a:endParaRPr lang="en-US" altLang="zh-TW" sz="1600" dirty="0">
-              <a:latin typeface="Times New Roman" panose="02020603050405020304" pitchFamily="18" charset="0"/>
-              <a:ea typeface="標楷體" panose="03000509000000000000" pitchFamily="65" charset="-120"/>
-            </a:endParaRPr>
-          </a:p>
-          <a:p>
-            <a:pPr marL="1200150" lvl="2" indent="-285750">
-              <a:buFont typeface="Arial" panose="020B0604020202020204" pitchFamily="34" charset="0"/>
-              <a:buChar char="•"/>
-            </a:pPr>
-            <a:r>
-              <a:rPr lang="en-US" altLang="zh-TW" sz="1600" dirty="0" err="1">
-                <a:latin typeface="Times New Roman" panose="02020603050405020304" pitchFamily="18" charset="0"/>
-                <a:ea typeface="標楷體" panose="03000509000000000000" pitchFamily="65" charset="-120"/>
-              </a:rPr>
-              <a:t>sync_to_count</a:t>
-            </a:r>
-            <a:endParaRPr lang="en-US" altLang="zh-TW" sz="1600" dirty="0">
-              <a:latin typeface="Times New Roman" panose="02020603050405020304" pitchFamily="18" charset="0"/>
-              <a:ea typeface="標楷體" panose="03000509000000000000" pitchFamily="65" charset="-120"/>
-            </a:endParaRPr>
-          </a:p>
-          <a:p>
-            <a:pPr marL="1200150" lvl="2" indent="-285750">
-              <a:buFont typeface="Arial" panose="020B0604020202020204" pitchFamily="34" charset="0"/>
-              <a:buChar char="•"/>
-            </a:pPr>
-            <a:r>
-              <a:rPr lang="en-US" altLang="zh-TW" sz="1600" dirty="0" err="1">
-                <a:latin typeface="Times New Roman" panose="02020603050405020304" pitchFamily="18" charset="0"/>
-                <a:ea typeface="標楷體" panose="03000509000000000000" pitchFamily="65" charset="-120"/>
-              </a:rPr>
-              <a:t>Bram_gary</a:t>
-            </a:r>
-            <a:r>
-              <a:rPr lang="en-US" altLang="zh-TW" sz="1600" dirty="0">
-                <a:latin typeface="Times New Roman" panose="02020603050405020304" pitchFamily="18" charset="0"/>
-                <a:ea typeface="標楷體" panose="03000509000000000000" pitchFamily="65" charset="-120"/>
-              </a:rPr>
-              <a:t> (.COE)</a:t>
-            </a:r>
-          </a:p>
-          <a:p>
-            <a:pPr marL="1200150" lvl="2" indent="-285750">
-              <a:buFont typeface="Arial" panose="020B0604020202020204" pitchFamily="34" charset="0"/>
-              <a:buChar char="•"/>
-            </a:pPr>
-            <a:r>
-              <a:rPr lang="en-US" altLang="zh-TW" sz="1600" dirty="0" err="1">
-                <a:latin typeface="Times New Roman" panose="02020603050405020304" pitchFamily="18" charset="0"/>
-                <a:ea typeface="標楷體" panose="03000509000000000000" pitchFamily="65" charset="-120"/>
-              </a:rPr>
-              <a:t>VGA_out</a:t>
-            </a:r>
-            <a:endParaRPr lang="en-US" altLang="zh-TW" sz="1600" dirty="0">
-              <a:latin typeface="Times New Roman" panose="02020603050405020304" pitchFamily="18" charset="0"/>
-              <a:ea typeface="標楷體" panose="03000509000000000000" pitchFamily="65" charset="-120"/>
-            </a:endParaRPr>
-          </a:p>
-        </p:txBody>
-      </p:sp>
-      <p:pic>
-        <p:nvPicPr>
-          <p:cNvPr id="8" name="圖片 7">
-            <a:extLst>
-              <a:ext uri="{FF2B5EF4-FFF2-40B4-BE49-F238E27FC236}">
-                <a16:creationId xmlns:a16="http://schemas.microsoft.com/office/drawing/2014/main" id="{0CE1B584-442C-4682-8203-BB033110CACE}"/>
-              </a:ext>
-            </a:extLst>
-          </p:cNvPr>
-          <p:cNvPicPr>
-            <a:picLocks noChangeAspect="1"/>
-          </p:cNvPicPr>
-          <p:nvPr/>
-        </p:nvPicPr>
-        <p:blipFill>
-          <a:blip r:embed="rId2"/>
-          <a:stretch>
-            <a:fillRect/>
-          </a:stretch>
-        </p:blipFill>
-        <p:spPr>
-          <a:xfrm rot="5400000" flipH="1">
-            <a:off x="172653" y="1849651"/>
-            <a:ext cx="162090" cy="468581"/>
-          </a:xfrm>
-          <a:prstGeom prst="rect">
-            <a:avLst/>
-          </a:prstGeom>
-        </p:spPr>
-      </p:pic>
-      <p:sp>
-        <p:nvSpPr>
-          <p:cNvPr id="7" name="文字方塊 6">
-            <a:extLst>
-              <a:ext uri="{FF2B5EF4-FFF2-40B4-BE49-F238E27FC236}">
-                <a16:creationId xmlns:a16="http://schemas.microsoft.com/office/drawing/2014/main" id="{6414C650-64EC-4B6F-8D8A-23165979C40A}"/>
-              </a:ext>
-            </a:extLst>
-          </p:cNvPr>
-          <p:cNvSpPr txBox="1"/>
-          <p:nvPr/>
-        </p:nvSpPr>
-        <p:spPr>
-          <a:xfrm>
-            <a:off x="3528875" y="1642385"/>
-            <a:ext cx="6094520" cy="1077218"/>
-          </a:xfrm>
-          <a:prstGeom prst="rect">
-            <a:avLst/>
-          </a:prstGeom>
-          <a:noFill/>
-        </p:spPr>
-        <p:txBody>
-          <a:bodyPr wrap="square">
-            <a:spAutoFit/>
-          </a:bodyPr>
-          <a:lstStyle/>
-          <a:p>
-            <a:pPr marL="1200150" lvl="2" indent="-285750">
-              <a:buFont typeface="Arial" panose="020B0604020202020204" pitchFamily="34" charset="0"/>
-              <a:buChar char="•"/>
-            </a:pPr>
-            <a:r>
-              <a:rPr lang="en-US" altLang="zh-TW" sz="1600" dirty="0" err="1">
-                <a:latin typeface="Times New Roman" panose="02020603050405020304" pitchFamily="18" charset="0"/>
-                <a:ea typeface="標楷體" panose="03000509000000000000" pitchFamily="65" charset="-120"/>
-              </a:rPr>
-              <a:t>GaussianFilter_warpper</a:t>
-            </a:r>
-            <a:endParaRPr lang="en-US" altLang="zh-TW" sz="1600" dirty="0">
-              <a:latin typeface="Times New Roman" panose="02020603050405020304" pitchFamily="18" charset="0"/>
-              <a:ea typeface="標楷體" panose="03000509000000000000" pitchFamily="65" charset="-120"/>
-            </a:endParaRPr>
-          </a:p>
-          <a:p>
-            <a:pPr marL="1657350" lvl="3" indent="-285750">
-              <a:buFont typeface="Arial" panose="020B0604020202020204" pitchFamily="34" charset="0"/>
-              <a:buChar char="•"/>
-            </a:pPr>
-            <a:r>
-              <a:rPr lang="en-US" altLang="zh-TW" sz="1600" dirty="0" err="1">
-                <a:latin typeface="Times New Roman" panose="02020603050405020304" pitchFamily="18" charset="0"/>
-                <a:ea typeface="標楷體" panose="03000509000000000000" pitchFamily="65" charset="-120"/>
-              </a:rPr>
-              <a:t>CacheSystem</a:t>
-            </a:r>
-            <a:endParaRPr lang="en-US" altLang="zh-TW" sz="1600" dirty="0">
-              <a:latin typeface="Times New Roman" panose="02020603050405020304" pitchFamily="18" charset="0"/>
-              <a:ea typeface="標楷體" panose="03000509000000000000" pitchFamily="65" charset="-120"/>
-            </a:endParaRPr>
-          </a:p>
-          <a:p>
-            <a:pPr marL="2114550" lvl="4" indent="-285750">
-              <a:buFont typeface="Arial" panose="020B0604020202020204" pitchFamily="34" charset="0"/>
-              <a:buChar char="•"/>
-            </a:pPr>
-            <a:r>
-              <a:rPr lang="en-US" altLang="zh-TW" sz="1600" dirty="0">
-                <a:latin typeface="Times New Roman" panose="02020603050405020304" pitchFamily="18" charset="0"/>
-                <a:ea typeface="標楷體" panose="03000509000000000000" pitchFamily="65" charset="-120"/>
-              </a:rPr>
-              <a:t>line buffer x3</a:t>
-            </a:r>
-          </a:p>
-          <a:p>
-            <a:pPr marL="1657350" lvl="3" indent="-285750">
-              <a:buFont typeface="Arial" panose="020B0604020202020204" pitchFamily="34" charset="0"/>
-              <a:buChar char="•"/>
-            </a:pPr>
-            <a:r>
-              <a:rPr lang="en-US" altLang="zh-TW" sz="1600" dirty="0" err="1">
-                <a:latin typeface="Times New Roman" panose="02020603050405020304" pitchFamily="18" charset="0"/>
-                <a:ea typeface="標楷體" panose="03000509000000000000" pitchFamily="65" charset="-120"/>
-              </a:rPr>
-              <a:t>GaussianFilter</a:t>
-            </a:r>
-            <a:endParaRPr lang="en-US" altLang="zh-TW" sz="1600" dirty="0">
-              <a:latin typeface="Times New Roman" panose="02020603050405020304" pitchFamily="18" charset="0"/>
-              <a:ea typeface="標楷體" panose="03000509000000000000" pitchFamily="65" charset="-120"/>
-            </a:endParaRPr>
-          </a:p>
-        </p:txBody>
-      </p:sp>
-      <p:pic>
-        <p:nvPicPr>
-          <p:cNvPr id="11" name="圖片 10">
-            <a:extLst>
-              <a:ext uri="{FF2B5EF4-FFF2-40B4-BE49-F238E27FC236}">
-                <a16:creationId xmlns:a16="http://schemas.microsoft.com/office/drawing/2014/main" id="{90329736-B7EA-4236-9954-8111364CC7DB}"/>
-              </a:ext>
-            </a:extLst>
-          </p:cNvPr>
-          <p:cNvPicPr>
-            <a:picLocks noChangeAspect="1"/>
-          </p:cNvPicPr>
-          <p:nvPr/>
-        </p:nvPicPr>
-        <p:blipFill>
-          <a:blip r:embed="rId3"/>
-          <a:stretch>
-            <a:fillRect/>
-          </a:stretch>
-        </p:blipFill>
-        <p:spPr>
-          <a:xfrm>
-            <a:off x="107642" y="3654326"/>
-            <a:ext cx="11976716" cy="1466925"/>
-          </a:xfrm>
-          <a:prstGeom prst="rect">
-            <a:avLst/>
-          </a:prstGeom>
-        </p:spPr>
-      </p:pic>
-    </p:spTree>
-    <p:extLst>
-      <p:ext uri="{BB962C8B-B14F-4D97-AF65-F5344CB8AC3E}">
-        <p14:creationId xmlns:p14="http://schemas.microsoft.com/office/powerpoint/2010/main" val="104349359"/>
-      </p:ext>
-    </p:extLst>
-  </p:cSld>
-  <p:clrMapOvr>
-    <a:masterClrMapping/>
-  </p:clrMapOvr>
-</p:sld>
-</file>
-
 <file path=ppt/slides/slide18.xml><?xml version="1.0" encoding="utf-8"?>
 <p:sld xmlns:a="http://schemas.openxmlformats.org/drawingml/2006/main" xmlns:r="http://schemas.openxmlformats.org/officeDocument/2006/relationships" xmlns:p="http://schemas.openxmlformats.org/presentationml/2006/main">
   <p:cSld>
@@ -9913,7 +10166,7 @@
             </a:r>
             <a:r>
               <a:rPr lang="en-US" altLang="zh-TW" sz="4000" dirty="0"/>
-              <a:t>(2023/6/1</a:t>
+              <a:t>(2023/6/3</a:t>
             </a:r>
             <a:r>
               <a:rPr lang="zh-TW" altLang="en-US" sz="4000" dirty="0"/>
@@ -9941,8 +10194,8 @@
         </p:nvSpPr>
         <p:spPr>
           <a:xfrm>
-            <a:off x="1624615" y="1379160"/>
-            <a:ext cx="3808520" cy="1569660"/>
+            <a:off x="1624615" y="1281502"/>
+            <a:ext cx="3808520" cy="1077218"/>
           </a:xfrm>
           <a:prstGeom prst="rect">
             <a:avLst/>
@@ -9990,16 +10243,12 @@
               <a:buChar char="•"/>
             </a:pPr>
             <a:r>
-              <a:rPr lang="en-US" altLang="zh-TW" sz="1600" dirty="0" err="1">
+              <a:rPr lang="en-US" altLang="zh-TW" sz="1600" dirty="0">
                 <a:latin typeface="Times New Roman" panose="02020603050405020304" pitchFamily="18" charset="0"/>
                 <a:ea typeface="標楷體" panose="03000509000000000000" pitchFamily="65" charset="-120"/>
               </a:rPr>
-              <a:t>sync_pulse</a:t>
-            </a:r>
-            <a:endParaRPr lang="en-US" altLang="zh-TW" sz="1600" dirty="0">
-              <a:latin typeface="Times New Roman" panose="02020603050405020304" pitchFamily="18" charset="0"/>
-              <a:ea typeface="標楷體" panose="03000509000000000000" pitchFamily="65" charset="-120"/>
-            </a:endParaRPr>
+              <a:t>Bram (.COE)</a:t>
+            </a:r>
           </a:p>
           <a:p>
             <a:pPr marL="1200150" lvl="2" indent="-285750">
@@ -10011,44 +10260,7 @@
                 <a:latin typeface="Times New Roman" panose="02020603050405020304" pitchFamily="18" charset="0"/>
                 <a:ea typeface="標楷體" panose="03000509000000000000" pitchFamily="65" charset="-120"/>
               </a:rPr>
-              <a:t>sync_to_count</a:t>
-            </a:r>
-            <a:endParaRPr lang="en-US" altLang="zh-TW" sz="1600" dirty="0">
-              <a:latin typeface="Times New Roman" panose="02020603050405020304" pitchFamily="18" charset="0"/>
-              <a:ea typeface="標楷體" panose="03000509000000000000" pitchFamily="65" charset="-120"/>
-            </a:endParaRPr>
-          </a:p>
-          <a:p>
-            <a:pPr marL="1200150" lvl="2" indent="-285750">
-              <a:buFont typeface="Arial" panose="020B0604020202020204" pitchFamily="34" charset="0"/>
-              <a:buChar char="•"/>
-            </a:pPr>
-            <a:r>
-              <a:rPr lang="en-US" altLang="zh-TW" sz="1600" dirty="0" err="1">
-                <a:latin typeface="Times New Roman" panose="02020603050405020304" pitchFamily="18" charset="0"/>
-                <a:ea typeface="標楷體" panose="03000509000000000000" pitchFamily="65" charset="-120"/>
-              </a:rPr>
-              <a:t>Bram_gary</a:t>
-            </a:r>
-            <a:r>
-              <a:rPr lang="en-US" altLang="zh-TW" sz="1600" dirty="0">
-                <a:latin typeface="Times New Roman" panose="02020603050405020304" pitchFamily="18" charset="0"/>
-                <a:ea typeface="標楷體" panose="03000509000000000000" pitchFamily="65" charset="-120"/>
-              </a:rPr>
-              <a:t> (.COE)</a:t>
-            </a:r>
-          </a:p>
-          <a:p>
-            <a:pPr marL="1200150" lvl="2" indent="-285750">
-              <a:buFont typeface="Arial" panose="020B0604020202020204" pitchFamily="34" charset="0"/>
-              <a:buChar char="•"/>
-            </a:pPr>
-            <a:r>
-              <a:rPr lang="en-US" altLang="zh-TW" sz="1600" dirty="0" err="1">
-                <a:latin typeface="Times New Roman" panose="02020603050405020304" pitchFamily="18" charset="0"/>
-                <a:ea typeface="標楷體" panose="03000509000000000000" pitchFamily="65" charset="-120"/>
-              </a:rPr>
-              <a:t>VGA_out</a:t>
+              <a:t>address_controller</a:t>
             </a:r>
             <a:endParaRPr lang="en-US" altLang="zh-TW" sz="1600" dirty="0">
               <a:latin typeface="Times New Roman" panose="02020603050405020304" pitchFamily="18" charset="0"/>
@@ -10101,8 +10313,8 @@
         </p:nvSpPr>
         <p:spPr>
           <a:xfrm>
-            <a:off x="3528875" y="1642385"/>
-            <a:ext cx="6094520" cy="1569660"/>
+            <a:off x="3588142" y="1257046"/>
+            <a:ext cx="6094520" cy="1815882"/>
           </a:xfrm>
           <a:prstGeom prst="rect">
             <a:avLst/>
@@ -10124,7 +10336,7 @@
                 <a:latin typeface="Times New Roman" panose="02020603050405020304" pitchFamily="18" charset="0"/>
                 <a:ea typeface="標楷體" panose="03000509000000000000" pitchFamily="65" charset="-120"/>
               </a:rPr>
-              <a:t>GaussianFilter_warpper</a:t>
+              <a:t>Preprocess_module</a:t>
             </a:r>
             <a:endParaRPr lang="en-US" altLang="zh-TW" sz="1600" dirty="0">
               <a:latin typeface="Times New Roman" panose="02020603050405020304" pitchFamily="18" charset="0"/>
@@ -10141,7 +10353,7 @@
                 <a:latin typeface="Times New Roman" panose="02020603050405020304" pitchFamily="18" charset="0"/>
                 <a:ea typeface="標楷體" panose="03000509000000000000" pitchFamily="65" charset="-120"/>
               </a:rPr>
-              <a:t>CacheSystem</a:t>
+              <a:t>IP_enable</a:t>
             </a:r>
             <a:endParaRPr lang="en-US" altLang="zh-TW" sz="1600" dirty="0">
               <a:latin typeface="Times New Roman" panose="02020603050405020304" pitchFamily="18" charset="0"/>
@@ -10149,19 +10361,6 @@
             </a:endParaRPr>
           </a:p>
           <a:p>
-            <a:pPr marL="2114550" lvl="4" indent="-285750">
-              <a:buFont typeface="Arial" panose="020B0604020202020204" pitchFamily="34" charset="0"/>
-              <a:buChar char="•"/>
-            </a:pPr>
-            <a:r>
-              <a:rPr lang="en-US" altLang="zh-TW" sz="1600" dirty="0">
-                <a:latin typeface="Times New Roman" panose="02020603050405020304" pitchFamily="18" charset="0"/>
-                <a:ea typeface="標楷體" panose="03000509000000000000" pitchFamily="65" charset="-120"/>
-              </a:rPr>
-              <a:t>line buffer x3</a:t>
-            </a:r>
-          </a:p>
-          <a:p>
             <a:pPr marL="1657350" lvl="3" indent="-285750">
               <a:buFont typeface="Arial" panose="020B0604020202020204" pitchFamily="34" charset="0"/>
               <a:buChar char="•"/>
@@ -10171,51 +10370,80 @@
                 <a:latin typeface="Times New Roman" panose="02020603050405020304" pitchFamily="18" charset="0"/>
                 <a:ea typeface="標楷體" panose="03000509000000000000" pitchFamily="65" charset="-120"/>
               </a:rPr>
-              <a:t>GaussianFilter</a:t>
+              <a:t>Bilatera</a:t>
+            </a:r>
+            <a:r>
+              <a:rPr lang="en-US" altLang="zh-TW" sz="1600" dirty="0">
+                <a:latin typeface="Times New Roman" panose="02020603050405020304" pitchFamily="18" charset="0"/>
+                <a:ea typeface="標楷體" panose="03000509000000000000" pitchFamily="65" charset="-120"/>
+              </a:rPr>
+              <a:t> filter</a:t>
+            </a:r>
+          </a:p>
+          <a:p>
+            <a:pPr marL="1657350" lvl="3" indent="-285750">
+              <a:buFont typeface="Arial" panose="020B0604020202020204" pitchFamily="34" charset="0"/>
+              <a:buChar char="•"/>
+            </a:pPr>
+            <a:r>
+              <a:rPr lang="en-US" altLang="zh-TW" sz="1600" dirty="0">
+                <a:latin typeface="Times New Roman" panose="02020603050405020304" pitchFamily="18" charset="0"/>
+                <a:ea typeface="標楷體" panose="03000509000000000000" pitchFamily="65" charset="-120"/>
+              </a:rPr>
+              <a:t>Gaussian filter</a:t>
+            </a:r>
+          </a:p>
+          <a:p>
+            <a:pPr marL="1657350" lvl="3" indent="-285750">
+              <a:buFont typeface="Arial" panose="020B0604020202020204" pitchFamily="34" charset="0"/>
+              <a:buChar char="•"/>
+            </a:pPr>
+            <a:r>
+              <a:rPr lang="en-US" altLang="zh-TW" sz="1600" dirty="0">
+                <a:latin typeface="Times New Roman" panose="02020603050405020304" pitchFamily="18" charset="0"/>
+                <a:ea typeface="標楷體" panose="03000509000000000000" pitchFamily="65" charset="-120"/>
+              </a:rPr>
+              <a:t>Sobel</a:t>
+            </a:r>
+          </a:p>
+          <a:p>
+            <a:pPr marL="1657350" lvl="3" indent="-285750">
+              <a:buFont typeface="Arial" panose="020B0604020202020204" pitchFamily="34" charset="0"/>
+              <a:buChar char="•"/>
+            </a:pPr>
+            <a:r>
+              <a:rPr lang="en-US" altLang="zh-TW" sz="1600" dirty="0">
+                <a:latin typeface="Times New Roman" panose="02020603050405020304" pitchFamily="18" charset="0"/>
+                <a:ea typeface="標楷體" panose="03000509000000000000" pitchFamily="65" charset="-120"/>
+              </a:rPr>
+              <a:t>NMS</a:t>
+            </a:r>
+          </a:p>
+          <a:p>
+            <a:pPr marL="1657350" lvl="3" indent="-285750">
+              <a:buFont typeface="Arial" panose="020B0604020202020204" pitchFamily="34" charset="0"/>
+              <a:buChar char="•"/>
+            </a:pPr>
+            <a:r>
+              <a:rPr lang="en-US" altLang="zh-TW" sz="1600" dirty="0" err="1">
+                <a:latin typeface="Times New Roman" panose="02020603050405020304" pitchFamily="18" charset="0"/>
+                <a:ea typeface="標楷體" panose="03000509000000000000" pitchFamily="65" charset="-120"/>
+              </a:rPr>
+              <a:t>HysteresisThresholding</a:t>
             </a:r>
             <a:endParaRPr lang="en-US" altLang="zh-TW" sz="1600" dirty="0">
               <a:latin typeface="Times New Roman" panose="02020603050405020304" pitchFamily="18" charset="0"/>
               <a:ea typeface="標楷體" panose="03000509000000000000" pitchFamily="65" charset="-120"/>
             </a:endParaRPr>
           </a:p>
-          <a:p>
-            <a:pPr marL="1657350" lvl="3" indent="-285750">
-              <a:buFont typeface="Arial" panose="020B0604020202020204" pitchFamily="34" charset="0"/>
-              <a:buChar char="•"/>
-            </a:pPr>
-            <a:r>
-              <a:rPr lang="en-US" altLang="zh-TW" sz="1600" dirty="0">
-                <a:latin typeface="Times New Roman" panose="02020603050405020304" pitchFamily="18" charset="0"/>
-                <a:ea typeface="標楷體" panose="03000509000000000000" pitchFamily="65" charset="-120"/>
-              </a:rPr>
-              <a:t>NMS</a:t>
-            </a:r>
-          </a:p>
-          <a:p>
-            <a:pPr marL="1657350" lvl="3" indent="-285750">
-              <a:buFont typeface="Arial" panose="020B0604020202020204" pitchFamily="34" charset="0"/>
-              <a:buChar char="•"/>
-            </a:pPr>
-            <a:r>
-              <a:rPr lang="en-US" altLang="zh-TW" sz="1600">
-                <a:latin typeface="Times New Roman" panose="02020603050405020304" pitchFamily="18" charset="0"/>
-                <a:ea typeface="標楷體" panose="03000509000000000000" pitchFamily="65" charset="-120"/>
-              </a:rPr>
-              <a:t>HysteresisThresholding</a:t>
-            </a:r>
-            <a:endParaRPr lang="en-US" altLang="zh-TW" sz="1600" dirty="0">
-              <a:latin typeface="Times New Roman" panose="02020603050405020304" pitchFamily="18" charset="0"/>
-              <a:ea typeface="標楷體" panose="03000509000000000000" pitchFamily="65" charset="-120"/>
-            </a:endParaRPr>
-          </a:p>
         </p:txBody>
       </p:sp>
       <p:pic>
         <p:nvPicPr>
-          <p:cNvPr id="6" name="圖片 5">
+          <p:cNvPr id="12" name="圖片 11">
             <a:extLst>
               <a:ext uri="{FF2B5EF4-FFF2-40B4-BE49-F238E27FC236}">
-                <a16:creationId xmlns:a16="http://schemas.microsoft.com/office/drawing/2014/main" id="{B1BF6CA1-A96C-47A9-BD86-C678D91AFC9E}"/>
+                <a16:creationId xmlns:a16="http://schemas.microsoft.com/office/drawing/2014/main" id="{71A32178-239E-4661-9998-EADBCC8270AE}"/>
               </a:ext>
             </a:extLst>
           </p:cNvPr>
@@ -10232,14 +10460,84 @@
         </p:blipFill>
         <p:spPr>
           <a:xfrm>
-            <a:off x="1701822" y="3212045"/>
-            <a:ext cx="8788355" cy="2972392"/>
+            <a:off x="317203" y="3162110"/>
+            <a:ext cx="11557594" cy="3695890"/>
           </a:xfrm>
           <a:prstGeom prst="rect">
             <a:avLst/>
           </a:prstGeom>
         </p:spPr>
       </p:pic>
+      <p:sp>
+        <p:nvSpPr>
+          <p:cNvPr id="13" name="文字方塊 12">
+            <a:extLst>
+              <a:ext uri="{FF2B5EF4-FFF2-40B4-BE49-F238E27FC236}">
+                <a16:creationId xmlns:a16="http://schemas.microsoft.com/office/drawing/2014/main" id="{55376C5D-418B-4B0D-9E29-F562B3639735}"/>
+              </a:ext>
+            </a:extLst>
+          </p:cNvPr>
+          <p:cNvSpPr txBox="1"/>
+          <p:nvPr/>
+        </p:nvSpPr>
+        <p:spPr>
+          <a:xfrm>
+            <a:off x="6758867" y="1257046"/>
+            <a:ext cx="6094520" cy="584775"/>
+          </a:xfrm>
+          <a:prstGeom prst="rect">
+            <a:avLst/>
+          </a:prstGeom>
+          <a:noFill/>
+        </p:spPr>
+        <p:txBody>
+          <a:bodyPr wrap="square">
+            <a:spAutoFit/>
+          </a:bodyPr>
+          <a:lstStyle/>
+          <a:p>
+            <a:pPr marL="1200150" lvl="2" indent="-285750">
+              <a:buFont typeface="Arial" panose="020B0604020202020204" pitchFamily="34" charset="0"/>
+              <a:buChar char="•"/>
+            </a:pPr>
+            <a:r>
+              <a:rPr lang="en-US" altLang="zh-TW" sz="1600" dirty="0">
+                <a:latin typeface="Times New Roman" panose="02020603050405020304" pitchFamily="18" charset="0"/>
+                <a:ea typeface="標楷體" panose="03000509000000000000" pitchFamily="65" charset="-120"/>
+              </a:rPr>
+              <a:t>RGB </a:t>
+            </a:r>
+            <a:r>
+              <a:rPr lang="en-US" altLang="zh-TW" sz="1600">
+                <a:latin typeface="Times New Roman" panose="02020603050405020304" pitchFamily="18" charset="0"/>
+                <a:ea typeface="標楷體" panose="03000509000000000000" pitchFamily="65" charset="-120"/>
+              </a:rPr>
+              <a:t>(switchx4)</a:t>
+            </a:r>
+            <a:endParaRPr lang="en-US" altLang="zh-TW" sz="1600" dirty="0">
+              <a:latin typeface="Times New Roman" panose="02020603050405020304" pitchFamily="18" charset="0"/>
+              <a:ea typeface="標楷體" panose="03000509000000000000" pitchFamily="65" charset="-120"/>
+            </a:endParaRPr>
+          </a:p>
+          <a:p>
+            <a:pPr marL="1200150" lvl="2" indent="-285750">
+              <a:buFont typeface="Arial" panose="020B0604020202020204" pitchFamily="34" charset="0"/>
+              <a:buChar char="•"/>
+            </a:pPr>
+            <a:r>
+              <a:rPr lang="en-US" altLang="zh-TW" sz="1600" dirty="0" err="1">
+                <a:latin typeface="Times New Roman" panose="02020603050405020304" pitchFamily="18" charset="0"/>
+                <a:ea typeface="標楷體" panose="03000509000000000000" pitchFamily="65" charset="-120"/>
+              </a:rPr>
+              <a:t>VGA_sync_porch</a:t>
+            </a:r>
+            <a:endParaRPr lang="en-US" altLang="zh-TW" sz="1600" dirty="0">
+              <a:latin typeface="Times New Roman" panose="02020603050405020304" pitchFamily="18" charset="0"/>
+              <a:ea typeface="標楷體" panose="03000509000000000000" pitchFamily="65" charset="-120"/>
+            </a:endParaRPr>
+          </a:p>
+        </p:txBody>
+      </p:sp>
     </p:spTree>
     <p:extLst>
       <p:ext uri="{BB962C8B-B14F-4D97-AF65-F5344CB8AC3E}">
@@ -10390,6 +10688,36 @@
           </a:p>
         </p:txBody>
       </p:sp>
+      <p:pic>
+        <p:nvPicPr>
+          <p:cNvPr id="4" name="圖片 3">
+            <a:extLst>
+              <a:ext uri="{FF2B5EF4-FFF2-40B4-BE49-F238E27FC236}">
+                <a16:creationId xmlns:a16="http://schemas.microsoft.com/office/drawing/2014/main" id="{5654243F-EC66-47D1-A6EA-C528E3563196}"/>
+              </a:ext>
+            </a:extLst>
+          </p:cNvPr>
+          <p:cNvPicPr>
+            <a:picLocks noChangeAspect="1"/>
+          </p:cNvPicPr>
+          <p:nvPr/>
+        </p:nvPicPr>
+        <p:blipFill>
+          <a:blip r:embed="rId2"/>
+          <a:stretch>
+            <a:fillRect/>
+          </a:stretch>
+        </p:blipFill>
+        <p:spPr>
+          <a:xfrm>
+            <a:off x="2548692" y="1420454"/>
+            <a:ext cx="7094616" cy="4460973"/>
+          </a:xfrm>
+          <a:prstGeom prst="rect">
+            <a:avLst/>
+          </a:prstGeom>
+        </p:spPr>
+      </p:pic>
     </p:spTree>
     <p:extLst>
       <p:ext uri="{BB962C8B-B14F-4D97-AF65-F5344CB8AC3E}">
@@ -10635,7 +10963,7 @@
                 </a:solidFill>
                 <a:latin typeface="標楷體" panose="03000509000000000000" pitchFamily="65" charset="-120"/>
               </a:rPr>
-              <a:t>/6/7~6/14</a:t>
+              <a:t>/6/1~6/18</a:t>
             </a:r>
             <a:r>
               <a:rPr lang="en-US" altLang="zh-TW" sz="1800" b="1" dirty="0">
@@ -10721,24 +11049,10 @@
             </a:endParaRPr>
           </a:p>
           <a:p>
-            <a:pPr marL="0" lvl="1" indent="0">
-              <a:buNone/>
-            </a:pPr>
-            <a:endParaRPr lang="en-US" altLang="zh-TW" sz="1800" dirty="0"/>
-          </a:p>
-          <a:p>
             <a:pPr marL="285750" lvl="1" indent="-285750"/>
-            <a:r>
-              <a:rPr lang="en-US" altLang="zh-TW" sz="1800" b="1" dirty="0">
-                <a:solidFill>
-                  <a:schemeClr val="accent6">
-                    <a:lumMod val="75000"/>
-                  </a:schemeClr>
-                </a:solidFill>
-                <a:latin typeface="標楷體" panose="03000509000000000000" pitchFamily="65" charset="-120"/>
-              </a:rPr>
-              <a:t>2023/6/15~6/21:</a:t>
-            </a:r>
+            <a:endParaRPr lang="en-US" altLang="zh-TW" sz="1800" dirty="0">
+              <a:cs typeface="Times New Roman" panose="02020603050405020304" pitchFamily="18" charset="0"/>
+            </a:endParaRPr>
           </a:p>
           <a:p>
             <a:pPr marL="285750" lvl="1" indent="-285750"/>
@@ -11719,464 +12033,10 @@
           <a:chExt cx="0" cy="0"/>
         </a:xfrm>
       </p:grpSpPr>
-      <p:sp>
-        <p:nvSpPr>
-          <p:cNvPr id="3" name="標題 2"/>
-          <p:cNvSpPr>
-            <a:spLocks noGrp="1"/>
-          </p:cNvSpPr>
-          <p:nvPr>
-            <p:ph type="title"/>
-          </p:nvPr>
-        </p:nvSpPr>
-        <p:spPr>
-          <a:xfrm>
-            <a:off x="838200" y="365125"/>
-            <a:ext cx="10515600" cy="720000"/>
-          </a:xfrm>
-        </p:spPr>
-        <p:txBody>
-          <a:bodyPr>
-            <a:noAutofit/>
-          </a:bodyPr>
-          <a:lstStyle/>
-          <a:p>
-            <a:r>
-              <a:rPr lang="zh-TW" altLang="en-US" sz="3200" dirty="0"/>
-              <a:t>成果展示 </a:t>
-            </a:r>
-            <a:r>
-              <a:rPr lang="en-US" altLang="zh-TW" sz="3200" dirty="0"/>
-              <a:t>– </a:t>
-            </a:r>
-            <a:r>
-              <a:rPr lang="en-US" altLang="zh-TW" sz="3200" dirty="0" err="1"/>
-              <a:t>NonMaxSuppression</a:t>
-            </a:r>
-            <a:r>
-              <a:rPr lang="en-US" altLang="zh-TW" sz="3200" dirty="0"/>
-              <a:t> </a:t>
-            </a:r>
-            <a:r>
-              <a:rPr lang="zh-TW" altLang="en-US" sz="3200" dirty="0"/>
-              <a:t>波形模擬</a:t>
-            </a:r>
-          </a:p>
-        </p:txBody>
-      </p:sp>
-      <p:sp>
-        <p:nvSpPr>
-          <p:cNvPr id="14" name="文字方塊 13">
-            <a:extLst>
-              <a:ext uri="{FF2B5EF4-FFF2-40B4-BE49-F238E27FC236}">
-                <a16:creationId xmlns:a16="http://schemas.microsoft.com/office/drawing/2014/main" id="{E4E592F9-FC71-4DD1-9118-16844995CC7F}"/>
-              </a:ext>
-            </a:extLst>
-          </p:cNvPr>
-          <p:cNvSpPr txBox="1"/>
-          <p:nvPr/>
-        </p:nvSpPr>
-        <p:spPr>
-          <a:xfrm>
-            <a:off x="2022446" y="1365672"/>
-            <a:ext cx="5373306" cy="646331"/>
-          </a:xfrm>
-          <a:prstGeom prst="rect">
-            <a:avLst/>
-          </a:prstGeom>
-          <a:noFill/>
-        </p:spPr>
-        <p:txBody>
-          <a:bodyPr wrap="square">
-            <a:spAutoFit/>
-          </a:bodyPr>
-          <a:lstStyle/>
-          <a:p>
-            <a:pPr marL="285750" indent="-285750">
-              <a:buFont typeface="Arial" panose="020B0604020202020204" pitchFamily="34" charset="0"/>
-              <a:buChar char="•"/>
-            </a:pPr>
-            <a:r>
-              <a:rPr lang="zh-TW" altLang="en-US" dirty="0">
-                <a:latin typeface="標楷體" panose="03000509000000000000" pitchFamily="65" charset="-120"/>
-                <a:ea typeface="標楷體" panose="03000509000000000000" pitchFamily="65" charset="-120"/>
-              </a:rPr>
-              <a:t>整體波形模擬</a:t>
-            </a:r>
-            <a:r>
-              <a:rPr lang="en-US" altLang="zh-TW" dirty="0">
-                <a:latin typeface="標楷體" panose="03000509000000000000" pitchFamily="65" charset="-120"/>
-                <a:ea typeface="標楷體" panose="03000509000000000000" pitchFamily="65" charset="-120"/>
-              </a:rPr>
-              <a:t>:</a:t>
-            </a:r>
-          </a:p>
-          <a:p>
-            <a:pPr marL="742950" lvl="1" indent="-285750">
-              <a:buFont typeface="Arial" panose="020B0604020202020204" pitchFamily="34" charset="0"/>
-              <a:buChar char="•"/>
-            </a:pPr>
-            <a:r>
-              <a:rPr lang="zh-TW" altLang="en-US" dirty="0">
-                <a:latin typeface="標楷體" panose="03000509000000000000" pitchFamily="65" charset="-120"/>
-                <a:ea typeface="標楷體" panose="03000509000000000000" pitchFamily="65" charset="-120"/>
-              </a:rPr>
-              <a:t>灰階圖片</a:t>
-            </a:r>
-            <a:r>
-              <a:rPr lang="en-US" altLang="zh-TW" dirty="0">
-                <a:latin typeface="標楷體" panose="03000509000000000000" pitchFamily="65" charset="-120"/>
-                <a:ea typeface="標楷體" panose="03000509000000000000" pitchFamily="65" charset="-120"/>
-              </a:rPr>
-              <a:t>: 640x480 (8bits)</a:t>
-            </a:r>
-            <a:endParaRPr lang="zh-TW" altLang="en-US" dirty="0">
-              <a:latin typeface="標楷體" panose="03000509000000000000" pitchFamily="65" charset="-120"/>
-              <a:ea typeface="標楷體" panose="03000509000000000000" pitchFamily="65" charset="-120"/>
-            </a:endParaRPr>
-          </a:p>
-        </p:txBody>
-      </p:sp>
-      <p:sp>
-        <p:nvSpPr>
-          <p:cNvPr id="10" name="文字方塊 9">
-            <a:extLst>
-              <a:ext uri="{FF2B5EF4-FFF2-40B4-BE49-F238E27FC236}">
-                <a16:creationId xmlns:a16="http://schemas.microsoft.com/office/drawing/2014/main" id="{E24CD2C8-46A2-450C-9CA0-485274647932}"/>
-              </a:ext>
-            </a:extLst>
-          </p:cNvPr>
-          <p:cNvSpPr txBox="1"/>
-          <p:nvPr/>
-        </p:nvSpPr>
-        <p:spPr>
-          <a:xfrm>
-            <a:off x="4634705" y="5680911"/>
-            <a:ext cx="2922590" cy="441453"/>
-          </a:xfrm>
-          <a:prstGeom prst="rect">
-            <a:avLst/>
-          </a:prstGeom>
-          <a:noFill/>
-        </p:spPr>
-        <p:txBody>
-          <a:bodyPr wrap="square">
-            <a:spAutoFit/>
-          </a:bodyPr>
-          <a:lstStyle/>
-          <a:p>
-            <a:r>
-              <a:rPr lang="zh-TW" altLang="en-US" dirty="0">
-                <a:latin typeface="標楷體" panose="03000509000000000000" pitchFamily="65" charset="-120"/>
-                <a:ea typeface="標楷體" panose="03000509000000000000" pitchFamily="65" charset="-120"/>
-              </a:rPr>
-              <a:t>圖</a:t>
-            </a:r>
-            <a:r>
-              <a:rPr lang="en-US" altLang="zh-TW" dirty="0">
-                <a:latin typeface="標楷體" panose="03000509000000000000" pitchFamily="65" charset="-120"/>
-                <a:ea typeface="標楷體" panose="03000509000000000000" pitchFamily="65" charset="-120"/>
-              </a:rPr>
-              <a:t>4.</a:t>
-            </a:r>
-            <a:r>
-              <a:rPr lang="en-US" altLang="zh-TW" dirty="0">
-                <a:latin typeface="Times New Roman" panose="02020603050405020304" pitchFamily="18" charset="0"/>
-                <a:ea typeface="標楷體" panose="03000509000000000000" pitchFamily="65" charset="-120"/>
-              </a:rPr>
-              <a:t>Bram_Sobel</a:t>
-            </a:r>
-            <a:r>
-              <a:rPr lang="zh-TW" altLang="en-US" dirty="0">
-                <a:latin typeface="標楷體" panose="03000509000000000000" pitchFamily="65" charset="-120"/>
-                <a:ea typeface="標楷體" panose="03000509000000000000" pitchFamily="65" charset="-120"/>
-              </a:rPr>
-              <a:t>單幀全圖</a:t>
-            </a:r>
-          </a:p>
-        </p:txBody>
-      </p:sp>
-      <p:sp>
-        <p:nvSpPr>
-          <p:cNvPr id="6" name="文字方塊 5">
-            <a:extLst>
-              <a:ext uri="{FF2B5EF4-FFF2-40B4-BE49-F238E27FC236}">
-                <a16:creationId xmlns:a16="http://schemas.microsoft.com/office/drawing/2014/main" id="{2F3346EE-318A-4DF8-8A3C-51A3B2C14DD6}"/>
-              </a:ext>
-            </a:extLst>
-          </p:cNvPr>
-          <p:cNvSpPr txBox="1"/>
-          <p:nvPr/>
-        </p:nvSpPr>
-        <p:spPr>
-          <a:xfrm>
-            <a:off x="7374597" y="1411839"/>
-            <a:ext cx="3126801" cy="1754326"/>
-          </a:xfrm>
-          <a:prstGeom prst="rect">
-            <a:avLst/>
-          </a:prstGeom>
-          <a:noFill/>
-        </p:spPr>
-        <p:txBody>
-          <a:bodyPr wrap="square">
-            <a:spAutoFit/>
-          </a:bodyPr>
-          <a:lstStyle/>
-          <a:p>
-            <a:r>
-              <a:rPr lang="zh-TW" altLang="en-US" dirty="0">
-                <a:latin typeface="標楷體" panose="03000509000000000000" pitchFamily="65" charset="-120"/>
-                <a:ea typeface="標楷體" panose="03000509000000000000" pitchFamily="65" charset="-120"/>
-              </a:rPr>
-              <a:t>每個像素</a:t>
-            </a:r>
-            <a:r>
-              <a:rPr lang="en-US" altLang="zh-TW" dirty="0">
-                <a:latin typeface="標楷體" panose="03000509000000000000" pitchFamily="65" charset="-120"/>
-                <a:ea typeface="標楷體" panose="03000509000000000000" pitchFamily="65" charset="-120"/>
-              </a:rPr>
-              <a:t>:</a:t>
-            </a:r>
-            <a:r>
-              <a:rPr lang="zh-TW" altLang="en-US" dirty="0">
-                <a:latin typeface="標楷體" panose="03000509000000000000" pitchFamily="65" charset="-120"/>
-                <a:ea typeface="標楷體" panose="03000509000000000000" pitchFamily="65" charset="-120"/>
-              </a:rPr>
-              <a:t> </a:t>
-            </a:r>
-            <a:r>
-              <a:rPr lang="en-US" altLang="zh-TW" dirty="0">
-                <a:latin typeface="標楷體" panose="03000509000000000000" pitchFamily="65" charset="-120"/>
-                <a:ea typeface="標楷體" panose="03000509000000000000" pitchFamily="65" charset="-120"/>
-              </a:rPr>
-              <a:t>1/50</a:t>
-            </a:r>
-            <a:r>
-              <a:rPr lang="en-US" altLang="zh-TW" dirty="0">
-                <a:latin typeface="Times New Roman" panose="02020603050405020304" pitchFamily="18" charset="0"/>
-                <a:ea typeface="標楷體" panose="03000509000000000000" pitchFamily="65" charset="-120"/>
-                <a:cs typeface="Times New Roman" panose="02020603050405020304" pitchFamily="18" charset="0"/>
-              </a:rPr>
-              <a:t>M</a:t>
-            </a:r>
-            <a:r>
-              <a:rPr lang="en-US" altLang="zh-TW" dirty="0">
-                <a:latin typeface="標楷體" panose="03000509000000000000" pitchFamily="65" charset="-120"/>
-                <a:ea typeface="標楷體" panose="03000509000000000000" pitchFamily="65" charset="-120"/>
-              </a:rPr>
-              <a:t> </a:t>
-            </a:r>
-            <a:r>
-              <a:rPr lang="en-US" altLang="zh-TW" dirty="0">
-                <a:latin typeface="Times New Roman" panose="02020603050405020304" pitchFamily="18" charset="0"/>
-                <a:ea typeface="標楷體" panose="03000509000000000000" pitchFamily="65" charset="-120"/>
-                <a:cs typeface="Times New Roman" panose="02020603050405020304" pitchFamily="18" charset="0"/>
-              </a:rPr>
-              <a:t>sec</a:t>
-            </a:r>
-          </a:p>
-          <a:p>
-            <a:r>
-              <a:rPr lang="zh-TW" altLang="en-US" dirty="0">
-                <a:latin typeface="標楷體" panose="03000509000000000000" pitchFamily="65" charset="-120"/>
-                <a:ea typeface="標楷體" panose="03000509000000000000" pitchFamily="65" charset="-120"/>
-              </a:rPr>
-              <a:t>每張圖</a:t>
-            </a:r>
-            <a:r>
-              <a:rPr lang="en-US" altLang="zh-TW" dirty="0">
-                <a:latin typeface="標楷體" panose="03000509000000000000" pitchFamily="65" charset="-120"/>
-                <a:ea typeface="標楷體" panose="03000509000000000000" pitchFamily="65" charset="-120"/>
-              </a:rPr>
-              <a:t>:</a:t>
-            </a:r>
-            <a:r>
-              <a:rPr lang="zh-TW" altLang="en-US" dirty="0">
-                <a:latin typeface="標楷體" panose="03000509000000000000" pitchFamily="65" charset="-120"/>
-                <a:ea typeface="標楷體" panose="03000509000000000000" pitchFamily="65" charset="-120"/>
-              </a:rPr>
-              <a:t> </a:t>
-            </a:r>
-            <a:r>
-              <a:rPr lang="en-US" altLang="zh-TW" dirty="0">
-                <a:latin typeface="標楷體" panose="03000509000000000000" pitchFamily="65" charset="-120"/>
-                <a:ea typeface="標楷體" panose="03000509000000000000" pitchFamily="65" charset="-120"/>
-              </a:rPr>
-              <a:t>800x525x1/50</a:t>
-            </a:r>
-            <a:r>
-              <a:rPr lang="en-US" altLang="zh-TW" dirty="0">
-                <a:latin typeface="Times New Roman" panose="02020603050405020304" pitchFamily="18" charset="0"/>
-                <a:ea typeface="標楷體" panose="03000509000000000000" pitchFamily="65" charset="-120"/>
-                <a:cs typeface="Times New Roman" panose="02020603050405020304" pitchFamily="18" charset="0"/>
-              </a:rPr>
-              <a:t>M</a:t>
-            </a:r>
-            <a:r>
-              <a:rPr lang="en-US" altLang="zh-TW" dirty="0">
-                <a:latin typeface="標楷體" panose="03000509000000000000" pitchFamily="65" charset="-120"/>
-                <a:ea typeface="標楷體" panose="03000509000000000000" pitchFamily="65" charset="-120"/>
-              </a:rPr>
-              <a:t> </a:t>
-            </a:r>
-            <a:r>
-              <a:rPr lang="en-US" altLang="zh-TW" dirty="0">
-                <a:latin typeface="Times New Roman" panose="02020603050405020304" pitchFamily="18" charset="0"/>
-                <a:ea typeface="標楷體" panose="03000509000000000000" pitchFamily="65" charset="-120"/>
-                <a:cs typeface="Times New Roman" panose="02020603050405020304" pitchFamily="18" charset="0"/>
-              </a:rPr>
-              <a:t>sec</a:t>
-            </a:r>
-          </a:p>
-          <a:p>
-            <a:r>
-              <a:rPr lang="en-US" altLang="zh-TW" dirty="0">
-                <a:latin typeface="Times New Roman" panose="02020603050405020304" pitchFamily="18" charset="0"/>
-                <a:ea typeface="標楷體" panose="03000509000000000000" pitchFamily="65" charset="-120"/>
-                <a:cs typeface="Times New Roman" panose="02020603050405020304" pitchFamily="18" charset="0"/>
-              </a:rPr>
-              <a:t>	≈16.8ms</a:t>
-            </a:r>
-            <a:endParaRPr lang="en-US" altLang="zh-TW" dirty="0">
-              <a:latin typeface="標楷體" panose="03000509000000000000" pitchFamily="65" charset="-120"/>
-              <a:ea typeface="標楷體" panose="03000509000000000000" pitchFamily="65" charset="-120"/>
-            </a:endParaRPr>
-          </a:p>
-          <a:p>
-            <a:r>
-              <a:rPr lang="en-US" altLang="zh-TW" dirty="0" err="1">
-                <a:latin typeface="標楷體" panose="03000509000000000000" pitchFamily="65" charset="-120"/>
-                <a:ea typeface="標楷體" panose="03000509000000000000" pitchFamily="65" charset="-120"/>
-              </a:rPr>
-              <a:t>T</a:t>
-            </a:r>
-            <a:r>
-              <a:rPr lang="en-US" altLang="zh-TW" sz="1400" dirty="0" err="1">
-                <a:latin typeface="Times New Roman" panose="02020603050405020304" pitchFamily="18" charset="0"/>
-                <a:ea typeface="標楷體" panose="03000509000000000000" pitchFamily="65" charset="-120"/>
-                <a:cs typeface="Times New Roman" panose="02020603050405020304" pitchFamily="18" charset="0"/>
-              </a:rPr>
-              <a:t>move</a:t>
-            </a:r>
-            <a:r>
-              <a:rPr lang="en-US" altLang="zh-TW" sz="1400" dirty="0">
-                <a:latin typeface="標楷體" panose="03000509000000000000" pitchFamily="65" charset="-120"/>
-                <a:ea typeface="標楷體" panose="03000509000000000000" pitchFamily="65" charset="-120"/>
-              </a:rPr>
-              <a:t> </a:t>
-            </a:r>
-            <a:r>
-              <a:rPr lang="en-US" altLang="zh-TW" dirty="0">
-                <a:latin typeface="標楷體" panose="03000509000000000000" pitchFamily="65" charset="-120"/>
-                <a:ea typeface="標楷體" panose="03000509000000000000" pitchFamily="65" charset="-120"/>
-              </a:rPr>
-              <a:t>&gt; </a:t>
-            </a:r>
-            <a:r>
-              <a:rPr lang="zh-TW" altLang="en-US" dirty="0">
-                <a:latin typeface="標楷體" panose="03000509000000000000" pitchFamily="65" charset="-120"/>
-                <a:ea typeface="標楷體" panose="03000509000000000000" pitchFamily="65" charset="-120"/>
-              </a:rPr>
-              <a:t>單張圖</a:t>
-            </a:r>
-            <a:r>
-              <a:rPr lang="en-US" altLang="zh-TW" dirty="0">
-                <a:latin typeface="標楷體" panose="03000509000000000000" pitchFamily="65" charset="-120"/>
-                <a:ea typeface="標楷體" panose="03000509000000000000" pitchFamily="65" charset="-120"/>
-              </a:rPr>
-              <a:t>(16.8</a:t>
-            </a:r>
-            <a:r>
-              <a:rPr lang="en-US" altLang="zh-TW" dirty="0">
-                <a:latin typeface="Times New Roman" panose="02020603050405020304" pitchFamily="18" charset="0"/>
-                <a:ea typeface="標楷體" panose="03000509000000000000" pitchFamily="65" charset="-120"/>
-                <a:cs typeface="Times New Roman" panose="02020603050405020304" pitchFamily="18" charset="0"/>
-              </a:rPr>
-              <a:t>ms</a:t>
-            </a:r>
-            <a:r>
-              <a:rPr lang="en-US" altLang="zh-TW" dirty="0">
-                <a:latin typeface="標楷體" panose="03000509000000000000" pitchFamily="65" charset="-120"/>
-                <a:ea typeface="標楷體" panose="03000509000000000000" pitchFamily="65" charset="-120"/>
-              </a:rPr>
-              <a:t>)</a:t>
-            </a:r>
-          </a:p>
-          <a:p>
-            <a:r>
-              <a:rPr lang="en-US" altLang="zh-TW" dirty="0" err="1">
-                <a:latin typeface="Times New Roman" panose="02020603050405020304" pitchFamily="18" charset="0"/>
-                <a:ea typeface="標楷體" panose="03000509000000000000" pitchFamily="65" charset="-120"/>
-                <a:cs typeface="Times New Roman" panose="02020603050405020304" pitchFamily="18" charset="0"/>
-              </a:rPr>
-              <a:t>move_clk</a:t>
-            </a:r>
-            <a:r>
-              <a:rPr lang="en-US" altLang="zh-TW" dirty="0">
-                <a:latin typeface="Times New Roman" panose="02020603050405020304" pitchFamily="18" charset="0"/>
-                <a:ea typeface="標楷體" panose="03000509000000000000" pitchFamily="65" charset="-120"/>
-                <a:cs typeface="Times New Roman" panose="02020603050405020304" pitchFamily="18" charset="0"/>
-              </a:rPr>
-              <a:t> </a:t>
-            </a:r>
-            <a:r>
-              <a:rPr lang="en-US" altLang="zh-TW" dirty="0">
-                <a:latin typeface="標楷體" panose="03000509000000000000" pitchFamily="65" charset="-120"/>
-                <a:ea typeface="標楷體" panose="03000509000000000000" pitchFamily="65" charset="-120"/>
-              </a:rPr>
-              <a:t>≦ 59.524(</a:t>
-            </a:r>
-            <a:r>
-              <a:rPr lang="en-US" altLang="zh-TW" dirty="0">
-                <a:latin typeface="Times New Roman" panose="02020603050405020304" pitchFamily="18" charset="0"/>
-                <a:ea typeface="標楷體" panose="03000509000000000000" pitchFamily="65" charset="-120"/>
-                <a:cs typeface="Times New Roman" panose="02020603050405020304" pitchFamily="18" charset="0"/>
-              </a:rPr>
-              <a:t>Hz</a:t>
-            </a:r>
-            <a:r>
-              <a:rPr lang="en-US" altLang="zh-TW" dirty="0">
-                <a:latin typeface="標楷體" panose="03000509000000000000" pitchFamily="65" charset="-120"/>
-                <a:ea typeface="標楷體" panose="03000509000000000000" pitchFamily="65" charset="-120"/>
-              </a:rPr>
-              <a:t>) </a:t>
-            </a:r>
-          </a:p>
-          <a:p>
-            <a:r>
-              <a:rPr lang="en-US" altLang="zh-TW" dirty="0">
-                <a:latin typeface="標楷體" panose="03000509000000000000" pitchFamily="65" charset="-120"/>
-                <a:ea typeface="標楷體" panose="03000509000000000000" pitchFamily="65" charset="-120"/>
-              </a:rPr>
-              <a:t>=&gt;100M/2^21 = 47.683(</a:t>
-            </a:r>
-            <a:r>
-              <a:rPr lang="en-US" altLang="zh-TW" dirty="0">
-                <a:latin typeface="Times New Roman" panose="02020603050405020304" pitchFamily="18" charset="0"/>
-                <a:ea typeface="標楷體" panose="03000509000000000000" pitchFamily="65" charset="-120"/>
-                <a:cs typeface="Times New Roman" panose="02020603050405020304" pitchFamily="18" charset="0"/>
-              </a:rPr>
-              <a:t>Hz</a:t>
-            </a:r>
-            <a:r>
-              <a:rPr lang="en-US" altLang="zh-TW" dirty="0">
-                <a:latin typeface="標楷體" panose="03000509000000000000" pitchFamily="65" charset="-120"/>
-                <a:ea typeface="標楷體" panose="03000509000000000000" pitchFamily="65" charset="-120"/>
-              </a:rPr>
-              <a:t>)</a:t>
-            </a:r>
-            <a:endParaRPr lang="zh-TW" altLang="en-US" dirty="0">
-              <a:latin typeface="標楷體" panose="03000509000000000000" pitchFamily="65" charset="-120"/>
-              <a:ea typeface="標楷體" panose="03000509000000000000" pitchFamily="65" charset="-120"/>
-            </a:endParaRPr>
-          </a:p>
-        </p:txBody>
-      </p:sp>
     </p:spTree>
     <p:extLst>
       <p:ext uri="{BB962C8B-B14F-4D97-AF65-F5344CB8AC3E}">
-        <p14:creationId xmlns:p14="http://schemas.microsoft.com/office/powerpoint/2010/main" val="882001098"/>
+        <p14:creationId xmlns:p14="http://schemas.microsoft.com/office/powerpoint/2010/main" val="4256003355"/>
       </p:ext>
     </p:extLst>
   </p:cSld>
@@ -12215,7 +12075,7 @@
         </p:nvSpPr>
         <p:spPr>
           <a:xfrm>
-            <a:off x="838200" y="365125"/>
+            <a:off x="838200" y="329615"/>
             <a:ext cx="10515600" cy="720000"/>
           </a:xfrm>
         </p:spPr>
@@ -12231,45 +12091,20 @@
             </a:r>
             <a:r>
               <a:rPr lang="en-US" altLang="zh-TW" sz="3200" dirty="0"/>
-              <a:t>–</a:t>
-            </a:r>
-            <a:r>
-              <a:rPr lang="en-US" altLang="zh-TW" sz="3200" dirty="0" err="1">
-                <a:ea typeface="Tahoma" panose="020B0604030504040204" pitchFamily="34" charset="0"/>
-              </a:rPr>
-              <a:t>Bram_VGA</a:t>
-            </a:r>
-            <a:r>
-              <a:rPr lang="zh-TW" altLang="en-US" sz="3200" dirty="0">
-                <a:ea typeface="Tahoma" panose="020B0604030504040204" pitchFamily="34" charset="0"/>
-              </a:rPr>
+              <a:t>– </a:t>
+            </a:r>
+            <a:r>
+              <a:rPr lang="en-US" altLang="zh-TW" sz="3200" dirty="0" err="1"/>
+              <a:t>NonMaxSuppression</a:t>
+            </a:r>
+            <a:r>
+              <a:rPr lang="en-US" altLang="zh-TW" sz="3200" dirty="0"/>
               <a:t> </a:t>
             </a:r>
             <a:r>
-              <a:rPr lang="en-US" altLang="zh-TW" sz="3200" dirty="0">
-                <a:ea typeface="Tahoma" panose="020B0604030504040204" pitchFamily="34" charset="0"/>
-              </a:rPr>
-              <a:t>+</a:t>
-            </a:r>
-            <a:r>
-              <a:rPr lang="zh-TW" altLang="en-US" sz="3200" dirty="0">
-                <a:ea typeface="Tahoma" panose="020B0604030504040204" pitchFamily="34" charset="0"/>
-              </a:rPr>
-              <a:t> </a:t>
-            </a:r>
-            <a:r>
-              <a:rPr lang="en-US" altLang="zh-TW" sz="3200" dirty="0">
-                <a:ea typeface="Tahoma" panose="020B0604030504040204" pitchFamily="34" charset="0"/>
-              </a:rPr>
-              <a:t>Sobel </a:t>
-            </a:r>
-            <a:r>
-              <a:rPr lang="zh-TW" altLang="en-US" sz="3200" dirty="0">
-                <a:latin typeface="標楷體" panose="03000509000000000000" pitchFamily="65" charset="-120"/>
-              </a:rPr>
+              <a:rPr lang="zh-TW" altLang="en-US" sz="3200" dirty="0"/>
               <a:t>波形模擬</a:t>
             </a:r>
-            <a:endParaRPr lang="zh-TW" altLang="en-US" sz="3200" dirty="0"/>
           </a:p>
         </p:txBody>
       </p:sp>
@@ -12405,287 +12240,10 @@
           </a:p>
         </p:txBody>
       </p:sp>
-      <p:sp>
-        <p:nvSpPr>
-          <p:cNvPr id="6" name="文字方塊 5">
-            <a:extLst>
-              <a:ext uri="{FF2B5EF4-FFF2-40B4-BE49-F238E27FC236}">
-                <a16:creationId xmlns:a16="http://schemas.microsoft.com/office/drawing/2014/main" id="{2F3346EE-318A-4DF8-8A3C-51A3B2C14DD6}"/>
-              </a:ext>
-            </a:extLst>
-          </p:cNvPr>
-          <p:cNvSpPr txBox="1"/>
-          <p:nvPr/>
-        </p:nvSpPr>
-        <p:spPr>
-          <a:xfrm>
-            <a:off x="7374597" y="1411839"/>
-            <a:ext cx="3126801" cy="1754326"/>
-          </a:xfrm>
-          <a:prstGeom prst="rect">
-            <a:avLst/>
-          </a:prstGeom>
-          <a:noFill/>
-        </p:spPr>
-        <p:txBody>
-          <a:bodyPr wrap="square">
-            <a:spAutoFit/>
-          </a:bodyPr>
-          <a:lstStyle/>
-          <a:p>
-            <a:r>
-              <a:rPr lang="zh-TW" altLang="en-US" dirty="0">
-                <a:latin typeface="標楷體" panose="03000509000000000000" pitchFamily="65" charset="-120"/>
-                <a:ea typeface="標楷體" panose="03000509000000000000" pitchFamily="65" charset="-120"/>
-              </a:rPr>
-              <a:t>每個像素</a:t>
-            </a:r>
-            <a:r>
-              <a:rPr lang="en-US" altLang="zh-TW" dirty="0">
-                <a:latin typeface="標楷體" panose="03000509000000000000" pitchFamily="65" charset="-120"/>
-                <a:ea typeface="標楷體" panose="03000509000000000000" pitchFamily="65" charset="-120"/>
-              </a:rPr>
-              <a:t>:</a:t>
-            </a:r>
-            <a:r>
-              <a:rPr lang="zh-TW" altLang="en-US" dirty="0">
-                <a:latin typeface="標楷體" panose="03000509000000000000" pitchFamily="65" charset="-120"/>
-                <a:ea typeface="標楷體" panose="03000509000000000000" pitchFamily="65" charset="-120"/>
-              </a:rPr>
-              <a:t> </a:t>
-            </a:r>
-            <a:r>
-              <a:rPr lang="en-US" altLang="zh-TW" dirty="0">
-                <a:latin typeface="標楷體" panose="03000509000000000000" pitchFamily="65" charset="-120"/>
-                <a:ea typeface="標楷體" panose="03000509000000000000" pitchFamily="65" charset="-120"/>
-              </a:rPr>
-              <a:t>1/50</a:t>
-            </a:r>
-            <a:r>
-              <a:rPr lang="en-US" altLang="zh-TW" dirty="0">
-                <a:latin typeface="Times New Roman" panose="02020603050405020304" pitchFamily="18" charset="0"/>
-                <a:ea typeface="標楷體" panose="03000509000000000000" pitchFamily="65" charset="-120"/>
-                <a:cs typeface="Times New Roman" panose="02020603050405020304" pitchFamily="18" charset="0"/>
-              </a:rPr>
-              <a:t>M</a:t>
-            </a:r>
-            <a:r>
-              <a:rPr lang="en-US" altLang="zh-TW" dirty="0">
-                <a:latin typeface="標楷體" panose="03000509000000000000" pitchFamily="65" charset="-120"/>
-                <a:ea typeface="標楷體" panose="03000509000000000000" pitchFamily="65" charset="-120"/>
-              </a:rPr>
-              <a:t> </a:t>
-            </a:r>
-            <a:r>
-              <a:rPr lang="en-US" altLang="zh-TW" dirty="0">
-                <a:latin typeface="Times New Roman" panose="02020603050405020304" pitchFamily="18" charset="0"/>
-                <a:ea typeface="標楷體" panose="03000509000000000000" pitchFamily="65" charset="-120"/>
-                <a:cs typeface="Times New Roman" panose="02020603050405020304" pitchFamily="18" charset="0"/>
-              </a:rPr>
-              <a:t>sec</a:t>
-            </a:r>
-          </a:p>
-          <a:p>
-            <a:r>
-              <a:rPr lang="zh-TW" altLang="en-US" dirty="0">
-                <a:latin typeface="標楷體" panose="03000509000000000000" pitchFamily="65" charset="-120"/>
-                <a:ea typeface="標楷體" panose="03000509000000000000" pitchFamily="65" charset="-120"/>
-              </a:rPr>
-              <a:t>每張圖</a:t>
-            </a:r>
-            <a:r>
-              <a:rPr lang="en-US" altLang="zh-TW" dirty="0">
-                <a:latin typeface="標楷體" panose="03000509000000000000" pitchFamily="65" charset="-120"/>
-                <a:ea typeface="標楷體" panose="03000509000000000000" pitchFamily="65" charset="-120"/>
-              </a:rPr>
-              <a:t>:</a:t>
-            </a:r>
-            <a:r>
-              <a:rPr lang="zh-TW" altLang="en-US" dirty="0">
-                <a:latin typeface="標楷體" panose="03000509000000000000" pitchFamily="65" charset="-120"/>
-                <a:ea typeface="標楷體" panose="03000509000000000000" pitchFamily="65" charset="-120"/>
-              </a:rPr>
-              <a:t> </a:t>
-            </a:r>
-            <a:r>
-              <a:rPr lang="en-US" altLang="zh-TW" dirty="0">
-                <a:latin typeface="標楷體" panose="03000509000000000000" pitchFamily="65" charset="-120"/>
-                <a:ea typeface="標楷體" panose="03000509000000000000" pitchFamily="65" charset="-120"/>
-              </a:rPr>
-              <a:t>800x525x1/50</a:t>
-            </a:r>
-            <a:r>
-              <a:rPr lang="en-US" altLang="zh-TW" dirty="0">
-                <a:latin typeface="Times New Roman" panose="02020603050405020304" pitchFamily="18" charset="0"/>
-                <a:ea typeface="標楷體" panose="03000509000000000000" pitchFamily="65" charset="-120"/>
-                <a:cs typeface="Times New Roman" panose="02020603050405020304" pitchFamily="18" charset="0"/>
-              </a:rPr>
-              <a:t>M</a:t>
-            </a:r>
-            <a:r>
-              <a:rPr lang="en-US" altLang="zh-TW" dirty="0">
-                <a:latin typeface="標楷體" panose="03000509000000000000" pitchFamily="65" charset="-120"/>
-                <a:ea typeface="標楷體" panose="03000509000000000000" pitchFamily="65" charset="-120"/>
-              </a:rPr>
-              <a:t> </a:t>
-            </a:r>
-            <a:r>
-              <a:rPr lang="en-US" altLang="zh-TW" dirty="0">
-                <a:latin typeface="Times New Roman" panose="02020603050405020304" pitchFamily="18" charset="0"/>
-                <a:ea typeface="標楷體" panose="03000509000000000000" pitchFamily="65" charset="-120"/>
-                <a:cs typeface="Times New Roman" panose="02020603050405020304" pitchFamily="18" charset="0"/>
-              </a:rPr>
-              <a:t>sec</a:t>
-            </a:r>
-          </a:p>
-          <a:p>
-            <a:r>
-              <a:rPr lang="en-US" altLang="zh-TW" dirty="0">
-                <a:latin typeface="Times New Roman" panose="02020603050405020304" pitchFamily="18" charset="0"/>
-                <a:ea typeface="標楷體" panose="03000509000000000000" pitchFamily="65" charset="-120"/>
-                <a:cs typeface="Times New Roman" panose="02020603050405020304" pitchFamily="18" charset="0"/>
-              </a:rPr>
-              <a:t>	≈16.8ms</a:t>
-            </a:r>
-            <a:endParaRPr lang="en-US" altLang="zh-TW" dirty="0">
-              <a:latin typeface="標楷體" panose="03000509000000000000" pitchFamily="65" charset="-120"/>
-              <a:ea typeface="標楷體" panose="03000509000000000000" pitchFamily="65" charset="-120"/>
-            </a:endParaRPr>
-          </a:p>
-          <a:p>
-            <a:r>
-              <a:rPr lang="en-US" altLang="zh-TW" dirty="0" err="1">
-                <a:latin typeface="標楷體" panose="03000509000000000000" pitchFamily="65" charset="-120"/>
-                <a:ea typeface="標楷體" panose="03000509000000000000" pitchFamily="65" charset="-120"/>
-              </a:rPr>
-              <a:t>T</a:t>
-            </a:r>
-            <a:r>
-              <a:rPr lang="en-US" altLang="zh-TW" sz="1400" dirty="0" err="1">
-                <a:latin typeface="Times New Roman" panose="02020603050405020304" pitchFamily="18" charset="0"/>
-                <a:ea typeface="標楷體" panose="03000509000000000000" pitchFamily="65" charset="-120"/>
-                <a:cs typeface="Times New Roman" panose="02020603050405020304" pitchFamily="18" charset="0"/>
-              </a:rPr>
-              <a:t>move</a:t>
-            </a:r>
-            <a:r>
-              <a:rPr lang="en-US" altLang="zh-TW" sz="1400" dirty="0">
-                <a:latin typeface="標楷體" panose="03000509000000000000" pitchFamily="65" charset="-120"/>
-                <a:ea typeface="標楷體" panose="03000509000000000000" pitchFamily="65" charset="-120"/>
-              </a:rPr>
-              <a:t> </a:t>
-            </a:r>
-            <a:r>
-              <a:rPr lang="en-US" altLang="zh-TW" dirty="0">
-                <a:latin typeface="標楷體" panose="03000509000000000000" pitchFamily="65" charset="-120"/>
-                <a:ea typeface="標楷體" panose="03000509000000000000" pitchFamily="65" charset="-120"/>
-              </a:rPr>
-              <a:t>&gt; </a:t>
-            </a:r>
-            <a:r>
-              <a:rPr lang="zh-TW" altLang="en-US" dirty="0">
-                <a:latin typeface="標楷體" panose="03000509000000000000" pitchFamily="65" charset="-120"/>
-                <a:ea typeface="標楷體" panose="03000509000000000000" pitchFamily="65" charset="-120"/>
-              </a:rPr>
-              <a:t>單張圖</a:t>
-            </a:r>
-            <a:r>
-              <a:rPr lang="en-US" altLang="zh-TW" dirty="0">
-                <a:latin typeface="標楷體" panose="03000509000000000000" pitchFamily="65" charset="-120"/>
-                <a:ea typeface="標楷體" panose="03000509000000000000" pitchFamily="65" charset="-120"/>
-              </a:rPr>
-              <a:t>(16.8</a:t>
-            </a:r>
-            <a:r>
-              <a:rPr lang="en-US" altLang="zh-TW" dirty="0">
-                <a:latin typeface="Times New Roman" panose="02020603050405020304" pitchFamily="18" charset="0"/>
-                <a:ea typeface="標楷體" panose="03000509000000000000" pitchFamily="65" charset="-120"/>
-                <a:cs typeface="Times New Roman" panose="02020603050405020304" pitchFamily="18" charset="0"/>
-              </a:rPr>
-              <a:t>ms</a:t>
-            </a:r>
-            <a:r>
-              <a:rPr lang="en-US" altLang="zh-TW" dirty="0">
-                <a:latin typeface="標楷體" panose="03000509000000000000" pitchFamily="65" charset="-120"/>
-                <a:ea typeface="標楷體" panose="03000509000000000000" pitchFamily="65" charset="-120"/>
-              </a:rPr>
-              <a:t>)</a:t>
-            </a:r>
-          </a:p>
-          <a:p>
-            <a:r>
-              <a:rPr lang="en-US" altLang="zh-TW" dirty="0" err="1">
-                <a:latin typeface="Times New Roman" panose="02020603050405020304" pitchFamily="18" charset="0"/>
-                <a:ea typeface="標楷體" panose="03000509000000000000" pitchFamily="65" charset="-120"/>
-                <a:cs typeface="Times New Roman" panose="02020603050405020304" pitchFamily="18" charset="0"/>
-              </a:rPr>
-              <a:t>move_clk</a:t>
-            </a:r>
-            <a:r>
-              <a:rPr lang="en-US" altLang="zh-TW" dirty="0">
-                <a:latin typeface="Times New Roman" panose="02020603050405020304" pitchFamily="18" charset="0"/>
-                <a:ea typeface="標楷體" panose="03000509000000000000" pitchFamily="65" charset="-120"/>
-                <a:cs typeface="Times New Roman" panose="02020603050405020304" pitchFamily="18" charset="0"/>
-              </a:rPr>
-              <a:t> </a:t>
-            </a:r>
-            <a:r>
-              <a:rPr lang="en-US" altLang="zh-TW" dirty="0">
-                <a:latin typeface="標楷體" panose="03000509000000000000" pitchFamily="65" charset="-120"/>
-                <a:ea typeface="標楷體" panose="03000509000000000000" pitchFamily="65" charset="-120"/>
-              </a:rPr>
-              <a:t>≦ 59.524(</a:t>
-            </a:r>
-            <a:r>
-              <a:rPr lang="en-US" altLang="zh-TW" dirty="0">
-                <a:latin typeface="Times New Roman" panose="02020603050405020304" pitchFamily="18" charset="0"/>
-                <a:ea typeface="標楷體" panose="03000509000000000000" pitchFamily="65" charset="-120"/>
-                <a:cs typeface="Times New Roman" panose="02020603050405020304" pitchFamily="18" charset="0"/>
-              </a:rPr>
-              <a:t>Hz</a:t>
-            </a:r>
-            <a:r>
-              <a:rPr lang="en-US" altLang="zh-TW" dirty="0">
-                <a:latin typeface="標楷體" panose="03000509000000000000" pitchFamily="65" charset="-120"/>
-                <a:ea typeface="標楷體" panose="03000509000000000000" pitchFamily="65" charset="-120"/>
-              </a:rPr>
-              <a:t>) </a:t>
-            </a:r>
-          </a:p>
-          <a:p>
-            <a:r>
-              <a:rPr lang="en-US" altLang="zh-TW" dirty="0">
-                <a:latin typeface="標楷體" panose="03000509000000000000" pitchFamily="65" charset="-120"/>
-                <a:ea typeface="標楷體" panose="03000509000000000000" pitchFamily="65" charset="-120"/>
-              </a:rPr>
-              <a:t>=&gt;100M/2^21 = 47.683(</a:t>
-            </a:r>
-            <a:r>
-              <a:rPr lang="en-US" altLang="zh-TW" dirty="0">
-                <a:latin typeface="Times New Roman" panose="02020603050405020304" pitchFamily="18" charset="0"/>
-                <a:ea typeface="標楷體" panose="03000509000000000000" pitchFamily="65" charset="-120"/>
-                <a:cs typeface="Times New Roman" panose="02020603050405020304" pitchFamily="18" charset="0"/>
-              </a:rPr>
-              <a:t>Hz</a:t>
-            </a:r>
-            <a:r>
-              <a:rPr lang="en-US" altLang="zh-TW" dirty="0">
-                <a:latin typeface="標楷體" panose="03000509000000000000" pitchFamily="65" charset="-120"/>
-                <a:ea typeface="標楷體" panose="03000509000000000000" pitchFamily="65" charset="-120"/>
-              </a:rPr>
-              <a:t>)</a:t>
-            </a:r>
-            <a:endParaRPr lang="zh-TW" altLang="en-US" dirty="0">
-              <a:latin typeface="標楷體" panose="03000509000000000000" pitchFamily="65" charset="-120"/>
-              <a:ea typeface="標楷體" panose="03000509000000000000" pitchFamily="65" charset="-120"/>
-            </a:endParaRPr>
-          </a:p>
-        </p:txBody>
-      </p:sp>
     </p:spTree>
     <p:extLst>
       <p:ext uri="{BB962C8B-B14F-4D97-AF65-F5344CB8AC3E}">
-        <p14:creationId xmlns:p14="http://schemas.microsoft.com/office/powerpoint/2010/main" val="3703064775"/>
+        <p14:creationId xmlns:p14="http://schemas.microsoft.com/office/powerpoint/2010/main" val="882001098"/>
       </p:ext>
     </p:extLst>
   </p:cSld>
@@ -12714,6 +12272,1667 @@
       </p:grpSpPr>
       <p:sp>
         <p:nvSpPr>
+          <p:cNvPr id="3" name="標題 2"/>
+          <p:cNvSpPr>
+            <a:spLocks noGrp="1"/>
+          </p:cNvSpPr>
+          <p:nvPr>
+            <p:ph type="title"/>
+          </p:nvPr>
+        </p:nvSpPr>
+        <p:spPr>
+          <a:xfrm>
+            <a:off x="838200" y="365125"/>
+            <a:ext cx="10515600" cy="720000"/>
+          </a:xfrm>
+        </p:spPr>
+        <p:txBody>
+          <a:bodyPr>
+            <a:noAutofit/>
+          </a:bodyPr>
+          <a:lstStyle/>
+          <a:p>
+            <a:r>
+              <a:rPr lang="zh-TW" altLang="en-US" sz="3200" dirty="0"/>
+              <a:t>成果展示 </a:t>
+            </a:r>
+            <a:r>
+              <a:rPr lang="en-US" altLang="zh-TW" sz="3200" dirty="0"/>
+              <a:t>–</a:t>
+            </a:r>
+            <a:r>
+              <a:rPr lang="en-US" altLang="zh-TW" sz="3200" dirty="0" err="1">
+                <a:ea typeface="Tahoma" panose="020B0604030504040204" pitchFamily="34" charset="0"/>
+              </a:rPr>
+              <a:t>Bram_VGA</a:t>
+            </a:r>
+            <a:r>
+              <a:rPr lang="zh-TW" altLang="en-US" sz="3200" dirty="0">
+                <a:ea typeface="Tahoma" panose="020B0604030504040204" pitchFamily="34" charset="0"/>
+              </a:rPr>
+              <a:t> </a:t>
+            </a:r>
+            <a:r>
+              <a:rPr lang="en-US" altLang="zh-TW" sz="3200" dirty="0">
+                <a:ea typeface="Tahoma" panose="020B0604030504040204" pitchFamily="34" charset="0"/>
+              </a:rPr>
+              <a:t>+</a:t>
+            </a:r>
+            <a:r>
+              <a:rPr lang="zh-TW" altLang="en-US" sz="3200" dirty="0">
+                <a:ea typeface="Tahoma" panose="020B0604030504040204" pitchFamily="34" charset="0"/>
+              </a:rPr>
+              <a:t> </a:t>
+            </a:r>
+            <a:r>
+              <a:rPr lang="en-US" altLang="zh-TW" sz="3200" dirty="0">
+                <a:ea typeface="Tahoma" panose="020B0604030504040204" pitchFamily="34" charset="0"/>
+              </a:rPr>
+              <a:t>Sobel </a:t>
+            </a:r>
+            <a:r>
+              <a:rPr lang="zh-TW" altLang="en-US" sz="3200" dirty="0">
+                <a:latin typeface="標楷體" panose="03000509000000000000" pitchFamily="65" charset="-120"/>
+              </a:rPr>
+              <a:t>波形模擬</a:t>
+            </a:r>
+            <a:endParaRPr lang="zh-TW" altLang="en-US" sz="3200" dirty="0"/>
+          </a:p>
+        </p:txBody>
+      </p:sp>
+      <p:sp>
+        <p:nvSpPr>
+          <p:cNvPr id="14" name="文字方塊 13">
+            <a:extLst>
+              <a:ext uri="{FF2B5EF4-FFF2-40B4-BE49-F238E27FC236}">
+                <a16:creationId xmlns:a16="http://schemas.microsoft.com/office/drawing/2014/main" id="{E4E592F9-FC71-4DD1-9118-16844995CC7F}"/>
+              </a:ext>
+            </a:extLst>
+          </p:cNvPr>
+          <p:cNvSpPr txBox="1"/>
+          <p:nvPr/>
+        </p:nvSpPr>
+        <p:spPr>
+          <a:xfrm>
+            <a:off x="2022446" y="1365672"/>
+            <a:ext cx="5373306" cy="646331"/>
+          </a:xfrm>
+          <a:prstGeom prst="rect">
+            <a:avLst/>
+          </a:prstGeom>
+          <a:noFill/>
+        </p:spPr>
+        <p:txBody>
+          <a:bodyPr wrap="square">
+            <a:spAutoFit/>
+          </a:bodyPr>
+          <a:lstStyle/>
+          <a:p>
+            <a:pPr marL="285750" indent="-285750">
+              <a:buFont typeface="Arial" panose="020B0604020202020204" pitchFamily="34" charset="0"/>
+              <a:buChar char="•"/>
+            </a:pPr>
+            <a:r>
+              <a:rPr lang="zh-TW" altLang="en-US" dirty="0">
+                <a:latin typeface="標楷體" panose="03000509000000000000" pitchFamily="65" charset="-120"/>
+                <a:ea typeface="標楷體" panose="03000509000000000000" pitchFamily="65" charset="-120"/>
+              </a:rPr>
+              <a:t>整體波形模擬</a:t>
+            </a:r>
+            <a:r>
+              <a:rPr lang="en-US" altLang="zh-TW" dirty="0">
+                <a:latin typeface="標楷體" panose="03000509000000000000" pitchFamily="65" charset="-120"/>
+                <a:ea typeface="標楷體" panose="03000509000000000000" pitchFamily="65" charset="-120"/>
+              </a:rPr>
+              <a:t>:</a:t>
+            </a:r>
+          </a:p>
+          <a:p>
+            <a:pPr marL="742950" lvl="1" indent="-285750">
+              <a:buFont typeface="Arial" panose="020B0604020202020204" pitchFamily="34" charset="0"/>
+              <a:buChar char="•"/>
+            </a:pPr>
+            <a:r>
+              <a:rPr lang="zh-TW" altLang="en-US" dirty="0">
+                <a:latin typeface="標楷體" panose="03000509000000000000" pitchFamily="65" charset="-120"/>
+                <a:ea typeface="標楷體" panose="03000509000000000000" pitchFamily="65" charset="-120"/>
+              </a:rPr>
+              <a:t>灰階圖片</a:t>
+            </a:r>
+            <a:r>
+              <a:rPr lang="en-US" altLang="zh-TW" dirty="0">
+                <a:latin typeface="標楷體" panose="03000509000000000000" pitchFamily="65" charset="-120"/>
+                <a:ea typeface="標楷體" panose="03000509000000000000" pitchFamily="65" charset="-120"/>
+              </a:rPr>
+              <a:t>: 640x480 (8bits)</a:t>
+            </a:r>
+            <a:endParaRPr lang="zh-TW" altLang="en-US" dirty="0">
+              <a:latin typeface="標楷體" panose="03000509000000000000" pitchFamily="65" charset="-120"/>
+              <a:ea typeface="標楷體" panose="03000509000000000000" pitchFamily="65" charset="-120"/>
+            </a:endParaRPr>
+          </a:p>
+        </p:txBody>
+      </p:sp>
+      <p:sp>
+        <p:nvSpPr>
+          <p:cNvPr id="10" name="文字方塊 9">
+            <a:extLst>
+              <a:ext uri="{FF2B5EF4-FFF2-40B4-BE49-F238E27FC236}">
+                <a16:creationId xmlns:a16="http://schemas.microsoft.com/office/drawing/2014/main" id="{E24CD2C8-46A2-450C-9CA0-485274647932}"/>
+              </a:ext>
+            </a:extLst>
+          </p:cNvPr>
+          <p:cNvSpPr txBox="1"/>
+          <p:nvPr/>
+        </p:nvSpPr>
+        <p:spPr>
+          <a:xfrm>
+            <a:off x="4634705" y="5680911"/>
+            <a:ext cx="2922590" cy="441453"/>
+          </a:xfrm>
+          <a:prstGeom prst="rect">
+            <a:avLst/>
+          </a:prstGeom>
+          <a:noFill/>
+        </p:spPr>
+        <p:txBody>
+          <a:bodyPr wrap="square">
+            <a:spAutoFit/>
+          </a:bodyPr>
+          <a:lstStyle/>
+          <a:p>
+            <a:r>
+              <a:rPr lang="zh-TW" altLang="en-US" dirty="0">
+                <a:latin typeface="標楷體" panose="03000509000000000000" pitchFamily="65" charset="-120"/>
+                <a:ea typeface="標楷體" panose="03000509000000000000" pitchFamily="65" charset="-120"/>
+              </a:rPr>
+              <a:t>圖</a:t>
+            </a:r>
+            <a:r>
+              <a:rPr lang="en-US" altLang="zh-TW" dirty="0">
+                <a:latin typeface="標楷體" panose="03000509000000000000" pitchFamily="65" charset="-120"/>
+                <a:ea typeface="標楷體" panose="03000509000000000000" pitchFamily="65" charset="-120"/>
+              </a:rPr>
+              <a:t>4.</a:t>
+            </a:r>
+            <a:r>
+              <a:rPr lang="en-US" altLang="zh-TW" dirty="0">
+                <a:latin typeface="Times New Roman" panose="02020603050405020304" pitchFamily="18" charset="0"/>
+                <a:ea typeface="標楷體" panose="03000509000000000000" pitchFamily="65" charset="-120"/>
+              </a:rPr>
+              <a:t>Bram_Sobel</a:t>
+            </a:r>
+            <a:r>
+              <a:rPr lang="zh-TW" altLang="en-US" dirty="0">
+                <a:latin typeface="標楷體" panose="03000509000000000000" pitchFamily="65" charset="-120"/>
+                <a:ea typeface="標楷體" panose="03000509000000000000" pitchFamily="65" charset="-120"/>
+              </a:rPr>
+              <a:t>單幀全圖</a:t>
+            </a:r>
+          </a:p>
+        </p:txBody>
+      </p:sp>
+    </p:spTree>
+    <p:extLst>
+      <p:ext uri="{BB962C8B-B14F-4D97-AF65-F5344CB8AC3E}">
+        <p14:creationId xmlns:p14="http://schemas.microsoft.com/office/powerpoint/2010/main" val="3703064775"/>
+      </p:ext>
+    </p:extLst>
+  </p:cSld>
+  <p:clrMapOvr>
+    <a:masterClrMapping/>
+  </p:clrMapOvr>
+</p:sld>
+</file>
+
+<file path=ppt/slides/slide27.xml><?xml version="1.0" encoding="utf-8"?>
+<p:sld xmlns:a="http://schemas.openxmlformats.org/drawingml/2006/main" xmlns:r="http://schemas.openxmlformats.org/officeDocument/2006/relationships" xmlns:p="http://schemas.openxmlformats.org/presentationml/2006/main">
+  <p:cSld>
+    <p:spTree>
+      <p:nvGrpSpPr>
+        <p:cNvPr id="1" name=""/>
+        <p:cNvGrpSpPr/>
+        <p:nvPr/>
+      </p:nvGrpSpPr>
+      <p:grpSpPr>
+        <a:xfrm>
+          <a:off x="0" y="0"/>
+          <a:ext cx="0" cy="0"/>
+          <a:chOff x="0" y="0"/>
+          <a:chExt cx="0" cy="0"/>
+        </a:xfrm>
+      </p:grpSpPr>
+      <p:sp>
+        <p:nvSpPr>
+          <p:cNvPr id="3" name="標題 2"/>
+          <p:cNvSpPr>
+            <a:spLocks noGrp="1"/>
+          </p:cNvSpPr>
+          <p:nvPr>
+            <p:ph type="title"/>
+          </p:nvPr>
+        </p:nvSpPr>
+        <p:spPr>
+          <a:xfrm>
+            <a:off x="838200" y="365125"/>
+            <a:ext cx="10515600" cy="720000"/>
+          </a:xfrm>
+        </p:spPr>
+        <p:txBody>
+          <a:bodyPr>
+            <a:noAutofit/>
+          </a:bodyPr>
+          <a:lstStyle/>
+          <a:p>
+            <a:r>
+              <a:rPr lang="zh-TW" altLang="en-US" sz="3200" dirty="0"/>
+              <a:t>成果展示 </a:t>
+            </a:r>
+            <a:r>
+              <a:rPr lang="en-US" altLang="zh-TW" sz="3200" dirty="0"/>
+              <a:t>– Gaussian filter</a:t>
+            </a:r>
+            <a:endParaRPr lang="zh-TW" altLang="en-US" sz="3200" dirty="0"/>
+          </a:p>
+        </p:txBody>
+      </p:sp>
+      <p:sp>
+        <p:nvSpPr>
+          <p:cNvPr id="14" name="文字方塊 13">
+            <a:extLst>
+              <a:ext uri="{FF2B5EF4-FFF2-40B4-BE49-F238E27FC236}">
+                <a16:creationId xmlns:a16="http://schemas.microsoft.com/office/drawing/2014/main" id="{E4E592F9-FC71-4DD1-9118-16844995CC7F}"/>
+              </a:ext>
+            </a:extLst>
+          </p:cNvPr>
+          <p:cNvSpPr txBox="1"/>
+          <p:nvPr/>
+        </p:nvSpPr>
+        <p:spPr>
+          <a:xfrm>
+            <a:off x="1463153" y="1298340"/>
+            <a:ext cx="5373306" cy="923330"/>
+          </a:xfrm>
+          <a:prstGeom prst="rect">
+            <a:avLst/>
+          </a:prstGeom>
+          <a:noFill/>
+        </p:spPr>
+        <p:txBody>
+          <a:bodyPr wrap="square">
+            <a:spAutoFit/>
+          </a:bodyPr>
+          <a:lstStyle/>
+          <a:p>
+            <a:pPr marL="285750" indent="-285750">
+              <a:buFont typeface="Arial" panose="020B0604020202020204" pitchFamily="34" charset="0"/>
+              <a:buChar char="•"/>
+            </a:pPr>
+            <a:r>
+              <a:rPr lang="zh-TW" altLang="en-US" dirty="0">
+                <a:latin typeface="標楷體" panose="03000509000000000000" pitchFamily="65" charset="-120"/>
+                <a:ea typeface="標楷體" panose="03000509000000000000" pitchFamily="65" charset="-120"/>
+              </a:rPr>
+              <a:t>波行模擬</a:t>
+            </a:r>
+            <a:r>
+              <a:rPr lang="en-US" altLang="zh-TW" dirty="0">
+                <a:latin typeface="標楷體" panose="03000509000000000000" pitchFamily="65" charset="-120"/>
+                <a:ea typeface="標楷體" panose="03000509000000000000" pitchFamily="65" charset="-120"/>
+              </a:rPr>
+              <a:t>:</a:t>
+            </a:r>
+          </a:p>
+          <a:p>
+            <a:pPr marL="742950" lvl="1" indent="-285750">
+              <a:buFont typeface="Arial" panose="020B0604020202020204" pitchFamily="34" charset="0"/>
+              <a:buChar char="•"/>
+            </a:pPr>
+            <a:r>
+              <a:rPr lang="zh-TW" altLang="en-US" dirty="0">
+                <a:latin typeface="標楷體" panose="03000509000000000000" pitchFamily="65" charset="-120"/>
+                <a:ea typeface="標楷體" panose="03000509000000000000" pitchFamily="65" charset="-120"/>
+              </a:rPr>
+              <a:t>方型</a:t>
+            </a:r>
+            <a:r>
+              <a:rPr lang="en-US" altLang="zh-TW" dirty="0">
+                <a:latin typeface="標楷體" panose="03000509000000000000" pitchFamily="65" charset="-120"/>
+                <a:ea typeface="標楷體" panose="03000509000000000000" pitchFamily="65" charset="-120"/>
+              </a:rPr>
+              <a:t>: 200x200 (8bits)</a:t>
+            </a:r>
+          </a:p>
+          <a:p>
+            <a:pPr marL="742950" lvl="1" indent="-285750">
+              <a:buFont typeface="Arial" panose="020B0604020202020204" pitchFamily="34" charset="0"/>
+              <a:buChar char="•"/>
+            </a:pPr>
+            <a:r>
+              <a:rPr lang="zh-TW" altLang="en-US" dirty="0">
+                <a:latin typeface="標楷體" panose="03000509000000000000" pitchFamily="65" charset="-120"/>
+                <a:ea typeface="標楷體" panose="03000509000000000000" pitchFamily="65" charset="-120"/>
+              </a:rPr>
+              <a:t>起點</a:t>
+            </a:r>
+            <a:r>
+              <a:rPr lang="en-US" altLang="zh-TW" dirty="0">
+                <a:latin typeface="標楷體" panose="03000509000000000000" pitchFamily="65" charset="-120"/>
+                <a:ea typeface="標楷體" panose="03000509000000000000" pitchFamily="65" charset="-120"/>
+              </a:rPr>
+              <a:t>: 200,200</a:t>
+            </a:r>
+            <a:endParaRPr lang="zh-TW" altLang="en-US" dirty="0">
+              <a:latin typeface="標楷體" panose="03000509000000000000" pitchFamily="65" charset="-120"/>
+              <a:ea typeface="標楷體" panose="03000509000000000000" pitchFamily="65" charset="-120"/>
+            </a:endParaRPr>
+          </a:p>
+        </p:txBody>
+      </p:sp>
+      <p:sp>
+        <p:nvSpPr>
+          <p:cNvPr id="8" name="文字方塊 7">
+            <a:extLst>
+              <a:ext uri="{FF2B5EF4-FFF2-40B4-BE49-F238E27FC236}">
+                <a16:creationId xmlns:a16="http://schemas.microsoft.com/office/drawing/2014/main" id="{86B8A071-0D2B-4145-B391-8D88BAA75209}"/>
+              </a:ext>
+            </a:extLst>
+          </p:cNvPr>
+          <p:cNvSpPr txBox="1"/>
+          <p:nvPr/>
+        </p:nvSpPr>
+        <p:spPr>
+          <a:xfrm>
+            <a:off x="8682231" y="5887492"/>
+            <a:ext cx="2339092" cy="369332"/>
+          </a:xfrm>
+          <a:prstGeom prst="rect">
+            <a:avLst/>
+          </a:prstGeom>
+          <a:noFill/>
+        </p:spPr>
+        <p:txBody>
+          <a:bodyPr wrap="square">
+            <a:spAutoFit/>
+          </a:bodyPr>
+          <a:lstStyle/>
+          <a:p>
+            <a:r>
+              <a:rPr lang="zh-TW" altLang="en-US" dirty="0">
+                <a:latin typeface="標楷體" panose="03000509000000000000" pitchFamily="65" charset="-120"/>
+                <a:ea typeface="標楷體" panose="03000509000000000000" pitchFamily="65" charset="-120"/>
+              </a:rPr>
+              <a:t>圖</a:t>
+            </a:r>
+            <a:r>
+              <a:rPr lang="en-US" altLang="zh-TW" dirty="0">
+                <a:latin typeface="標楷體" panose="03000509000000000000" pitchFamily="65" charset="-120"/>
+                <a:ea typeface="標楷體" panose="03000509000000000000" pitchFamily="65" charset="-120"/>
+              </a:rPr>
+              <a:t>3.</a:t>
+            </a:r>
+            <a:r>
+              <a:rPr lang="zh-TW" altLang="en-US" dirty="0">
+                <a:latin typeface="Times New Roman" panose="02020603050405020304" pitchFamily="18" charset="0"/>
+                <a:ea typeface="標楷體" panose="03000509000000000000" pitchFamily="65" charset="-120"/>
+              </a:rPr>
+              <a:t>下一個畫面</a:t>
+            </a:r>
+            <a:endParaRPr lang="zh-TW" altLang="en-US" dirty="0">
+              <a:latin typeface="標楷體" panose="03000509000000000000" pitchFamily="65" charset="-120"/>
+              <a:ea typeface="標楷體" panose="03000509000000000000" pitchFamily="65" charset="-120"/>
+            </a:endParaRPr>
+          </a:p>
+        </p:txBody>
+      </p:sp>
+    </p:spTree>
+    <p:extLst>
+      <p:ext uri="{BB962C8B-B14F-4D97-AF65-F5344CB8AC3E}">
+        <p14:creationId xmlns:p14="http://schemas.microsoft.com/office/powerpoint/2010/main" val="3676114691"/>
+      </p:ext>
+    </p:extLst>
+  </p:cSld>
+  <p:clrMapOvr>
+    <a:masterClrMapping/>
+  </p:clrMapOvr>
+</p:sld>
+</file>
+
+<file path=ppt/slides/slide28.xml><?xml version="1.0" encoding="utf-8"?>
+<p:sld xmlns:a="http://schemas.openxmlformats.org/drawingml/2006/main" xmlns:r="http://schemas.openxmlformats.org/officeDocument/2006/relationships" xmlns:p="http://schemas.openxmlformats.org/presentationml/2006/main">
+  <p:cSld>
+    <p:spTree>
+      <p:nvGrpSpPr>
+        <p:cNvPr id="1" name=""/>
+        <p:cNvGrpSpPr/>
+        <p:nvPr/>
+      </p:nvGrpSpPr>
+      <p:grpSpPr>
+        <a:xfrm>
+          <a:off x="0" y="0"/>
+          <a:ext cx="0" cy="0"/>
+          <a:chOff x="0" y="0"/>
+          <a:chExt cx="0" cy="0"/>
+        </a:xfrm>
+      </p:grpSpPr>
+      <p:sp>
+        <p:nvSpPr>
+          <p:cNvPr id="3" name="標題 2"/>
+          <p:cNvSpPr>
+            <a:spLocks noGrp="1"/>
+          </p:cNvSpPr>
+          <p:nvPr>
+            <p:ph type="title"/>
+          </p:nvPr>
+        </p:nvSpPr>
+        <p:spPr>
+          <a:xfrm>
+            <a:off x="838200" y="365125"/>
+            <a:ext cx="10515600" cy="720000"/>
+          </a:xfrm>
+        </p:spPr>
+        <p:txBody>
+          <a:bodyPr>
+            <a:noAutofit/>
+          </a:bodyPr>
+          <a:lstStyle/>
+          <a:p>
+            <a:r>
+              <a:rPr lang="zh-TW" altLang="en-US" sz="3200" dirty="0"/>
+              <a:t>成果展示 </a:t>
+            </a:r>
+            <a:r>
+              <a:rPr lang="en-US" altLang="zh-TW" sz="3200" dirty="0"/>
+              <a:t>–</a:t>
+            </a:r>
+            <a:r>
+              <a:rPr lang="zh-TW" altLang="en-US" sz="3200" dirty="0"/>
+              <a:t> </a:t>
+            </a:r>
+            <a:r>
+              <a:rPr lang="en-US" altLang="zh-TW" sz="3200" dirty="0">
+                <a:ea typeface="Tahoma" panose="020B0604030504040204" pitchFamily="34" charset="0"/>
+              </a:rPr>
+              <a:t>Sobel(angle)</a:t>
+            </a:r>
+            <a:endParaRPr lang="zh-TW" altLang="en-US" sz="3200" dirty="0"/>
+          </a:p>
+        </p:txBody>
+      </p:sp>
+      <p:sp>
+        <p:nvSpPr>
+          <p:cNvPr id="14" name="文字方塊 13">
+            <a:extLst>
+              <a:ext uri="{FF2B5EF4-FFF2-40B4-BE49-F238E27FC236}">
+                <a16:creationId xmlns:a16="http://schemas.microsoft.com/office/drawing/2014/main" id="{E4E592F9-FC71-4DD1-9118-16844995CC7F}"/>
+              </a:ext>
+            </a:extLst>
+          </p:cNvPr>
+          <p:cNvSpPr txBox="1"/>
+          <p:nvPr/>
+        </p:nvSpPr>
+        <p:spPr>
+          <a:xfrm>
+            <a:off x="2022446" y="1365672"/>
+            <a:ext cx="5373306" cy="646331"/>
+          </a:xfrm>
+          <a:prstGeom prst="rect">
+            <a:avLst/>
+          </a:prstGeom>
+          <a:noFill/>
+        </p:spPr>
+        <p:txBody>
+          <a:bodyPr wrap="square">
+            <a:spAutoFit/>
+          </a:bodyPr>
+          <a:lstStyle/>
+          <a:p>
+            <a:pPr marL="285750" indent="-285750">
+              <a:buFont typeface="Arial" panose="020B0604020202020204" pitchFamily="34" charset="0"/>
+              <a:buChar char="•"/>
+            </a:pPr>
+            <a:r>
+              <a:rPr lang="zh-TW" altLang="en-US" dirty="0">
+                <a:latin typeface="標楷體" panose="03000509000000000000" pitchFamily="65" charset="-120"/>
+                <a:ea typeface="標楷體" panose="03000509000000000000" pitchFamily="65" charset="-120"/>
+              </a:rPr>
+              <a:t>整體波形模擬</a:t>
+            </a:r>
+            <a:r>
+              <a:rPr lang="en-US" altLang="zh-TW" dirty="0">
+                <a:latin typeface="標楷體" panose="03000509000000000000" pitchFamily="65" charset="-120"/>
+                <a:ea typeface="標楷體" panose="03000509000000000000" pitchFamily="65" charset="-120"/>
+              </a:rPr>
+              <a:t>:</a:t>
+            </a:r>
+          </a:p>
+          <a:p>
+            <a:pPr marL="742950" lvl="1" indent="-285750">
+              <a:buFont typeface="Arial" panose="020B0604020202020204" pitchFamily="34" charset="0"/>
+              <a:buChar char="•"/>
+            </a:pPr>
+            <a:r>
+              <a:rPr lang="zh-TW" altLang="en-US" dirty="0">
+                <a:latin typeface="標楷體" panose="03000509000000000000" pitchFamily="65" charset="-120"/>
+                <a:ea typeface="標楷體" panose="03000509000000000000" pitchFamily="65" charset="-120"/>
+              </a:rPr>
+              <a:t>灰階圖片</a:t>
+            </a:r>
+            <a:r>
+              <a:rPr lang="en-US" altLang="zh-TW" dirty="0">
+                <a:latin typeface="標楷體" panose="03000509000000000000" pitchFamily="65" charset="-120"/>
+                <a:ea typeface="標楷體" panose="03000509000000000000" pitchFamily="65" charset="-120"/>
+              </a:rPr>
+              <a:t>: 640x480 (8bits)</a:t>
+            </a:r>
+            <a:endParaRPr lang="zh-TW" altLang="en-US" dirty="0">
+              <a:latin typeface="標楷體" panose="03000509000000000000" pitchFamily="65" charset="-120"/>
+              <a:ea typeface="標楷體" panose="03000509000000000000" pitchFamily="65" charset="-120"/>
+            </a:endParaRPr>
+          </a:p>
+        </p:txBody>
+      </p:sp>
+      <p:sp>
+        <p:nvSpPr>
+          <p:cNvPr id="10" name="文字方塊 9">
+            <a:extLst>
+              <a:ext uri="{FF2B5EF4-FFF2-40B4-BE49-F238E27FC236}">
+                <a16:creationId xmlns:a16="http://schemas.microsoft.com/office/drawing/2014/main" id="{E24CD2C8-46A2-450C-9CA0-485274647932}"/>
+              </a:ext>
+            </a:extLst>
+          </p:cNvPr>
+          <p:cNvSpPr txBox="1"/>
+          <p:nvPr/>
+        </p:nvSpPr>
+        <p:spPr>
+          <a:xfrm>
+            <a:off x="4634705" y="5680911"/>
+            <a:ext cx="2922590" cy="441453"/>
+          </a:xfrm>
+          <a:prstGeom prst="rect">
+            <a:avLst/>
+          </a:prstGeom>
+          <a:noFill/>
+        </p:spPr>
+        <p:txBody>
+          <a:bodyPr wrap="square">
+            <a:spAutoFit/>
+          </a:bodyPr>
+          <a:lstStyle/>
+          <a:p>
+            <a:r>
+              <a:rPr lang="zh-TW" altLang="en-US" dirty="0">
+                <a:latin typeface="標楷體" panose="03000509000000000000" pitchFamily="65" charset="-120"/>
+                <a:ea typeface="標楷體" panose="03000509000000000000" pitchFamily="65" charset="-120"/>
+              </a:rPr>
+              <a:t>圖</a:t>
+            </a:r>
+            <a:r>
+              <a:rPr lang="en-US" altLang="zh-TW" dirty="0">
+                <a:latin typeface="標楷體" panose="03000509000000000000" pitchFamily="65" charset="-120"/>
+                <a:ea typeface="標楷體" panose="03000509000000000000" pitchFamily="65" charset="-120"/>
+              </a:rPr>
+              <a:t>4.</a:t>
+            </a:r>
+            <a:r>
+              <a:rPr lang="en-US" altLang="zh-TW" dirty="0">
+                <a:latin typeface="Times New Roman" panose="02020603050405020304" pitchFamily="18" charset="0"/>
+                <a:ea typeface="標楷體" panose="03000509000000000000" pitchFamily="65" charset="-120"/>
+              </a:rPr>
+              <a:t>Bram_Sobel</a:t>
+            </a:r>
+            <a:r>
+              <a:rPr lang="zh-TW" altLang="en-US" dirty="0">
+                <a:latin typeface="標楷體" panose="03000509000000000000" pitchFamily="65" charset="-120"/>
+                <a:ea typeface="標楷體" panose="03000509000000000000" pitchFamily="65" charset="-120"/>
+              </a:rPr>
+              <a:t>單幀全圖</a:t>
+            </a:r>
+          </a:p>
+        </p:txBody>
+      </p:sp>
+    </p:spTree>
+    <p:extLst>
+      <p:ext uri="{BB962C8B-B14F-4D97-AF65-F5344CB8AC3E}">
+        <p14:creationId xmlns:p14="http://schemas.microsoft.com/office/powerpoint/2010/main" val="2357435509"/>
+      </p:ext>
+    </p:extLst>
+  </p:cSld>
+  <p:clrMapOvr>
+    <a:masterClrMapping/>
+  </p:clrMapOvr>
+</p:sld>
+</file>
+
+<file path=ppt/slides/slide29.xml><?xml version="1.0" encoding="utf-8"?>
+<p:sld xmlns:a="http://schemas.openxmlformats.org/drawingml/2006/main" xmlns:r="http://schemas.openxmlformats.org/officeDocument/2006/relationships" xmlns:p="http://schemas.openxmlformats.org/presentationml/2006/main">
+  <p:cSld>
+    <p:spTree>
+      <p:nvGrpSpPr>
+        <p:cNvPr id="1" name=""/>
+        <p:cNvGrpSpPr/>
+        <p:nvPr/>
+      </p:nvGrpSpPr>
+      <p:grpSpPr>
+        <a:xfrm>
+          <a:off x="0" y="0"/>
+          <a:ext cx="0" cy="0"/>
+          <a:chOff x="0" y="0"/>
+          <a:chExt cx="0" cy="0"/>
+        </a:xfrm>
+      </p:grpSpPr>
+      <p:sp>
+        <p:nvSpPr>
+          <p:cNvPr id="3" name="標題 2"/>
+          <p:cNvSpPr>
+            <a:spLocks noGrp="1"/>
+          </p:cNvSpPr>
+          <p:nvPr>
+            <p:ph type="title"/>
+          </p:nvPr>
+        </p:nvSpPr>
+        <p:spPr>
+          <a:xfrm>
+            <a:off x="838200" y="365125"/>
+            <a:ext cx="10515600" cy="720000"/>
+          </a:xfrm>
+        </p:spPr>
+        <p:txBody>
+          <a:bodyPr>
+            <a:noAutofit/>
+          </a:bodyPr>
+          <a:lstStyle/>
+          <a:p>
+            <a:r>
+              <a:rPr lang="zh-TW" altLang="en-US" sz="3200" dirty="0"/>
+              <a:t>成果展示 </a:t>
+            </a:r>
+            <a:r>
+              <a:rPr lang="en-US" altLang="zh-TW" sz="3200" dirty="0"/>
+              <a:t>–</a:t>
+            </a:r>
+            <a:r>
+              <a:rPr lang="zh-TW" altLang="en-US" sz="3200" dirty="0"/>
+              <a:t> </a:t>
+            </a:r>
+            <a:r>
+              <a:rPr lang="en-US" altLang="zh-TW" sz="3200" dirty="0">
+                <a:ea typeface="Tahoma" panose="020B0604030504040204" pitchFamily="34" charset="0"/>
+              </a:rPr>
+              <a:t>Sobel(gradient)</a:t>
+            </a:r>
+            <a:endParaRPr lang="zh-TW" altLang="en-US" sz="3200" dirty="0"/>
+          </a:p>
+        </p:txBody>
+      </p:sp>
+      <p:sp>
+        <p:nvSpPr>
+          <p:cNvPr id="14" name="文字方塊 13">
+            <a:extLst>
+              <a:ext uri="{FF2B5EF4-FFF2-40B4-BE49-F238E27FC236}">
+                <a16:creationId xmlns:a16="http://schemas.microsoft.com/office/drawing/2014/main" id="{E4E592F9-FC71-4DD1-9118-16844995CC7F}"/>
+              </a:ext>
+            </a:extLst>
+          </p:cNvPr>
+          <p:cNvSpPr txBox="1"/>
+          <p:nvPr/>
+        </p:nvSpPr>
+        <p:spPr>
+          <a:xfrm>
+            <a:off x="2022446" y="1365672"/>
+            <a:ext cx="5373306" cy="646331"/>
+          </a:xfrm>
+          <a:prstGeom prst="rect">
+            <a:avLst/>
+          </a:prstGeom>
+          <a:noFill/>
+        </p:spPr>
+        <p:txBody>
+          <a:bodyPr wrap="square">
+            <a:spAutoFit/>
+          </a:bodyPr>
+          <a:lstStyle/>
+          <a:p>
+            <a:pPr marL="285750" indent="-285750">
+              <a:buFont typeface="Arial" panose="020B0604020202020204" pitchFamily="34" charset="0"/>
+              <a:buChar char="•"/>
+            </a:pPr>
+            <a:r>
+              <a:rPr lang="zh-TW" altLang="en-US" dirty="0">
+                <a:latin typeface="標楷體" panose="03000509000000000000" pitchFamily="65" charset="-120"/>
+                <a:ea typeface="標楷體" panose="03000509000000000000" pitchFamily="65" charset="-120"/>
+              </a:rPr>
+              <a:t>整體波形模擬</a:t>
+            </a:r>
+            <a:r>
+              <a:rPr lang="en-US" altLang="zh-TW" dirty="0">
+                <a:latin typeface="標楷體" panose="03000509000000000000" pitchFamily="65" charset="-120"/>
+                <a:ea typeface="標楷體" panose="03000509000000000000" pitchFamily="65" charset="-120"/>
+              </a:rPr>
+              <a:t>:</a:t>
+            </a:r>
+          </a:p>
+          <a:p>
+            <a:pPr marL="742950" lvl="1" indent="-285750">
+              <a:buFont typeface="Arial" panose="020B0604020202020204" pitchFamily="34" charset="0"/>
+              <a:buChar char="•"/>
+            </a:pPr>
+            <a:r>
+              <a:rPr lang="zh-TW" altLang="en-US" dirty="0">
+                <a:latin typeface="標楷體" panose="03000509000000000000" pitchFamily="65" charset="-120"/>
+                <a:ea typeface="標楷體" panose="03000509000000000000" pitchFamily="65" charset="-120"/>
+              </a:rPr>
+              <a:t>灰階圖片</a:t>
+            </a:r>
+            <a:r>
+              <a:rPr lang="en-US" altLang="zh-TW" dirty="0">
+                <a:latin typeface="標楷體" panose="03000509000000000000" pitchFamily="65" charset="-120"/>
+                <a:ea typeface="標楷體" panose="03000509000000000000" pitchFamily="65" charset="-120"/>
+              </a:rPr>
+              <a:t>: 640x480 (8bits)</a:t>
+            </a:r>
+            <a:endParaRPr lang="zh-TW" altLang="en-US" dirty="0">
+              <a:latin typeface="標楷體" panose="03000509000000000000" pitchFamily="65" charset="-120"/>
+              <a:ea typeface="標楷體" panose="03000509000000000000" pitchFamily="65" charset="-120"/>
+            </a:endParaRPr>
+          </a:p>
+        </p:txBody>
+      </p:sp>
+      <p:sp>
+        <p:nvSpPr>
+          <p:cNvPr id="10" name="文字方塊 9">
+            <a:extLst>
+              <a:ext uri="{FF2B5EF4-FFF2-40B4-BE49-F238E27FC236}">
+                <a16:creationId xmlns:a16="http://schemas.microsoft.com/office/drawing/2014/main" id="{E24CD2C8-46A2-450C-9CA0-485274647932}"/>
+              </a:ext>
+            </a:extLst>
+          </p:cNvPr>
+          <p:cNvSpPr txBox="1"/>
+          <p:nvPr/>
+        </p:nvSpPr>
+        <p:spPr>
+          <a:xfrm>
+            <a:off x="4634705" y="5680911"/>
+            <a:ext cx="2922590" cy="441453"/>
+          </a:xfrm>
+          <a:prstGeom prst="rect">
+            <a:avLst/>
+          </a:prstGeom>
+          <a:noFill/>
+        </p:spPr>
+        <p:txBody>
+          <a:bodyPr wrap="square">
+            <a:spAutoFit/>
+          </a:bodyPr>
+          <a:lstStyle/>
+          <a:p>
+            <a:r>
+              <a:rPr lang="zh-TW" altLang="en-US" dirty="0">
+                <a:latin typeface="標楷體" panose="03000509000000000000" pitchFamily="65" charset="-120"/>
+                <a:ea typeface="標楷體" panose="03000509000000000000" pitchFamily="65" charset="-120"/>
+              </a:rPr>
+              <a:t>圖</a:t>
+            </a:r>
+            <a:r>
+              <a:rPr lang="en-US" altLang="zh-TW" dirty="0">
+                <a:latin typeface="標楷體" panose="03000509000000000000" pitchFamily="65" charset="-120"/>
+                <a:ea typeface="標楷體" panose="03000509000000000000" pitchFamily="65" charset="-120"/>
+              </a:rPr>
+              <a:t>4.</a:t>
+            </a:r>
+            <a:r>
+              <a:rPr lang="en-US" altLang="zh-TW" dirty="0">
+                <a:latin typeface="Times New Roman" panose="02020603050405020304" pitchFamily="18" charset="0"/>
+                <a:ea typeface="標楷體" panose="03000509000000000000" pitchFamily="65" charset="-120"/>
+              </a:rPr>
+              <a:t>Bram_Sobel</a:t>
+            </a:r>
+            <a:r>
+              <a:rPr lang="zh-TW" altLang="en-US" dirty="0">
+                <a:latin typeface="標楷體" panose="03000509000000000000" pitchFamily="65" charset="-120"/>
+                <a:ea typeface="標楷體" panose="03000509000000000000" pitchFamily="65" charset="-120"/>
+              </a:rPr>
+              <a:t>單幀全圖</a:t>
+            </a:r>
+          </a:p>
+        </p:txBody>
+      </p:sp>
+    </p:spTree>
+    <p:extLst>
+      <p:ext uri="{BB962C8B-B14F-4D97-AF65-F5344CB8AC3E}">
+        <p14:creationId xmlns:p14="http://schemas.microsoft.com/office/powerpoint/2010/main" val="2521528417"/>
+      </p:ext>
+    </p:extLst>
+  </p:cSld>
+  <p:clrMapOvr>
+    <a:masterClrMapping/>
+  </p:clrMapOvr>
+</p:sld>
+</file>
+
+<file path=ppt/slides/slide3.xml><?xml version="1.0" encoding="utf-8"?>
+<p:sld xmlns:a="http://schemas.openxmlformats.org/drawingml/2006/main" xmlns:r="http://schemas.openxmlformats.org/officeDocument/2006/relationships" xmlns:p="http://schemas.openxmlformats.org/presentationml/2006/main">
+  <p:cSld>
+    <p:spTree>
+      <p:nvGrpSpPr>
+        <p:cNvPr id="1" name=""/>
+        <p:cNvGrpSpPr/>
+        <p:nvPr/>
+      </p:nvGrpSpPr>
+      <p:grpSpPr>
+        <a:xfrm>
+          <a:off x="0" y="0"/>
+          <a:ext cx="0" cy="0"/>
+          <a:chOff x="0" y="0"/>
+          <a:chExt cx="0" cy="0"/>
+        </a:xfrm>
+      </p:grpSpPr>
+      <p:sp>
+        <p:nvSpPr>
+          <p:cNvPr id="3" name="標題 2"/>
+          <p:cNvSpPr>
+            <a:spLocks noGrp="1"/>
+          </p:cNvSpPr>
+          <p:nvPr>
+            <p:ph type="title"/>
+          </p:nvPr>
+        </p:nvSpPr>
+        <p:spPr/>
+        <p:txBody>
+          <a:bodyPr/>
+          <a:lstStyle/>
+          <a:p>
+            <a:r>
+              <a:rPr lang="zh-TW" altLang="en-US" dirty="0"/>
+              <a:t>控管記錄 </a:t>
+            </a:r>
+            <a:r>
+              <a:rPr lang="en-US" altLang="zh-TW" dirty="0"/>
+              <a:t>–</a:t>
+            </a:r>
+            <a:r>
+              <a:rPr lang="zh-TW" altLang="en-US" dirty="0"/>
+              <a:t> </a:t>
+            </a:r>
+            <a:r>
+              <a:rPr lang="en-US" altLang="zh-TW" dirty="0"/>
+              <a:t>NAS</a:t>
+            </a:r>
+            <a:r>
+              <a:rPr lang="zh-TW" altLang="en-US" dirty="0"/>
+              <a:t> </a:t>
+            </a:r>
+            <a:r>
+              <a:rPr lang="en-US" altLang="zh-TW" dirty="0"/>
+              <a:t>(</a:t>
+            </a:r>
+            <a:r>
+              <a:rPr lang="en-US" altLang="zh-TW" sz="4400" dirty="0"/>
+              <a:t>2023/6/1</a:t>
+            </a:r>
+            <a:r>
+              <a:rPr lang="en-US" altLang="zh-TW" dirty="0"/>
+              <a:t>)</a:t>
+            </a:r>
+            <a:endParaRPr lang="zh-TW" altLang="en-US" dirty="0"/>
+          </a:p>
+        </p:txBody>
+      </p:sp>
+      <p:sp>
+        <p:nvSpPr>
+          <p:cNvPr id="9" name="矩形 8">
+            <a:extLst>
+              <a:ext uri="{FF2B5EF4-FFF2-40B4-BE49-F238E27FC236}">
+                <a16:creationId xmlns:a16="http://schemas.microsoft.com/office/drawing/2014/main" id="{1F596EB5-194B-41DD-9405-83C981B5180E}"/>
+              </a:ext>
+            </a:extLst>
+          </p:cNvPr>
+          <p:cNvSpPr/>
+          <p:nvPr/>
+        </p:nvSpPr>
+        <p:spPr>
+          <a:xfrm>
+            <a:off x="92279" y="1235933"/>
+            <a:ext cx="3120704" cy="1323439"/>
+          </a:xfrm>
+          <a:prstGeom prst="rect">
+            <a:avLst/>
+          </a:prstGeom>
+        </p:spPr>
+        <p:txBody>
+          <a:bodyPr wrap="square">
+            <a:spAutoFit/>
+          </a:bodyPr>
+          <a:lstStyle/>
+          <a:p>
+            <a:pPr marL="285750" lvl="1" indent="-285750"/>
+            <a:r>
+              <a:rPr lang="zh-TW" altLang="en-US" sz="2000" dirty="0">
+                <a:latin typeface="Times New Roman" panose="02020603050405020304" pitchFamily="18" charset="0"/>
+                <a:ea typeface="標楷體" panose="03000509000000000000" pitchFamily="65" charset="-120"/>
+              </a:rPr>
+              <a:t>本週更新：</a:t>
+            </a:r>
+            <a:endParaRPr lang="en-US" altLang="zh-TW" sz="2000" dirty="0">
+              <a:latin typeface="Times New Roman" panose="02020603050405020304" pitchFamily="18" charset="0"/>
+              <a:ea typeface="標楷體" panose="03000509000000000000" pitchFamily="65" charset="-120"/>
+            </a:endParaRPr>
+          </a:p>
+          <a:p>
+            <a:pPr marL="285750" lvl="1" indent="-285750"/>
+            <a:r>
+              <a:rPr lang="en-US" altLang="zh-TW" sz="2000" dirty="0">
+                <a:latin typeface="Times New Roman" panose="02020603050405020304" pitchFamily="18" charset="0"/>
+                <a:ea typeface="標楷體" panose="03000509000000000000" pitchFamily="65" charset="-120"/>
+              </a:rPr>
+              <a:t>N02-Architecture</a:t>
+            </a:r>
+          </a:p>
+          <a:p>
+            <a:pPr marL="285750" lvl="1" indent="-285750"/>
+            <a:r>
+              <a:rPr lang="en-US" altLang="zh-TW" sz="2000" dirty="0">
+                <a:latin typeface="Times New Roman" panose="02020603050405020304" pitchFamily="18" charset="0"/>
+                <a:ea typeface="標楷體" panose="03000509000000000000" pitchFamily="65" charset="-120"/>
+              </a:rPr>
+              <a:t>N06-Demo&amp;ppt</a:t>
+            </a:r>
+          </a:p>
+          <a:p>
+            <a:pPr marL="285750" lvl="1" indent="-285750"/>
+            <a:endParaRPr lang="en-US" altLang="zh-TW" sz="2000" dirty="0">
+              <a:latin typeface="Times New Roman" panose="02020603050405020304" pitchFamily="18" charset="0"/>
+              <a:ea typeface="標楷體" panose="03000509000000000000" pitchFamily="65" charset="-120"/>
+            </a:endParaRPr>
+          </a:p>
+        </p:txBody>
+      </p:sp>
+      <p:pic>
+        <p:nvPicPr>
+          <p:cNvPr id="5" name="圖片 4">
+            <a:extLst>
+              <a:ext uri="{FF2B5EF4-FFF2-40B4-BE49-F238E27FC236}">
+                <a16:creationId xmlns:a16="http://schemas.microsoft.com/office/drawing/2014/main" id="{F41C6442-BFD2-43E2-832F-6592A009E81F}"/>
+              </a:ext>
+            </a:extLst>
+          </p:cNvPr>
+          <p:cNvPicPr>
+            <a:picLocks noChangeAspect="1"/>
+          </p:cNvPicPr>
+          <p:nvPr/>
+        </p:nvPicPr>
+        <p:blipFill>
+          <a:blip r:embed="rId2"/>
+          <a:stretch>
+            <a:fillRect/>
+          </a:stretch>
+        </p:blipFill>
+        <p:spPr>
+          <a:xfrm>
+            <a:off x="2217577" y="1235933"/>
+            <a:ext cx="7756845" cy="4849341"/>
+          </a:xfrm>
+          <a:prstGeom prst="rect">
+            <a:avLst/>
+          </a:prstGeom>
+        </p:spPr>
+      </p:pic>
+    </p:spTree>
+    <p:extLst>
+      <p:ext uri="{BB962C8B-B14F-4D97-AF65-F5344CB8AC3E}">
+        <p14:creationId xmlns:p14="http://schemas.microsoft.com/office/powerpoint/2010/main" val="1564532926"/>
+      </p:ext>
+    </p:extLst>
+  </p:cSld>
+  <p:clrMapOvr>
+    <a:masterClrMapping/>
+  </p:clrMapOvr>
+</p:sld>
+</file>
+
+<file path=ppt/slides/slide30.xml><?xml version="1.0" encoding="utf-8"?>
+<p:sld xmlns:a="http://schemas.openxmlformats.org/drawingml/2006/main" xmlns:r="http://schemas.openxmlformats.org/officeDocument/2006/relationships" xmlns:p="http://schemas.openxmlformats.org/presentationml/2006/main">
+  <p:cSld>
+    <p:spTree>
+      <p:nvGrpSpPr>
+        <p:cNvPr id="1" name=""/>
+        <p:cNvGrpSpPr/>
+        <p:nvPr/>
+      </p:nvGrpSpPr>
+      <p:grpSpPr>
+        <a:xfrm>
+          <a:off x="0" y="0"/>
+          <a:ext cx="0" cy="0"/>
+          <a:chOff x="0" y="0"/>
+          <a:chExt cx="0" cy="0"/>
+        </a:xfrm>
+      </p:grpSpPr>
+      <p:sp>
+        <p:nvSpPr>
+          <p:cNvPr id="3" name="標題 2"/>
+          <p:cNvSpPr>
+            <a:spLocks noGrp="1"/>
+          </p:cNvSpPr>
+          <p:nvPr>
+            <p:ph type="title"/>
+          </p:nvPr>
+        </p:nvSpPr>
+        <p:spPr>
+          <a:xfrm>
+            <a:off x="838200" y="365125"/>
+            <a:ext cx="10515600" cy="720000"/>
+          </a:xfrm>
+        </p:spPr>
+        <p:txBody>
+          <a:bodyPr>
+            <a:noAutofit/>
+          </a:bodyPr>
+          <a:lstStyle/>
+          <a:p>
+            <a:r>
+              <a:rPr lang="zh-TW" altLang="en-US" sz="3200" dirty="0"/>
+              <a:t>成果展示 </a:t>
+            </a:r>
+            <a:r>
+              <a:rPr lang="en-US" altLang="zh-TW" sz="3200" dirty="0"/>
+              <a:t>– </a:t>
+            </a:r>
+            <a:r>
+              <a:rPr lang="en-US" altLang="zh-TW" sz="3200" dirty="0" err="1"/>
+              <a:t>NonMaxSuppression</a:t>
+            </a:r>
+            <a:endParaRPr lang="zh-TW" altLang="en-US" sz="3200" dirty="0"/>
+          </a:p>
+        </p:txBody>
+      </p:sp>
+      <p:sp>
+        <p:nvSpPr>
+          <p:cNvPr id="14" name="文字方塊 13">
+            <a:extLst>
+              <a:ext uri="{FF2B5EF4-FFF2-40B4-BE49-F238E27FC236}">
+                <a16:creationId xmlns:a16="http://schemas.microsoft.com/office/drawing/2014/main" id="{E4E592F9-FC71-4DD1-9118-16844995CC7F}"/>
+              </a:ext>
+            </a:extLst>
+          </p:cNvPr>
+          <p:cNvSpPr txBox="1"/>
+          <p:nvPr/>
+        </p:nvSpPr>
+        <p:spPr>
+          <a:xfrm>
+            <a:off x="2022446" y="1365672"/>
+            <a:ext cx="5373306" cy="646331"/>
+          </a:xfrm>
+          <a:prstGeom prst="rect">
+            <a:avLst/>
+          </a:prstGeom>
+          <a:noFill/>
+        </p:spPr>
+        <p:txBody>
+          <a:bodyPr wrap="square">
+            <a:spAutoFit/>
+          </a:bodyPr>
+          <a:lstStyle/>
+          <a:p>
+            <a:pPr marL="285750" indent="-285750">
+              <a:buFont typeface="Arial" panose="020B0604020202020204" pitchFamily="34" charset="0"/>
+              <a:buChar char="•"/>
+            </a:pPr>
+            <a:r>
+              <a:rPr lang="zh-TW" altLang="en-US" dirty="0">
+                <a:latin typeface="標楷體" panose="03000509000000000000" pitchFamily="65" charset="-120"/>
+                <a:ea typeface="標楷體" panose="03000509000000000000" pitchFamily="65" charset="-120"/>
+              </a:rPr>
+              <a:t>整體波形模擬</a:t>
+            </a:r>
+            <a:r>
+              <a:rPr lang="en-US" altLang="zh-TW" dirty="0">
+                <a:latin typeface="標楷體" panose="03000509000000000000" pitchFamily="65" charset="-120"/>
+                <a:ea typeface="標楷體" panose="03000509000000000000" pitchFamily="65" charset="-120"/>
+              </a:rPr>
+              <a:t>:</a:t>
+            </a:r>
+          </a:p>
+          <a:p>
+            <a:pPr marL="742950" lvl="1" indent="-285750">
+              <a:buFont typeface="Arial" panose="020B0604020202020204" pitchFamily="34" charset="0"/>
+              <a:buChar char="•"/>
+            </a:pPr>
+            <a:r>
+              <a:rPr lang="zh-TW" altLang="en-US" dirty="0">
+                <a:latin typeface="標楷體" panose="03000509000000000000" pitchFamily="65" charset="-120"/>
+                <a:ea typeface="標楷體" panose="03000509000000000000" pitchFamily="65" charset="-120"/>
+              </a:rPr>
+              <a:t>灰階圖片</a:t>
+            </a:r>
+            <a:r>
+              <a:rPr lang="en-US" altLang="zh-TW" dirty="0">
+                <a:latin typeface="標楷體" panose="03000509000000000000" pitchFamily="65" charset="-120"/>
+                <a:ea typeface="標楷體" panose="03000509000000000000" pitchFamily="65" charset="-120"/>
+              </a:rPr>
+              <a:t>: 640x480 (8bits)</a:t>
+            </a:r>
+            <a:endParaRPr lang="zh-TW" altLang="en-US" dirty="0">
+              <a:latin typeface="標楷體" panose="03000509000000000000" pitchFamily="65" charset="-120"/>
+              <a:ea typeface="標楷體" panose="03000509000000000000" pitchFamily="65" charset="-120"/>
+            </a:endParaRPr>
+          </a:p>
+        </p:txBody>
+      </p:sp>
+      <p:sp>
+        <p:nvSpPr>
+          <p:cNvPr id="10" name="文字方塊 9">
+            <a:extLst>
+              <a:ext uri="{FF2B5EF4-FFF2-40B4-BE49-F238E27FC236}">
+                <a16:creationId xmlns:a16="http://schemas.microsoft.com/office/drawing/2014/main" id="{E24CD2C8-46A2-450C-9CA0-485274647932}"/>
+              </a:ext>
+            </a:extLst>
+          </p:cNvPr>
+          <p:cNvSpPr txBox="1"/>
+          <p:nvPr/>
+        </p:nvSpPr>
+        <p:spPr>
+          <a:xfrm>
+            <a:off x="4634705" y="5680911"/>
+            <a:ext cx="2922590" cy="441453"/>
+          </a:xfrm>
+          <a:prstGeom prst="rect">
+            <a:avLst/>
+          </a:prstGeom>
+          <a:noFill/>
+        </p:spPr>
+        <p:txBody>
+          <a:bodyPr wrap="square">
+            <a:spAutoFit/>
+          </a:bodyPr>
+          <a:lstStyle/>
+          <a:p>
+            <a:r>
+              <a:rPr lang="zh-TW" altLang="en-US" dirty="0">
+                <a:latin typeface="標楷體" panose="03000509000000000000" pitchFamily="65" charset="-120"/>
+                <a:ea typeface="標楷體" panose="03000509000000000000" pitchFamily="65" charset="-120"/>
+              </a:rPr>
+              <a:t>圖</a:t>
+            </a:r>
+            <a:r>
+              <a:rPr lang="en-US" altLang="zh-TW" dirty="0">
+                <a:latin typeface="標楷體" panose="03000509000000000000" pitchFamily="65" charset="-120"/>
+                <a:ea typeface="標楷體" panose="03000509000000000000" pitchFamily="65" charset="-120"/>
+              </a:rPr>
+              <a:t>4.</a:t>
+            </a:r>
+            <a:r>
+              <a:rPr lang="en-US" altLang="zh-TW" dirty="0">
+                <a:latin typeface="Times New Roman" panose="02020603050405020304" pitchFamily="18" charset="0"/>
+                <a:ea typeface="標楷體" panose="03000509000000000000" pitchFamily="65" charset="-120"/>
+              </a:rPr>
+              <a:t>Bram_Sobel</a:t>
+            </a:r>
+            <a:r>
+              <a:rPr lang="zh-TW" altLang="en-US" dirty="0">
+                <a:latin typeface="標楷體" panose="03000509000000000000" pitchFamily="65" charset="-120"/>
+                <a:ea typeface="標楷體" panose="03000509000000000000" pitchFamily="65" charset="-120"/>
+              </a:rPr>
+              <a:t>單幀全圖</a:t>
+            </a:r>
+          </a:p>
+        </p:txBody>
+      </p:sp>
+    </p:spTree>
+    <p:extLst>
+      <p:ext uri="{BB962C8B-B14F-4D97-AF65-F5344CB8AC3E}">
+        <p14:creationId xmlns:p14="http://schemas.microsoft.com/office/powerpoint/2010/main" val="969244721"/>
+      </p:ext>
+    </p:extLst>
+  </p:cSld>
+  <p:clrMapOvr>
+    <a:masterClrMapping/>
+  </p:clrMapOvr>
+</p:sld>
+</file>
+
+<file path=ppt/slides/slide31.xml><?xml version="1.0" encoding="utf-8"?>
+<p:sld xmlns:a="http://schemas.openxmlformats.org/drawingml/2006/main" xmlns:r="http://schemas.openxmlformats.org/officeDocument/2006/relationships" xmlns:p="http://schemas.openxmlformats.org/presentationml/2006/main">
+  <p:cSld>
+    <p:spTree>
+      <p:nvGrpSpPr>
+        <p:cNvPr id="1" name=""/>
+        <p:cNvGrpSpPr/>
+        <p:nvPr/>
+      </p:nvGrpSpPr>
+      <p:grpSpPr>
+        <a:xfrm>
+          <a:off x="0" y="0"/>
+          <a:ext cx="0" cy="0"/>
+          <a:chOff x="0" y="0"/>
+          <a:chExt cx="0" cy="0"/>
+        </a:xfrm>
+      </p:grpSpPr>
+      <p:sp>
+        <p:nvSpPr>
+          <p:cNvPr id="3" name="標題 2"/>
+          <p:cNvSpPr>
+            <a:spLocks noGrp="1"/>
+          </p:cNvSpPr>
+          <p:nvPr>
+            <p:ph type="title"/>
+          </p:nvPr>
+        </p:nvSpPr>
+        <p:spPr>
+          <a:xfrm>
+            <a:off x="838200" y="365125"/>
+            <a:ext cx="10515600" cy="720000"/>
+          </a:xfrm>
+        </p:spPr>
+        <p:txBody>
+          <a:bodyPr>
+            <a:noAutofit/>
+          </a:bodyPr>
+          <a:lstStyle/>
+          <a:p>
+            <a:r>
+              <a:rPr lang="zh-TW" altLang="en-US" sz="3200" dirty="0"/>
+              <a:t>成果展示 </a:t>
+            </a:r>
+            <a:r>
+              <a:rPr lang="en-US" altLang="zh-TW" sz="3200" dirty="0"/>
+              <a:t>– Hysteresis(</a:t>
+            </a:r>
+            <a:r>
+              <a:rPr lang="zh-TW" altLang="en-US" sz="3200" dirty="0"/>
+              <a:t>強</a:t>
+            </a:r>
+            <a:r>
+              <a:rPr lang="en-US" altLang="zh-TW" sz="3200" dirty="0"/>
+              <a:t>,</a:t>
+            </a:r>
+            <a:r>
+              <a:rPr lang="zh-TW" altLang="en-US" sz="3200" dirty="0"/>
+              <a:t>中</a:t>
+            </a:r>
+            <a:r>
+              <a:rPr lang="en-US" altLang="zh-TW" sz="3200" dirty="0"/>
+              <a:t>,</a:t>
+            </a:r>
+            <a:r>
+              <a:rPr lang="zh-TW" altLang="en-US" sz="3200" dirty="0"/>
+              <a:t>弱邊緣</a:t>
+            </a:r>
+            <a:r>
+              <a:rPr lang="en-US" altLang="zh-TW" sz="3200" dirty="0"/>
+              <a:t>)</a:t>
+            </a:r>
+            <a:endParaRPr lang="zh-TW" altLang="en-US" sz="3200" dirty="0"/>
+          </a:p>
+        </p:txBody>
+      </p:sp>
+      <p:sp>
+        <p:nvSpPr>
+          <p:cNvPr id="14" name="文字方塊 13">
+            <a:extLst>
+              <a:ext uri="{FF2B5EF4-FFF2-40B4-BE49-F238E27FC236}">
+                <a16:creationId xmlns:a16="http://schemas.microsoft.com/office/drawing/2014/main" id="{E4E592F9-FC71-4DD1-9118-16844995CC7F}"/>
+              </a:ext>
+            </a:extLst>
+          </p:cNvPr>
+          <p:cNvSpPr txBox="1"/>
+          <p:nvPr/>
+        </p:nvSpPr>
+        <p:spPr>
+          <a:xfrm>
+            <a:off x="2022446" y="1365672"/>
+            <a:ext cx="5373306" cy="646331"/>
+          </a:xfrm>
+          <a:prstGeom prst="rect">
+            <a:avLst/>
+          </a:prstGeom>
+          <a:noFill/>
+        </p:spPr>
+        <p:txBody>
+          <a:bodyPr wrap="square">
+            <a:spAutoFit/>
+          </a:bodyPr>
+          <a:lstStyle/>
+          <a:p>
+            <a:pPr marL="285750" indent="-285750">
+              <a:buFont typeface="Arial" panose="020B0604020202020204" pitchFamily="34" charset="0"/>
+              <a:buChar char="•"/>
+            </a:pPr>
+            <a:r>
+              <a:rPr lang="zh-TW" altLang="en-US" dirty="0">
+                <a:latin typeface="標楷體" panose="03000509000000000000" pitchFamily="65" charset="-120"/>
+                <a:ea typeface="標楷體" panose="03000509000000000000" pitchFamily="65" charset="-120"/>
+              </a:rPr>
+              <a:t>整體波形模擬</a:t>
+            </a:r>
+            <a:r>
+              <a:rPr lang="en-US" altLang="zh-TW" dirty="0">
+                <a:latin typeface="標楷體" panose="03000509000000000000" pitchFamily="65" charset="-120"/>
+                <a:ea typeface="標楷體" panose="03000509000000000000" pitchFamily="65" charset="-120"/>
+              </a:rPr>
+              <a:t>:</a:t>
+            </a:r>
+          </a:p>
+          <a:p>
+            <a:pPr marL="742950" lvl="1" indent="-285750">
+              <a:buFont typeface="Arial" panose="020B0604020202020204" pitchFamily="34" charset="0"/>
+              <a:buChar char="•"/>
+            </a:pPr>
+            <a:r>
+              <a:rPr lang="zh-TW" altLang="en-US" dirty="0">
+                <a:latin typeface="標楷體" panose="03000509000000000000" pitchFamily="65" charset="-120"/>
+                <a:ea typeface="標楷體" panose="03000509000000000000" pitchFamily="65" charset="-120"/>
+              </a:rPr>
+              <a:t>灰階圖片</a:t>
+            </a:r>
+            <a:r>
+              <a:rPr lang="en-US" altLang="zh-TW" dirty="0">
+                <a:latin typeface="標楷體" panose="03000509000000000000" pitchFamily="65" charset="-120"/>
+                <a:ea typeface="標楷體" panose="03000509000000000000" pitchFamily="65" charset="-120"/>
+              </a:rPr>
+              <a:t>: 640x480 (8bits)</a:t>
+            </a:r>
+            <a:endParaRPr lang="zh-TW" altLang="en-US" dirty="0">
+              <a:latin typeface="標楷體" panose="03000509000000000000" pitchFamily="65" charset="-120"/>
+              <a:ea typeface="標楷體" panose="03000509000000000000" pitchFamily="65" charset="-120"/>
+            </a:endParaRPr>
+          </a:p>
+        </p:txBody>
+      </p:sp>
+      <p:sp>
+        <p:nvSpPr>
+          <p:cNvPr id="10" name="文字方塊 9">
+            <a:extLst>
+              <a:ext uri="{FF2B5EF4-FFF2-40B4-BE49-F238E27FC236}">
+                <a16:creationId xmlns:a16="http://schemas.microsoft.com/office/drawing/2014/main" id="{E24CD2C8-46A2-450C-9CA0-485274647932}"/>
+              </a:ext>
+            </a:extLst>
+          </p:cNvPr>
+          <p:cNvSpPr txBox="1"/>
+          <p:nvPr/>
+        </p:nvSpPr>
+        <p:spPr>
+          <a:xfrm>
+            <a:off x="4634705" y="5680911"/>
+            <a:ext cx="2922590" cy="441453"/>
+          </a:xfrm>
+          <a:prstGeom prst="rect">
+            <a:avLst/>
+          </a:prstGeom>
+          <a:noFill/>
+        </p:spPr>
+        <p:txBody>
+          <a:bodyPr wrap="square">
+            <a:spAutoFit/>
+          </a:bodyPr>
+          <a:lstStyle/>
+          <a:p>
+            <a:r>
+              <a:rPr lang="zh-TW" altLang="en-US" dirty="0">
+                <a:latin typeface="標楷體" panose="03000509000000000000" pitchFamily="65" charset="-120"/>
+                <a:ea typeface="標楷體" panose="03000509000000000000" pitchFamily="65" charset="-120"/>
+              </a:rPr>
+              <a:t>圖</a:t>
+            </a:r>
+            <a:r>
+              <a:rPr lang="en-US" altLang="zh-TW" dirty="0">
+                <a:latin typeface="標楷體" panose="03000509000000000000" pitchFamily="65" charset="-120"/>
+                <a:ea typeface="標楷體" panose="03000509000000000000" pitchFamily="65" charset="-120"/>
+              </a:rPr>
+              <a:t>4.</a:t>
+            </a:r>
+            <a:r>
+              <a:rPr lang="en-US" altLang="zh-TW" dirty="0">
+                <a:latin typeface="Times New Roman" panose="02020603050405020304" pitchFamily="18" charset="0"/>
+                <a:ea typeface="標楷體" panose="03000509000000000000" pitchFamily="65" charset="-120"/>
+              </a:rPr>
+              <a:t>Bram_Sobel</a:t>
+            </a:r>
+            <a:r>
+              <a:rPr lang="zh-TW" altLang="en-US" dirty="0">
+                <a:latin typeface="標楷體" panose="03000509000000000000" pitchFamily="65" charset="-120"/>
+                <a:ea typeface="標楷體" panose="03000509000000000000" pitchFamily="65" charset="-120"/>
+              </a:rPr>
+              <a:t>單幀全圖</a:t>
+            </a:r>
+          </a:p>
+        </p:txBody>
+      </p:sp>
+    </p:spTree>
+    <p:extLst>
+      <p:ext uri="{BB962C8B-B14F-4D97-AF65-F5344CB8AC3E}">
+        <p14:creationId xmlns:p14="http://schemas.microsoft.com/office/powerpoint/2010/main" val="3120443573"/>
+      </p:ext>
+    </p:extLst>
+  </p:cSld>
+  <p:clrMapOvr>
+    <a:masterClrMapping/>
+  </p:clrMapOvr>
+</p:sld>
+</file>
+
+<file path=ppt/slides/slide32.xml><?xml version="1.0" encoding="utf-8"?>
+<p:sld xmlns:a="http://schemas.openxmlformats.org/drawingml/2006/main" xmlns:r="http://schemas.openxmlformats.org/officeDocument/2006/relationships" xmlns:p="http://schemas.openxmlformats.org/presentationml/2006/main">
+  <p:cSld>
+    <p:spTree>
+      <p:nvGrpSpPr>
+        <p:cNvPr id="1" name=""/>
+        <p:cNvGrpSpPr/>
+        <p:nvPr/>
+      </p:nvGrpSpPr>
+      <p:grpSpPr>
+        <a:xfrm>
+          <a:off x="0" y="0"/>
+          <a:ext cx="0" cy="0"/>
+          <a:chOff x="0" y="0"/>
+          <a:chExt cx="0" cy="0"/>
+        </a:xfrm>
+      </p:grpSpPr>
+      <p:sp>
+        <p:nvSpPr>
+          <p:cNvPr id="3" name="標題 2"/>
+          <p:cNvSpPr>
+            <a:spLocks noGrp="1"/>
+          </p:cNvSpPr>
+          <p:nvPr>
+            <p:ph type="title"/>
+          </p:nvPr>
+        </p:nvSpPr>
+        <p:spPr>
+          <a:xfrm>
+            <a:off x="838200" y="365125"/>
+            <a:ext cx="10515600" cy="720000"/>
+          </a:xfrm>
+        </p:spPr>
+        <p:txBody>
+          <a:bodyPr>
+            <a:noAutofit/>
+          </a:bodyPr>
+          <a:lstStyle/>
+          <a:p>
+            <a:r>
+              <a:rPr lang="zh-TW" altLang="en-US" sz="3200" dirty="0"/>
+              <a:t>成果展示 </a:t>
+            </a:r>
+            <a:r>
+              <a:rPr lang="en-US" altLang="zh-TW" sz="3200" dirty="0"/>
+              <a:t>– Hysteresis(</a:t>
+            </a:r>
+            <a:r>
+              <a:rPr lang="zh-TW" altLang="en-US" sz="3200" dirty="0"/>
+              <a:t>二值化</a:t>
+            </a:r>
+            <a:r>
+              <a:rPr lang="en-US" altLang="zh-TW" sz="3200" dirty="0"/>
+              <a:t>)</a:t>
+            </a:r>
+            <a:endParaRPr lang="zh-TW" altLang="en-US" sz="3200" dirty="0"/>
+          </a:p>
+        </p:txBody>
+      </p:sp>
+      <p:sp>
+        <p:nvSpPr>
+          <p:cNvPr id="14" name="文字方塊 13">
+            <a:extLst>
+              <a:ext uri="{FF2B5EF4-FFF2-40B4-BE49-F238E27FC236}">
+                <a16:creationId xmlns:a16="http://schemas.microsoft.com/office/drawing/2014/main" id="{E4E592F9-FC71-4DD1-9118-16844995CC7F}"/>
+              </a:ext>
+            </a:extLst>
+          </p:cNvPr>
+          <p:cNvSpPr txBox="1"/>
+          <p:nvPr/>
+        </p:nvSpPr>
+        <p:spPr>
+          <a:xfrm>
+            <a:off x="2022446" y="1365672"/>
+            <a:ext cx="5373306" cy="646331"/>
+          </a:xfrm>
+          <a:prstGeom prst="rect">
+            <a:avLst/>
+          </a:prstGeom>
+          <a:noFill/>
+        </p:spPr>
+        <p:txBody>
+          <a:bodyPr wrap="square">
+            <a:spAutoFit/>
+          </a:bodyPr>
+          <a:lstStyle/>
+          <a:p>
+            <a:pPr marL="285750" indent="-285750">
+              <a:buFont typeface="Arial" panose="020B0604020202020204" pitchFamily="34" charset="0"/>
+              <a:buChar char="•"/>
+            </a:pPr>
+            <a:r>
+              <a:rPr lang="zh-TW" altLang="en-US" dirty="0">
+                <a:latin typeface="標楷體" panose="03000509000000000000" pitchFamily="65" charset="-120"/>
+                <a:ea typeface="標楷體" panose="03000509000000000000" pitchFamily="65" charset="-120"/>
+              </a:rPr>
+              <a:t>整體波形模擬</a:t>
+            </a:r>
+            <a:r>
+              <a:rPr lang="en-US" altLang="zh-TW" dirty="0">
+                <a:latin typeface="標楷體" panose="03000509000000000000" pitchFamily="65" charset="-120"/>
+                <a:ea typeface="標楷體" panose="03000509000000000000" pitchFamily="65" charset="-120"/>
+              </a:rPr>
+              <a:t>:</a:t>
+            </a:r>
+          </a:p>
+          <a:p>
+            <a:pPr marL="742950" lvl="1" indent="-285750">
+              <a:buFont typeface="Arial" panose="020B0604020202020204" pitchFamily="34" charset="0"/>
+              <a:buChar char="•"/>
+            </a:pPr>
+            <a:r>
+              <a:rPr lang="zh-TW" altLang="en-US" dirty="0">
+                <a:latin typeface="標楷體" panose="03000509000000000000" pitchFamily="65" charset="-120"/>
+                <a:ea typeface="標楷體" panose="03000509000000000000" pitchFamily="65" charset="-120"/>
+              </a:rPr>
+              <a:t>灰階圖片</a:t>
+            </a:r>
+            <a:r>
+              <a:rPr lang="en-US" altLang="zh-TW" dirty="0">
+                <a:latin typeface="標楷體" panose="03000509000000000000" pitchFamily="65" charset="-120"/>
+                <a:ea typeface="標楷體" panose="03000509000000000000" pitchFamily="65" charset="-120"/>
+              </a:rPr>
+              <a:t>: 640x480 (8bits)</a:t>
+            </a:r>
+            <a:endParaRPr lang="zh-TW" altLang="en-US" dirty="0">
+              <a:latin typeface="標楷體" panose="03000509000000000000" pitchFamily="65" charset="-120"/>
+              <a:ea typeface="標楷體" panose="03000509000000000000" pitchFamily="65" charset="-120"/>
+            </a:endParaRPr>
+          </a:p>
+        </p:txBody>
+      </p:sp>
+      <p:sp>
+        <p:nvSpPr>
+          <p:cNvPr id="10" name="文字方塊 9">
+            <a:extLst>
+              <a:ext uri="{FF2B5EF4-FFF2-40B4-BE49-F238E27FC236}">
+                <a16:creationId xmlns:a16="http://schemas.microsoft.com/office/drawing/2014/main" id="{E24CD2C8-46A2-450C-9CA0-485274647932}"/>
+              </a:ext>
+            </a:extLst>
+          </p:cNvPr>
+          <p:cNvSpPr txBox="1"/>
+          <p:nvPr/>
+        </p:nvSpPr>
+        <p:spPr>
+          <a:xfrm>
+            <a:off x="4634705" y="5680911"/>
+            <a:ext cx="2922590" cy="441453"/>
+          </a:xfrm>
+          <a:prstGeom prst="rect">
+            <a:avLst/>
+          </a:prstGeom>
+          <a:noFill/>
+        </p:spPr>
+        <p:txBody>
+          <a:bodyPr wrap="square">
+            <a:spAutoFit/>
+          </a:bodyPr>
+          <a:lstStyle/>
+          <a:p>
+            <a:r>
+              <a:rPr lang="zh-TW" altLang="en-US" dirty="0">
+                <a:latin typeface="標楷體" panose="03000509000000000000" pitchFamily="65" charset="-120"/>
+                <a:ea typeface="標楷體" panose="03000509000000000000" pitchFamily="65" charset="-120"/>
+              </a:rPr>
+              <a:t>圖</a:t>
+            </a:r>
+            <a:r>
+              <a:rPr lang="en-US" altLang="zh-TW" dirty="0">
+                <a:latin typeface="標楷體" panose="03000509000000000000" pitchFamily="65" charset="-120"/>
+                <a:ea typeface="標楷體" panose="03000509000000000000" pitchFamily="65" charset="-120"/>
+              </a:rPr>
+              <a:t>4.</a:t>
+            </a:r>
+            <a:r>
+              <a:rPr lang="en-US" altLang="zh-TW" dirty="0">
+                <a:latin typeface="Times New Roman" panose="02020603050405020304" pitchFamily="18" charset="0"/>
+                <a:ea typeface="標楷體" panose="03000509000000000000" pitchFamily="65" charset="-120"/>
+              </a:rPr>
+              <a:t>Bram_Sobel</a:t>
+            </a:r>
+            <a:r>
+              <a:rPr lang="zh-TW" altLang="en-US" dirty="0">
+                <a:latin typeface="標楷體" panose="03000509000000000000" pitchFamily="65" charset="-120"/>
+                <a:ea typeface="標楷體" panose="03000509000000000000" pitchFamily="65" charset="-120"/>
+              </a:rPr>
+              <a:t>單幀全圖</a:t>
+            </a:r>
+          </a:p>
+        </p:txBody>
+      </p:sp>
+    </p:spTree>
+    <p:extLst>
+      <p:ext uri="{BB962C8B-B14F-4D97-AF65-F5344CB8AC3E}">
+        <p14:creationId xmlns:p14="http://schemas.microsoft.com/office/powerpoint/2010/main" val="1314515852"/>
+      </p:ext>
+    </p:extLst>
+  </p:cSld>
+  <p:clrMapOvr>
+    <a:masterClrMapping/>
+  </p:clrMapOvr>
+</p:sld>
+</file>
+
+<file path=ppt/slides/slide33.xml><?xml version="1.0" encoding="utf-8"?>
+<p:sld xmlns:a="http://schemas.openxmlformats.org/drawingml/2006/main" xmlns:r="http://schemas.openxmlformats.org/officeDocument/2006/relationships" xmlns:p="http://schemas.openxmlformats.org/presentationml/2006/main">
+  <p:cSld>
+    <p:spTree>
+      <p:nvGrpSpPr>
+        <p:cNvPr id="1" name=""/>
+        <p:cNvGrpSpPr/>
+        <p:nvPr/>
+      </p:nvGrpSpPr>
+      <p:grpSpPr>
+        <a:xfrm>
+          <a:off x="0" y="0"/>
+          <a:ext cx="0" cy="0"/>
+          <a:chOff x="0" y="0"/>
+          <a:chExt cx="0" cy="0"/>
+        </a:xfrm>
+      </p:grpSpPr>
+      <p:sp>
+        <p:nvSpPr>
           <p:cNvPr id="2" name="內容版面配置區 1"/>
           <p:cNvSpPr>
             <a:spLocks noGrp="1"/>
@@ -12772,7 +13991,7 @@
                 <a:ea typeface="標楷體" panose="03000509000000000000" pitchFamily="65" charset="-120"/>
                 <a:cs typeface="Times New Roman" panose="02020603050405020304" pitchFamily="18" charset="0"/>
               </a:rPr>
-              <a:t>2023/6/4~2023/6/21:</a:t>
+              <a:t>2023/6/8~2023/6/15:</a:t>
             </a:r>
           </a:p>
           <a:p>
@@ -12845,7 +14064,7 @@
 </p:sld>
 </file>
 
-<file path=ppt/slides/slide27.xml><?xml version="1.0" encoding="utf-8"?>
+<file path=ppt/slides/slide34.xml><?xml version="1.0" encoding="utf-8"?>
 <p:sld xmlns:a="http://schemas.openxmlformats.org/drawingml/2006/main" xmlns:r="http://schemas.openxmlformats.org/officeDocument/2006/relationships" xmlns:p="http://schemas.openxmlformats.org/presentationml/2006/main">
   <p:cSld>
     <p:spTree>
@@ -13153,7 +14372,7 @@
 </p:sld>
 </file>
 
-<file path=ppt/slides/slide28.xml><?xml version="1.0" encoding="utf-8"?>
+<file path=ppt/slides/slide35.xml><?xml version="1.0" encoding="utf-8"?>
 <p:sld xmlns:a="http://schemas.openxmlformats.org/drawingml/2006/main" xmlns:r="http://schemas.openxmlformats.org/officeDocument/2006/relationships" xmlns:p="http://schemas.openxmlformats.org/presentationml/2006/main">
   <p:cSld>
     <p:spTree>
@@ -13212,9 +14431,60 @@
             </a:r>
             <a:r>
               <a:rPr lang="zh-TW" altLang="en-US" sz="1800" dirty="0"/>
+              <a:t> 可加上</a:t>
+            </a:r>
+            <a:r>
+              <a:rPr lang="en-US" altLang="zh-TW" sz="1800" dirty="0" err="1"/>
+              <a:t>IP_enable</a:t>
+            </a:r>
+            <a:r>
+              <a:rPr lang="zh-TW" altLang="en-US" sz="1800" dirty="0"/>
+              <a:t> 模組，讓</a:t>
+            </a:r>
+            <a:r>
+              <a:rPr lang="en-US" altLang="zh-TW" sz="1800" dirty="0"/>
+              <a:t>”</a:t>
+            </a:r>
+            <a:r>
+              <a:rPr lang="zh-TW" altLang="en-US" sz="1800" dirty="0"/>
+              <a:t>影像前處理模組</a:t>
+            </a:r>
+            <a:r>
+              <a:rPr lang="en-US" altLang="zh-TW" sz="1800" dirty="0"/>
+              <a:t>”</a:t>
+            </a:r>
+            <a:r>
+              <a:rPr lang="zh-TW" altLang="en-US" sz="1800" dirty="0"/>
+              <a:t>等完</a:t>
+            </a:r>
+            <a:r>
+              <a:rPr lang="en-US" altLang="zh-TW" sz="1800" dirty="0"/>
+              <a:t>”FIFO</a:t>
+            </a:r>
+            <a:r>
+              <a:rPr lang="zh-TW" altLang="en-US" sz="1800" dirty="0"/>
               <a:t> </a:t>
             </a:r>
-            <a:endParaRPr lang="en-US" altLang="zh-TW" sz="1800" dirty="0"/>
+            <a:r>
+              <a:rPr lang="en-US" altLang="zh-TW" sz="1800" dirty="0"/>
+              <a:t>RTL”</a:t>
+            </a:r>
+            <a:r>
+              <a:rPr lang="zh-TW" altLang="en-US" sz="1800" dirty="0"/>
+              <a:t>接資料的延遲時間才致能</a:t>
+            </a:r>
+            <a:r>
+              <a:rPr lang="en-US" altLang="zh-TW" sz="1800" dirty="0"/>
+              <a:t>”</a:t>
+            </a:r>
+            <a:r>
+              <a:rPr lang="zh-TW" altLang="en-US" sz="1800" dirty="0"/>
+              <a:t>影像前處理模組</a:t>
+            </a:r>
+            <a:r>
+              <a:rPr lang="en-US" altLang="zh-TW" sz="1800" dirty="0"/>
+              <a:t>”</a:t>
+            </a:r>
           </a:p>
         </p:txBody>
       </p:sp>
@@ -13267,7 +14537,7 @@
         </p:nvSpPr>
         <p:spPr>
           <a:xfrm>
-            <a:off x="9518410" y="5671594"/>
+            <a:off x="9607186" y="5671594"/>
             <a:ext cx="3837396" cy="369332"/>
           </a:xfrm>
           <a:prstGeom prst="rect">
@@ -13357,7 +14627,7 @@
 </p:sld>
 </file>
 
-<file path=ppt/slides/slide29.xml><?xml version="1.0" encoding="utf-8"?>
+<file path=ppt/slides/slide36.xml><?xml version="1.0" encoding="utf-8"?>
 <p:sld xmlns:a="http://schemas.openxmlformats.org/drawingml/2006/main" xmlns:r="http://schemas.openxmlformats.org/officeDocument/2006/relationships" xmlns:p="http://schemas.openxmlformats.org/presentationml/2006/main">
   <p:cSld>
     <p:spTree>
@@ -13386,7 +14656,7 @@
         </p:nvSpPr>
         <p:spPr>
           <a:xfrm>
-            <a:off x="838199" y="1186406"/>
+            <a:off x="972953" y="1058823"/>
             <a:ext cx="11082947" cy="5041866"/>
           </a:xfrm>
         </p:spPr>
@@ -13400,11 +14670,11 @@
             <a:pPr lvl="1"/>
             <a:r>
               <a:rPr lang="en-US" altLang="zh-TW" sz="1800" dirty="0"/>
-              <a:t>Q2: </a:t>
+              <a:t>Q2:</a:t>
             </a:r>
             <a:r>
               <a:rPr lang="zh-TW" altLang="en-US" sz="1800" dirty="0"/>
-              <a:t>輸出圖像會少頭兩行</a:t>
+              <a:t> </a:t>
             </a:r>
             <a:endParaRPr lang="en-US" altLang="zh-TW" sz="1800" dirty="0"/>
           </a:p>
@@ -13416,23 +14686,44 @@
             </a:r>
             <a:r>
               <a:rPr lang="zh-TW" altLang="en-US" sz="1800" dirty="0"/>
-              <a:t> 會在下一個畫面補上</a:t>
+              <a:t> 修改</a:t>
             </a:r>
             <a:r>
               <a:rPr lang="en-US" altLang="zh-TW" sz="1800" dirty="0"/>
-              <a:t>FIFO</a:t>
+              <a:t>hysteresis</a:t>
             </a:r>
             <a:r>
               <a:rPr lang="zh-TW" altLang="en-US" sz="1800" dirty="0"/>
-              <a:t>輸出</a:t>
-            </a:r>
-            <a:endParaRPr lang="en-US" altLang="zh-TW" sz="1800" dirty="0"/>
-          </a:p>
-        </p:txBody>
-      </p:sp>
-      <p:sp>
-        <p:nvSpPr>
-          <p:cNvPr id="3" name="標題 2"/>
+              <a:t>先前的</a:t>
+            </a:r>
+            <a:r>
+              <a:rPr lang="en-US" altLang="zh-TW" sz="1800" dirty="0" err="1"/>
+              <a:t>IP_enable</a:t>
+            </a:r>
+            <a:r>
+              <a:rPr lang="en-US" altLang="zh-TW" sz="1800" dirty="0"/>
+              <a:t> </a:t>
+            </a:r>
+            <a:r>
+              <a:rPr lang="zh-TW" altLang="en-US" sz="1800" dirty="0"/>
+              <a:t>的</a:t>
+            </a:r>
+            <a:r>
+              <a:rPr lang="en-US" altLang="zh-TW" sz="1800" dirty="0"/>
+              <a:t>latency</a:t>
+            </a:r>
+          </a:p>
+        </p:txBody>
+      </p:sp>
+      <p:sp>
+        <p:nvSpPr>
+          <p:cNvPr id="20" name="標題 19">
+            <a:extLst>
+              <a:ext uri="{FF2B5EF4-FFF2-40B4-BE49-F238E27FC236}">
+                <a16:creationId xmlns:a16="http://schemas.microsoft.com/office/drawing/2014/main" id="{EC610540-0719-49CA-8FAE-D2D54F74B712}"/>
+              </a:ext>
+            </a:extLst>
+          </p:cNvPr>
           <p:cNvSpPr>
             <a:spLocks noGrp="1"/>
           </p:cNvSpPr>
@@ -13445,93 +14736,16 @@
           <a:bodyPr/>
           <a:lstStyle/>
           <a:p>
-            <a:r>
-              <a:rPr lang="zh-TW" altLang="en-US" dirty="0"/>
-              <a:t>問題記錄 </a:t>
-            </a:r>
-            <a:r>
-              <a:rPr lang="en-US" altLang="zh-TW" dirty="0"/>
-              <a:t>- (</a:t>
-            </a:r>
-            <a:r>
-              <a:rPr lang="zh-TW" altLang="en-US" dirty="0"/>
-              <a:t>軟體問題</a:t>
-            </a:r>
-            <a:r>
-              <a:rPr lang="en-US" altLang="zh-TW" dirty="0"/>
-              <a:t>)</a:t>
-            </a:r>
-            <a:endParaRPr lang="zh-TW" altLang="en-US" dirty="0"/>
-          </a:p>
-        </p:txBody>
-      </p:sp>
-      <p:sp>
-        <p:nvSpPr>
-          <p:cNvPr id="10" name="文字方塊 9">
+            <a:endParaRPr lang="zh-TW" altLang="en-US"/>
+          </a:p>
+        </p:txBody>
+      </p:sp>
+      <p:pic>
+        <p:nvPicPr>
+          <p:cNvPr id="4" name="圖片 3">
             <a:extLst>
               <a:ext uri="{FF2B5EF4-FFF2-40B4-BE49-F238E27FC236}">
-                <a16:creationId xmlns:a16="http://schemas.microsoft.com/office/drawing/2014/main" id="{BB5CB510-3FAF-4E7E-8F5C-C436845458D1}"/>
-              </a:ext>
-            </a:extLst>
-          </p:cNvPr>
-          <p:cNvSpPr txBox="1"/>
-          <p:nvPr/>
-        </p:nvSpPr>
-        <p:spPr>
-          <a:xfrm>
-            <a:off x="9518410" y="5671594"/>
-            <a:ext cx="3837396" cy="369332"/>
-          </a:xfrm>
-          <a:prstGeom prst="rect">
-            <a:avLst/>
-          </a:prstGeom>
-          <a:noFill/>
-        </p:spPr>
-        <p:txBody>
-          <a:bodyPr wrap="square">
-            <a:spAutoFit/>
-          </a:bodyPr>
-          <a:lstStyle/>
-          <a:p>
-            <a:r>
-              <a:rPr lang="zh-TW" altLang="en-US" dirty="0">
-                <a:latin typeface="標楷體" panose="03000509000000000000" pitchFamily="65" charset="-120"/>
-                <a:ea typeface="標楷體" panose="03000509000000000000" pitchFamily="65" charset="-120"/>
-              </a:rPr>
-              <a:t>圖</a:t>
-            </a:r>
-            <a:r>
-              <a:rPr lang="en-US" altLang="zh-TW" dirty="0">
-                <a:latin typeface="標楷體" panose="03000509000000000000" pitchFamily="65" charset="-120"/>
-                <a:ea typeface="標楷體" panose="03000509000000000000" pitchFamily="65" charset="-120"/>
-              </a:rPr>
-              <a:t>3-1.</a:t>
-            </a:r>
-            <a:r>
-              <a:rPr lang="en-US" altLang="zh-TW" sz="1800" dirty="0"/>
-              <a:t> </a:t>
-            </a:r>
-            <a:r>
-              <a:rPr lang="en-US" altLang="zh-TW" sz="1800" dirty="0" err="1"/>
-              <a:t>clkDiv.vhd</a:t>
-            </a:r>
-            <a:r>
-              <a:rPr lang="en-US" altLang="zh-TW" sz="1800" dirty="0"/>
-              <a:t> </a:t>
-            </a:r>
-            <a:endParaRPr lang="zh-TW" altLang="en-US" dirty="0">
-              <a:latin typeface="Times New Roman" panose="02020603050405020304" pitchFamily="18" charset="0"/>
-              <a:cs typeface="Times New Roman" panose="02020603050405020304" pitchFamily="18" charset="0"/>
-            </a:endParaRPr>
-          </a:p>
-        </p:txBody>
-      </p:sp>
-      <p:pic>
-        <p:nvPicPr>
-          <p:cNvPr id="5" name="圖片 4">
-            <a:extLst>
-              <a:ext uri="{FF2B5EF4-FFF2-40B4-BE49-F238E27FC236}">
-                <a16:creationId xmlns:a16="http://schemas.microsoft.com/office/drawing/2014/main" id="{CD299694-65A9-4266-AD0B-DB409B34CD8F}"/>
+                <a16:creationId xmlns:a16="http://schemas.microsoft.com/office/drawing/2014/main" id="{7316CC3F-8553-4012-BF64-F62CD654B75A}"/>
               </a:ext>
             </a:extLst>
           </p:cNvPr>
@@ -13548,18 +14762,126 @@
         </p:blipFill>
         <p:spPr>
           <a:xfrm>
-            <a:off x="1795836" y="2160888"/>
-            <a:ext cx="7354833" cy="3873699"/>
+            <a:off x="5799656" y="2290845"/>
+            <a:ext cx="4572235" cy="4743694"/>
           </a:xfrm>
           <a:prstGeom prst="rect">
             <a:avLst/>
           </a:prstGeom>
         </p:spPr>
       </p:pic>
+      <p:sp>
+        <p:nvSpPr>
+          <p:cNvPr id="6" name="文字方塊 5">
+            <a:extLst>
+              <a:ext uri="{FF2B5EF4-FFF2-40B4-BE49-F238E27FC236}">
+                <a16:creationId xmlns:a16="http://schemas.microsoft.com/office/drawing/2014/main" id="{23BB74F4-3EAB-434A-BA26-3DE568697704}"/>
+              </a:ext>
+            </a:extLst>
+          </p:cNvPr>
+          <p:cNvSpPr txBox="1"/>
+          <p:nvPr/>
+        </p:nvSpPr>
+        <p:spPr>
+          <a:xfrm>
+            <a:off x="5799656" y="1085125"/>
+            <a:ext cx="3837396" cy="1477328"/>
+          </a:xfrm>
+          <a:prstGeom prst="rect">
+            <a:avLst/>
+          </a:prstGeom>
+          <a:noFill/>
+        </p:spPr>
+        <p:txBody>
+          <a:bodyPr wrap="square">
+            <a:spAutoFit/>
+          </a:bodyPr>
+          <a:lstStyle/>
+          <a:p>
+            <a:pPr marL="342900" indent="-342900">
+              <a:buAutoNum type="arabicPeriod"/>
+            </a:pPr>
+            <a:r>
+              <a:rPr lang="zh-TW" altLang="en-US" dirty="0">
+                <a:latin typeface="標楷體" panose="03000509000000000000" pitchFamily="65" charset="-120"/>
+                <a:ea typeface="標楷體" panose="03000509000000000000" pitchFamily="65" charset="-120"/>
+              </a:rPr>
+              <a:t>建立新專案還是</a:t>
+            </a:r>
+            <a:r>
+              <a:rPr lang="en-US" altLang="zh-TW" dirty="0">
+                <a:latin typeface="標楷體" panose="03000509000000000000" pitchFamily="65" charset="-120"/>
+                <a:ea typeface="標楷體" panose="03000509000000000000" pitchFamily="65" charset="-120"/>
+              </a:rPr>
+              <a:t>hysteresis</a:t>
+            </a:r>
+            <a:r>
+              <a:rPr lang="zh-TW" altLang="en-US" dirty="0">
+                <a:latin typeface="標楷體" panose="03000509000000000000" pitchFamily="65" charset="-120"/>
+                <a:ea typeface="標楷體" panose="03000509000000000000" pitchFamily="65" charset="-120"/>
+              </a:rPr>
+              <a:t>還是會向右移位</a:t>
+            </a:r>
+            <a:endParaRPr lang="en-US" altLang="zh-TW" dirty="0">
+              <a:latin typeface="標楷體" panose="03000509000000000000" pitchFamily="65" charset="-120"/>
+              <a:ea typeface="標楷體" panose="03000509000000000000" pitchFamily="65" charset="-120"/>
+            </a:endParaRPr>
+          </a:p>
+          <a:p>
+            <a:pPr marL="342900" indent="-342900">
+              <a:buAutoNum type="arabicPeriod"/>
+            </a:pPr>
+            <a:r>
+              <a:rPr lang="zh-TW" altLang="en-US" dirty="0">
+                <a:latin typeface="標楷體" panose="03000509000000000000" pitchFamily="65" charset="-120"/>
+                <a:ea typeface="標楷體" panose="03000509000000000000" pitchFamily="65" charset="-120"/>
+              </a:rPr>
+              <a:t>是否在</a:t>
+            </a:r>
+            <a:r>
+              <a:rPr lang="en-US" altLang="zh-TW" dirty="0">
+                <a:latin typeface="標楷體" panose="03000509000000000000" pitchFamily="65" charset="-120"/>
+                <a:ea typeface="標楷體" panose="03000509000000000000" pitchFamily="65" charset="-120"/>
+              </a:rPr>
+              <a:t>hysteresis</a:t>
+            </a:r>
+            <a:r>
+              <a:rPr lang="zh-TW" altLang="en-US" dirty="0">
+                <a:latin typeface="標楷體" panose="03000509000000000000" pitchFamily="65" charset="-120"/>
+                <a:ea typeface="標楷體" panose="03000509000000000000" pitchFamily="65" charset="-120"/>
+              </a:rPr>
+              <a:t>下方要加</a:t>
+            </a:r>
+            <a:r>
+              <a:rPr lang="en-US" altLang="zh-TW" dirty="0" err="1">
+                <a:latin typeface="標楷體" panose="03000509000000000000" pitchFamily="65" charset="-120"/>
+                <a:ea typeface="標楷體" panose="03000509000000000000" pitchFamily="65" charset="-120"/>
+              </a:rPr>
+              <a:t>IP_enable</a:t>
+            </a:r>
+            <a:r>
+              <a:rPr lang="en-US" altLang="zh-TW" dirty="0">
+                <a:latin typeface="標楷體" panose="03000509000000000000" pitchFamily="65" charset="-120"/>
+                <a:ea typeface="標楷體" panose="03000509000000000000" pitchFamily="65" charset="-120"/>
+              </a:rPr>
+              <a:t>?</a:t>
+            </a:r>
+          </a:p>
+          <a:p>
+            <a:pPr marL="342900" indent="-342900">
+              <a:buAutoNum type="arabicPeriod"/>
+            </a:pPr>
+            <a:endParaRPr lang="zh-TW" altLang="en-US" dirty="0">
+              <a:latin typeface="Times New Roman" panose="02020603050405020304" pitchFamily="18" charset="0"/>
+              <a:cs typeface="Times New Roman" panose="02020603050405020304" pitchFamily="18" charset="0"/>
+            </a:endParaRPr>
+          </a:p>
+        </p:txBody>
+      </p:sp>
     </p:spTree>
     <p:extLst>
       <p:ext uri="{BB962C8B-B14F-4D97-AF65-F5344CB8AC3E}">
-        <p14:creationId xmlns:p14="http://schemas.microsoft.com/office/powerpoint/2010/main" val="3102643110"/>
+        <p14:creationId xmlns:p14="http://schemas.microsoft.com/office/powerpoint/2010/main" val="3197806420"/>
       </p:ext>
     </p:extLst>
   </p:cSld>
@@ -13569,7 +14891,7 @@
 </p:sld>
 </file>
 
-<file path=ppt/slides/slide3.xml><?xml version="1.0" encoding="utf-8"?>
+<file path=ppt/slides/slide37.xml><?xml version="1.0" encoding="utf-8"?>
 <p:sld xmlns:a="http://schemas.openxmlformats.org/drawingml/2006/main" xmlns:r="http://schemas.openxmlformats.org/officeDocument/2006/relationships" xmlns:p="http://schemas.openxmlformats.org/presentationml/2006/main">
   <p:cSld>
     <p:spTree>
@@ -13588,6 +14910,250 @@
       </p:grpSpPr>
       <p:sp>
         <p:nvSpPr>
+          <p:cNvPr id="2" name="內容版面配置區 1"/>
+          <p:cNvSpPr>
+            <a:spLocks noGrp="1"/>
+          </p:cNvSpPr>
+          <p:nvPr>
+            <p:ph idx="1"/>
+          </p:nvPr>
+        </p:nvSpPr>
+        <p:spPr>
+          <a:xfrm>
+            <a:off x="838200" y="1201850"/>
+            <a:ext cx="10515600" cy="5037776"/>
+          </a:xfrm>
+        </p:spPr>
+        <p:txBody>
+          <a:bodyPr/>
+          <a:lstStyle/>
+          <a:p>
+            <a:pPr lvl="1"/>
+            <a:endParaRPr lang="en-US" altLang="zh-TW" dirty="0">
+              <a:solidFill>
+                <a:srgbClr val="0563C1"/>
+              </a:solidFill>
+              <a:cs typeface="Times New Roman" panose="02020603050405020304" pitchFamily="18" charset="0"/>
+            </a:endParaRPr>
+          </a:p>
+          <a:p>
+            <a:pPr lvl="1"/>
+            <a:endParaRPr lang="en-US" altLang="zh-TW" b="0" i="0" dirty="0">
+              <a:solidFill>
+                <a:srgbClr val="000000"/>
+              </a:solidFill>
+              <a:effectLst/>
+              <a:cs typeface="Times New Roman" panose="02020603050405020304" pitchFamily="18" charset="0"/>
+            </a:endParaRPr>
+          </a:p>
+          <a:p>
+            <a:pPr lvl="1"/>
+            <a:r>
+              <a:rPr lang="en-US" altLang="zh-TW" dirty="0">
+                <a:solidFill>
+                  <a:srgbClr val="0563C1"/>
+                </a:solidFill>
+                <a:cs typeface="Times New Roman" panose="02020603050405020304" pitchFamily="18" charset="0"/>
+              </a:rPr>
+              <a:t>img2.mif:</a:t>
+            </a:r>
+          </a:p>
+          <a:p>
+            <a:pPr lvl="2"/>
+            <a:r>
+              <a:rPr lang="en-US" altLang="zh-TW" dirty="0">
+                <a:solidFill>
+                  <a:srgbClr val="0563C1"/>
+                </a:solidFill>
+                <a:cs typeface="Times New Roman" panose="02020603050405020304" pitchFamily="18" charset="0"/>
+              </a:rPr>
+              <a:t>OS</a:t>
+            </a:r>
+            <a:r>
+              <a:rPr lang="zh-TW" altLang="en-US" dirty="0">
+                <a:solidFill>
+                  <a:srgbClr val="0563C1"/>
+                </a:solidFill>
+                <a:cs typeface="Times New Roman" panose="02020603050405020304" pitchFamily="18" charset="0"/>
+              </a:rPr>
+              <a:t> </a:t>
+            </a:r>
+            <a:r>
+              <a:rPr lang="en-US" altLang="zh-TW" dirty="0">
+                <a:solidFill>
+                  <a:srgbClr val="0563C1"/>
+                </a:solidFill>
+                <a:cs typeface="Times New Roman" panose="02020603050405020304" pitchFamily="18" charset="0"/>
+              </a:rPr>
+              <a:t>tool: </a:t>
+            </a:r>
+            <a:r>
+              <a:rPr lang="en-US" altLang="zh-TW" dirty="0">
+                <a:hlinkClick r:id="rId2"/>
+              </a:rPr>
+              <a:t>【</a:t>
+            </a:r>
+            <a:r>
+              <a:rPr lang="zh-TW" altLang="en-US" dirty="0">
+                <a:hlinkClick r:id="rId2"/>
+              </a:rPr>
+              <a:t>原創</a:t>
+            </a:r>
+            <a:r>
+              <a:rPr lang="en-US" altLang="zh-TW" dirty="0">
+                <a:hlinkClick r:id="rId2"/>
+              </a:rPr>
+              <a:t>】bmp</a:t>
+            </a:r>
+            <a:r>
+              <a:rPr lang="zh-TW" altLang="en-US" dirty="0">
+                <a:hlinkClick r:id="rId2"/>
+              </a:rPr>
+              <a:t>轉</a:t>
+            </a:r>
+            <a:r>
+              <a:rPr lang="en-US" altLang="zh-TW" dirty="0" err="1">
+                <a:hlinkClick r:id="rId2"/>
+              </a:rPr>
+              <a:t>mif</a:t>
+            </a:r>
+            <a:r>
+              <a:rPr lang="zh-TW" altLang="en-US" dirty="0">
+                <a:hlinkClick r:id="rId2"/>
+              </a:rPr>
+              <a:t>、</a:t>
+            </a:r>
+            <a:r>
+              <a:rPr lang="en-US" altLang="zh-TW" dirty="0" err="1">
+                <a:hlinkClick r:id="rId2"/>
+              </a:rPr>
+              <a:t>coe</a:t>
+            </a:r>
+            <a:r>
+              <a:rPr lang="zh-TW" altLang="en-US" dirty="0">
+                <a:hlinkClick r:id="rId2"/>
+              </a:rPr>
+              <a:t>或</a:t>
+            </a:r>
+            <a:r>
+              <a:rPr lang="en-US" altLang="zh-TW" dirty="0">
+                <a:hlinkClick r:id="rId2"/>
+              </a:rPr>
+              <a:t>hex</a:t>
+            </a:r>
+            <a:r>
+              <a:rPr lang="zh-TW" altLang="en-US" dirty="0">
+                <a:hlinkClick r:id="rId2"/>
+              </a:rPr>
+              <a:t>軟體發佈及使用介紹 </a:t>
+            </a:r>
+            <a:r>
+              <a:rPr lang="en-US" altLang="zh-TW" dirty="0">
+                <a:hlinkClick r:id="rId2"/>
+              </a:rPr>
+              <a:t>...</a:t>
+            </a:r>
+            <a:endParaRPr lang="en-US" altLang="zh-TW" dirty="0"/>
+          </a:p>
+          <a:p>
+            <a:pPr lvl="2"/>
+            <a:endParaRPr lang="en-US" altLang="zh-TW" dirty="0"/>
+          </a:p>
+          <a:p>
+            <a:pPr lvl="1"/>
+            <a:r>
+              <a:rPr lang="en-US" altLang="zh-TW" dirty="0"/>
+              <a:t>img2gray:</a:t>
+            </a:r>
+          </a:p>
+          <a:p>
+            <a:pPr lvl="2"/>
+            <a:r>
+              <a:rPr lang="en-US" altLang="zh-TW" dirty="0">
+                <a:hlinkClick r:id="rId3"/>
+              </a:rPr>
+              <a:t>VHDL coding tips and tricks: Generic VHDL Code for Binary to Gray and Gray to Binary converter</a:t>
+            </a:r>
+            <a:endParaRPr lang="en-US" altLang="zh-TW" dirty="0"/>
+          </a:p>
+          <a:p>
+            <a:pPr lvl="2"/>
+            <a:endParaRPr lang="en-US" altLang="zh-TW" dirty="0"/>
+          </a:p>
+          <a:p>
+            <a:pPr lvl="1"/>
+            <a:r>
+              <a:rPr lang="zh-TW" altLang="en-US" dirty="0"/>
+              <a:t>波形模擬輸出</a:t>
+            </a:r>
+            <a:r>
+              <a:rPr lang="en-US" altLang="zh-TW" dirty="0"/>
+              <a:t>txt</a:t>
+            </a:r>
+            <a:r>
+              <a:rPr lang="zh-TW" altLang="en-US" dirty="0"/>
+              <a:t>檔</a:t>
+            </a:r>
+            <a:r>
+              <a:rPr lang="en-US" altLang="zh-TW" dirty="0"/>
+              <a:t>:</a:t>
+            </a:r>
+            <a:r>
+              <a:rPr lang="zh-TW" altLang="en-US" dirty="0"/>
+              <a:t> </a:t>
+            </a:r>
+            <a:endParaRPr lang="en-US" altLang="zh-TW" dirty="0"/>
+          </a:p>
+          <a:p>
+            <a:pPr lvl="2"/>
+            <a:r>
+              <a:rPr lang="en-US" altLang="zh-TW" dirty="0" err="1">
+                <a:hlinkClick r:id="rId4"/>
+              </a:rPr>
+              <a:t>vhdl</a:t>
+            </a:r>
+            <a:r>
+              <a:rPr lang="en-US" altLang="zh-TW" dirty="0">
+                <a:hlinkClick r:id="rId4"/>
+              </a:rPr>
+              <a:t> - Copying </a:t>
+            </a:r>
+            <a:r>
+              <a:rPr lang="en-US" altLang="zh-TW" dirty="0" err="1">
+                <a:hlinkClick r:id="rId4"/>
+              </a:rPr>
+              <a:t>ISim</a:t>
+            </a:r>
+            <a:r>
+              <a:rPr lang="en-US" altLang="zh-TW" dirty="0">
+                <a:hlinkClick r:id="rId4"/>
+              </a:rPr>
+              <a:t> results as strings/text - Stack Overflow</a:t>
+            </a:r>
+            <a:endParaRPr lang="en-US" altLang="zh-TW" dirty="0"/>
+          </a:p>
+          <a:p>
+            <a:pPr lvl="2"/>
+            <a:endParaRPr lang="en-US" altLang="zh-TW" dirty="0">
+              <a:solidFill>
+                <a:srgbClr val="0563C1"/>
+              </a:solidFill>
+              <a:cs typeface="Times New Roman" panose="02020603050405020304" pitchFamily="18" charset="0"/>
+            </a:endParaRPr>
+          </a:p>
+          <a:p>
+            <a:pPr lvl="1"/>
+            <a:endParaRPr lang="en-US" altLang="zh-TW" dirty="0">
+              <a:solidFill>
+                <a:srgbClr val="0563C1"/>
+              </a:solidFill>
+              <a:cs typeface="Times New Roman" panose="02020603050405020304" pitchFamily="18" charset="0"/>
+            </a:endParaRPr>
+          </a:p>
+        </p:txBody>
+      </p:sp>
+      <p:sp>
+        <p:nvSpPr>
           <p:cNvPr id="3" name="標題 2"/>
           <p:cNvSpPr>
             <a:spLocks noGrp="1"/>
@@ -13603,100 +15169,15 @@
           <a:p>
             <a:r>
               <a:rPr lang="zh-TW" altLang="en-US" dirty="0"/>
-              <a:t>控管記錄 </a:t>
-            </a:r>
-            <a:r>
-              <a:rPr lang="en-US" altLang="zh-TW" dirty="0"/>
-              <a:t>-</a:t>
-            </a:r>
-            <a:r>
-              <a:rPr lang="zh-TW" altLang="en-US" dirty="0"/>
-              <a:t> </a:t>
-            </a:r>
-            <a:r>
-              <a:rPr lang="en-US" altLang="zh-TW" dirty="0"/>
-              <a:t>Git (</a:t>
-            </a:r>
-            <a:r>
-              <a:rPr lang="en-US" altLang="zh-TW" sz="4400" dirty="0"/>
-              <a:t>2023/6/1</a:t>
-            </a:r>
-            <a:r>
-              <a:rPr lang="en-US" altLang="zh-TW" dirty="0"/>
-              <a:t>)</a:t>
-            </a:r>
-            <a:endParaRPr lang="zh-TW" altLang="en-US" dirty="0"/>
-          </a:p>
-        </p:txBody>
-      </p:sp>
-      <p:sp>
-        <p:nvSpPr>
-          <p:cNvPr id="4" name="文字方塊 3">
-            <a:extLst>
-              <a:ext uri="{FF2B5EF4-FFF2-40B4-BE49-F238E27FC236}">
-                <a16:creationId xmlns:a16="http://schemas.microsoft.com/office/drawing/2014/main" id="{054F2919-82D5-4A97-B135-B89A4EF6BE42}"/>
-              </a:ext>
-            </a:extLst>
-          </p:cNvPr>
-          <p:cNvSpPr txBox="1"/>
-          <p:nvPr/>
-        </p:nvSpPr>
-        <p:spPr>
-          <a:xfrm>
-            <a:off x="838200" y="1447930"/>
-            <a:ext cx="6094520" cy="646331"/>
-          </a:xfrm>
-          <a:prstGeom prst="rect">
-            <a:avLst/>
-          </a:prstGeom>
-          <a:noFill/>
-        </p:spPr>
-        <p:txBody>
-          <a:bodyPr wrap="square">
-            <a:spAutoFit/>
-          </a:bodyPr>
-          <a:lstStyle/>
-          <a:p>
-            <a:pPr marL="285750" lvl="1" indent="-285750"/>
-            <a:r>
-              <a:rPr lang="zh-TW" altLang="en-US" sz="1800" dirty="0">
-                <a:latin typeface="Times New Roman" panose="02020603050405020304" pitchFamily="18" charset="0"/>
-                <a:ea typeface="標楷體" panose="03000509000000000000" pitchFamily="65" charset="-120"/>
-              </a:rPr>
-              <a:t>本週更新：</a:t>
-            </a:r>
-            <a:endParaRPr lang="en-US" altLang="zh-TW" sz="1800" dirty="0">
-              <a:latin typeface="Times New Roman" panose="02020603050405020304" pitchFamily="18" charset="0"/>
-              <a:ea typeface="標楷體" panose="03000509000000000000" pitchFamily="65" charset="-120"/>
-            </a:endParaRPr>
-          </a:p>
-          <a:p>
-            <a:pPr marL="285750" lvl="1" indent="-285750"/>
-            <a:r>
-              <a:rPr lang="en-US" altLang="zh-TW" sz="1800" dirty="0">
-                <a:latin typeface="Times New Roman" panose="02020603050405020304" pitchFamily="18" charset="0"/>
-                <a:ea typeface="標楷體" panose="03000509000000000000" pitchFamily="65" charset="-120"/>
-              </a:rPr>
-              <a:t>G01: </a:t>
-            </a:r>
-            <a:r>
-              <a:rPr lang="en-US" altLang="zh-TW" sz="1800" dirty="0" err="1">
-                <a:latin typeface="Times New Roman" panose="02020603050405020304" pitchFamily="18" charset="0"/>
-                <a:ea typeface="標楷體" panose="03000509000000000000" pitchFamily="65" charset="-120"/>
-              </a:rPr>
-              <a:t>SourceCode</a:t>
-            </a:r>
-            <a:endParaRPr lang="en-US" altLang="zh-TW" sz="1800" dirty="0">
-              <a:latin typeface="Times New Roman" panose="02020603050405020304" pitchFamily="18" charset="0"/>
-              <a:ea typeface="標楷體" panose="03000509000000000000" pitchFamily="65" charset="-120"/>
-            </a:endParaRPr>
+              <a:t>參考資料</a:t>
+            </a:r>
           </a:p>
         </p:txBody>
       </p:sp>
     </p:spTree>
     <p:extLst>
       <p:ext uri="{BB962C8B-B14F-4D97-AF65-F5344CB8AC3E}">
-        <p14:creationId xmlns:p14="http://schemas.microsoft.com/office/powerpoint/2010/main" val="2552787574"/>
+        <p14:creationId xmlns:p14="http://schemas.microsoft.com/office/powerpoint/2010/main" val="1759100234"/>
       </p:ext>
     </p:extLst>
   </p:cSld>
@@ -13706,7 +15187,7 @@
 </p:sld>
 </file>
 
-<file path=ppt/slides/slide30.xml><?xml version="1.0" encoding="utf-8"?>
+<file path=ppt/slides/slide4.xml><?xml version="1.0" encoding="utf-8"?>
 <p:sld xmlns:a="http://schemas.openxmlformats.org/drawingml/2006/main" xmlns:r="http://schemas.openxmlformats.org/officeDocument/2006/relationships" xmlns:p="http://schemas.openxmlformats.org/presentationml/2006/main">
   <p:cSld>
     <p:spTree>
@@ -13725,75 +15206,6 @@
       </p:grpSpPr>
       <p:sp>
         <p:nvSpPr>
-          <p:cNvPr id="2" name="內容版面配置區 1"/>
-          <p:cNvSpPr>
-            <a:spLocks noGrp="1"/>
-          </p:cNvSpPr>
-          <p:nvPr>
-            <p:ph idx="1"/>
-          </p:nvPr>
-        </p:nvSpPr>
-        <p:spPr>
-          <a:xfrm>
-            <a:off x="838199" y="1186406"/>
-            <a:ext cx="11082947" cy="5041866"/>
-          </a:xfrm>
-        </p:spPr>
-        <p:txBody>
-          <a:bodyPr/>
-          <a:lstStyle/>
-          <a:p>
-            <a:endParaRPr lang="en-US" altLang="zh-TW" sz="1200" dirty="0"/>
-          </a:p>
-          <a:p>
-            <a:pPr lvl="1"/>
-            <a:r>
-              <a:rPr lang="en-US" altLang="zh-TW" sz="1800" dirty="0"/>
-              <a:t>Q2:</a:t>
-            </a:r>
-            <a:r>
-              <a:rPr lang="zh-TW" altLang="en-US" sz="1800" dirty="0"/>
-              <a:t> </a:t>
-            </a:r>
-            <a:r>
-              <a:rPr lang="en-US" altLang="zh-TW" sz="1800" dirty="0" err="1"/>
-              <a:t>BRAM_out</a:t>
-            </a:r>
-            <a:r>
-              <a:rPr lang="en-US" altLang="zh-TW" sz="1800" dirty="0"/>
-              <a:t> 0</a:t>
-            </a:r>
-          </a:p>
-          <a:p>
-            <a:pPr lvl="2"/>
-            <a:r>
-              <a:rPr lang="en-US" altLang="zh-TW" sz="1800" dirty="0"/>
-              <a:t>fifo_generator_0</a:t>
-            </a:r>
-          </a:p>
-          <a:p>
-            <a:pPr lvl="2"/>
-            <a:r>
-              <a:rPr lang="en-US" altLang="zh-TW" sz="1800" dirty="0"/>
-              <a:t>enable </a:t>
-            </a:r>
-            <a:r>
-              <a:rPr lang="en-US" altLang="zh-TW" sz="1800" dirty="0" err="1"/>
-              <a:t>constain</a:t>
-            </a:r>
-            <a:endParaRPr lang="en-US" altLang="zh-TW" sz="1800" dirty="0"/>
-          </a:p>
-          <a:p>
-            <a:pPr lvl="1"/>
-            <a:r>
-              <a:rPr lang="en-US" altLang="zh-TW" sz="1800" dirty="0"/>
-              <a:t>A2:</a:t>
-            </a:r>
-          </a:p>
-        </p:txBody>
-      </p:sp>
-      <p:sp>
-        <p:nvSpPr>
           <p:cNvPr id="3" name="標題 2"/>
           <p:cNvSpPr>
             <a:spLocks noGrp="1"/>
@@ -13809,15 +15221,23 @@
           <a:p>
             <a:r>
               <a:rPr lang="zh-TW" altLang="en-US" dirty="0"/>
-              <a:t>問題記錄 </a:t>
+              <a:t>控管記錄 </a:t>
             </a:r>
             <a:r>
               <a:rPr lang="en-US" altLang="zh-TW" dirty="0"/>
-              <a:t>- (</a:t>
+              <a:t>-</a:t>
             </a:r>
             <a:r>
               <a:rPr lang="zh-TW" altLang="en-US" dirty="0"/>
-              <a:t>軟體問題</a:t>
+              <a:t> </a:t>
+            </a:r>
+            <a:r>
+              <a:rPr lang="en-US" altLang="zh-TW" dirty="0"/>
+              <a:t>Git (</a:t>
+            </a:r>
+            <a:r>
+              <a:rPr lang="en-US" altLang="zh-TW" sz="4400" dirty="0"/>
+              <a:t>2023/6/1</a:t>
             </a:r>
             <a:r>
               <a:rPr lang="en-US" altLang="zh-TW" dirty="0"/>
@@ -13829,10 +15249,10 @@
       </p:sp>
       <p:sp>
         <p:nvSpPr>
-          <p:cNvPr id="10" name="文字方塊 9">
+          <p:cNvPr id="4" name="文字方塊 3">
             <a:extLst>
               <a:ext uri="{FF2B5EF4-FFF2-40B4-BE49-F238E27FC236}">
-                <a16:creationId xmlns:a16="http://schemas.microsoft.com/office/drawing/2014/main" id="{BB5CB510-3FAF-4E7E-8F5C-C436845458D1}"/>
+                <a16:creationId xmlns:a16="http://schemas.microsoft.com/office/drawing/2014/main" id="{054F2919-82D5-4A97-B135-B89A4EF6BE42}"/>
               </a:ext>
             </a:extLst>
           </p:cNvPr>
@@ -13841,8 +15261,8 @@
         </p:nvSpPr>
         <p:spPr>
           <a:xfrm>
-            <a:off x="9518410" y="5671594"/>
-            <a:ext cx="3837396" cy="369332"/>
+            <a:off x="838200" y="1447930"/>
+            <a:ext cx="6094520" cy="646331"/>
           </a:xfrm>
           <a:prstGeom prst="rect">
             <a:avLst/>
@@ -13855,45 +15275,48 @@
           </a:bodyPr>
           <a:lstStyle/>
           <a:p>
-            <a:r>
-              <a:rPr lang="zh-TW" altLang="en-US" dirty="0">
-                <a:latin typeface="標楷體" panose="03000509000000000000" pitchFamily="65" charset="-120"/>
-                <a:ea typeface="標楷體" panose="03000509000000000000" pitchFamily="65" charset="-120"/>
-              </a:rPr>
-              <a:t>圖</a:t>
-            </a:r>
-            <a:r>
-              <a:rPr lang="en-US" altLang="zh-TW" dirty="0">
-                <a:latin typeface="標楷體" panose="03000509000000000000" pitchFamily="65" charset="-120"/>
-                <a:ea typeface="標楷體" panose="03000509000000000000" pitchFamily="65" charset="-120"/>
-              </a:rPr>
-              <a:t>3-1.</a:t>
-            </a:r>
-            <a:r>
-              <a:rPr lang="en-US" altLang="zh-TW" sz="1800" dirty="0"/>
-              <a:t> </a:t>
-            </a:r>
-            <a:r>
-              <a:rPr lang="en-US" altLang="zh-TW" sz="1800" dirty="0" err="1"/>
-              <a:t>IP_enable.vhd</a:t>
-            </a:r>
-            <a:r>
-              <a:rPr lang="en-US" altLang="zh-TW" sz="1800" dirty="0"/>
-              <a:t> </a:t>
-            </a:r>
-            <a:endParaRPr lang="zh-TW" altLang="en-US" dirty="0">
+            <a:pPr marL="285750" lvl="1" indent="-285750"/>
+            <a:r>
+              <a:rPr lang="zh-TW" altLang="en-US" sz="1800" dirty="0">
+                <a:latin typeface="Times New Roman" panose="02020603050405020304" pitchFamily="18" charset="0"/>
+                <a:ea typeface="標楷體" panose="03000509000000000000" pitchFamily="65" charset="-120"/>
+              </a:rPr>
+              <a:t>本週更新：</a:t>
+            </a:r>
+            <a:endParaRPr lang="en-US" altLang="zh-TW" sz="1800" dirty="0">
               <a:latin typeface="Times New Roman" panose="02020603050405020304" pitchFamily="18" charset="0"/>
-              <a:cs typeface="Times New Roman" panose="02020603050405020304" pitchFamily="18" charset="0"/>
+              <a:ea typeface="標楷體" panose="03000509000000000000" pitchFamily="65" charset="-120"/>
+            </a:endParaRPr>
+          </a:p>
+          <a:p>
+            <a:pPr marL="285750" lvl="1" indent="-285750"/>
+            <a:r>
+              <a:rPr lang="en-US" altLang="zh-TW" sz="1800" dirty="0">
+                <a:latin typeface="Times New Roman" panose="02020603050405020304" pitchFamily="18" charset="0"/>
+                <a:ea typeface="標楷體" panose="03000509000000000000" pitchFamily="65" charset="-120"/>
+              </a:rPr>
+              <a:t>G01: </a:t>
+            </a:r>
+            <a:r>
+              <a:rPr lang="en-US" altLang="zh-TW" sz="1800" dirty="0" err="1">
+                <a:latin typeface="Times New Roman" panose="02020603050405020304" pitchFamily="18" charset="0"/>
+                <a:ea typeface="標楷體" panose="03000509000000000000" pitchFamily="65" charset="-120"/>
+              </a:rPr>
+              <a:t>SourceCode</a:t>
+            </a:r>
+            <a:endParaRPr lang="en-US" altLang="zh-TW" sz="1800" dirty="0">
+              <a:latin typeface="Times New Roman" panose="02020603050405020304" pitchFamily="18" charset="0"/>
+              <a:ea typeface="標楷體" panose="03000509000000000000" pitchFamily="65" charset="-120"/>
             </a:endParaRPr>
           </a:p>
         </p:txBody>
       </p:sp>
       <p:pic>
         <p:nvPicPr>
-          <p:cNvPr id="6" name="圖片 5">
+          <p:cNvPr id="5" name="圖片 4">
             <a:extLst>
               <a:ext uri="{FF2B5EF4-FFF2-40B4-BE49-F238E27FC236}">
-                <a16:creationId xmlns:a16="http://schemas.microsoft.com/office/drawing/2014/main" id="{23BA981A-3940-4922-9BB1-9131B30E846F}"/>
+                <a16:creationId xmlns:a16="http://schemas.microsoft.com/office/drawing/2014/main" id="{37A0780D-55A5-47A6-96CD-0E8996366F12}"/>
               </a:ext>
             </a:extLst>
           </p:cNvPr>
@@ -13903,15 +15326,15 @@
           <p:nvPr/>
         </p:nvPicPr>
         <p:blipFill>
-          <a:blip r:embed="rId3"/>
+          <a:blip r:embed="rId2"/>
           <a:stretch>
             <a:fillRect/>
           </a:stretch>
         </p:blipFill>
         <p:spPr>
           <a:xfrm>
-            <a:off x="1905867" y="2859412"/>
-            <a:ext cx="8947610" cy="3181514"/>
+            <a:off x="2657819" y="1228011"/>
+            <a:ext cx="8549801" cy="4952395"/>
           </a:xfrm>
           <a:prstGeom prst="rect">
             <a:avLst/>
@@ -13921,7 +15344,7 @@
     </p:spTree>
     <p:extLst>
       <p:ext uri="{BB962C8B-B14F-4D97-AF65-F5344CB8AC3E}">
-        <p14:creationId xmlns:p14="http://schemas.microsoft.com/office/powerpoint/2010/main" val="3197806420"/>
+        <p14:creationId xmlns:p14="http://schemas.microsoft.com/office/powerpoint/2010/main" val="2552787574"/>
       </p:ext>
     </p:extLst>
   </p:cSld>
@@ -13931,411 +15354,7 @@
 </p:sld>
 </file>
 
-<file path=ppt/slides/slide31.xml><?xml version="1.0" encoding="utf-8"?>
-<p:sld xmlns:a="http://schemas.openxmlformats.org/drawingml/2006/main" xmlns:r="http://schemas.openxmlformats.org/officeDocument/2006/relationships" xmlns:p="http://schemas.openxmlformats.org/presentationml/2006/main">
-  <p:cSld>
-    <p:spTree>
-      <p:nvGrpSpPr>
-        <p:cNvPr id="1" name=""/>
-        <p:cNvGrpSpPr/>
-        <p:nvPr/>
-      </p:nvGrpSpPr>
-      <p:grpSpPr>
-        <a:xfrm>
-          <a:off x="0" y="0"/>
-          <a:ext cx="0" cy="0"/>
-          <a:chOff x="0" y="0"/>
-          <a:chExt cx="0" cy="0"/>
-        </a:xfrm>
-      </p:grpSpPr>
-      <p:sp>
-        <p:nvSpPr>
-          <p:cNvPr id="2" name="內容版面配置區 1"/>
-          <p:cNvSpPr>
-            <a:spLocks noGrp="1"/>
-          </p:cNvSpPr>
-          <p:nvPr>
-            <p:ph idx="1"/>
-          </p:nvPr>
-        </p:nvSpPr>
-        <p:spPr>
-          <a:xfrm>
-            <a:off x="838199" y="1186406"/>
-            <a:ext cx="11082947" cy="5041866"/>
-          </a:xfrm>
-        </p:spPr>
-        <p:txBody>
-          <a:bodyPr/>
-          <a:lstStyle/>
-          <a:p>
-            <a:endParaRPr lang="en-US" altLang="zh-TW" sz="1200" dirty="0"/>
-          </a:p>
-          <a:p>
-            <a:pPr lvl="1"/>
-            <a:r>
-              <a:rPr lang="en-US" altLang="zh-TW" sz="1800" dirty="0"/>
-              <a:t>Q2:</a:t>
-            </a:r>
-            <a:r>
-              <a:rPr lang="zh-TW" altLang="en-US" sz="1800" dirty="0"/>
-              <a:t> </a:t>
-            </a:r>
-            <a:r>
-              <a:rPr lang="en-US" altLang="zh-TW" sz="1800" dirty="0" err="1"/>
-              <a:t>BRAM_out</a:t>
-            </a:r>
-            <a:r>
-              <a:rPr lang="en-US" altLang="zh-TW" sz="1800" dirty="0"/>
-              <a:t> 0</a:t>
-            </a:r>
-          </a:p>
-          <a:p>
-            <a:pPr lvl="2"/>
-            <a:r>
-              <a:rPr lang="en-US" altLang="zh-TW" sz="1800" dirty="0"/>
-              <a:t>fifo_generator_0</a:t>
-            </a:r>
-          </a:p>
-          <a:p>
-            <a:pPr lvl="2"/>
-            <a:r>
-              <a:rPr lang="en-US" altLang="zh-TW" sz="1800" dirty="0"/>
-              <a:t>enable </a:t>
-            </a:r>
-            <a:r>
-              <a:rPr lang="en-US" altLang="zh-TW" sz="1800" dirty="0" err="1"/>
-              <a:t>constain</a:t>
-            </a:r>
-            <a:endParaRPr lang="en-US" altLang="zh-TW" sz="1800" dirty="0"/>
-          </a:p>
-          <a:p>
-            <a:pPr lvl="1"/>
-            <a:r>
-              <a:rPr lang="en-US" altLang="zh-TW" sz="1800" dirty="0"/>
-              <a:t>A2:</a:t>
-            </a:r>
-          </a:p>
-        </p:txBody>
-      </p:sp>
-      <p:sp>
-        <p:nvSpPr>
-          <p:cNvPr id="3" name="標題 2"/>
-          <p:cNvSpPr>
-            <a:spLocks noGrp="1"/>
-          </p:cNvSpPr>
-          <p:nvPr>
-            <p:ph type="title"/>
-          </p:nvPr>
-        </p:nvSpPr>
-        <p:spPr/>
-        <p:txBody>
-          <a:bodyPr/>
-          <a:lstStyle/>
-          <a:p>
-            <a:r>
-              <a:rPr lang="zh-TW" altLang="en-US" dirty="0"/>
-              <a:t>問題記錄 </a:t>
-            </a:r>
-            <a:r>
-              <a:rPr lang="en-US" altLang="zh-TW" dirty="0"/>
-              <a:t>- (</a:t>
-            </a:r>
-            <a:r>
-              <a:rPr lang="zh-TW" altLang="en-US" dirty="0"/>
-              <a:t>軟體問題</a:t>
-            </a:r>
-            <a:r>
-              <a:rPr lang="en-US" altLang="zh-TW" dirty="0"/>
-              <a:t>)</a:t>
-            </a:r>
-            <a:endParaRPr lang="zh-TW" altLang="en-US" dirty="0"/>
-          </a:p>
-        </p:txBody>
-      </p:sp>
-      <p:pic>
-        <p:nvPicPr>
-          <p:cNvPr id="5" name="圖片 4">
-            <a:extLst>
-              <a:ext uri="{FF2B5EF4-FFF2-40B4-BE49-F238E27FC236}">
-                <a16:creationId xmlns:a16="http://schemas.microsoft.com/office/drawing/2014/main" id="{B797C0D6-0B3E-425B-9DFC-AD48E09AA334}"/>
-              </a:ext>
-            </a:extLst>
-          </p:cNvPr>
-          <p:cNvPicPr>
-            <a:picLocks noChangeAspect="1"/>
-          </p:cNvPicPr>
-          <p:nvPr/>
-        </p:nvPicPr>
-        <p:blipFill>
-          <a:blip r:embed="rId3"/>
-          <a:stretch>
-            <a:fillRect/>
-          </a:stretch>
-        </p:blipFill>
-        <p:spPr>
-          <a:xfrm>
-            <a:off x="3951341" y="1186406"/>
-            <a:ext cx="4502381" cy="5150115"/>
-          </a:xfrm>
-          <a:prstGeom prst="rect">
-            <a:avLst/>
-          </a:prstGeom>
-        </p:spPr>
-      </p:pic>
-    </p:spTree>
-    <p:extLst>
-      <p:ext uri="{BB962C8B-B14F-4D97-AF65-F5344CB8AC3E}">
-        <p14:creationId xmlns:p14="http://schemas.microsoft.com/office/powerpoint/2010/main" val="1088604526"/>
-      </p:ext>
-    </p:extLst>
-  </p:cSld>
-  <p:clrMapOvr>
-    <a:masterClrMapping/>
-  </p:clrMapOvr>
-</p:sld>
-</file>
-
-<file path=ppt/slides/slide32.xml><?xml version="1.0" encoding="utf-8"?>
-<p:sld xmlns:a="http://schemas.openxmlformats.org/drawingml/2006/main" xmlns:r="http://schemas.openxmlformats.org/officeDocument/2006/relationships" xmlns:p="http://schemas.openxmlformats.org/presentationml/2006/main">
-  <p:cSld>
-    <p:spTree>
-      <p:nvGrpSpPr>
-        <p:cNvPr id="1" name=""/>
-        <p:cNvGrpSpPr/>
-        <p:nvPr/>
-      </p:nvGrpSpPr>
-      <p:grpSpPr>
-        <a:xfrm>
-          <a:off x="0" y="0"/>
-          <a:ext cx="0" cy="0"/>
-          <a:chOff x="0" y="0"/>
-          <a:chExt cx="0" cy="0"/>
-        </a:xfrm>
-      </p:grpSpPr>
-      <p:sp>
-        <p:nvSpPr>
-          <p:cNvPr id="2" name="內容版面配置區 1"/>
-          <p:cNvSpPr>
-            <a:spLocks noGrp="1"/>
-          </p:cNvSpPr>
-          <p:nvPr>
-            <p:ph idx="1"/>
-          </p:nvPr>
-        </p:nvSpPr>
-        <p:spPr>
-          <a:xfrm>
-            <a:off x="838200" y="1201850"/>
-            <a:ext cx="10515600" cy="5037776"/>
-          </a:xfrm>
-        </p:spPr>
-        <p:txBody>
-          <a:bodyPr/>
-          <a:lstStyle/>
-          <a:p>
-            <a:pPr lvl="1"/>
-            <a:endParaRPr lang="en-US" altLang="zh-TW" dirty="0">
-              <a:solidFill>
-                <a:srgbClr val="0563C1"/>
-              </a:solidFill>
-              <a:cs typeface="Times New Roman" panose="02020603050405020304" pitchFamily="18" charset="0"/>
-            </a:endParaRPr>
-          </a:p>
-          <a:p>
-            <a:pPr lvl="1"/>
-            <a:endParaRPr lang="en-US" altLang="zh-TW" b="0" i="0" dirty="0">
-              <a:solidFill>
-                <a:srgbClr val="000000"/>
-              </a:solidFill>
-              <a:effectLst/>
-              <a:cs typeface="Times New Roman" panose="02020603050405020304" pitchFamily="18" charset="0"/>
-            </a:endParaRPr>
-          </a:p>
-          <a:p>
-            <a:pPr lvl="1"/>
-            <a:r>
-              <a:rPr lang="en-US" altLang="zh-TW" dirty="0">
-                <a:solidFill>
-                  <a:srgbClr val="0563C1"/>
-                </a:solidFill>
-                <a:cs typeface="Times New Roman" panose="02020603050405020304" pitchFamily="18" charset="0"/>
-              </a:rPr>
-              <a:t>img2.mif:</a:t>
-            </a:r>
-          </a:p>
-          <a:p>
-            <a:pPr lvl="2"/>
-            <a:r>
-              <a:rPr lang="en-US" altLang="zh-TW" dirty="0">
-                <a:solidFill>
-                  <a:srgbClr val="0563C1"/>
-                </a:solidFill>
-                <a:cs typeface="Times New Roman" panose="02020603050405020304" pitchFamily="18" charset="0"/>
-              </a:rPr>
-              <a:t>OS</a:t>
-            </a:r>
-            <a:r>
-              <a:rPr lang="zh-TW" altLang="en-US" dirty="0">
-                <a:solidFill>
-                  <a:srgbClr val="0563C1"/>
-                </a:solidFill>
-                <a:cs typeface="Times New Roman" panose="02020603050405020304" pitchFamily="18" charset="0"/>
-              </a:rPr>
-              <a:t> </a:t>
-            </a:r>
-            <a:r>
-              <a:rPr lang="en-US" altLang="zh-TW" dirty="0">
-                <a:solidFill>
-                  <a:srgbClr val="0563C1"/>
-                </a:solidFill>
-                <a:cs typeface="Times New Roman" panose="02020603050405020304" pitchFamily="18" charset="0"/>
-              </a:rPr>
-              <a:t>tool: </a:t>
-            </a:r>
-            <a:r>
-              <a:rPr lang="en-US" altLang="zh-TW" dirty="0">
-                <a:hlinkClick r:id="rId2"/>
-              </a:rPr>
-              <a:t>【</a:t>
-            </a:r>
-            <a:r>
-              <a:rPr lang="zh-TW" altLang="en-US" dirty="0">
-                <a:hlinkClick r:id="rId2"/>
-              </a:rPr>
-              <a:t>原創</a:t>
-            </a:r>
-            <a:r>
-              <a:rPr lang="en-US" altLang="zh-TW" dirty="0">
-                <a:hlinkClick r:id="rId2"/>
-              </a:rPr>
-              <a:t>】bmp</a:t>
-            </a:r>
-            <a:r>
-              <a:rPr lang="zh-TW" altLang="en-US" dirty="0">
-                <a:hlinkClick r:id="rId2"/>
-              </a:rPr>
-              <a:t>轉</a:t>
-            </a:r>
-            <a:r>
-              <a:rPr lang="en-US" altLang="zh-TW" dirty="0" err="1">
-                <a:hlinkClick r:id="rId2"/>
-              </a:rPr>
-              <a:t>mif</a:t>
-            </a:r>
-            <a:r>
-              <a:rPr lang="zh-TW" altLang="en-US" dirty="0">
-                <a:hlinkClick r:id="rId2"/>
-              </a:rPr>
-              <a:t>、</a:t>
-            </a:r>
-            <a:r>
-              <a:rPr lang="en-US" altLang="zh-TW" dirty="0" err="1">
-                <a:hlinkClick r:id="rId2"/>
-              </a:rPr>
-              <a:t>coe</a:t>
-            </a:r>
-            <a:r>
-              <a:rPr lang="zh-TW" altLang="en-US" dirty="0">
-                <a:hlinkClick r:id="rId2"/>
-              </a:rPr>
-              <a:t>或</a:t>
-            </a:r>
-            <a:r>
-              <a:rPr lang="en-US" altLang="zh-TW" dirty="0">
-                <a:hlinkClick r:id="rId2"/>
-              </a:rPr>
-              <a:t>hex</a:t>
-            </a:r>
-            <a:r>
-              <a:rPr lang="zh-TW" altLang="en-US" dirty="0">
-                <a:hlinkClick r:id="rId2"/>
-              </a:rPr>
-              <a:t>軟體發佈及使用介紹 </a:t>
-            </a:r>
-            <a:r>
-              <a:rPr lang="en-US" altLang="zh-TW" dirty="0">
-                <a:hlinkClick r:id="rId2"/>
-              </a:rPr>
-              <a:t>...</a:t>
-            </a:r>
-            <a:endParaRPr lang="en-US" altLang="zh-TW" dirty="0"/>
-          </a:p>
-          <a:p>
-            <a:pPr lvl="2"/>
-            <a:endParaRPr lang="en-US" altLang="zh-TW" dirty="0"/>
-          </a:p>
-          <a:p>
-            <a:pPr lvl="1"/>
-            <a:r>
-              <a:rPr lang="en-US" altLang="zh-TW" dirty="0"/>
-              <a:t>img2gray:</a:t>
-            </a:r>
-          </a:p>
-          <a:p>
-            <a:pPr lvl="2"/>
-            <a:r>
-              <a:rPr lang="en-US" altLang="zh-TW" dirty="0">
-                <a:hlinkClick r:id="rId3"/>
-              </a:rPr>
-              <a:t>VHDL coding tips and tricks: Generic VHDL Code for Binary to Gray and Gray to Binary converter</a:t>
-            </a:r>
-            <a:endParaRPr lang="en-US" altLang="zh-TW" dirty="0"/>
-          </a:p>
-          <a:p>
-            <a:pPr lvl="2"/>
-            <a:endParaRPr lang="en-US" altLang="zh-TW" dirty="0">
-              <a:solidFill>
-                <a:srgbClr val="0563C1"/>
-              </a:solidFill>
-              <a:cs typeface="Times New Roman" panose="02020603050405020304" pitchFamily="18" charset="0"/>
-            </a:endParaRPr>
-          </a:p>
-          <a:p>
-            <a:pPr lvl="1"/>
-            <a:endParaRPr lang="en-US" altLang="zh-TW" dirty="0">
-              <a:solidFill>
-                <a:srgbClr val="0563C1"/>
-              </a:solidFill>
-              <a:cs typeface="Times New Roman" panose="02020603050405020304" pitchFamily="18" charset="0"/>
-            </a:endParaRPr>
-          </a:p>
-        </p:txBody>
-      </p:sp>
-      <p:sp>
-        <p:nvSpPr>
-          <p:cNvPr id="3" name="標題 2"/>
-          <p:cNvSpPr>
-            <a:spLocks noGrp="1"/>
-          </p:cNvSpPr>
-          <p:nvPr>
-            <p:ph type="title"/>
-          </p:nvPr>
-        </p:nvSpPr>
-        <p:spPr/>
-        <p:txBody>
-          <a:bodyPr/>
-          <a:lstStyle/>
-          <a:p>
-            <a:r>
-              <a:rPr lang="zh-TW" altLang="en-US" dirty="0"/>
-              <a:t>參考資料</a:t>
-            </a:r>
-          </a:p>
-        </p:txBody>
-      </p:sp>
-    </p:spTree>
-    <p:extLst>
-      <p:ext uri="{BB962C8B-B14F-4D97-AF65-F5344CB8AC3E}">
-        <p14:creationId xmlns:p14="http://schemas.microsoft.com/office/powerpoint/2010/main" val="1759100234"/>
-      </p:ext>
-    </p:extLst>
-  </p:cSld>
-  <p:clrMapOvr>
-    <a:masterClrMapping/>
-  </p:clrMapOvr>
-</p:sld>
-</file>
-
-<file path=ppt/slides/slide4.xml><?xml version="1.0" encoding="utf-8"?>
+<file path=ppt/slides/slide5.xml><?xml version="1.0" encoding="utf-8"?>
 <p:sld xmlns:a="http://schemas.openxmlformats.org/drawingml/2006/main" xmlns:r="http://schemas.openxmlformats.org/officeDocument/2006/relationships" xmlns:p="http://schemas.openxmlformats.org/presentationml/2006/main">
   <p:cSld>
     <p:spTree>
@@ -14982,7 +16001,7 @@
 </p:sld>
 </file>
 
-<file path=ppt/slides/slide5.xml><?xml version="1.0" encoding="utf-8"?>
+<file path=ppt/slides/slide6.xml><?xml version="1.0" encoding="utf-8"?>
 <p:sld xmlns:a="http://schemas.openxmlformats.org/drawingml/2006/main" xmlns:r="http://schemas.openxmlformats.org/officeDocument/2006/relationships" xmlns:p="http://schemas.openxmlformats.org/presentationml/2006/main">
   <p:cSld>
     <p:spTree>
@@ -15265,7 +16284,7 @@
             </a:r>
             <a:r>
               <a:rPr lang="en-US" altLang="zh-TW" dirty="0"/>
-              <a:t>: unit8</a:t>
+              <a:t>: uint8</a:t>
             </a:r>
           </a:p>
           <a:p>
@@ -15303,19 +16322,7 @@
             <a:pPr marL="742950" lvl="2" indent="-285750"/>
             <a:r>
               <a:rPr lang="zh-TW" altLang="en-US" dirty="0"/>
-              <a:t>指撥開關</a:t>
-            </a:r>
-            <a:r>
-              <a:rPr lang="zh-TW" altLang="en-US"/>
-              <a:t>切換</a:t>
-            </a:r>
-            <a:r>
-              <a:rPr lang="en-US" altLang="zh-TW"/>
-              <a:t>Canny</a:t>
-            </a:r>
-            <a:r>
-              <a:rPr lang="zh-TW" altLang="en-US"/>
-              <a:t>過程、結果</a:t>
+              <a:t>指撥開關切換影像前處理的過程、結果</a:t>
             </a:r>
             <a:endParaRPr lang="en-US" altLang="zh-TW" dirty="0"/>
           </a:p>
@@ -15357,7 +16364,7 @@
             </a:r>
             <a:r>
               <a:rPr lang="en-US" altLang="zh-TW" dirty="0"/>
-              <a:t>(800 x 525)</a:t>
+              <a:t>(800 x 600)</a:t>
             </a:r>
           </a:p>
           <a:p>
@@ -15368,7 +16375,7 @@
             </a:r>
             <a:r>
               <a:rPr lang="en-US" altLang="zh-TW" dirty="0"/>
-              <a:t>x2(</a:t>
+              <a:t>x3(</a:t>
             </a:r>
             <a:r>
               <a:rPr lang="zh-TW" altLang="en-US" dirty="0"/>
@@ -15382,20 +16389,24 @@
           <a:p>
             <a:pPr marL="1200150" lvl="3" indent="-285750"/>
             <a:r>
+              <a:rPr lang="en-US" altLang="zh-TW" dirty="0"/>
+              <a:t>--</a:t>
+            </a:r>
+            <a:r>
               <a:rPr lang="zh-TW" altLang="en-US" dirty="0"/>
               <a:t>按鈕</a:t>
             </a:r>
             <a:r>
               <a:rPr lang="en-US" altLang="zh-TW" dirty="0"/>
-              <a:t>x2(</a:t>
+              <a:t>x4(</a:t>
             </a:r>
             <a:r>
               <a:rPr lang="zh-TW" altLang="en-US" dirty="0"/>
               <a:t>調變</a:t>
             </a:r>
             <a:r>
-              <a:rPr lang="en-US" altLang="zh-TW" dirty="0"/>
-              <a:t>threshold</a:t>
+              <a:rPr lang="en-US" altLang="zh-TW" dirty="0" err="1"/>
+              <a:t>double_threshold</a:t>
             </a:r>
             <a:r>
               <a:rPr lang="zh-TW" altLang="en-US" dirty="0"/>
@@ -15441,7 +16452,7 @@
             <a:pPr marL="742950" lvl="2" indent="-285750"/>
             <a:r>
               <a:rPr lang="en-US" altLang="zh-TW" dirty="0"/>
-              <a:t>800x525 (FPS = 59.5248)</a:t>
+              <a:t>800x600 (FPS = 59.5248)</a:t>
             </a:r>
           </a:p>
           <a:p>
@@ -15463,7 +16474,7 @@
 </p:sld>
 </file>
 
-<file path=ppt/slides/slide6.xml><?xml version="1.0" encoding="utf-8"?>
+<file path=ppt/slides/slide7.xml><?xml version="1.0" encoding="utf-8"?>
 <p:sld xmlns:a="http://schemas.openxmlformats.org/drawingml/2006/main" xmlns:r="http://schemas.openxmlformats.org/officeDocument/2006/relationships" xmlns:p="http://schemas.openxmlformats.org/presentationml/2006/main">
   <p:cSld>
     <p:spTree>
@@ -16168,7 +17179,7 @@
 </p:sld>
 </file>
 
-<file path=ppt/slides/slide7.xml><?xml version="1.0" encoding="utf-8"?>
+<file path=ppt/slides/slide8.xml><?xml version="1.0" encoding="utf-8"?>
 <p:sld xmlns:a="http://schemas.openxmlformats.org/drawingml/2006/main" xmlns:r="http://schemas.openxmlformats.org/officeDocument/2006/relationships" xmlns:p="http://schemas.openxmlformats.org/presentationml/2006/main">
   <p:cSld>
     <p:spTree>
@@ -16498,7 +17509,7 @@
 </p:sld>
 </file>
 
-<file path=ppt/slides/slide8.xml><?xml version="1.0" encoding="utf-8"?>
+<file path=ppt/slides/slide9.xml><?xml version="1.0" encoding="utf-8"?>
 <p:sld xmlns:a="http://schemas.openxmlformats.org/drawingml/2006/main" xmlns:r="http://schemas.openxmlformats.org/officeDocument/2006/relationships" xmlns:p="http://schemas.openxmlformats.org/presentationml/2006/main">
   <p:cSld>
     <p:spTree>
@@ -16839,276 +17850,6 @@
     <p:extLst>
       <p:ext uri="{BB962C8B-B14F-4D97-AF65-F5344CB8AC3E}">
         <p14:creationId xmlns:p14="http://schemas.microsoft.com/office/powerpoint/2010/main" val="4161202371"/>
-      </p:ext>
-    </p:extLst>
-  </p:cSld>
-  <p:clrMapOvr>
-    <a:masterClrMapping/>
-  </p:clrMapOvr>
-</p:sld>
-</file>
-
-<file path=ppt/slides/slide9.xml><?xml version="1.0" encoding="utf-8"?>
-<p:sld xmlns:a="http://schemas.openxmlformats.org/drawingml/2006/main" xmlns:r="http://schemas.openxmlformats.org/officeDocument/2006/relationships" xmlns:p="http://schemas.openxmlformats.org/presentationml/2006/main">
-  <p:cSld>
-    <p:spTree>
-      <p:nvGrpSpPr>
-        <p:cNvPr id="1" name=""/>
-        <p:cNvGrpSpPr/>
-        <p:nvPr/>
-      </p:nvGrpSpPr>
-      <p:grpSpPr>
-        <a:xfrm>
-          <a:off x="0" y="0"/>
-          <a:ext cx="0" cy="0"/>
-          <a:chOff x="0" y="0"/>
-          <a:chExt cx="0" cy="0"/>
-        </a:xfrm>
-      </p:grpSpPr>
-      <p:sp>
-        <p:nvSpPr>
-          <p:cNvPr id="4" name="標題 3"/>
-          <p:cNvSpPr>
-            <a:spLocks noGrp="1"/>
-          </p:cNvSpPr>
-          <p:nvPr>
-            <p:ph type="title"/>
-          </p:nvPr>
-        </p:nvSpPr>
-        <p:spPr/>
-        <p:txBody>
-          <a:bodyPr>
-            <a:normAutofit/>
-          </a:bodyPr>
-          <a:lstStyle/>
-          <a:p>
-            <a:r>
-              <a:rPr lang="zh-TW" altLang="en-US" dirty="0"/>
-              <a:t>系統分析 </a:t>
-            </a:r>
-            <a:r>
-              <a:rPr lang="en-US" altLang="zh-TW" dirty="0"/>
-              <a:t>–</a:t>
-            </a:r>
-            <a:r>
-              <a:rPr lang="zh-TW" altLang="en-US" dirty="0"/>
-              <a:t> </a:t>
-            </a:r>
-            <a:r>
-              <a:rPr lang="en-US" altLang="zh-TW" dirty="0"/>
-              <a:t>Gaussian</a:t>
-            </a:r>
-            <a:r>
-              <a:rPr lang="en-US" altLang="zh-TW" sz="4400" dirty="0">
-                <a:latin typeface="Times New Roman" panose="02020603050405020304" pitchFamily="18" charset="0"/>
-                <a:ea typeface="標楷體" panose="03000509000000000000" pitchFamily="65" charset="-120"/>
-              </a:rPr>
-              <a:t> filter </a:t>
-            </a:r>
-            <a:r>
-              <a:rPr lang="en-US" altLang="zh-TW" dirty="0"/>
-              <a:t>(2023/6/1</a:t>
-            </a:r>
-            <a:r>
-              <a:rPr lang="zh-TW" altLang="en-US" dirty="0"/>
-              <a:t>更新</a:t>
-            </a:r>
-            <a:r>
-              <a:rPr lang="en-US" altLang="zh-TW" dirty="0"/>
-              <a:t>)</a:t>
-            </a:r>
-            <a:endParaRPr lang="zh-TW" altLang="en-US" dirty="0"/>
-          </a:p>
-        </p:txBody>
-      </p:sp>
-      <p:sp>
-        <p:nvSpPr>
-          <p:cNvPr id="5" name="文字方塊 4">
-            <a:extLst>
-              <a:ext uri="{FF2B5EF4-FFF2-40B4-BE49-F238E27FC236}">
-                <a16:creationId xmlns:a16="http://schemas.microsoft.com/office/drawing/2014/main" id="{1305ED3A-520E-4115-889C-3403FD309DDE}"/>
-              </a:ext>
-            </a:extLst>
-          </p:cNvPr>
-          <p:cNvSpPr txBox="1"/>
-          <p:nvPr/>
-        </p:nvSpPr>
-        <p:spPr>
-          <a:xfrm>
-            <a:off x="1247784" y="1798791"/>
-            <a:ext cx="6977848" cy="369332"/>
-          </a:xfrm>
-          <a:prstGeom prst="rect">
-            <a:avLst/>
-          </a:prstGeom>
-          <a:noFill/>
-        </p:spPr>
-        <p:txBody>
-          <a:bodyPr wrap="square" rtlCol="0">
-            <a:spAutoFit/>
-          </a:bodyPr>
-          <a:lstStyle/>
-          <a:p>
-            <a:pPr marL="1200150" lvl="2" indent="-285750">
-              <a:buFont typeface="Arial" panose="020B0604020202020204" pitchFamily="34" charset="0"/>
-              <a:buChar char="•"/>
-            </a:pPr>
-            <a:r>
-              <a:rPr lang="zh-TW" altLang="en-US" dirty="0">
-                <a:latin typeface="標楷體" panose="03000509000000000000" pitchFamily="65" charset="-120"/>
-                <a:ea typeface="標楷體" panose="03000509000000000000" pitchFamily="65" charset="-120"/>
-              </a:rPr>
-              <a:t>高斯模糊</a:t>
-            </a:r>
-            <a:r>
-              <a:rPr lang="en-US" altLang="zh-TW" dirty="0">
-                <a:latin typeface="標楷體" panose="03000509000000000000" pitchFamily="65" charset="-120"/>
-                <a:ea typeface="標楷體" panose="03000509000000000000" pitchFamily="65" charset="-120"/>
-              </a:rPr>
-              <a:t>	</a:t>
-            </a:r>
-            <a:endParaRPr lang="zh-TW" altLang="en-US" dirty="0">
-              <a:latin typeface="標楷體" panose="03000509000000000000" pitchFamily="65" charset="-120"/>
-              <a:ea typeface="標楷體" panose="03000509000000000000" pitchFamily="65" charset="-120"/>
-            </a:endParaRPr>
-          </a:p>
-        </p:txBody>
-      </p:sp>
-      <p:pic>
-        <p:nvPicPr>
-          <p:cNvPr id="6" name="Picture 2">
-            <a:extLst>
-              <a:ext uri="{FF2B5EF4-FFF2-40B4-BE49-F238E27FC236}">
-                <a16:creationId xmlns:a16="http://schemas.microsoft.com/office/drawing/2014/main" id="{AD605B4F-C6D6-440D-948B-08BD1A4DEC54}"/>
-              </a:ext>
-            </a:extLst>
-          </p:cNvPr>
-          <p:cNvPicPr>
-            <a:picLocks noChangeAspect="1" noChangeArrowheads="1"/>
-          </p:cNvPicPr>
-          <p:nvPr/>
-        </p:nvPicPr>
-        <p:blipFill>
-          <a:blip r:embed="rId2" cstate="print">
-            <a:extLst>
-              <a:ext uri="{28A0092B-C50C-407E-A947-70E740481C1C}">
-                <a14:useLocalDpi xmlns:a14="http://schemas.microsoft.com/office/drawing/2010/main" val="0"/>
-              </a:ext>
-            </a:extLst>
-          </a:blip>
-          <a:srcRect/>
-          <a:stretch>
-            <a:fillRect/>
-          </a:stretch>
-        </p:blipFill>
-        <p:spPr bwMode="auto">
-          <a:xfrm>
-            <a:off x="2356614" y="2831910"/>
-            <a:ext cx="7478772" cy="2478997"/>
-          </a:xfrm>
-          <a:prstGeom prst="rect">
-            <a:avLst/>
-          </a:prstGeom>
-          <a:noFill/>
-          <a:extLst>
-            <a:ext uri="{909E8E84-426E-40DD-AFC4-6F175D3DCCD1}">
-              <a14:hiddenFill xmlns:a14="http://schemas.microsoft.com/office/drawing/2010/main">
-                <a:solidFill>
-                  <a:srgbClr val="FFFFFF"/>
-                </a:solidFill>
-              </a14:hiddenFill>
-            </a:ext>
-          </a:extLst>
-        </p:spPr>
-      </p:pic>
-      <p:sp>
-        <p:nvSpPr>
-          <p:cNvPr id="8" name="文字方塊 7">
-            <a:extLst>
-              <a:ext uri="{FF2B5EF4-FFF2-40B4-BE49-F238E27FC236}">
-                <a16:creationId xmlns:a16="http://schemas.microsoft.com/office/drawing/2014/main" id="{3CF59709-CBBE-4E9D-821B-C49663AC617F}"/>
-              </a:ext>
-            </a:extLst>
-          </p:cNvPr>
-          <p:cNvSpPr txBox="1"/>
-          <p:nvPr/>
-        </p:nvSpPr>
-        <p:spPr>
-          <a:xfrm>
-            <a:off x="6768484" y="1623468"/>
-            <a:ext cx="5012184" cy="646331"/>
-          </a:xfrm>
-          <a:prstGeom prst="rect">
-            <a:avLst/>
-          </a:prstGeom>
-          <a:noFill/>
-        </p:spPr>
-        <p:txBody>
-          <a:bodyPr wrap="square">
-            <a:spAutoFit/>
-          </a:bodyPr>
-          <a:lstStyle/>
-          <a:p>
-            <a:r>
-              <a:rPr lang="en-US" altLang="zh-TW" dirty="0">
-                <a:latin typeface="標楷體" panose="03000509000000000000" pitchFamily="65" charset="-120"/>
-                <a:ea typeface="標楷體" panose="03000509000000000000" pitchFamily="65" charset="-120"/>
-              </a:rPr>
-              <a:t>--</a:t>
-            </a:r>
-            <a:r>
-              <a:rPr lang="zh-TW" altLang="en-US" dirty="0">
-                <a:latin typeface="標楷體" panose="03000509000000000000" pitchFamily="65" charset="-120"/>
-                <a:ea typeface="標楷體" panose="03000509000000000000" pitchFamily="65" charset="-120"/>
-              </a:rPr>
-              <a:t>雙邊濾波</a:t>
-            </a:r>
-            <a:r>
-              <a:rPr lang="en-US" altLang="zh-TW" dirty="0">
-                <a:latin typeface="標楷體" panose="03000509000000000000" pitchFamily="65" charset="-120"/>
-                <a:ea typeface="標楷體" panose="03000509000000000000" pitchFamily="65" charset="-120"/>
-              </a:rPr>
-              <a:t>: </a:t>
-            </a:r>
-            <a:r>
-              <a:rPr lang="zh-TW" altLang="en-US" dirty="0">
-                <a:latin typeface="標楷體" panose="03000509000000000000" pitchFamily="65" charset="-120"/>
-                <a:ea typeface="標楷體" panose="03000509000000000000" pitchFamily="65" charset="-120"/>
-              </a:rPr>
-              <a:t>且比較周圍像素灰階差</a:t>
-            </a:r>
-            <a:r>
-              <a:rPr lang="en-US" altLang="zh-TW" dirty="0">
-                <a:latin typeface="標楷體" panose="03000509000000000000" pitchFamily="65" charset="-120"/>
-                <a:ea typeface="標楷體" panose="03000509000000000000" pitchFamily="65" charset="-120"/>
-              </a:rPr>
-              <a:t>(</a:t>
-            </a:r>
-            <a:r>
-              <a:rPr lang="zh-TW" altLang="en-US" dirty="0">
-                <a:latin typeface="標楷體" panose="03000509000000000000" pitchFamily="65" charset="-120"/>
-                <a:ea typeface="標楷體" panose="03000509000000000000" pitchFamily="65" charset="-120"/>
-              </a:rPr>
-              <a:t>值域，每個像素點對周圍的灰階差都不同，事後歸一化</a:t>
-            </a:r>
-            <a:r>
-              <a:rPr lang="en-US" altLang="zh-TW" dirty="0">
-                <a:latin typeface="標楷體" panose="03000509000000000000" pitchFamily="65" charset="-120"/>
-                <a:ea typeface="標楷體" panose="03000509000000000000" pitchFamily="65" charset="-120"/>
-              </a:rPr>
-              <a:t>)</a:t>
-            </a:r>
-            <a:endParaRPr lang="zh-TW" altLang="en-US" dirty="0">
-              <a:latin typeface="標楷體" panose="03000509000000000000" pitchFamily="65" charset="-120"/>
-              <a:ea typeface="標楷體" panose="03000509000000000000" pitchFamily="65" charset="-120"/>
-            </a:endParaRPr>
-          </a:p>
-        </p:txBody>
-      </p:sp>
-    </p:spTree>
-    <p:extLst>
-      <p:ext uri="{BB962C8B-B14F-4D97-AF65-F5344CB8AC3E}">
-        <p14:creationId xmlns:p14="http://schemas.microsoft.com/office/powerpoint/2010/main" val="3783060991"/>
       </p:ext>
     </p:extLst>
   </p:cSld>

--- a/HW8_Canny_BRam/N06-Tutorial/專案進度報告-Canny_VGA-吳東穎-20230607.pptx
+++ b/HW8_Canny_BRam/N06-Tutorial/專案進度報告-Canny_VGA-吳東穎-20230607.pptx
@@ -5,10 +5,10 @@
     <p:sldMasterId id="2147483648" r:id="rId1"/>
   </p:sldMasterIdLst>
   <p:notesMasterIdLst>
-    <p:notesMasterId r:id="rId39"/>
+    <p:notesMasterId r:id="rId40"/>
   </p:notesMasterIdLst>
   <p:handoutMasterIdLst>
-    <p:handoutMasterId r:id="rId40"/>
+    <p:handoutMasterId r:id="rId41"/>
   </p:handoutMasterIdLst>
   <p:sldIdLst>
     <p:sldId id="259" r:id="rId2"/>
@@ -35,19 +35,20 @@
     <p:sldId id="1306" r:id="rId23"/>
     <p:sldId id="1307" r:id="rId24"/>
     <p:sldId id="1322" r:id="rId25"/>
-    <p:sldId id="1300" r:id="rId26"/>
-    <p:sldId id="1308" r:id="rId27"/>
-    <p:sldId id="1319" r:id="rId28"/>
-    <p:sldId id="1321" r:id="rId29"/>
-    <p:sldId id="1324" r:id="rId30"/>
-    <p:sldId id="1320" r:id="rId31"/>
-    <p:sldId id="1323" r:id="rId32"/>
-    <p:sldId id="1325" r:id="rId33"/>
-    <p:sldId id="1258" r:id="rId34"/>
-    <p:sldId id="1282" r:id="rId35"/>
-    <p:sldId id="1302" r:id="rId36"/>
-    <p:sldId id="1313" r:id="rId37"/>
-    <p:sldId id="271" r:id="rId38"/>
+    <p:sldId id="1328" r:id="rId26"/>
+    <p:sldId id="1327" r:id="rId27"/>
+    <p:sldId id="1300" r:id="rId28"/>
+    <p:sldId id="1319" r:id="rId29"/>
+    <p:sldId id="1321" r:id="rId30"/>
+    <p:sldId id="1324" r:id="rId31"/>
+    <p:sldId id="1320" r:id="rId32"/>
+    <p:sldId id="1323" r:id="rId33"/>
+    <p:sldId id="1325" r:id="rId34"/>
+    <p:sldId id="1258" r:id="rId35"/>
+    <p:sldId id="1282" r:id="rId36"/>
+    <p:sldId id="1302" r:id="rId37"/>
+    <p:sldId id="1313" r:id="rId38"/>
+    <p:sldId id="271" r:id="rId39"/>
   </p:sldIdLst>
   <p:sldSz cx="12192000" cy="6858000"/>
   <p:notesSz cx="6858000" cy="9144000"/>
@@ -216,25 +217,23 @@
             <p14:sldId id="1307"/>
           </p14:sldIdLst>
         </p14:section>
+        <p14:section name="波形轉圖片" id="{AAC2B831-151C-4000-90D8-FE010905DD21}">
+          <p14:sldIdLst>
+            <p14:sldId id="1322"/>
+            <p14:sldId id="1328"/>
+          </p14:sldIdLst>
+        </p14:section>
         <p14:section name="Sobel" id="{EC4CFE80-13D9-41FF-B85C-0027FA1F0371}">
           <p14:sldIdLst>
-            <p14:sldId id="1322"/>
+            <p14:sldId id="1327"/>
           </p14:sldIdLst>
         </p14:section>
-        <p14:section name="NonMaxSuppression" id="{91AB8E4F-5EB5-44E0-83F4-FED74068AA60}">
+        <p14:section name="NMS&amp;HysteresisThresholding" id="{91AB8E4F-5EB5-44E0-83F4-FED74068AA60}">
           <p14:sldIdLst>
             <p14:sldId id="1300"/>
           </p14:sldIdLst>
         </p14:section>
-        <p14:section name="HysteresisThresholding" id="{677DD8BF-8F72-4BB6-8F71-78E12EA4D74F}">
-          <p14:sldIdLst>
-            <p14:sldId id="1308"/>
-          </p14:sldIdLst>
-        </p14:section>
-        <p14:section name="Bram+Canny_warpper" id="{523078B2-3363-4370-BE08-DE5D3D2ADE91}">
-          <p14:sldIdLst/>
-        </p14:section>
-        <p14:section name="VGA畫面(驗證)" id="{AACFFD94-4AEA-47C7-B01A-FA31C06436CC}">
+        <p14:section name="Gaussian+Canny_warpper 燒錄驗證功能" id="{AACFFD94-4AEA-47C7-B01A-FA31C06436CC}">
           <p14:sldIdLst>
             <p14:sldId id="1319"/>
             <p14:sldId id="1321"/>
@@ -954,7 +953,7 @@
           <a:p>
             <a:fld id="{EF8A6B0B-A5FB-4629-B823-69B1A9EB3A43}" type="slidenum">
               <a:rPr lang="zh-TW" altLang="en-US" smtClean="0"/>
-              <a:t>28</a:t>
+              <a:t>30</a:t>
             </a:fld>
             <a:endParaRPr lang="zh-TW" altLang="en-US"/>
           </a:p>
@@ -963,7 +962,7 @@
     </p:spTree>
     <p:extLst>
       <p:ext uri="{BB962C8B-B14F-4D97-AF65-F5344CB8AC3E}">
-        <p14:creationId xmlns:p14="http://schemas.microsoft.com/office/powerpoint/2010/main" val="843886258"/>
+        <p14:creationId xmlns:p14="http://schemas.microsoft.com/office/powerpoint/2010/main" val="3170777769"/>
       </p:ext>
     </p:extLst>
   </p:cSld>
@@ -1038,7 +1037,7 @@
           <a:p>
             <a:fld id="{EF8A6B0B-A5FB-4629-B823-69B1A9EB3A43}" type="slidenum">
               <a:rPr lang="zh-TW" altLang="en-US" smtClean="0"/>
-              <a:t>29</a:t>
+              <a:t>31</a:t>
             </a:fld>
             <a:endParaRPr lang="zh-TW" altLang="en-US"/>
           </a:p>
@@ -1047,7 +1046,7 @@
     </p:spTree>
     <p:extLst>
       <p:ext uri="{BB962C8B-B14F-4D97-AF65-F5344CB8AC3E}">
-        <p14:creationId xmlns:p14="http://schemas.microsoft.com/office/powerpoint/2010/main" val="3170777769"/>
+        <p14:creationId xmlns:p14="http://schemas.microsoft.com/office/powerpoint/2010/main" val="4125046363"/>
       </p:ext>
     </p:extLst>
   </p:cSld>
@@ -1122,7 +1121,7 @@
           <a:p>
             <a:fld id="{EF8A6B0B-A5FB-4629-B823-69B1A9EB3A43}" type="slidenum">
               <a:rPr lang="zh-TW" altLang="en-US" smtClean="0"/>
-              <a:t>30</a:t>
+              <a:t>32</a:t>
             </a:fld>
             <a:endParaRPr lang="zh-TW" altLang="en-US"/>
           </a:p>
@@ -1131,7 +1130,7 @@
     </p:spTree>
     <p:extLst>
       <p:ext uri="{BB962C8B-B14F-4D97-AF65-F5344CB8AC3E}">
-        <p14:creationId xmlns:p14="http://schemas.microsoft.com/office/powerpoint/2010/main" val="4125046363"/>
+        <p14:creationId xmlns:p14="http://schemas.microsoft.com/office/powerpoint/2010/main" val="1415522227"/>
       </p:ext>
     </p:extLst>
   </p:cSld>
@@ -1206,7 +1205,7 @@
           <a:p>
             <a:fld id="{EF8A6B0B-A5FB-4629-B823-69B1A9EB3A43}" type="slidenum">
               <a:rPr lang="zh-TW" altLang="en-US" smtClean="0"/>
-              <a:t>31</a:t>
+              <a:t>33</a:t>
             </a:fld>
             <a:endParaRPr lang="zh-TW" altLang="en-US"/>
           </a:p>
@@ -1215,7 +1214,7 @@
     </p:spTree>
     <p:extLst>
       <p:ext uri="{BB962C8B-B14F-4D97-AF65-F5344CB8AC3E}">
-        <p14:creationId xmlns:p14="http://schemas.microsoft.com/office/powerpoint/2010/main" val="1415522227"/>
+        <p14:creationId xmlns:p14="http://schemas.microsoft.com/office/powerpoint/2010/main" val="3718682450"/>
       </p:ext>
     </p:extLst>
   </p:cSld>
@@ -1290,7 +1289,7 @@
           <a:p>
             <a:fld id="{EF8A6B0B-A5FB-4629-B823-69B1A9EB3A43}" type="slidenum">
               <a:rPr lang="zh-TW" altLang="en-US" smtClean="0"/>
-              <a:t>32</a:t>
+              <a:t>34</a:t>
             </a:fld>
             <a:endParaRPr lang="zh-TW" altLang="en-US"/>
           </a:p>
@@ -1299,7 +1298,7 @@
     </p:spTree>
     <p:extLst>
       <p:ext uri="{BB962C8B-B14F-4D97-AF65-F5344CB8AC3E}">
-        <p14:creationId xmlns:p14="http://schemas.microsoft.com/office/powerpoint/2010/main" val="3718682450"/>
+        <p14:creationId xmlns:p14="http://schemas.microsoft.com/office/powerpoint/2010/main" val="1813557240"/>
       </p:ext>
     </p:extLst>
   </p:cSld>
@@ -1374,7 +1373,7 @@
           <a:p>
             <a:fld id="{EF8A6B0B-A5FB-4629-B823-69B1A9EB3A43}" type="slidenum">
               <a:rPr lang="zh-TW" altLang="en-US" smtClean="0"/>
-              <a:t>33</a:t>
+              <a:t>35</a:t>
             </a:fld>
             <a:endParaRPr lang="zh-TW" altLang="en-US"/>
           </a:p>
@@ -1383,7 +1382,7 @@
     </p:spTree>
     <p:extLst>
       <p:ext uri="{BB962C8B-B14F-4D97-AF65-F5344CB8AC3E}">
-        <p14:creationId xmlns:p14="http://schemas.microsoft.com/office/powerpoint/2010/main" val="1813557240"/>
+        <p14:creationId xmlns:p14="http://schemas.microsoft.com/office/powerpoint/2010/main" val="800052063"/>
       </p:ext>
     </p:extLst>
   </p:cSld>
@@ -1458,7 +1457,7 @@
           <a:p>
             <a:fld id="{EF8A6B0B-A5FB-4629-B823-69B1A9EB3A43}" type="slidenum">
               <a:rPr lang="zh-TW" altLang="en-US" smtClean="0"/>
-              <a:t>34</a:t>
+              <a:t>36</a:t>
             </a:fld>
             <a:endParaRPr lang="zh-TW" altLang="en-US"/>
           </a:p>
@@ -1467,7 +1466,7 @@
     </p:spTree>
     <p:extLst>
       <p:ext uri="{BB962C8B-B14F-4D97-AF65-F5344CB8AC3E}">
-        <p14:creationId xmlns:p14="http://schemas.microsoft.com/office/powerpoint/2010/main" val="800052063"/>
+        <p14:creationId xmlns:p14="http://schemas.microsoft.com/office/powerpoint/2010/main" val="702336876"/>
       </p:ext>
     </p:extLst>
   </p:cSld>
@@ -1542,91 +1541,7 @@
           <a:p>
             <a:fld id="{EF8A6B0B-A5FB-4629-B823-69B1A9EB3A43}" type="slidenum">
               <a:rPr lang="zh-TW" altLang="en-US" smtClean="0"/>
-              <a:t>35</a:t>
-            </a:fld>
-            <a:endParaRPr lang="zh-TW" altLang="en-US"/>
-          </a:p>
-        </p:txBody>
-      </p:sp>
-    </p:spTree>
-    <p:extLst>
-      <p:ext uri="{BB962C8B-B14F-4D97-AF65-F5344CB8AC3E}">
-        <p14:creationId xmlns:p14="http://schemas.microsoft.com/office/powerpoint/2010/main" val="702336876"/>
-      </p:ext>
-    </p:extLst>
-  </p:cSld>
-  <p:clrMapOvr>
-    <a:masterClrMapping/>
-  </p:clrMapOvr>
-</p:notes>
-</file>
-
-<file path=ppt/notesSlides/notesSlide18.xml><?xml version="1.0" encoding="utf-8"?>
-<p:notes xmlns:a="http://schemas.openxmlformats.org/drawingml/2006/main" xmlns:r="http://schemas.openxmlformats.org/officeDocument/2006/relationships" xmlns:p="http://schemas.openxmlformats.org/presentationml/2006/main">
-  <p:cSld>
-    <p:spTree>
-      <p:nvGrpSpPr>
-        <p:cNvPr id="1" name=""/>
-        <p:cNvGrpSpPr/>
-        <p:nvPr/>
-      </p:nvGrpSpPr>
-      <p:grpSpPr>
-        <a:xfrm>
-          <a:off x="0" y="0"/>
-          <a:ext cx="0" cy="0"/>
-          <a:chOff x="0" y="0"/>
-          <a:chExt cx="0" cy="0"/>
-        </a:xfrm>
-      </p:grpSpPr>
-      <p:sp>
-        <p:nvSpPr>
-          <p:cNvPr id="2" name="投影片圖像版面配置區 1"/>
-          <p:cNvSpPr>
-            <a:spLocks noGrp="1" noRot="1" noChangeAspect="1"/>
-          </p:cNvSpPr>
-          <p:nvPr>
-            <p:ph type="sldImg"/>
-          </p:nvPr>
-        </p:nvSpPr>
-        <p:spPr/>
-      </p:sp>
-      <p:sp>
-        <p:nvSpPr>
-          <p:cNvPr id="3" name="備忘稿版面配置區 2"/>
-          <p:cNvSpPr>
-            <a:spLocks noGrp="1"/>
-          </p:cNvSpPr>
-          <p:nvPr>
-            <p:ph type="body" idx="1"/>
-          </p:nvPr>
-        </p:nvSpPr>
-        <p:spPr/>
-        <p:txBody>
-          <a:bodyPr/>
-          <a:lstStyle/>
-          <a:p>
-            <a:endParaRPr lang="zh-TW" altLang="en-US" dirty="0"/>
-          </a:p>
-        </p:txBody>
-      </p:sp>
-      <p:sp>
-        <p:nvSpPr>
-          <p:cNvPr id="4" name="投影片編號版面配置區 3"/>
-          <p:cNvSpPr>
-            <a:spLocks noGrp="1"/>
-          </p:cNvSpPr>
-          <p:nvPr>
-            <p:ph type="sldNum" sz="quarter" idx="10"/>
-          </p:nvPr>
-        </p:nvSpPr>
-        <p:spPr/>
-        <p:txBody>
-          <a:bodyPr/>
-          <a:lstStyle/>
-          <a:p>
-            <a:fld id="{EF8A6B0B-A5FB-4629-B823-69B1A9EB3A43}" type="slidenum">
-              <a:rPr lang="zh-TW" altLang="en-US" smtClean="0"/>
-              <a:t>36</a:t>
+              <a:t>37</a:t>
             </a:fld>
             <a:endParaRPr lang="zh-TW" altLang="en-US"/>
           </a:p>
@@ -2130,7 +2045,7 @@
           <a:p>
             <a:fld id="{EF8A6B0B-A5FB-4629-B823-69B1A9EB3A43}" type="slidenum">
               <a:rPr lang="zh-TW" altLang="en-US" smtClean="0"/>
-              <a:t>25</a:t>
+              <a:t>27</a:t>
             </a:fld>
             <a:endParaRPr lang="zh-TW" altLang="en-US"/>
           </a:p>
@@ -2214,7 +2129,7 @@
           <a:p>
             <a:fld id="{EF8A6B0B-A5FB-4629-B823-69B1A9EB3A43}" type="slidenum">
               <a:rPr lang="zh-TW" altLang="en-US" smtClean="0"/>
-              <a:t>26</a:t>
+              <a:t>28</a:t>
             </a:fld>
             <a:endParaRPr lang="zh-TW" altLang="en-US"/>
           </a:p>
@@ -2223,7 +2138,7 @@
     </p:spTree>
     <p:extLst>
       <p:ext uri="{BB962C8B-B14F-4D97-AF65-F5344CB8AC3E}">
-        <p14:creationId xmlns:p14="http://schemas.microsoft.com/office/powerpoint/2010/main" val="2939413634"/>
+        <p14:creationId xmlns:p14="http://schemas.microsoft.com/office/powerpoint/2010/main" val="2357847725"/>
       </p:ext>
     </p:extLst>
   </p:cSld>
@@ -2298,7 +2213,7 @@
           <a:p>
             <a:fld id="{EF8A6B0B-A5FB-4629-B823-69B1A9EB3A43}" type="slidenum">
               <a:rPr lang="zh-TW" altLang="en-US" smtClean="0"/>
-              <a:t>27</a:t>
+              <a:t>29</a:t>
             </a:fld>
             <a:endParaRPr lang="zh-TW" altLang="en-US"/>
           </a:p>
@@ -2307,7 +2222,7 @@
     </p:spTree>
     <p:extLst>
       <p:ext uri="{BB962C8B-B14F-4D97-AF65-F5344CB8AC3E}">
-        <p14:creationId xmlns:p14="http://schemas.microsoft.com/office/powerpoint/2010/main" val="2357847725"/>
+        <p14:creationId xmlns:p14="http://schemas.microsoft.com/office/powerpoint/2010/main" val="843886258"/>
       </p:ext>
     </p:extLst>
   </p:cSld>
@@ -5551,7 +5466,7 @@
             </a:br>
             <a:r>
               <a:rPr lang="en-US" altLang="zh-TW" sz="5600" b="0" dirty="0"/>
-              <a:t>Block Ram, Canny(</a:t>
+              <a:t>Block RAM, Canny(</a:t>
             </a:r>
             <a:r>
               <a:rPr lang="zh-TW" altLang="en-US" sz="5600" b="0" dirty="0"/>
@@ -6944,12 +6859,68 @@
           </a:p>
         </p:txBody>
       </p:sp>
+      <p:sp>
+        <p:nvSpPr>
+          <p:cNvPr id="5" name="文字方塊 4">
+            <a:extLst>
+              <a:ext uri="{FF2B5EF4-FFF2-40B4-BE49-F238E27FC236}">
+                <a16:creationId xmlns:a16="http://schemas.microsoft.com/office/drawing/2014/main" id="{4D0F79A7-7D34-4520-9F0E-974CEF1118C3}"/>
+              </a:ext>
+            </a:extLst>
+          </p:cNvPr>
+          <p:cNvSpPr txBox="1"/>
+          <p:nvPr/>
+        </p:nvSpPr>
+        <p:spPr>
+          <a:xfrm>
+            <a:off x="9086123" y="1318854"/>
+            <a:ext cx="2267677" cy="338554"/>
+          </a:xfrm>
+          <a:prstGeom prst="rect">
+            <a:avLst/>
+          </a:prstGeom>
+          <a:noFill/>
+        </p:spPr>
+        <p:txBody>
+          <a:bodyPr wrap="square" rtlCol="0">
+            <a:spAutoFit/>
+          </a:bodyPr>
+          <a:lstStyle/>
+          <a:p>
+            <a:pPr lvl="1"/>
+            <a:r>
+              <a:rPr lang="en-US" altLang="zh-TW" sz="1600" dirty="0">
+                <a:solidFill>
+                  <a:schemeClr val="accent6">
+                    <a:lumMod val="75000"/>
+                  </a:schemeClr>
+                </a:solidFill>
+                <a:latin typeface="Times New Roman" panose="02020603050405020304" pitchFamily="18" charset="0"/>
+                <a:ea typeface="標楷體" panose="03000509000000000000" pitchFamily="65" charset="-120"/>
+              </a:rPr>
+              <a:t>*</a:t>
+            </a:r>
+            <a:r>
+              <a:rPr lang="zh-TW" altLang="en-US" sz="1600" dirty="0">
+                <a:solidFill>
+                  <a:schemeClr val="accent6">
+                    <a:lumMod val="75000"/>
+                  </a:schemeClr>
+                </a:solidFill>
+                <a:latin typeface="Times New Roman" panose="02020603050405020304" pitchFamily="18" charset="0"/>
+                <a:ea typeface="標楷體" panose="03000509000000000000" pitchFamily="65" charset="-120"/>
+              </a:rPr>
+              <a:t>綠底色為新模組</a:t>
+            </a:r>
+          </a:p>
+        </p:txBody>
+      </p:sp>
       <p:pic>
         <p:nvPicPr>
-          <p:cNvPr id="3076" name="Picture 4">
+          <p:cNvPr id="1026" name="Picture 2">
             <a:extLst>
               <a:ext uri="{FF2B5EF4-FFF2-40B4-BE49-F238E27FC236}">
-                <a16:creationId xmlns:a16="http://schemas.microsoft.com/office/drawing/2014/main" id="{8B7E05DE-F0A1-4720-860E-6CE1002AC3B1}"/>
+                <a16:creationId xmlns:a16="http://schemas.microsoft.com/office/drawing/2014/main" id="{FDD584EC-8F22-4CA1-8F1D-34B6AEE53009}"/>
               </a:ext>
             </a:extLst>
           </p:cNvPr>
@@ -6973,7 +6944,7 @@
         </p:blipFill>
         <p:spPr bwMode="auto">
           <a:xfrm>
-            <a:off x="1481137" y="1164501"/>
+            <a:off x="1481137" y="1164533"/>
             <a:ext cx="9229725" cy="5114925"/>
           </a:xfrm>
           <a:prstGeom prst="rect">
@@ -7056,11 +7027,10 @@
               <a:t> </a:t>
             </a:r>
             <a:r>
-              <a:rPr lang="zh-TW" altLang="en-US" sz="4000" dirty="0">
-                <a:latin typeface="標楷體" panose="03000509000000000000" pitchFamily="65" charset="-120"/>
-                <a:ea typeface="標楷體" panose="03000509000000000000" pitchFamily="65" charset="-120"/>
-              </a:rPr>
-              <a:t>方塊圖</a:t>
+              <a:rPr lang="en-US" altLang="zh-TW" sz="4000" dirty="0">
+                <a:ea typeface="標楷體" panose="03000509000000000000" pitchFamily="65" charset="-120"/>
+              </a:rPr>
+              <a:t>BRAM</a:t>
             </a:r>
             <a:r>
               <a:rPr lang="en-US" altLang="zh-TW" sz="4000" dirty="0"/>
@@ -8893,7 +8863,7 @@
                 <a:rPr lang="en-US" altLang="zh-TW" dirty="0">
                   <a:ea typeface="標楷體" panose="03000509000000000000" pitchFamily="65" charset="-120"/>
                 </a:rPr>
-                <a:t>[3],</a:t>
+                <a:t>[4],</a:t>
               </a:r>
             </a:p>
             <a:p>
@@ -8907,7 +8877,7 @@
                 <a:rPr lang="en-US" altLang="zh-TW" dirty="0">
                   <a:ea typeface="標楷體" panose="03000509000000000000" pitchFamily="65" charset="-120"/>
                 </a:rPr>
-                <a:t>[3],</a:t>
+                <a:t>[4],</a:t>
               </a:r>
             </a:p>
             <a:p>
@@ -8927,7 +8897,7 @@
                 <a:rPr lang="en-US" altLang="zh-TW" dirty="0">
                   <a:ea typeface="標楷體" panose="03000509000000000000" pitchFamily="65" charset="-120"/>
                 </a:rPr>
-                <a:t>[2],</a:t>
+                <a:t>[4],</a:t>
               </a:r>
             </a:p>
             <a:p>
@@ -10710,14 +10680,68 @@
         </p:blipFill>
         <p:spPr>
           <a:xfrm>
-            <a:off x="2548692" y="1420454"/>
-            <a:ext cx="7094616" cy="4460973"/>
+            <a:off x="2193961" y="1321693"/>
+            <a:ext cx="7804078" cy="4907070"/>
           </a:xfrm>
           <a:prstGeom prst="rect">
             <a:avLst/>
           </a:prstGeom>
         </p:spPr>
       </p:pic>
+      <p:sp>
+        <p:nvSpPr>
+          <p:cNvPr id="6" name="矩形 5">
+            <a:extLst>
+              <a:ext uri="{FF2B5EF4-FFF2-40B4-BE49-F238E27FC236}">
+                <a16:creationId xmlns:a16="http://schemas.microsoft.com/office/drawing/2014/main" id="{1C382610-EE97-421B-BB15-05C940BF4AD3}"/>
+              </a:ext>
+            </a:extLst>
+          </p:cNvPr>
+          <p:cNvSpPr/>
+          <p:nvPr/>
+        </p:nvSpPr>
+        <p:spPr>
+          <a:xfrm>
+            <a:off x="4747582" y="1669363"/>
+            <a:ext cx="1134166" cy="228289"/>
+          </a:xfrm>
+          <a:prstGeom prst="rect">
+            <a:avLst/>
+          </a:prstGeom>
+          <a:noFill/>
+          <a:ln w="28575">
+            <a:solidFill>
+              <a:srgbClr val="FF0000"/>
+            </a:solidFill>
+          </a:ln>
+        </p:spPr>
+        <p:style>
+          <a:lnRef idx="2">
+            <a:schemeClr val="accent1">
+              <a:shade val="50000"/>
+            </a:schemeClr>
+          </a:lnRef>
+          <a:fillRef idx="1">
+            <a:schemeClr val="accent1"/>
+          </a:fillRef>
+          <a:effectRef idx="0">
+            <a:schemeClr val="accent1"/>
+          </a:effectRef>
+          <a:fontRef idx="minor">
+            <a:schemeClr val="lt1"/>
+          </a:fontRef>
+        </p:style>
+        <p:txBody>
+          <a:bodyPr rtlCol="0" anchor="ctr"/>
+          <a:lstStyle/>
+          <a:p>
+            <a:pPr algn="ctr"/>
+            <a:endParaRPr lang="zh-TW" altLang="en-US" dirty="0">
+              <a:noFill/>
+            </a:endParaRPr>
+          </a:p>
+        </p:txBody>
+      </p:sp>
     </p:spTree>
     <p:extLst>
       <p:ext uri="{BB962C8B-B14F-4D97-AF65-F5344CB8AC3E}">
@@ -11136,7 +11160,7 @@
             <a:pPr marL="285750" lvl="1" indent="-285750"/>
             <a:r>
               <a:rPr lang="en-US" altLang="zh-TW" sz="1800" dirty="0"/>
-              <a:t>Bram(640x480) + Canny </a:t>
+              <a:t>Gaussian + Canny </a:t>
             </a:r>
             <a:r>
               <a:rPr lang="zh-TW" altLang="en-US" sz="1800" dirty="0">
@@ -11278,7 +11302,17 @@
             </a:r>
             <a:r>
               <a:rPr lang="en-US" altLang="zh-TW" sz="3200" dirty="0"/>
-              <a:t> Cache system(1/2)</a:t>
+              <a:t> Cache system</a:t>
+            </a:r>
+            <a:r>
+              <a:rPr lang="zh-TW" altLang="en-US" sz="3200" dirty="0">
+                <a:latin typeface="標楷體" panose="03000509000000000000" pitchFamily="65" charset="-120"/>
+              </a:rPr>
+              <a:t>波形模擬</a:t>
+            </a:r>
+            <a:r>
+              <a:rPr lang="en-US" altLang="zh-TW" sz="3200" dirty="0"/>
+              <a:t>(1/2)</a:t>
             </a:r>
             <a:endParaRPr lang="zh-TW" altLang="en-US" sz="3200" dirty="0"/>
           </a:p>
@@ -11437,7 +11471,7 @@
                 <a:latin typeface="標楷體" panose="03000509000000000000" pitchFamily="65" charset="-120"/>
                 <a:ea typeface="標楷體" panose="03000509000000000000" pitchFamily="65" charset="-120"/>
               </a:rPr>
-              <a:t>2.</a:t>
+              <a:t>1.</a:t>
             </a:r>
             <a:r>
               <a:rPr lang="zh-TW" altLang="en-US" dirty="0">
@@ -11553,7 +11587,17 @@
             </a:r>
             <a:r>
               <a:rPr lang="en-US" altLang="zh-TW" sz="3200" dirty="0"/>
-              <a:t> Cache system(2/2)</a:t>
+              <a:t> Cache system</a:t>
+            </a:r>
+            <a:r>
+              <a:rPr lang="zh-TW" altLang="en-US" sz="3200" dirty="0">
+                <a:latin typeface="標楷體" panose="03000509000000000000" pitchFamily="65" charset="-120"/>
+              </a:rPr>
+              <a:t>波形模擬</a:t>
+            </a:r>
+            <a:r>
+              <a:rPr lang="en-US" altLang="zh-TW" sz="3200" dirty="0"/>
+              <a:t>(2/2)</a:t>
             </a:r>
             <a:endParaRPr lang="zh-TW" altLang="en-US" sz="3200" dirty="0"/>
           </a:p>
@@ -11712,7 +11756,7 @@
                 <a:latin typeface="標楷體" panose="03000509000000000000" pitchFamily="65" charset="-120"/>
                 <a:ea typeface="標楷體" panose="03000509000000000000" pitchFamily="65" charset="-120"/>
               </a:rPr>
-              <a:t>2-2.</a:t>
+              <a:t>1-2.</a:t>
             </a:r>
             <a:r>
               <a:rPr lang="zh-TW" altLang="en-US" dirty="0">
@@ -11957,7 +12001,7 @@
                 <a:latin typeface="標楷體" panose="03000509000000000000" pitchFamily="65" charset="-120"/>
                 <a:ea typeface="標楷體" panose="03000509000000000000" pitchFamily="65" charset="-120"/>
               </a:rPr>
-              <a:t>3.</a:t>
+              <a:t>2.</a:t>
             </a:r>
             <a:r>
               <a:rPr lang="zh-TW" altLang="en-US" dirty="0">
@@ -12033,6 +12077,336 @@
           <a:chExt cx="0" cy="0"/>
         </a:xfrm>
       </p:grpSpPr>
+      <p:sp>
+        <p:nvSpPr>
+          <p:cNvPr id="2" name="標題 2">
+            <a:extLst>
+              <a:ext uri="{FF2B5EF4-FFF2-40B4-BE49-F238E27FC236}">
+                <a16:creationId xmlns:a16="http://schemas.microsoft.com/office/drawing/2014/main" id="{D83F534B-C865-43D4-8E4B-B5AF82C94365}"/>
+              </a:ext>
+            </a:extLst>
+          </p:cNvPr>
+          <p:cNvSpPr>
+            <a:spLocks noGrp="1"/>
+          </p:cNvSpPr>
+          <p:nvPr>
+            <p:ph type="title"/>
+          </p:nvPr>
+        </p:nvSpPr>
+        <p:spPr>
+          <a:xfrm>
+            <a:off x="838200" y="365125"/>
+            <a:ext cx="10515600" cy="720000"/>
+          </a:xfrm>
+        </p:spPr>
+        <p:txBody>
+          <a:bodyPr>
+            <a:noAutofit/>
+          </a:bodyPr>
+          <a:lstStyle/>
+          <a:p>
+            <a:r>
+              <a:rPr lang="zh-TW" altLang="en-US" sz="3200" dirty="0"/>
+              <a:t>成果展示 </a:t>
+            </a:r>
+            <a:r>
+              <a:rPr lang="en-US" altLang="zh-TW" sz="3200" dirty="0"/>
+              <a:t>–</a:t>
+            </a:r>
+            <a:r>
+              <a:rPr lang="zh-TW" altLang="en-US" sz="3200" dirty="0">
+                <a:latin typeface="標楷體" panose="03000509000000000000" pitchFamily="65" charset="-120"/>
+              </a:rPr>
+              <a:t>以圖形輸入波形模擬</a:t>
+            </a:r>
+            <a:endParaRPr lang="zh-TW" altLang="en-US" sz="3200" dirty="0"/>
+          </a:p>
+        </p:txBody>
+      </p:sp>
+      <p:sp>
+        <p:nvSpPr>
+          <p:cNvPr id="3" name="文字方塊 2">
+            <a:extLst>
+              <a:ext uri="{FF2B5EF4-FFF2-40B4-BE49-F238E27FC236}">
+                <a16:creationId xmlns:a16="http://schemas.microsoft.com/office/drawing/2014/main" id="{6043862E-4499-44A8-B0D0-FD672965D609}"/>
+              </a:ext>
+            </a:extLst>
+          </p:cNvPr>
+          <p:cNvSpPr txBox="1"/>
+          <p:nvPr/>
+        </p:nvSpPr>
+        <p:spPr>
+          <a:xfrm>
+            <a:off x="1463152" y="1152036"/>
+            <a:ext cx="9089024" cy="923330"/>
+          </a:xfrm>
+          <a:prstGeom prst="rect">
+            <a:avLst/>
+          </a:prstGeom>
+          <a:noFill/>
+        </p:spPr>
+        <p:txBody>
+          <a:bodyPr wrap="square">
+            <a:spAutoFit/>
+          </a:bodyPr>
+          <a:lstStyle/>
+          <a:p>
+            <a:pPr marL="285750" indent="-285750">
+              <a:buFont typeface="Arial" panose="020B0604020202020204" pitchFamily="34" charset="0"/>
+              <a:buChar char="•"/>
+            </a:pPr>
+            <a:r>
+              <a:rPr lang="zh-TW" altLang="en-US" dirty="0">
+                <a:latin typeface="標楷體" panose="03000509000000000000" pitchFamily="65" charset="-120"/>
+                <a:ea typeface="標楷體" panose="03000509000000000000" pitchFamily="65" charset="-120"/>
+              </a:rPr>
+              <a:t>將圖型波形以 </a:t>
+            </a:r>
+            <a:r>
+              <a:rPr lang="en-US" altLang="zh-TW" dirty="0">
+                <a:latin typeface="Times New Roman" panose="02020603050405020304" pitchFamily="18" charset="0"/>
+                <a:ea typeface="Tahoma" panose="020B0604030504040204" pitchFamily="34" charset="0"/>
+              </a:rPr>
+              <a:t>use </a:t>
+            </a:r>
+            <a:r>
+              <a:rPr lang="en-US" altLang="zh-TW" dirty="0" err="1">
+                <a:latin typeface="Times New Roman" panose="02020603050405020304" pitchFamily="18" charset="0"/>
+                <a:ea typeface="Tahoma" panose="020B0604030504040204" pitchFamily="34" charset="0"/>
+              </a:rPr>
+              <a:t>STD.textio.ALL</a:t>
+            </a:r>
+            <a:r>
+              <a:rPr lang="zh-TW" altLang="en-US" dirty="0">
+                <a:latin typeface="標楷體" panose="03000509000000000000" pitchFamily="65" charset="-120"/>
+                <a:ea typeface="標楷體" panose="03000509000000000000" pitchFamily="65" charset="-120"/>
+              </a:rPr>
+              <a:t>程式庫裡的函式，打印波形訊號至指定文件檔</a:t>
+            </a:r>
+            <a:r>
+              <a:rPr lang="en-US" altLang="zh-TW" dirty="0">
+                <a:latin typeface="標楷體" panose="03000509000000000000" pitchFamily="65" charset="-120"/>
+                <a:ea typeface="標楷體" panose="03000509000000000000" pitchFamily="65" charset="-120"/>
+              </a:rPr>
+              <a:t>(txt)</a:t>
+            </a:r>
+          </a:p>
+          <a:p>
+            <a:pPr marL="742950" lvl="1" indent="-285750">
+              <a:buFont typeface="Arial" panose="020B0604020202020204" pitchFamily="34" charset="0"/>
+              <a:buChar char="•"/>
+            </a:pPr>
+            <a:r>
+              <a:rPr lang="zh-TW" altLang="en-US" dirty="0">
+                <a:latin typeface="標楷體" panose="03000509000000000000" pitchFamily="65" charset="-120"/>
+                <a:ea typeface="標楷體" panose="03000509000000000000" pitchFamily="65" charset="-120"/>
+              </a:rPr>
+              <a:t>撰寫</a:t>
+            </a:r>
+            <a:r>
+              <a:rPr lang="en-US" altLang="zh-TW" dirty="0">
+                <a:latin typeface="Times New Roman" panose="02020603050405020304" pitchFamily="18" charset="0"/>
+                <a:ea typeface="標楷體" panose="03000509000000000000" pitchFamily="65" charset="-120"/>
+              </a:rPr>
+              <a:t>python</a:t>
+            </a:r>
+            <a:r>
+              <a:rPr lang="zh-TW" altLang="en-US" dirty="0">
+                <a:latin typeface="標楷體" panose="03000509000000000000" pitchFamily="65" charset="-120"/>
+                <a:ea typeface="標楷體" panose="03000509000000000000" pitchFamily="65" charset="-120"/>
+              </a:rPr>
+              <a:t>檔將圖片滾動打印成</a:t>
+            </a:r>
+            <a:r>
+              <a:rPr lang="en-US" altLang="zh-TW" dirty="0">
+                <a:latin typeface="標楷體" panose="03000509000000000000" pitchFamily="65" charset="-120"/>
+                <a:ea typeface="標楷體" panose="03000509000000000000" pitchFamily="65" charset="-120"/>
+              </a:rPr>
+              <a:t>txt</a:t>
+            </a:r>
+            <a:r>
+              <a:rPr lang="zh-TW" altLang="en-US" dirty="0">
+                <a:latin typeface="標楷體" panose="03000509000000000000" pitchFamily="65" charset="-120"/>
+                <a:ea typeface="標楷體" panose="03000509000000000000" pitchFamily="65" charset="-120"/>
+              </a:rPr>
+              <a:t>檔</a:t>
+            </a:r>
+            <a:r>
+              <a:rPr lang="en-US" altLang="zh-TW" dirty="0">
+                <a:latin typeface="標楷體" panose="03000509000000000000" pitchFamily="65" charset="-120"/>
+                <a:ea typeface="標楷體" panose="03000509000000000000" pitchFamily="65" charset="-120"/>
+              </a:rPr>
+              <a:t>(</a:t>
+            </a:r>
+            <a:r>
+              <a:rPr lang="zh-TW" altLang="en-US" dirty="0">
+                <a:latin typeface="標楷體" panose="03000509000000000000" pitchFamily="65" charset="-120"/>
+                <a:ea typeface="標楷體" panose="03000509000000000000" pitchFamily="65" charset="-120"/>
+              </a:rPr>
+              <a:t>整數</a:t>
+            </a:r>
+            <a:r>
+              <a:rPr lang="en-US" altLang="zh-TW" dirty="0">
+                <a:latin typeface="標楷體" panose="03000509000000000000" pitchFamily="65" charset="-120"/>
+                <a:ea typeface="標楷體" panose="03000509000000000000" pitchFamily="65" charset="-120"/>
+              </a:rPr>
+              <a:t>)</a:t>
+            </a:r>
+          </a:p>
+          <a:p>
+            <a:pPr marL="742950" lvl="1" indent="-285750">
+              <a:buFont typeface="Arial" panose="020B0604020202020204" pitchFamily="34" charset="0"/>
+              <a:buChar char="•"/>
+            </a:pPr>
+            <a:r>
+              <a:rPr lang="zh-TW" altLang="en-US" dirty="0">
+                <a:latin typeface="Times New Roman" panose="02020603050405020304" pitchFamily="18" charset="0"/>
+                <a:ea typeface="標楷體" panose="03000509000000000000" pitchFamily="65" charset="-120"/>
+              </a:rPr>
+              <a:t>在</a:t>
+            </a:r>
+            <a:r>
+              <a:rPr lang="en-US" altLang="zh-TW" dirty="0" err="1">
+                <a:latin typeface="Times New Roman" panose="02020603050405020304" pitchFamily="18" charset="0"/>
+                <a:ea typeface="標楷體" panose="03000509000000000000" pitchFamily="65" charset="-120"/>
+              </a:rPr>
+              <a:t>Vivado</a:t>
+            </a:r>
+            <a:r>
+              <a:rPr lang="zh-TW" altLang="en-US" dirty="0">
+                <a:latin typeface="Times New Roman" panose="02020603050405020304" pitchFamily="18" charset="0"/>
+                <a:ea typeface="標楷體" panose="03000509000000000000" pitchFamily="65" charset="-120"/>
+              </a:rPr>
+              <a:t>以</a:t>
+            </a:r>
+            <a:r>
+              <a:rPr lang="en-US" altLang="zh-TW" dirty="0" err="1">
+                <a:latin typeface="Times New Roman" panose="02020603050405020304" pitchFamily="18" charset="0"/>
+                <a:ea typeface="標楷體" panose="03000509000000000000" pitchFamily="65" charset="-120"/>
+              </a:rPr>
+              <a:t>readline</a:t>
+            </a:r>
+            <a:r>
+              <a:rPr lang="en-US" altLang="zh-TW" dirty="0">
+                <a:latin typeface="Times New Roman" panose="02020603050405020304" pitchFamily="18" charset="0"/>
+                <a:ea typeface="標楷體" panose="03000509000000000000" pitchFamily="65" charset="-120"/>
+              </a:rPr>
+              <a:t>()</a:t>
+            </a:r>
+            <a:r>
+              <a:rPr lang="zh-TW" altLang="en-US" dirty="0">
+                <a:latin typeface="Times New Roman" panose="02020603050405020304" pitchFamily="18" charset="0"/>
+                <a:ea typeface="標楷體" panose="03000509000000000000" pitchFamily="65" charset="-120"/>
+              </a:rPr>
+              <a:t>、</a:t>
+            </a:r>
+            <a:r>
+              <a:rPr lang="en-US" altLang="zh-TW" dirty="0">
+                <a:latin typeface="Times New Roman" panose="02020603050405020304" pitchFamily="18" charset="0"/>
+                <a:ea typeface="標楷體" panose="03000509000000000000" pitchFamily="65" charset="-120"/>
+              </a:rPr>
+              <a:t>read()</a:t>
+            </a:r>
+            <a:r>
+              <a:rPr lang="zh-TW" altLang="en-US" dirty="0">
+                <a:latin typeface="Times New Roman" panose="02020603050405020304" pitchFamily="18" charset="0"/>
+                <a:ea typeface="標楷體" panose="03000509000000000000" pitchFamily="65" charset="-120"/>
+              </a:rPr>
+              <a:t>讓數值隨著週期時脈輸入訊號</a:t>
+            </a:r>
+            <a:endParaRPr lang="en-US" altLang="zh-TW" dirty="0">
+              <a:latin typeface="Times New Roman" panose="02020603050405020304" pitchFamily="18" charset="0"/>
+              <a:ea typeface="Tahoma" panose="020B0604030504040204" pitchFamily="34" charset="0"/>
+            </a:endParaRPr>
+          </a:p>
+        </p:txBody>
+      </p:sp>
+      <p:pic>
+        <p:nvPicPr>
+          <p:cNvPr id="11" name="圖片 10">
+            <a:extLst>
+              <a:ext uri="{FF2B5EF4-FFF2-40B4-BE49-F238E27FC236}">
+                <a16:creationId xmlns:a16="http://schemas.microsoft.com/office/drawing/2014/main" id="{10182AC1-B46C-421E-81A3-6B6D782C9314}"/>
+              </a:ext>
+            </a:extLst>
+          </p:cNvPr>
+          <p:cNvPicPr>
+            <a:picLocks noChangeAspect="1"/>
+          </p:cNvPicPr>
+          <p:nvPr/>
+        </p:nvPicPr>
+        <p:blipFill>
+          <a:blip r:embed="rId2"/>
+          <a:stretch>
+            <a:fillRect/>
+          </a:stretch>
+        </p:blipFill>
+        <p:spPr>
+          <a:xfrm>
+            <a:off x="3638599" y="2587837"/>
+            <a:ext cx="7950609" cy="3835597"/>
+          </a:xfrm>
+          <a:prstGeom prst="rect">
+            <a:avLst/>
+          </a:prstGeom>
+        </p:spPr>
+      </p:pic>
+      <p:sp>
+        <p:nvSpPr>
+          <p:cNvPr id="12" name="文字方塊 11">
+            <a:extLst>
+              <a:ext uri="{FF2B5EF4-FFF2-40B4-BE49-F238E27FC236}">
+                <a16:creationId xmlns:a16="http://schemas.microsoft.com/office/drawing/2014/main" id="{0660B24A-3CFC-4556-8D2D-0195419FE8DC}"/>
+              </a:ext>
+            </a:extLst>
+          </p:cNvPr>
+          <p:cNvSpPr txBox="1"/>
+          <p:nvPr/>
+        </p:nvSpPr>
+        <p:spPr>
+          <a:xfrm>
+            <a:off x="1646163" y="5829740"/>
+            <a:ext cx="2339092" cy="369332"/>
+          </a:xfrm>
+          <a:prstGeom prst="rect">
+            <a:avLst/>
+          </a:prstGeom>
+          <a:noFill/>
+        </p:spPr>
+        <p:txBody>
+          <a:bodyPr wrap="square">
+            <a:spAutoFit/>
+          </a:bodyPr>
+          <a:lstStyle/>
+          <a:p>
+            <a:r>
+              <a:rPr lang="zh-TW" altLang="en-US" dirty="0">
+                <a:latin typeface="標楷體" panose="03000509000000000000" pitchFamily="65" charset="-120"/>
+                <a:ea typeface="標楷體" panose="03000509000000000000" pitchFamily="65" charset="-120"/>
+              </a:rPr>
+              <a:t>圖</a:t>
+            </a:r>
+            <a:r>
+              <a:rPr lang="en-US" altLang="zh-TW" dirty="0">
+                <a:latin typeface="標楷體" panose="03000509000000000000" pitchFamily="65" charset="-120"/>
+                <a:ea typeface="標楷體" panose="03000509000000000000" pitchFamily="65" charset="-120"/>
+              </a:rPr>
+              <a:t>1.</a:t>
+            </a:r>
+            <a:r>
+              <a:rPr lang="en-US" altLang="zh-TW" dirty="0">
+                <a:latin typeface="Times New Roman" panose="02020603050405020304" pitchFamily="18" charset="0"/>
+                <a:ea typeface="標楷體" panose="03000509000000000000" pitchFamily="65" charset="-120"/>
+              </a:rPr>
+              <a:t>VGA_TB.vhd</a:t>
+            </a:r>
+            <a:endParaRPr lang="zh-TW" altLang="en-US" dirty="0">
+              <a:latin typeface="標楷體" panose="03000509000000000000" pitchFamily="65" charset="-120"/>
+              <a:ea typeface="標楷體" panose="03000509000000000000" pitchFamily="65" charset="-120"/>
+            </a:endParaRPr>
+          </a:p>
+        </p:txBody>
+      </p:sp>
     </p:spTree>
     <p:extLst>
       <p:ext uri="{BB962C8B-B14F-4D97-AF65-F5344CB8AC3E}">
@@ -12065,7 +12439,13 @@
       </p:grpSpPr>
       <p:sp>
         <p:nvSpPr>
-          <p:cNvPr id="3" name="標題 2"/>
+          <p:cNvPr id="2" name="標題 2">
+            <a:extLst>
+              <a:ext uri="{FF2B5EF4-FFF2-40B4-BE49-F238E27FC236}">
+                <a16:creationId xmlns:a16="http://schemas.microsoft.com/office/drawing/2014/main" id="{D83F534B-C865-43D4-8E4B-B5AF82C94365}"/>
+              </a:ext>
+            </a:extLst>
+          </p:cNvPr>
           <p:cNvSpPr>
             <a:spLocks noGrp="1"/>
           </p:cNvSpPr>
@@ -12075,7 +12455,7 @@
         </p:nvSpPr>
         <p:spPr>
           <a:xfrm>
-            <a:off x="838200" y="329615"/>
+            <a:off x="838200" y="365125"/>
             <a:ext cx="10515600" cy="720000"/>
           </a:xfrm>
         </p:spPr>
@@ -12091,29 +12471,24 @@
             </a:r>
             <a:r>
               <a:rPr lang="en-US" altLang="zh-TW" sz="3200" dirty="0"/>
-              <a:t>– </a:t>
-            </a:r>
-            <a:r>
-              <a:rPr lang="en-US" altLang="zh-TW" sz="3200" dirty="0" err="1"/>
-              <a:t>NonMaxSuppression</a:t>
-            </a:r>
-            <a:r>
-              <a:rPr lang="en-US" altLang="zh-TW" sz="3200" dirty="0"/>
-              <a:t> </a:t>
-            </a:r>
-            <a:r>
-              <a:rPr lang="zh-TW" altLang="en-US" sz="3200" dirty="0"/>
-              <a:t>波形模擬</a:t>
-            </a:r>
-          </a:p>
-        </p:txBody>
-      </p:sp>
-      <p:sp>
-        <p:nvSpPr>
-          <p:cNvPr id="14" name="文字方塊 13">
+              <a:t>–</a:t>
+            </a:r>
+            <a:r>
+              <a:rPr lang="zh-TW" altLang="en-US" sz="3200" dirty="0">
+                <a:latin typeface="標楷體" panose="03000509000000000000" pitchFamily="65" charset="-120"/>
+              </a:rPr>
+              <a:t>波形模擬以圖形輸出</a:t>
+            </a:r>
+            <a:endParaRPr lang="zh-TW" altLang="en-US" sz="3200" dirty="0"/>
+          </a:p>
+        </p:txBody>
+      </p:sp>
+      <p:sp>
+        <p:nvSpPr>
+          <p:cNvPr id="3" name="文字方塊 2">
             <a:extLst>
               <a:ext uri="{FF2B5EF4-FFF2-40B4-BE49-F238E27FC236}">
-                <a16:creationId xmlns:a16="http://schemas.microsoft.com/office/drawing/2014/main" id="{E4E592F9-FC71-4DD1-9118-16844995CC7F}"/>
+                <a16:creationId xmlns:a16="http://schemas.microsoft.com/office/drawing/2014/main" id="{6043862E-4499-44A8-B0D0-FD672965D609}"/>
               </a:ext>
             </a:extLst>
           </p:cNvPr>
@@ -12122,8 +12497,8 @@
         </p:nvSpPr>
         <p:spPr>
           <a:xfrm>
-            <a:off x="2022446" y="1365672"/>
-            <a:ext cx="5373306" cy="646331"/>
+            <a:off x="1463152" y="1298340"/>
+            <a:ext cx="8657392" cy="1200329"/>
           </a:xfrm>
           <a:prstGeom prst="rect">
             <a:avLst/>
@@ -12145,14 +12520,50 @@
                 <a:latin typeface="標楷體" panose="03000509000000000000" pitchFamily="65" charset="-120"/>
                 <a:ea typeface="標楷體" panose="03000509000000000000" pitchFamily="65" charset="-120"/>
               </a:rPr>
-              <a:t>整體波形模擬</a:t>
+              <a:t>將圖型波形以 </a:t>
+            </a:r>
+            <a:r>
+              <a:rPr lang="en-US" altLang="zh-TW" dirty="0">
+                <a:latin typeface="Times New Roman" panose="02020603050405020304" pitchFamily="18" charset="0"/>
+                <a:ea typeface="Tahoma" panose="020B0604030504040204" pitchFamily="34" charset="0"/>
+              </a:rPr>
+              <a:t>use </a:t>
+            </a:r>
+            <a:r>
+              <a:rPr lang="en-US" altLang="zh-TW" dirty="0" err="1">
+                <a:latin typeface="Times New Roman" panose="02020603050405020304" pitchFamily="18" charset="0"/>
+                <a:ea typeface="Tahoma" panose="020B0604030504040204" pitchFamily="34" charset="0"/>
+              </a:rPr>
+              <a:t>STD.textio.ALL</a:t>
+            </a:r>
+            <a:r>
+              <a:rPr lang="zh-TW" altLang="en-US" dirty="0">
+                <a:latin typeface="標楷體" panose="03000509000000000000" pitchFamily="65" charset="-120"/>
+                <a:ea typeface="標楷體" panose="03000509000000000000" pitchFamily="65" charset="-120"/>
+              </a:rPr>
+              <a:t>程式庫裡的函式，打印波形訊號至指定文件檔</a:t>
             </a:r>
             <a:r>
               <a:rPr lang="en-US" altLang="zh-TW" dirty="0">
                 <a:latin typeface="標楷體" panose="03000509000000000000" pitchFamily="65" charset="-120"/>
                 <a:ea typeface="標楷體" panose="03000509000000000000" pitchFamily="65" charset="-120"/>
               </a:rPr>
-              <a:t>:</a:t>
+              <a:t>(</a:t>
+            </a:r>
+            <a:r>
+              <a:rPr lang="en-US" altLang="zh-TW" dirty="0">
+                <a:latin typeface="Times New Roman" panose="02020603050405020304" pitchFamily="18" charset="0"/>
+                <a:ea typeface="標楷體" panose="03000509000000000000" pitchFamily="65" charset="-120"/>
+                <a:cs typeface="Times New Roman" panose="02020603050405020304" pitchFamily="18" charset="0"/>
+              </a:rPr>
+              <a:t>txt</a:t>
+            </a:r>
+            <a:r>
+              <a:rPr lang="en-US" altLang="zh-TW" dirty="0">
+                <a:latin typeface="標楷體" panose="03000509000000000000" pitchFamily="65" charset="-120"/>
+                <a:ea typeface="標楷體" panose="03000509000000000000" pitchFamily="65" charset="-120"/>
+              </a:rPr>
+              <a:t>)</a:t>
             </a:r>
           </a:p>
           <a:p>
@@ -12165,28 +12576,121 @@
                 <a:latin typeface="標楷體" panose="03000509000000000000" pitchFamily="65" charset="-120"/>
                 <a:ea typeface="標楷體" panose="03000509000000000000" pitchFamily="65" charset="-120"/>
               </a:rPr>
-              <a:t>灰階圖片</a:t>
+              <a:t>撰寫</a:t>
+            </a:r>
+            <a:r>
+              <a:rPr lang="en-US" altLang="zh-TW" dirty="0">
+                <a:latin typeface="Times New Roman" panose="02020603050405020304" pitchFamily="18" charset="0"/>
+                <a:ea typeface="標楷體" panose="03000509000000000000" pitchFamily="65" charset="-120"/>
+              </a:rPr>
+              <a:t>python</a:t>
+            </a:r>
+            <a:r>
+              <a:rPr lang="zh-TW" altLang="en-US" dirty="0">
+                <a:latin typeface="標楷體" panose="03000509000000000000" pitchFamily="65" charset="-120"/>
+                <a:ea typeface="標楷體" panose="03000509000000000000" pitchFamily="65" charset="-120"/>
+              </a:rPr>
+              <a:t>檔將波形訊號</a:t>
             </a:r>
             <a:r>
               <a:rPr lang="en-US" altLang="zh-TW" dirty="0">
                 <a:latin typeface="標楷體" panose="03000509000000000000" pitchFamily="65" charset="-120"/>
                 <a:ea typeface="標楷體" panose="03000509000000000000" pitchFamily="65" charset="-120"/>
               </a:rPr>
-              <a:t>: 640x480 (8bits)</a:t>
-            </a:r>
-            <a:endParaRPr lang="zh-TW" altLang="en-US" dirty="0">
-              <a:latin typeface="標楷體" panose="03000509000000000000" pitchFamily="65" charset="-120"/>
-              <a:ea typeface="標楷體" panose="03000509000000000000" pitchFamily="65" charset="-120"/>
+              <a:t>(</a:t>
+            </a:r>
+            <a:r>
+              <a:rPr lang="en-US" altLang="zh-TW" dirty="0">
+                <a:latin typeface="Times New Roman" panose="02020603050405020304" pitchFamily="18" charset="0"/>
+                <a:ea typeface="標楷體" panose="03000509000000000000" pitchFamily="65" charset="-120"/>
+                <a:cs typeface="Times New Roman" panose="02020603050405020304" pitchFamily="18" charset="0"/>
+              </a:rPr>
+              <a:t>txt</a:t>
+            </a:r>
+            <a:r>
+              <a:rPr lang="en-US" altLang="zh-TW" dirty="0">
+                <a:latin typeface="標楷體" panose="03000509000000000000" pitchFamily="65" charset="-120"/>
+                <a:ea typeface="標楷體" panose="03000509000000000000" pitchFamily="65" charset="-120"/>
+              </a:rPr>
+              <a:t>)</a:t>
+            </a:r>
+            <a:r>
+              <a:rPr lang="zh-TW" altLang="en-US" dirty="0">
+                <a:latin typeface="標楷體" panose="03000509000000000000" pitchFamily="65" charset="-120"/>
+                <a:ea typeface="標楷體" panose="03000509000000000000" pitchFamily="65" charset="-120"/>
+              </a:rPr>
+              <a:t>重組成圖片</a:t>
+            </a:r>
+            <a:r>
+              <a:rPr lang="en-US" altLang="zh-TW" dirty="0">
+                <a:latin typeface="標楷體" panose="03000509000000000000" pitchFamily="65" charset="-120"/>
+                <a:ea typeface="標楷體" panose="03000509000000000000" pitchFamily="65" charset="-120"/>
+              </a:rPr>
+              <a:t>(</a:t>
+            </a:r>
+            <a:r>
+              <a:rPr lang="en-US" altLang="zh-TW" dirty="0" err="1">
+                <a:latin typeface="Times New Roman" panose="02020603050405020304" pitchFamily="18" charset="0"/>
+                <a:ea typeface="標楷體" panose="03000509000000000000" pitchFamily="65" charset="-120"/>
+              </a:rPr>
+              <a:t>png</a:t>
+            </a:r>
+            <a:r>
+              <a:rPr lang="en-US" altLang="zh-TW" dirty="0">
+                <a:latin typeface="標楷體" panose="03000509000000000000" pitchFamily="65" charset="-120"/>
+                <a:ea typeface="標楷體" panose="03000509000000000000" pitchFamily="65" charset="-120"/>
+              </a:rPr>
+              <a:t>)</a:t>
+            </a:r>
+          </a:p>
+          <a:p>
+            <a:pPr marL="285750" indent="-285750">
+              <a:buFont typeface="Arial" panose="020B0604020202020204" pitchFamily="34" charset="0"/>
+              <a:buChar char="•"/>
+            </a:pPr>
+            <a:endParaRPr lang="en-US" altLang="zh-TW" dirty="0">
+              <a:latin typeface="Times New Roman" panose="02020603050405020304" pitchFamily="18" charset="0"/>
+              <a:ea typeface="Tahoma" panose="020B0604030504040204" pitchFamily="34" charset="0"/>
             </a:endParaRPr>
           </a:p>
         </p:txBody>
       </p:sp>
-      <p:sp>
-        <p:nvSpPr>
-          <p:cNvPr id="10" name="文字方塊 9">
+      <p:pic>
+        <p:nvPicPr>
+          <p:cNvPr id="7" name="圖片 6">
             <a:extLst>
               <a:ext uri="{FF2B5EF4-FFF2-40B4-BE49-F238E27FC236}">
-                <a16:creationId xmlns:a16="http://schemas.microsoft.com/office/drawing/2014/main" id="{E24CD2C8-46A2-450C-9CA0-485274647932}"/>
+                <a16:creationId xmlns:a16="http://schemas.microsoft.com/office/drawing/2014/main" id="{8E5C5B37-5C9A-495A-BA5C-4946963A51AB}"/>
+              </a:ext>
+            </a:extLst>
+          </p:cNvPr>
+          <p:cNvPicPr>
+            <a:picLocks noChangeAspect="1"/>
+          </p:cNvPicPr>
+          <p:nvPr/>
+        </p:nvPicPr>
+        <p:blipFill>
+          <a:blip r:embed="rId2"/>
+          <a:stretch>
+            <a:fillRect/>
+          </a:stretch>
+        </p:blipFill>
+        <p:spPr>
+          <a:xfrm>
+            <a:off x="3236007" y="2219617"/>
+            <a:ext cx="8273241" cy="4581144"/>
+          </a:xfrm>
+          <a:prstGeom prst="rect">
+            <a:avLst/>
+          </a:prstGeom>
+        </p:spPr>
+      </p:pic>
+      <p:sp>
+        <p:nvSpPr>
+          <p:cNvPr id="5" name="文字方塊 4">
+            <a:extLst>
+              <a:ext uri="{FF2B5EF4-FFF2-40B4-BE49-F238E27FC236}">
+                <a16:creationId xmlns:a16="http://schemas.microsoft.com/office/drawing/2014/main" id="{665A5E92-659A-436D-A26E-02FCA809CF84}"/>
               </a:ext>
             </a:extLst>
           </p:cNvPr>
@@ -12195,8 +12699,8 @@
         </p:nvSpPr>
         <p:spPr>
           <a:xfrm>
-            <a:off x="4634705" y="5680911"/>
-            <a:ext cx="2922590" cy="441453"/>
+            <a:off x="1180034" y="5791239"/>
+            <a:ext cx="2339092" cy="369332"/>
           </a:xfrm>
           <a:prstGeom prst="rect">
             <a:avLst/>
@@ -12221,29 +12725,26 @@
                 <a:latin typeface="標楷體" panose="03000509000000000000" pitchFamily="65" charset="-120"/>
                 <a:ea typeface="標楷體" panose="03000509000000000000" pitchFamily="65" charset="-120"/>
               </a:rPr>
-              <a:t>4.</a:t>
+              <a:t>2.</a:t>
             </a:r>
             <a:r>
               <a:rPr lang="en-US" altLang="zh-TW" dirty="0">
                 <a:latin typeface="Times New Roman" panose="02020603050405020304" pitchFamily="18" charset="0"/>
                 <a:ea typeface="標楷體" panose="03000509000000000000" pitchFamily="65" charset="-120"/>
               </a:rPr>
-              <a:t>Bram_Sobel</a:t>
-            </a:r>
-            <a:r>
-              <a:rPr lang="zh-TW" altLang="en-US" dirty="0">
-                <a:latin typeface="標楷體" panose="03000509000000000000" pitchFamily="65" charset="-120"/>
-                <a:ea typeface="標楷體" panose="03000509000000000000" pitchFamily="65" charset="-120"/>
-              </a:rPr>
-              <a:t>單幀全圖</a:t>
-            </a:r>
+              <a:t>VGA_TB.vhd</a:t>
+            </a:r>
+            <a:endParaRPr lang="zh-TW" altLang="en-US" dirty="0">
+              <a:latin typeface="標楷體" panose="03000509000000000000" pitchFamily="65" charset="-120"/>
+              <a:ea typeface="標楷體" panose="03000509000000000000" pitchFamily="65" charset="-120"/>
+            </a:endParaRPr>
           </a:p>
         </p:txBody>
       </p:sp>
     </p:spTree>
     <p:extLst>
       <p:ext uri="{BB962C8B-B14F-4D97-AF65-F5344CB8AC3E}">
-        <p14:creationId xmlns:p14="http://schemas.microsoft.com/office/powerpoint/2010/main" val="882001098"/>
+        <p14:creationId xmlns:p14="http://schemas.microsoft.com/office/powerpoint/2010/main" val="1182708771"/>
       </p:ext>
     </p:extLst>
   </p:cSld>
@@ -12272,7 +12773,13 @@
       </p:grpSpPr>
       <p:sp>
         <p:nvSpPr>
-          <p:cNvPr id="3" name="標題 2"/>
+          <p:cNvPr id="2" name="標題 2">
+            <a:extLst>
+              <a:ext uri="{FF2B5EF4-FFF2-40B4-BE49-F238E27FC236}">
+                <a16:creationId xmlns:a16="http://schemas.microsoft.com/office/drawing/2014/main" id="{D83F534B-C865-43D4-8E4B-B5AF82C94365}"/>
+              </a:ext>
+            </a:extLst>
+          </p:cNvPr>
           <p:cNvSpPr>
             <a:spLocks noGrp="1"/>
           </p:cNvSpPr>
@@ -12298,43 +12805,13 @@
             </a:r>
             <a:r>
               <a:rPr lang="en-US" altLang="zh-TW" sz="3200" dirty="0"/>
-              <a:t>–</a:t>
-            </a:r>
-            <a:r>
-              <a:rPr lang="en-US" altLang="zh-TW" sz="3200" dirty="0" err="1">
-                <a:ea typeface="Tahoma" panose="020B0604030504040204" pitchFamily="34" charset="0"/>
-              </a:rPr>
-              <a:t>Bram_VGA</a:t>
-            </a:r>
-            <a:r>
-              <a:rPr lang="zh-TW" altLang="en-US" sz="3200" dirty="0">
-                <a:ea typeface="Tahoma" panose="020B0604030504040204" pitchFamily="34" charset="0"/>
-              </a:rPr>
-              <a:t> </a:t>
-            </a:r>
-            <a:r>
-              <a:rPr lang="en-US" altLang="zh-TW" sz="3200" dirty="0">
-                <a:ea typeface="Tahoma" panose="020B0604030504040204" pitchFamily="34" charset="0"/>
-              </a:rPr>
-              <a:t>+</a:t>
-            </a:r>
-            <a:r>
-              <a:rPr lang="zh-TW" altLang="en-US" sz="3200" dirty="0">
-                <a:ea typeface="Tahoma" panose="020B0604030504040204" pitchFamily="34" charset="0"/>
-              </a:rPr>
-              <a:t> </a:t>
-            </a:r>
-            <a:r>
-              <a:rPr lang="en-US" altLang="zh-TW" sz="3200" dirty="0">
-                <a:ea typeface="Tahoma" panose="020B0604030504040204" pitchFamily="34" charset="0"/>
-              </a:rPr>
-              <a:t>Sobel </a:t>
+              <a:t>– Sobel</a:t>
             </a:r>
             <a:r>
               <a:rPr lang="zh-TW" altLang="en-US" sz="3200" dirty="0">
                 <a:latin typeface="標楷體" panose="03000509000000000000" pitchFamily="65" charset="-120"/>
               </a:rPr>
-              <a:t>波形模擬</a:t>
+              <a:t>波形模擬轉圖片</a:t>
             </a:r>
             <a:endParaRPr lang="zh-TW" altLang="en-US" sz="3200" dirty="0"/>
           </a:p>
@@ -12342,10 +12819,10 @@
       </p:sp>
       <p:sp>
         <p:nvSpPr>
-          <p:cNvPr id="14" name="文字方塊 13">
+          <p:cNvPr id="3" name="文字方塊 2">
             <a:extLst>
               <a:ext uri="{FF2B5EF4-FFF2-40B4-BE49-F238E27FC236}">
-                <a16:creationId xmlns:a16="http://schemas.microsoft.com/office/drawing/2014/main" id="{E4E592F9-FC71-4DD1-9118-16844995CC7F}"/>
+                <a16:creationId xmlns:a16="http://schemas.microsoft.com/office/drawing/2014/main" id="{6043862E-4499-44A8-B0D0-FD672965D609}"/>
               </a:ext>
             </a:extLst>
           </p:cNvPr>
@@ -12354,8 +12831,8 @@
         </p:nvSpPr>
         <p:spPr>
           <a:xfrm>
-            <a:off x="2022446" y="1365672"/>
-            <a:ext cx="5373306" cy="646331"/>
+            <a:off x="1622950" y="1413749"/>
+            <a:ext cx="6872979" cy="646331"/>
           </a:xfrm>
           <a:prstGeom prst="rect">
             <a:avLst/>
@@ -12377,7 +12854,7 @@
                 <a:latin typeface="標楷體" panose="03000509000000000000" pitchFamily="65" charset="-120"/>
                 <a:ea typeface="標楷體" panose="03000509000000000000" pitchFamily="65" charset="-120"/>
               </a:rPr>
-              <a:t>整體波形模擬</a:t>
+              <a:t>波形模擬結果轉圖片輸出</a:t>
             </a:r>
             <a:r>
               <a:rPr lang="en-US" altLang="zh-TW" dirty="0">
@@ -12397,28 +12874,62 @@
                 <a:latin typeface="標楷體" panose="03000509000000000000" pitchFamily="65" charset="-120"/>
                 <a:ea typeface="標楷體" panose="03000509000000000000" pitchFamily="65" charset="-120"/>
               </a:rPr>
-              <a:t>灰階圖片</a:t>
+              <a:t>單元測試</a:t>
             </a:r>
             <a:r>
               <a:rPr lang="en-US" altLang="zh-TW" dirty="0">
                 <a:latin typeface="標楷體" panose="03000509000000000000" pitchFamily="65" charset="-120"/>
                 <a:ea typeface="標楷體" panose="03000509000000000000" pitchFamily="65" charset="-120"/>
               </a:rPr>
-              <a:t>: 640x480 (8bits)</a:t>
-            </a:r>
-            <a:endParaRPr lang="zh-TW" altLang="en-US" dirty="0">
-              <a:latin typeface="標楷體" panose="03000509000000000000" pitchFamily="65" charset="-120"/>
-              <a:ea typeface="標楷體" panose="03000509000000000000" pitchFamily="65" charset="-120"/>
-            </a:endParaRPr>
-          </a:p>
-        </p:txBody>
-      </p:sp>
-      <p:sp>
-        <p:nvSpPr>
-          <p:cNvPr id="10" name="文字方塊 9">
+              <a:t>: </a:t>
+            </a:r>
+            <a:r>
+              <a:rPr lang="en-US" altLang="zh-TW" dirty="0">
+                <a:latin typeface="Times New Roman" panose="02020603050405020304" pitchFamily="18" charset="0"/>
+                <a:ea typeface="標楷體" panose="03000509000000000000" pitchFamily="65" charset="-120"/>
+                <a:cs typeface="Times New Roman" panose="02020603050405020304" pitchFamily="18" charset="0"/>
+              </a:rPr>
+              <a:t>Sobel</a:t>
+            </a:r>
+          </a:p>
+        </p:txBody>
+      </p:sp>
+      <p:pic>
+        <p:nvPicPr>
+          <p:cNvPr id="7" name="圖片 6">
             <a:extLst>
               <a:ext uri="{FF2B5EF4-FFF2-40B4-BE49-F238E27FC236}">
-                <a16:creationId xmlns:a16="http://schemas.microsoft.com/office/drawing/2014/main" id="{E24CD2C8-46A2-450C-9CA0-485274647932}"/>
+                <a16:creationId xmlns:a16="http://schemas.microsoft.com/office/drawing/2014/main" id="{9F8EA872-0B7C-4CA9-80C1-192F86A094B4}"/>
+              </a:ext>
+            </a:extLst>
+          </p:cNvPr>
+          <p:cNvPicPr>
+            <a:picLocks noChangeAspect="1"/>
+          </p:cNvPicPr>
+          <p:nvPr/>
+        </p:nvPicPr>
+        <p:blipFill>
+          <a:blip r:embed="rId2"/>
+          <a:stretch>
+            <a:fillRect/>
+          </a:stretch>
+        </p:blipFill>
+        <p:spPr>
+          <a:xfrm>
+            <a:off x="4812904" y="1413749"/>
+            <a:ext cx="6172517" cy="4889751"/>
+          </a:xfrm>
+          <a:prstGeom prst="rect">
+            <a:avLst/>
+          </a:prstGeom>
+        </p:spPr>
+      </p:pic>
+      <p:sp>
+        <p:nvSpPr>
+          <p:cNvPr id="8" name="文字方塊 7">
+            <a:extLst>
+              <a:ext uri="{FF2B5EF4-FFF2-40B4-BE49-F238E27FC236}">
+                <a16:creationId xmlns:a16="http://schemas.microsoft.com/office/drawing/2014/main" id="{98BED391-0C65-4522-8C3A-B907468F915C}"/>
               </a:ext>
             </a:extLst>
           </p:cNvPr>
@@ -12427,8 +12938,8 @@
         </p:nvSpPr>
         <p:spPr>
           <a:xfrm>
-            <a:off x="4634705" y="5680911"/>
-            <a:ext cx="2922590" cy="441453"/>
+            <a:off x="2616513" y="5760259"/>
+            <a:ext cx="3479487" cy="369332"/>
           </a:xfrm>
           <a:prstGeom prst="rect">
             <a:avLst/>
@@ -12453,21 +12964,11 @@
                 <a:latin typeface="標楷體" panose="03000509000000000000" pitchFamily="65" charset="-120"/>
                 <a:ea typeface="標楷體" panose="03000509000000000000" pitchFamily="65" charset="-120"/>
               </a:rPr>
-              <a:t>4.</a:t>
-            </a:r>
-            <a:r>
-              <a:rPr lang="en-US" altLang="zh-TW" dirty="0">
-                <a:latin typeface="Times New Roman" panose="02020603050405020304" pitchFamily="18" charset="0"/>
-                <a:ea typeface="標楷體" panose="03000509000000000000" pitchFamily="65" charset="-120"/>
-              </a:rPr>
-              <a:t>Bram_Sobel</a:t>
-            </a:r>
-            <a:r>
-              <a:rPr lang="zh-TW" altLang="en-US" dirty="0">
-                <a:latin typeface="標楷體" panose="03000509000000000000" pitchFamily="65" charset="-120"/>
-                <a:ea typeface="標楷體" panose="03000509000000000000" pitchFamily="65" charset="-120"/>
-              </a:rPr>
-              <a:t>單幀全圖</a:t>
+              <a:t>3.</a:t>
+            </a:r>
+            <a:r>
+              <a:rPr lang="en-US" altLang="zh-TW" sz="1800" dirty="0"/>
+              <a:t> Sobel.png</a:t>
             </a:r>
           </a:p>
         </p:txBody>
@@ -12475,7 +12976,7 @@
     </p:spTree>
     <p:extLst>
       <p:ext uri="{BB962C8B-B14F-4D97-AF65-F5344CB8AC3E}">
-        <p14:creationId xmlns:p14="http://schemas.microsoft.com/office/powerpoint/2010/main" val="3703064775"/>
+        <p14:creationId xmlns:p14="http://schemas.microsoft.com/office/powerpoint/2010/main" val="2515802982"/>
       </p:ext>
     </p:extLst>
   </p:cSld>
@@ -12514,7 +13015,7 @@
         </p:nvSpPr>
         <p:spPr>
           <a:xfrm>
-            <a:off x="838200" y="365125"/>
+            <a:off x="838200" y="329615"/>
             <a:ext cx="10515600" cy="720000"/>
           </a:xfrm>
         </p:spPr>
@@ -12530,7 +13031,25 @@
             </a:r>
             <a:r>
               <a:rPr lang="en-US" altLang="zh-TW" sz="3200" dirty="0"/>
-              <a:t>– Gaussian filter</a:t>
+              <a:t>– NMS, </a:t>
+            </a:r>
+            <a:r>
+              <a:rPr lang="en-US" altLang="zh-TW" sz="3200" dirty="0" err="1"/>
+              <a:t>HysteresisThresholding</a:t>
+            </a:r>
+            <a:r>
+              <a:rPr lang="en-US" altLang="zh-TW" sz="3200" dirty="0"/>
+              <a:t> </a:t>
+            </a:r>
+            <a:r>
+              <a:rPr lang="zh-TW" altLang="en-US" sz="3200" dirty="0"/>
+              <a:t>波形模擬</a:t>
+            </a:r>
+            <a:r>
+              <a:rPr lang="zh-TW" altLang="en-US" sz="3200" dirty="0">
+                <a:latin typeface="標楷體" panose="03000509000000000000" pitchFamily="65" charset="-120"/>
+              </a:rPr>
+              <a:t>轉圖片</a:t>
             </a:r>
             <a:endParaRPr lang="zh-TW" altLang="en-US" sz="3200" dirty="0"/>
           </a:p>
@@ -12550,7 +13069,7 @@
         </p:nvSpPr>
         <p:spPr>
           <a:xfrm>
-            <a:off x="1463153" y="1298340"/>
+            <a:off x="2077310" y="1223415"/>
             <a:ext cx="5373306" cy="923330"/>
           </a:xfrm>
           <a:prstGeom prst="rect">
@@ -12573,14 +13092,14 @@
                 <a:latin typeface="標楷體" panose="03000509000000000000" pitchFamily="65" charset="-120"/>
                 <a:ea typeface="標楷體" panose="03000509000000000000" pitchFamily="65" charset="-120"/>
               </a:rPr>
-              <a:t>波行模擬</a:t>
+              <a:t>波形模擬結果轉圖片輸出</a:t>
             </a:r>
             <a:r>
               <a:rPr lang="en-US" altLang="zh-TW" dirty="0">
                 <a:latin typeface="標楷體" panose="03000509000000000000" pitchFamily="65" charset="-120"/>
                 <a:ea typeface="標楷體" panose="03000509000000000000" pitchFamily="65" charset="-120"/>
               </a:rPr>
-              <a:t>:</a:t>
+              <a:t>: </a:t>
             </a:r>
           </a:p>
           <a:p>
@@ -12589,19 +13108,13 @@
               <a:buChar char="•"/>
             </a:pPr>
             <a:r>
-              <a:rPr lang="zh-TW" altLang="en-US" dirty="0">
-                <a:latin typeface="標楷體" panose="03000509000000000000" pitchFamily="65" charset="-120"/>
-                <a:ea typeface="標楷體" panose="03000509000000000000" pitchFamily="65" charset="-120"/>
-              </a:rPr>
-              <a:t>方型</a:t>
-            </a:r>
-            <a:r>
-              <a:rPr lang="en-US" altLang="zh-TW" dirty="0">
-                <a:latin typeface="標楷體" panose="03000509000000000000" pitchFamily="65" charset="-120"/>
-                <a:ea typeface="標楷體" panose="03000509000000000000" pitchFamily="65" charset="-120"/>
-              </a:rPr>
-              <a:t>: 200x200 (8bits)</a:t>
-            </a:r>
+              <a:rPr lang="en-US" altLang="zh-TW" sz="1800" dirty="0"/>
+              <a:t>NMS</a:t>
+            </a:r>
+            <a:endParaRPr lang="en-US" altLang="zh-TW" dirty="0">
+              <a:latin typeface="標楷體" panose="03000509000000000000" pitchFamily="65" charset="-120"/>
+              <a:ea typeface="標楷體" panose="03000509000000000000" pitchFamily="65" charset="-120"/>
+            </a:endParaRPr>
           </a:p>
           <a:p>
             <a:pPr marL="742950" lvl="1" indent="-285750">
@@ -12609,18 +13122,8 @@
               <a:buChar char="•"/>
             </a:pPr>
             <a:r>
-              <a:rPr lang="zh-TW" altLang="en-US" dirty="0">
-                <a:latin typeface="標楷體" panose="03000509000000000000" pitchFamily="65" charset="-120"/>
-                <a:ea typeface="標楷體" panose="03000509000000000000" pitchFamily="65" charset="-120"/>
-              </a:rPr>
-              <a:t>起點</a:t>
-            </a:r>
-            <a:r>
-              <a:rPr lang="en-US" altLang="zh-TW" dirty="0">
-                <a:latin typeface="標楷體" panose="03000509000000000000" pitchFamily="65" charset="-120"/>
-                <a:ea typeface="標楷體" panose="03000509000000000000" pitchFamily="65" charset="-120"/>
-              </a:rPr>
-              <a:t>: 200,200</a:t>
+              <a:rPr lang="en-US" altLang="zh-TW" sz="1800" dirty="0" err="1"/>
+              <a:t>HysteresisThresholding</a:t>
             </a:r>
             <a:endParaRPr lang="zh-TW" altLang="en-US" dirty="0">
               <a:latin typeface="標楷體" panose="03000509000000000000" pitchFamily="65" charset="-120"/>
@@ -12631,10 +13134,10 @@
       </p:sp>
       <p:sp>
         <p:nvSpPr>
-          <p:cNvPr id="8" name="文字方塊 7">
+          <p:cNvPr id="10" name="文字方塊 9">
             <a:extLst>
               <a:ext uri="{FF2B5EF4-FFF2-40B4-BE49-F238E27FC236}">
-                <a16:creationId xmlns:a16="http://schemas.microsoft.com/office/drawing/2014/main" id="{86B8A071-0D2B-4145-B391-8D88BAA75209}"/>
+                <a16:creationId xmlns:a16="http://schemas.microsoft.com/office/drawing/2014/main" id="{E24CD2C8-46A2-450C-9CA0-485274647932}"/>
               </a:ext>
             </a:extLst>
           </p:cNvPr>
@@ -12643,8 +13146,8 @@
         </p:nvSpPr>
         <p:spPr>
           <a:xfrm>
-            <a:off x="8682231" y="5887492"/>
-            <a:ext cx="2339092" cy="369332"/>
+            <a:off x="241112" y="5818011"/>
+            <a:ext cx="3479487" cy="369332"/>
           </a:xfrm>
           <a:prstGeom prst="rect">
             <a:avLst/>
@@ -12662,21 +13165,103 @@
                 <a:latin typeface="標楷體" panose="03000509000000000000" pitchFamily="65" charset="-120"/>
                 <a:ea typeface="標楷體" panose="03000509000000000000" pitchFamily="65" charset="-120"/>
               </a:rPr>
-              <a:t>圖</a:t>
+              <a:t>圖左</a:t>
             </a:r>
             <a:r>
               <a:rPr lang="en-US" altLang="zh-TW" dirty="0">
                 <a:latin typeface="標楷體" panose="03000509000000000000" pitchFamily="65" charset="-120"/>
                 <a:ea typeface="標楷體" panose="03000509000000000000" pitchFamily="65" charset="-120"/>
               </a:rPr>
-              <a:t>3.</a:t>
-            </a:r>
-            <a:r>
-              <a:rPr lang="zh-TW" altLang="en-US" dirty="0">
-                <a:latin typeface="Times New Roman" panose="02020603050405020304" pitchFamily="18" charset="0"/>
-                <a:ea typeface="標楷體" panose="03000509000000000000" pitchFamily="65" charset="-120"/>
-              </a:rPr>
-              <a:t>下一個畫面</a:t>
+              <a:t>.</a:t>
+            </a:r>
+            <a:r>
+              <a:rPr lang="en-US" altLang="zh-TW" sz="1800" dirty="0"/>
+              <a:t> NMS, </a:t>
+            </a:r>
+          </a:p>
+        </p:txBody>
+      </p:sp>
+      <p:pic>
+        <p:nvPicPr>
+          <p:cNvPr id="5" name="圖片 4">
+            <a:extLst>
+              <a:ext uri="{FF2B5EF4-FFF2-40B4-BE49-F238E27FC236}">
+                <a16:creationId xmlns:a16="http://schemas.microsoft.com/office/drawing/2014/main" id="{167DD15F-DC4B-431D-8190-AFA2259FDF43}"/>
+              </a:ext>
+            </a:extLst>
+          </p:cNvPr>
+          <p:cNvPicPr>
+            <a:picLocks noChangeAspect="1"/>
+          </p:cNvPicPr>
+          <p:nvPr/>
+        </p:nvPicPr>
+        <p:blipFill>
+          <a:blip r:embed="rId3"/>
+          <a:stretch>
+            <a:fillRect/>
+          </a:stretch>
+        </p:blipFill>
+        <p:spPr>
+          <a:xfrm>
+            <a:off x="1616459" y="2146745"/>
+            <a:ext cx="7587481" cy="3994878"/>
+          </a:xfrm>
+          <a:prstGeom prst="rect">
+            <a:avLst/>
+          </a:prstGeom>
+        </p:spPr>
+      </p:pic>
+      <p:sp>
+        <p:nvSpPr>
+          <p:cNvPr id="7" name="文字方塊 6">
+            <a:extLst>
+              <a:ext uri="{FF2B5EF4-FFF2-40B4-BE49-F238E27FC236}">
+                <a16:creationId xmlns:a16="http://schemas.microsoft.com/office/drawing/2014/main" id="{059DB8BB-813F-43D9-B2A5-E9E7389D356F}"/>
+              </a:ext>
+            </a:extLst>
+          </p:cNvPr>
+          <p:cNvSpPr txBox="1"/>
+          <p:nvPr/>
+        </p:nvSpPr>
+        <p:spPr>
+          <a:xfrm>
+            <a:off x="9226296" y="5795277"/>
+            <a:ext cx="3125151" cy="369332"/>
+          </a:xfrm>
+          <a:prstGeom prst="rect">
+            <a:avLst/>
+          </a:prstGeom>
+          <a:noFill/>
+        </p:spPr>
+        <p:txBody>
+          <a:bodyPr wrap="square">
+            <a:spAutoFit/>
+          </a:bodyPr>
+          <a:lstStyle/>
+          <a:p>
+            <a:r>
+              <a:rPr lang="zh-TW" altLang="en-US" sz="1800" dirty="0">
+                <a:ea typeface="標楷體" panose="03000509000000000000" pitchFamily="65" charset="-120"/>
+              </a:rPr>
+              <a:t>圖右</a:t>
+            </a:r>
+            <a:r>
+              <a:rPr lang="en-US" altLang="zh-TW" sz="1800" dirty="0">
+                <a:ea typeface="標楷體" panose="03000509000000000000" pitchFamily="65" charset="-120"/>
+              </a:rPr>
+              <a:t>.</a:t>
+            </a:r>
+            <a:r>
+              <a:rPr lang="en-US" altLang="zh-TW" sz="1800" dirty="0"/>
+              <a:t>  </a:t>
+            </a:r>
+            <a:r>
+              <a:rPr lang="en-US" altLang="zh-TW" sz="1800" dirty="0" err="1"/>
+              <a:t>HysteresisThresholding</a:t>
+            </a:r>
+            <a:r>
+              <a:rPr lang="en-US" altLang="zh-TW" sz="1800" dirty="0"/>
+              <a:t> </a:t>
             </a:r>
             <a:endParaRPr lang="zh-TW" altLang="en-US" dirty="0">
               <a:latin typeface="標楷體" panose="03000509000000000000" pitchFamily="65" charset="-120"/>
@@ -12688,7 +13273,7 @@
     </p:spTree>
     <p:extLst>
       <p:ext uri="{BB962C8B-B14F-4D97-AF65-F5344CB8AC3E}">
-        <p14:creationId xmlns:p14="http://schemas.microsoft.com/office/powerpoint/2010/main" val="3676114691"/>
+        <p14:creationId xmlns:p14="http://schemas.microsoft.com/office/powerpoint/2010/main" val="882001098"/>
       </p:ext>
     </p:extLst>
   </p:cSld>
@@ -12743,17 +13328,7 @@
             </a:r>
             <a:r>
               <a:rPr lang="en-US" altLang="zh-TW" sz="3200" dirty="0"/>
-              <a:t>–</a:t>
-            </a:r>
-            <a:r>
-              <a:rPr lang="zh-TW" altLang="en-US" sz="3200" dirty="0"/>
-              <a:t> </a:t>
-            </a:r>
-            <a:r>
-              <a:rPr lang="en-US" altLang="zh-TW" sz="3200" dirty="0">
-                <a:ea typeface="Tahoma" panose="020B0604030504040204" pitchFamily="34" charset="0"/>
-              </a:rPr>
-              <a:t>Sobel(angle)</a:t>
+              <a:t>– Gaussian filter</a:t>
             </a:r>
             <a:endParaRPr lang="zh-TW" altLang="en-US" sz="3200" dirty="0"/>
           </a:p>
@@ -12773,7 +13348,7 @@
         </p:nvSpPr>
         <p:spPr>
           <a:xfrm>
-            <a:off x="2022446" y="1365672"/>
+            <a:off x="1844893" y="1440383"/>
             <a:ext cx="5373306" cy="646331"/>
           </a:xfrm>
           <a:prstGeom prst="rect">
@@ -12792,18 +13367,19 @@
               <a:buChar char="•"/>
             </a:pPr>
             <a:r>
-              <a:rPr lang="zh-TW" altLang="en-US" dirty="0">
-                <a:latin typeface="標楷體" panose="03000509000000000000" pitchFamily="65" charset="-120"/>
-                <a:ea typeface="標楷體" panose="03000509000000000000" pitchFamily="65" charset="-120"/>
-              </a:rPr>
-              <a:t>整體波形模擬</a:t>
+              <a:rPr lang="en-US" altLang="zh-TW" sz="1800" dirty="0" err="1"/>
+              <a:t>BRAM_Gaussian</a:t>
+            </a:r>
+            <a:r>
+              <a:rPr lang="en-US" altLang="zh-TW" sz="1800" dirty="0"/>
+              <a:t> filter </a:t>
             </a:r>
             <a:r>
               <a:rPr lang="en-US" altLang="zh-TW" dirty="0">
                 <a:latin typeface="標楷體" panose="03000509000000000000" pitchFamily="65" charset="-120"/>
                 <a:ea typeface="標楷體" panose="03000509000000000000" pitchFamily="65" charset="-120"/>
               </a:rPr>
-              <a:t>:</a:t>
+              <a:t>: </a:t>
             </a:r>
           </a:p>
           <a:p>
@@ -12823,21 +13399,32 @@
                 <a:latin typeface="標楷體" panose="03000509000000000000" pitchFamily="65" charset="-120"/>
                 <a:ea typeface="標楷體" panose="03000509000000000000" pitchFamily="65" charset="-120"/>
               </a:rPr>
-              <a:t>: 640x480 (8bits)</a:t>
-            </a:r>
-            <a:endParaRPr lang="zh-TW" altLang="en-US" dirty="0">
-              <a:latin typeface="標楷體" panose="03000509000000000000" pitchFamily="65" charset="-120"/>
-              <a:ea typeface="標楷體" panose="03000509000000000000" pitchFamily="65" charset="-120"/>
-            </a:endParaRPr>
-          </a:p>
-        </p:txBody>
-      </p:sp>
-      <p:sp>
-        <p:nvSpPr>
-          <p:cNvPr id="10" name="文字方塊 9">
+              <a:t>: 640x480 (</a:t>
+            </a:r>
+            <a:r>
+              <a:rPr lang="en-US" altLang="zh-TW" dirty="0">
+                <a:latin typeface="Times New Roman" panose="02020603050405020304" pitchFamily="18" charset="0"/>
+                <a:ea typeface="標楷體" panose="03000509000000000000" pitchFamily="65" charset="-120"/>
+                <a:cs typeface="Times New Roman" panose="02020603050405020304" pitchFamily="18" charset="0"/>
+              </a:rPr>
+              <a:t>8bits</a:t>
+            </a:r>
+            <a:r>
+              <a:rPr lang="en-US" altLang="zh-TW" dirty="0">
+                <a:latin typeface="標楷體" panose="03000509000000000000" pitchFamily="65" charset="-120"/>
+                <a:ea typeface="標楷體" panose="03000509000000000000" pitchFamily="65" charset="-120"/>
+              </a:rPr>
+              <a:t>)</a:t>
+            </a:r>
+          </a:p>
+        </p:txBody>
+      </p:sp>
+      <p:sp>
+        <p:nvSpPr>
+          <p:cNvPr id="8" name="文字方塊 7">
             <a:extLst>
               <a:ext uri="{FF2B5EF4-FFF2-40B4-BE49-F238E27FC236}">
-                <a16:creationId xmlns:a16="http://schemas.microsoft.com/office/drawing/2014/main" id="{E24CD2C8-46A2-450C-9CA0-485274647932}"/>
+                <a16:creationId xmlns:a16="http://schemas.microsoft.com/office/drawing/2014/main" id="{86B8A071-0D2B-4145-B391-8D88BAA75209}"/>
               </a:ext>
             </a:extLst>
           </p:cNvPr>
@@ -12846,8 +13433,8 @@
         </p:nvSpPr>
         <p:spPr>
           <a:xfrm>
-            <a:off x="4634705" y="5680911"/>
-            <a:ext cx="2922590" cy="441453"/>
+            <a:off x="8682231" y="5887492"/>
+            <a:ext cx="2339092" cy="369332"/>
           </a:xfrm>
           <a:prstGeom prst="rect">
             <a:avLst/>
@@ -12872,29 +13459,26 @@
                 <a:latin typeface="標楷體" panose="03000509000000000000" pitchFamily="65" charset="-120"/>
                 <a:ea typeface="標楷體" panose="03000509000000000000" pitchFamily="65" charset="-120"/>
               </a:rPr>
-              <a:t>4.</a:t>
-            </a:r>
-            <a:r>
-              <a:rPr lang="en-US" altLang="zh-TW" dirty="0">
+              <a:t>1.</a:t>
+            </a:r>
+            <a:r>
+              <a:rPr lang="zh-TW" altLang="en-US" dirty="0">
                 <a:latin typeface="Times New Roman" panose="02020603050405020304" pitchFamily="18" charset="0"/>
                 <a:ea typeface="標楷體" panose="03000509000000000000" pitchFamily="65" charset="-120"/>
               </a:rPr>
-              <a:t>Bram_Sobel</a:t>
-            </a:r>
-            <a:r>
-              <a:rPr lang="zh-TW" altLang="en-US" dirty="0">
-                <a:latin typeface="標楷體" panose="03000509000000000000" pitchFamily="65" charset="-120"/>
-                <a:ea typeface="標楷體" panose="03000509000000000000" pitchFamily="65" charset="-120"/>
-              </a:rPr>
-              <a:t>單幀全圖</a:t>
-            </a:r>
+              <a:t>下一個畫面</a:t>
+            </a:r>
+            <a:endParaRPr lang="zh-TW" altLang="en-US" dirty="0">
+              <a:latin typeface="標楷體" panose="03000509000000000000" pitchFamily="65" charset="-120"/>
+              <a:ea typeface="標楷體" panose="03000509000000000000" pitchFamily="65" charset="-120"/>
+            </a:endParaRPr>
           </a:p>
         </p:txBody>
       </p:sp>
     </p:spTree>
     <p:extLst>
       <p:ext uri="{BB962C8B-B14F-4D97-AF65-F5344CB8AC3E}">
-        <p14:creationId xmlns:p14="http://schemas.microsoft.com/office/powerpoint/2010/main" val="2357435509"/>
+        <p14:creationId xmlns:p14="http://schemas.microsoft.com/office/powerpoint/2010/main" val="3676114691"/>
       </p:ext>
     </p:extLst>
   </p:cSld>
@@ -12959,7 +13543,7 @@
               <a:rPr lang="en-US" altLang="zh-TW" sz="3200" dirty="0">
                 <a:ea typeface="Tahoma" panose="020B0604030504040204" pitchFamily="34" charset="0"/>
               </a:rPr>
-              <a:t>Sobel(gradient)</a:t>
+              <a:t>Sobel(angle)</a:t>
             </a:r>
             <a:endParaRPr lang="zh-TW" altLang="en-US" sz="3200" dirty="0"/>
           </a:p>
@@ -12980,7 +13564,7 @@
         <p:spPr>
           <a:xfrm>
             <a:off x="2022446" y="1365672"/>
-            <a:ext cx="5373306" cy="646331"/>
+            <a:ext cx="5373306" cy="923330"/>
           </a:xfrm>
           <a:prstGeom prst="rect">
             <a:avLst/>
@@ -12998,11 +13582,18 @@
               <a:buChar char="•"/>
             </a:pPr>
             <a:r>
-              <a:rPr lang="zh-TW" altLang="en-US" dirty="0">
-                <a:latin typeface="標楷體" panose="03000509000000000000" pitchFamily="65" charset="-120"/>
-                <a:ea typeface="標楷體" panose="03000509000000000000" pitchFamily="65" charset="-120"/>
-              </a:rPr>
-              <a:t>整體波形模擬</a:t>
+              <a:rPr lang="en-US" altLang="zh-TW" dirty="0" err="1">
+                <a:latin typeface="Times New Roman" panose="02020603050405020304" pitchFamily="18" charset="0"/>
+                <a:ea typeface="標楷體" panose="03000509000000000000" pitchFamily="65" charset="-120"/>
+              </a:rPr>
+              <a:t>BRAM_Sobel</a:t>
+            </a:r>
+            <a:r>
+              <a:rPr lang="en-US" altLang="zh-TW" dirty="0">
+                <a:latin typeface="Times New Roman" panose="02020603050405020304" pitchFamily="18" charset="0"/>
+                <a:ea typeface="標楷體" panose="03000509000000000000" pitchFamily="65" charset="-120"/>
+              </a:rPr>
+              <a:t> </a:t>
             </a:r>
             <a:r>
               <a:rPr lang="en-US" altLang="zh-TW" dirty="0">
@@ -13029,7 +13620,36 @@
                 <a:latin typeface="標楷體" panose="03000509000000000000" pitchFamily="65" charset="-120"/>
                 <a:ea typeface="標楷體" panose="03000509000000000000" pitchFamily="65" charset="-120"/>
               </a:rPr>
-              <a:t>: 640x480 (8bits)</a:t>
+              <a:t>: 640x480 (</a:t>
+            </a:r>
+            <a:r>
+              <a:rPr lang="en-US" altLang="zh-TW" dirty="0">
+                <a:latin typeface="Times New Roman" panose="02020603050405020304" pitchFamily="18" charset="0"/>
+                <a:ea typeface="標楷體" panose="03000509000000000000" pitchFamily="65" charset="-120"/>
+                <a:cs typeface="Times New Roman" panose="02020603050405020304" pitchFamily="18" charset="0"/>
+              </a:rPr>
+              <a:t>8bits</a:t>
+            </a:r>
+            <a:r>
+              <a:rPr lang="en-US" altLang="zh-TW" dirty="0">
+                <a:latin typeface="標楷體" panose="03000509000000000000" pitchFamily="65" charset="-120"/>
+                <a:ea typeface="標楷體" panose="03000509000000000000" pitchFamily="65" charset="-120"/>
+              </a:rPr>
+              <a:t>)</a:t>
+            </a:r>
+          </a:p>
+          <a:p>
+            <a:pPr marL="742950" lvl="1" indent="-285750">
+              <a:buFont typeface="Arial" panose="020B0604020202020204" pitchFamily="34" charset="0"/>
+              <a:buChar char="•"/>
+            </a:pPr>
+            <a:r>
+              <a:rPr lang="en-US" altLang="zh-TW" sz="1800" dirty="0" err="1"/>
+              <a:t>BRAM_Gaussian</a:t>
+            </a:r>
+            <a:r>
+              <a:rPr lang="en-US" altLang="zh-TW" sz="1800" dirty="0"/>
+              <a:t> filter</a:t>
             </a:r>
             <a:endParaRPr lang="zh-TW" altLang="en-US" dirty="0">
               <a:latin typeface="標楷體" panose="03000509000000000000" pitchFamily="65" charset="-120"/>
@@ -13053,7 +13673,7 @@
         <p:spPr>
           <a:xfrm>
             <a:off x="4634705" y="5680911"/>
-            <a:ext cx="2922590" cy="441453"/>
+            <a:ext cx="2922590" cy="369332"/>
           </a:xfrm>
           <a:prstGeom prst="rect">
             <a:avLst/>
@@ -13078,7 +13698,7 @@
                 <a:latin typeface="標楷體" panose="03000509000000000000" pitchFamily="65" charset="-120"/>
                 <a:ea typeface="標楷體" panose="03000509000000000000" pitchFamily="65" charset="-120"/>
               </a:rPr>
-              <a:t>4.</a:t>
+              <a:t>2.</a:t>
             </a:r>
             <a:r>
               <a:rPr lang="en-US" altLang="zh-TW" dirty="0">
@@ -13100,7 +13720,7 @@
     </p:spTree>
     <p:extLst>
       <p:ext uri="{BB962C8B-B14F-4D97-AF65-F5344CB8AC3E}">
-        <p14:creationId xmlns:p14="http://schemas.microsoft.com/office/powerpoint/2010/main" val="2521528417"/>
+        <p14:creationId xmlns:p14="http://schemas.microsoft.com/office/powerpoint/2010/main" val="2357435509"/>
       </p:ext>
     </p:extLst>
   </p:cSld>
@@ -13277,6 +13897,60 @@
           </a:prstGeom>
         </p:spPr>
       </p:pic>
+      <p:sp>
+        <p:nvSpPr>
+          <p:cNvPr id="6" name="矩形 5">
+            <a:extLst>
+              <a:ext uri="{FF2B5EF4-FFF2-40B4-BE49-F238E27FC236}">
+                <a16:creationId xmlns:a16="http://schemas.microsoft.com/office/drawing/2014/main" id="{0943243E-91E0-4755-A5F2-8D9062E6FE20}"/>
+              </a:ext>
+            </a:extLst>
+          </p:cNvPr>
+          <p:cNvSpPr/>
+          <p:nvPr/>
+        </p:nvSpPr>
+        <p:spPr>
+          <a:xfrm>
+            <a:off x="4771198" y="1509565"/>
+            <a:ext cx="1134166" cy="228289"/>
+          </a:xfrm>
+          <a:prstGeom prst="rect">
+            <a:avLst/>
+          </a:prstGeom>
+          <a:noFill/>
+          <a:ln w="28575">
+            <a:solidFill>
+              <a:srgbClr val="FF0000"/>
+            </a:solidFill>
+          </a:ln>
+        </p:spPr>
+        <p:style>
+          <a:lnRef idx="2">
+            <a:schemeClr val="accent1">
+              <a:shade val="50000"/>
+            </a:schemeClr>
+          </a:lnRef>
+          <a:fillRef idx="1">
+            <a:schemeClr val="accent1"/>
+          </a:fillRef>
+          <a:effectRef idx="0">
+            <a:schemeClr val="accent1"/>
+          </a:effectRef>
+          <a:fontRef idx="minor">
+            <a:schemeClr val="lt1"/>
+          </a:fontRef>
+        </p:style>
+        <p:txBody>
+          <a:bodyPr rtlCol="0" anchor="ctr"/>
+          <a:lstStyle/>
+          <a:p>
+            <a:pPr algn="ctr"/>
+            <a:endParaRPr lang="zh-TW" altLang="en-US" dirty="0">
+              <a:noFill/>
+            </a:endParaRPr>
+          </a:p>
+        </p:txBody>
+      </p:sp>
     </p:spTree>
     <p:extLst>
       <p:ext uri="{BB962C8B-B14F-4D97-AF65-F5344CB8AC3E}">
@@ -13335,11 +14009,17 @@
             </a:r>
             <a:r>
               <a:rPr lang="en-US" altLang="zh-TW" sz="3200" dirty="0"/>
-              <a:t>– </a:t>
-            </a:r>
-            <a:r>
-              <a:rPr lang="en-US" altLang="zh-TW" sz="3200" dirty="0" err="1"/>
-              <a:t>NonMaxSuppression</a:t>
+              <a:t>–</a:t>
+            </a:r>
+            <a:r>
+              <a:rPr lang="zh-TW" altLang="en-US" sz="3200" dirty="0"/>
+              <a:t> </a:t>
+            </a:r>
+            <a:r>
+              <a:rPr lang="en-US" altLang="zh-TW" sz="3200" dirty="0">
+                <a:ea typeface="Tahoma" panose="020B0604030504040204" pitchFamily="34" charset="0"/>
+              </a:rPr>
+              <a:t>Sobel(gradient)</a:t>
             </a:r>
             <a:endParaRPr lang="zh-TW" altLang="en-US" sz="3200" dirty="0"/>
           </a:p>
@@ -13360,7 +14040,7 @@
         <p:spPr>
           <a:xfrm>
             <a:off x="2022446" y="1365672"/>
-            <a:ext cx="5373306" cy="646331"/>
+            <a:ext cx="5373306" cy="923330"/>
           </a:xfrm>
           <a:prstGeom prst="rect">
             <a:avLst/>
@@ -13378,11 +14058,18 @@
               <a:buChar char="•"/>
             </a:pPr>
             <a:r>
-              <a:rPr lang="zh-TW" altLang="en-US" dirty="0">
-                <a:latin typeface="標楷體" panose="03000509000000000000" pitchFamily="65" charset="-120"/>
-                <a:ea typeface="標楷體" panose="03000509000000000000" pitchFamily="65" charset="-120"/>
-              </a:rPr>
-              <a:t>整體波形模擬</a:t>
+              <a:rPr lang="en-US" altLang="zh-TW" dirty="0" err="1">
+                <a:latin typeface="Times New Roman" panose="02020603050405020304" pitchFamily="18" charset="0"/>
+                <a:ea typeface="標楷體" panose="03000509000000000000" pitchFamily="65" charset="-120"/>
+              </a:rPr>
+              <a:t>BRAM_Sobel</a:t>
+            </a:r>
+            <a:r>
+              <a:rPr lang="en-US" altLang="zh-TW" dirty="0">
+                <a:latin typeface="Times New Roman" panose="02020603050405020304" pitchFamily="18" charset="0"/>
+                <a:ea typeface="標楷體" panose="03000509000000000000" pitchFamily="65" charset="-120"/>
+              </a:rPr>
+              <a:t> </a:t>
             </a:r>
             <a:r>
               <a:rPr lang="en-US" altLang="zh-TW" dirty="0">
@@ -13409,7 +14096,36 @@
                 <a:latin typeface="標楷體" panose="03000509000000000000" pitchFamily="65" charset="-120"/>
                 <a:ea typeface="標楷體" panose="03000509000000000000" pitchFamily="65" charset="-120"/>
               </a:rPr>
-              <a:t>: 640x480 (8bits)</a:t>
+              <a:t>: 640x480 (</a:t>
+            </a:r>
+            <a:r>
+              <a:rPr lang="en-US" altLang="zh-TW" dirty="0">
+                <a:latin typeface="Times New Roman" panose="02020603050405020304" pitchFamily="18" charset="0"/>
+                <a:ea typeface="標楷體" panose="03000509000000000000" pitchFamily="65" charset="-120"/>
+                <a:cs typeface="Times New Roman" panose="02020603050405020304" pitchFamily="18" charset="0"/>
+              </a:rPr>
+              <a:t>8bits</a:t>
+            </a:r>
+            <a:r>
+              <a:rPr lang="en-US" altLang="zh-TW" dirty="0">
+                <a:latin typeface="標楷體" panose="03000509000000000000" pitchFamily="65" charset="-120"/>
+                <a:ea typeface="標楷體" panose="03000509000000000000" pitchFamily="65" charset="-120"/>
+              </a:rPr>
+              <a:t>)</a:t>
+            </a:r>
+          </a:p>
+          <a:p>
+            <a:pPr marL="742950" lvl="1" indent="-285750">
+              <a:buFont typeface="Arial" panose="020B0604020202020204" pitchFamily="34" charset="0"/>
+              <a:buChar char="•"/>
+            </a:pPr>
+            <a:r>
+              <a:rPr lang="en-US" altLang="zh-TW" sz="1800" dirty="0" err="1"/>
+              <a:t>BRAM_Gaussian</a:t>
+            </a:r>
+            <a:r>
+              <a:rPr lang="en-US" altLang="zh-TW" sz="1800" dirty="0"/>
+              <a:t> filter</a:t>
             </a:r>
             <a:endParaRPr lang="zh-TW" altLang="en-US" dirty="0">
               <a:latin typeface="標楷體" panose="03000509000000000000" pitchFamily="65" charset="-120"/>
@@ -13433,7 +14149,7 @@
         <p:spPr>
           <a:xfrm>
             <a:off x="4634705" y="5680911"/>
-            <a:ext cx="2922590" cy="441453"/>
+            <a:ext cx="2922590" cy="369332"/>
           </a:xfrm>
           <a:prstGeom prst="rect">
             <a:avLst/>
@@ -13458,7 +14174,7 @@
                 <a:latin typeface="標楷體" panose="03000509000000000000" pitchFamily="65" charset="-120"/>
                 <a:ea typeface="標楷體" panose="03000509000000000000" pitchFamily="65" charset="-120"/>
               </a:rPr>
-              <a:t>4.</a:t>
+              <a:t>3.</a:t>
             </a:r>
             <a:r>
               <a:rPr lang="en-US" altLang="zh-TW" dirty="0">
@@ -13480,7 +14196,7 @@
     </p:spTree>
     <p:extLst>
       <p:ext uri="{BB962C8B-B14F-4D97-AF65-F5344CB8AC3E}">
-        <p14:creationId xmlns:p14="http://schemas.microsoft.com/office/powerpoint/2010/main" val="969244721"/>
+        <p14:creationId xmlns:p14="http://schemas.microsoft.com/office/powerpoint/2010/main" val="2521528417"/>
       </p:ext>
     </p:extLst>
   </p:cSld>
@@ -13535,31 +14251,11 @@
             </a:r>
             <a:r>
               <a:rPr lang="en-US" altLang="zh-TW" sz="3200" dirty="0"/>
-              <a:t>– Hysteresis(</a:t>
-            </a:r>
-            <a:r>
-              <a:rPr lang="zh-TW" altLang="en-US" sz="3200" dirty="0"/>
-              <a:t>強</a:t>
-            </a:r>
-            <a:r>
-              <a:rPr lang="en-US" altLang="zh-TW" sz="3200" dirty="0"/>
-              <a:t>,</a:t>
-            </a:r>
-            <a:r>
-              <a:rPr lang="zh-TW" altLang="en-US" sz="3200" dirty="0"/>
-              <a:t>中</a:t>
-            </a:r>
-            <a:r>
-              <a:rPr lang="en-US" altLang="zh-TW" sz="3200" dirty="0"/>
-              <a:t>,</a:t>
-            </a:r>
-            <a:r>
-              <a:rPr lang="zh-TW" altLang="en-US" sz="3200" dirty="0"/>
-              <a:t>弱邊緣</a:t>
-            </a:r>
-            <a:r>
-              <a:rPr lang="en-US" altLang="zh-TW" sz="3200" dirty="0"/>
-              <a:t>)</a:t>
+              <a:t>– </a:t>
+            </a:r>
+            <a:r>
+              <a:rPr lang="en-US" altLang="zh-TW" sz="3200" dirty="0" err="1"/>
+              <a:t>NonMaxSuppression</a:t>
             </a:r>
             <a:endParaRPr lang="zh-TW" altLang="en-US" sz="3200" dirty="0"/>
           </a:p>
@@ -13580,7 +14276,7 @@
         <p:spPr>
           <a:xfrm>
             <a:off x="2022446" y="1365672"/>
-            <a:ext cx="5373306" cy="646331"/>
+            <a:ext cx="5373306" cy="1200329"/>
           </a:xfrm>
           <a:prstGeom prst="rect">
             <a:avLst/>
@@ -13598,11 +14294,11 @@
               <a:buChar char="•"/>
             </a:pPr>
             <a:r>
-              <a:rPr lang="zh-TW" altLang="en-US" dirty="0">
-                <a:latin typeface="標楷體" panose="03000509000000000000" pitchFamily="65" charset="-120"/>
-                <a:ea typeface="標楷體" panose="03000509000000000000" pitchFamily="65" charset="-120"/>
-              </a:rPr>
-              <a:t>整體波形模擬</a:t>
+              <a:rPr lang="en-US" altLang="zh-TW" dirty="0">
+                <a:latin typeface="Times New Roman" panose="02020603050405020304" pitchFamily="18" charset="0"/>
+                <a:ea typeface="標楷體" panose="03000509000000000000" pitchFamily="65" charset="-120"/>
+              </a:rPr>
+              <a:t>BRAM_NMS</a:t>
             </a:r>
             <a:r>
               <a:rPr lang="en-US" altLang="zh-TW" dirty="0">
@@ -13629,8 +14325,47 @@
                 <a:latin typeface="標楷體" panose="03000509000000000000" pitchFamily="65" charset="-120"/>
                 <a:ea typeface="標楷體" panose="03000509000000000000" pitchFamily="65" charset="-120"/>
               </a:rPr>
-              <a:t>: 640x480 (8bits)</a:t>
-            </a:r>
+              <a:t>: 640x480 (</a:t>
+            </a:r>
+            <a:r>
+              <a:rPr lang="en-US" altLang="zh-TW" dirty="0">
+                <a:latin typeface="Times New Roman" panose="02020603050405020304" pitchFamily="18" charset="0"/>
+                <a:ea typeface="標楷體" panose="03000509000000000000" pitchFamily="65" charset="-120"/>
+                <a:cs typeface="Times New Roman" panose="02020603050405020304" pitchFamily="18" charset="0"/>
+              </a:rPr>
+              <a:t>8bits</a:t>
+            </a:r>
+            <a:r>
+              <a:rPr lang="en-US" altLang="zh-TW" dirty="0">
+                <a:latin typeface="標楷體" panose="03000509000000000000" pitchFamily="65" charset="-120"/>
+                <a:ea typeface="標楷體" panose="03000509000000000000" pitchFamily="65" charset="-120"/>
+              </a:rPr>
+              <a:t>)</a:t>
+            </a:r>
+          </a:p>
+          <a:p>
+            <a:pPr marL="742950" lvl="1" indent="-285750">
+              <a:buFont typeface="Arial" panose="020B0604020202020204" pitchFamily="34" charset="0"/>
+              <a:buChar char="•"/>
+            </a:pPr>
+            <a:r>
+              <a:rPr lang="en-US" altLang="zh-TW" sz="1800" dirty="0" err="1"/>
+              <a:t>BRAM_Gaussian</a:t>
+            </a:r>
+            <a:r>
+              <a:rPr lang="en-US" altLang="zh-TW" sz="1800" dirty="0"/>
+              <a:t> filter + Sobel</a:t>
+            </a:r>
+            <a:endParaRPr lang="zh-TW" altLang="en-US" dirty="0">
+              <a:latin typeface="標楷體" panose="03000509000000000000" pitchFamily="65" charset="-120"/>
+              <a:ea typeface="標楷體" panose="03000509000000000000" pitchFamily="65" charset="-120"/>
+            </a:endParaRPr>
+          </a:p>
+          <a:p>
+            <a:pPr marL="742950" lvl="1" indent="-285750">
+              <a:buFont typeface="Arial" panose="020B0604020202020204" pitchFamily="34" charset="0"/>
+              <a:buChar char="•"/>
+            </a:pPr>
             <a:endParaRPr lang="zh-TW" altLang="en-US" dirty="0">
               <a:latin typeface="標楷體" panose="03000509000000000000" pitchFamily="65" charset="-120"/>
               <a:ea typeface="標楷體" panose="03000509000000000000" pitchFamily="65" charset="-120"/>
@@ -13700,7 +14435,7 @@
     </p:spTree>
     <p:extLst>
       <p:ext uri="{BB962C8B-B14F-4D97-AF65-F5344CB8AC3E}">
-        <p14:creationId xmlns:p14="http://schemas.microsoft.com/office/powerpoint/2010/main" val="3120443573"/>
+        <p14:creationId xmlns:p14="http://schemas.microsoft.com/office/powerpoint/2010/main" val="969244721"/>
       </p:ext>
     </p:extLst>
   </p:cSld>
@@ -13759,7 +14494,23 @@
             </a:r>
             <a:r>
               <a:rPr lang="zh-TW" altLang="en-US" sz="3200" dirty="0"/>
-              <a:t>二值化</a:t>
+              <a:t>強</a:t>
+            </a:r>
+            <a:r>
+              <a:rPr lang="en-US" altLang="zh-TW" sz="3200" dirty="0"/>
+              <a:t>,</a:t>
+            </a:r>
+            <a:r>
+              <a:rPr lang="zh-TW" altLang="en-US" sz="3200" dirty="0"/>
+              <a:t>中</a:t>
+            </a:r>
+            <a:r>
+              <a:rPr lang="en-US" altLang="zh-TW" sz="3200" dirty="0"/>
+              <a:t>,</a:t>
+            </a:r>
+            <a:r>
+              <a:rPr lang="zh-TW" altLang="en-US" sz="3200" dirty="0"/>
+              <a:t>弱邊緣</a:t>
             </a:r>
             <a:r>
               <a:rPr lang="en-US" altLang="zh-TW" sz="3200" dirty="0"/>
@@ -13784,7 +14535,7 @@
         <p:spPr>
           <a:xfrm>
             <a:off x="2022446" y="1365672"/>
-            <a:ext cx="5373306" cy="646331"/>
+            <a:ext cx="5373306" cy="923330"/>
           </a:xfrm>
           <a:prstGeom prst="rect">
             <a:avLst/>
@@ -13802,11 +14553,16 @@
               <a:buChar char="•"/>
             </a:pPr>
             <a:r>
-              <a:rPr lang="zh-TW" altLang="en-US" dirty="0">
-                <a:latin typeface="標楷體" panose="03000509000000000000" pitchFamily="65" charset="-120"/>
-                <a:ea typeface="標楷體" panose="03000509000000000000" pitchFamily="65" charset="-120"/>
-              </a:rPr>
-              <a:t>整體波形模擬</a:t>
+              <a:rPr lang="en-US" altLang="zh-TW" dirty="0" err="1">
+                <a:latin typeface="Times New Roman" panose="02020603050405020304" pitchFamily="18" charset="0"/>
+                <a:ea typeface="標楷體" panose="03000509000000000000" pitchFamily="65" charset="-120"/>
+                <a:cs typeface="Times New Roman" panose="02020603050405020304" pitchFamily="18" charset="0"/>
+              </a:rPr>
+              <a:t>BRAM_</a:t>
+            </a:r>
+            <a:r>
+              <a:rPr lang="en-US" altLang="zh-TW" dirty="0" err="1"/>
+              <a:t>Hysteresis</a:t>
             </a:r>
             <a:r>
               <a:rPr lang="en-US" altLang="zh-TW" dirty="0">
@@ -13833,7 +14589,36 @@
                 <a:latin typeface="標楷體" panose="03000509000000000000" pitchFamily="65" charset="-120"/>
                 <a:ea typeface="標楷體" panose="03000509000000000000" pitchFamily="65" charset="-120"/>
               </a:rPr>
-              <a:t>: 640x480 (8bits)</a:t>
+              <a:t>: 640x480 (</a:t>
+            </a:r>
+            <a:r>
+              <a:rPr lang="en-US" altLang="zh-TW" dirty="0">
+                <a:latin typeface="Times New Roman" panose="02020603050405020304" pitchFamily="18" charset="0"/>
+                <a:ea typeface="標楷體" panose="03000509000000000000" pitchFamily="65" charset="-120"/>
+                <a:cs typeface="Times New Roman" panose="02020603050405020304" pitchFamily="18" charset="0"/>
+              </a:rPr>
+              <a:t>8bits</a:t>
+            </a:r>
+            <a:r>
+              <a:rPr lang="en-US" altLang="zh-TW" dirty="0">
+                <a:latin typeface="標楷體" panose="03000509000000000000" pitchFamily="65" charset="-120"/>
+                <a:ea typeface="標楷體" panose="03000509000000000000" pitchFamily="65" charset="-120"/>
+              </a:rPr>
+              <a:t>)</a:t>
+            </a:r>
+          </a:p>
+          <a:p>
+            <a:pPr marL="742950" lvl="1" indent="-285750">
+              <a:buFont typeface="Arial" panose="020B0604020202020204" pitchFamily="34" charset="0"/>
+              <a:buChar char="•"/>
+            </a:pPr>
+            <a:r>
+              <a:rPr lang="en-US" altLang="zh-TW" sz="1800" dirty="0" err="1"/>
+              <a:t>BRAM_Gaussian</a:t>
+            </a:r>
+            <a:r>
+              <a:rPr lang="en-US" altLang="zh-TW" sz="1800" dirty="0"/>
+              <a:t> filter + Sobel + NMS</a:t>
             </a:r>
             <a:endParaRPr lang="zh-TW" altLang="en-US" dirty="0">
               <a:latin typeface="標楷體" panose="03000509000000000000" pitchFamily="65" charset="-120"/>
@@ -13857,7 +14642,7 @@
         <p:spPr>
           <a:xfrm>
             <a:off x="4634705" y="5680911"/>
-            <a:ext cx="2922590" cy="441453"/>
+            <a:ext cx="2922590" cy="369332"/>
           </a:xfrm>
           <a:prstGeom prst="rect">
             <a:avLst/>
@@ -13882,7 +14667,7 @@
                 <a:latin typeface="標楷體" panose="03000509000000000000" pitchFamily="65" charset="-120"/>
                 <a:ea typeface="標楷體" panose="03000509000000000000" pitchFamily="65" charset="-120"/>
               </a:rPr>
-              <a:t>4.</a:t>
+              <a:t>5.</a:t>
             </a:r>
             <a:r>
               <a:rPr lang="en-US" altLang="zh-TW" dirty="0">
@@ -13904,7 +14689,7 @@
     </p:spTree>
     <p:extLst>
       <p:ext uri="{BB962C8B-B14F-4D97-AF65-F5344CB8AC3E}">
-        <p14:creationId xmlns:p14="http://schemas.microsoft.com/office/powerpoint/2010/main" val="1314515852"/>
+        <p14:creationId xmlns:p14="http://schemas.microsoft.com/office/powerpoint/2010/main" val="3120443573"/>
       </p:ext>
     </p:extLst>
   </p:cSld>
@@ -13933,6 +14718,264 @@
       </p:grpSpPr>
       <p:sp>
         <p:nvSpPr>
+          <p:cNvPr id="3" name="標題 2"/>
+          <p:cNvSpPr>
+            <a:spLocks noGrp="1"/>
+          </p:cNvSpPr>
+          <p:nvPr>
+            <p:ph type="title"/>
+          </p:nvPr>
+        </p:nvSpPr>
+        <p:spPr>
+          <a:xfrm>
+            <a:off x="838200" y="365125"/>
+            <a:ext cx="10515600" cy="720000"/>
+          </a:xfrm>
+        </p:spPr>
+        <p:txBody>
+          <a:bodyPr>
+            <a:noAutofit/>
+          </a:bodyPr>
+          <a:lstStyle/>
+          <a:p>
+            <a:r>
+              <a:rPr lang="zh-TW" altLang="en-US" sz="3200" dirty="0"/>
+              <a:t>成果展示 </a:t>
+            </a:r>
+            <a:r>
+              <a:rPr lang="en-US" altLang="zh-TW" sz="3200" dirty="0"/>
+              <a:t>– Hysteresis(</a:t>
+            </a:r>
+            <a:r>
+              <a:rPr lang="zh-TW" altLang="en-US" sz="3200" dirty="0"/>
+              <a:t>二值化</a:t>
+            </a:r>
+            <a:r>
+              <a:rPr lang="en-US" altLang="zh-TW" sz="3200" dirty="0"/>
+              <a:t>)</a:t>
+            </a:r>
+            <a:endParaRPr lang="zh-TW" altLang="en-US" sz="3200" dirty="0"/>
+          </a:p>
+        </p:txBody>
+      </p:sp>
+      <p:sp>
+        <p:nvSpPr>
+          <p:cNvPr id="14" name="文字方塊 13">
+            <a:extLst>
+              <a:ext uri="{FF2B5EF4-FFF2-40B4-BE49-F238E27FC236}">
+                <a16:creationId xmlns:a16="http://schemas.microsoft.com/office/drawing/2014/main" id="{E4E592F9-FC71-4DD1-9118-16844995CC7F}"/>
+              </a:ext>
+            </a:extLst>
+          </p:cNvPr>
+          <p:cNvSpPr txBox="1"/>
+          <p:nvPr/>
+        </p:nvSpPr>
+        <p:spPr>
+          <a:xfrm>
+            <a:off x="2022446" y="1365672"/>
+            <a:ext cx="5373306" cy="1200329"/>
+          </a:xfrm>
+          <a:prstGeom prst="rect">
+            <a:avLst/>
+          </a:prstGeom>
+          <a:noFill/>
+        </p:spPr>
+        <p:txBody>
+          <a:bodyPr wrap="square">
+            <a:spAutoFit/>
+          </a:bodyPr>
+          <a:lstStyle/>
+          <a:p>
+            <a:pPr marL="285750" indent="-285750">
+              <a:buFont typeface="Arial" panose="020B0604020202020204" pitchFamily="34" charset="0"/>
+              <a:buChar char="•"/>
+            </a:pPr>
+            <a:r>
+              <a:rPr lang="en-US" altLang="zh-TW" dirty="0" err="1">
+                <a:latin typeface="Times New Roman" panose="02020603050405020304" pitchFamily="18" charset="0"/>
+                <a:ea typeface="標楷體" panose="03000509000000000000" pitchFamily="65" charset="-120"/>
+                <a:cs typeface="Times New Roman" panose="02020603050405020304" pitchFamily="18" charset="0"/>
+              </a:rPr>
+              <a:t>BRAM_</a:t>
+            </a:r>
+            <a:r>
+              <a:rPr lang="en-US" altLang="zh-TW" dirty="0" err="1"/>
+              <a:t>Hysteresis</a:t>
+            </a:r>
+            <a:r>
+              <a:rPr lang="en-US" altLang="zh-TW" dirty="0"/>
+              <a:t>_</a:t>
+            </a:r>
+            <a:r>
+              <a:rPr lang="zh-TW" altLang="en-US" dirty="0">
+                <a:ea typeface="標楷體" panose="03000509000000000000" pitchFamily="65" charset="-120"/>
+              </a:rPr>
+              <a:t>連結邊緣</a:t>
+            </a:r>
+            <a:r>
+              <a:rPr lang="en-US" altLang="zh-TW" dirty="0">
+                <a:latin typeface="標楷體" panose="03000509000000000000" pitchFamily="65" charset="-120"/>
+                <a:ea typeface="標楷體" panose="03000509000000000000" pitchFamily="65" charset="-120"/>
+              </a:rPr>
+              <a:t>:</a:t>
+            </a:r>
+          </a:p>
+          <a:p>
+            <a:pPr marL="742950" lvl="1" indent="-285750">
+              <a:buFont typeface="Arial" panose="020B0604020202020204" pitchFamily="34" charset="0"/>
+              <a:buChar char="•"/>
+            </a:pPr>
+            <a:r>
+              <a:rPr lang="zh-TW" altLang="en-US" dirty="0">
+                <a:latin typeface="標楷體" panose="03000509000000000000" pitchFamily="65" charset="-120"/>
+                <a:ea typeface="標楷體" panose="03000509000000000000" pitchFamily="65" charset="-120"/>
+              </a:rPr>
+              <a:t>灰階圖片</a:t>
+            </a:r>
+            <a:r>
+              <a:rPr lang="en-US" altLang="zh-TW" dirty="0">
+                <a:latin typeface="標楷體" panose="03000509000000000000" pitchFamily="65" charset="-120"/>
+                <a:ea typeface="標楷體" panose="03000509000000000000" pitchFamily="65" charset="-120"/>
+              </a:rPr>
+              <a:t>: 640x480 (</a:t>
+            </a:r>
+            <a:r>
+              <a:rPr lang="en-US" altLang="zh-TW" dirty="0">
+                <a:latin typeface="Times New Roman" panose="02020603050405020304" pitchFamily="18" charset="0"/>
+                <a:ea typeface="標楷體" panose="03000509000000000000" pitchFamily="65" charset="-120"/>
+                <a:cs typeface="Times New Roman" panose="02020603050405020304" pitchFamily="18" charset="0"/>
+              </a:rPr>
+              <a:t>8bits</a:t>
+            </a:r>
+            <a:r>
+              <a:rPr lang="en-US" altLang="zh-TW" dirty="0">
+                <a:latin typeface="標楷體" panose="03000509000000000000" pitchFamily="65" charset="-120"/>
+                <a:ea typeface="標楷體" panose="03000509000000000000" pitchFamily="65" charset="-120"/>
+              </a:rPr>
+              <a:t>)</a:t>
+            </a:r>
+          </a:p>
+          <a:p>
+            <a:pPr marL="742950" lvl="1" indent="-285750">
+              <a:buFont typeface="Arial" panose="020B0604020202020204" pitchFamily="34" charset="0"/>
+              <a:buChar char="•"/>
+            </a:pPr>
+            <a:r>
+              <a:rPr lang="en-US" altLang="zh-TW" sz="1800" dirty="0" err="1"/>
+              <a:t>BRAM_Gaussian</a:t>
+            </a:r>
+            <a:r>
+              <a:rPr lang="en-US" altLang="zh-TW" sz="1800" dirty="0"/>
+              <a:t> filter + Sobel + NMS</a:t>
+            </a:r>
+            <a:endParaRPr lang="zh-TW" altLang="en-US" dirty="0">
+              <a:latin typeface="標楷體" panose="03000509000000000000" pitchFamily="65" charset="-120"/>
+              <a:ea typeface="標楷體" panose="03000509000000000000" pitchFamily="65" charset="-120"/>
+            </a:endParaRPr>
+          </a:p>
+          <a:p>
+            <a:pPr marL="742950" lvl="1" indent="-285750">
+              <a:buFont typeface="Arial" panose="020B0604020202020204" pitchFamily="34" charset="0"/>
+              <a:buChar char="•"/>
+            </a:pPr>
+            <a:endParaRPr lang="zh-TW" altLang="en-US" dirty="0">
+              <a:latin typeface="標楷體" panose="03000509000000000000" pitchFamily="65" charset="-120"/>
+              <a:ea typeface="標楷體" panose="03000509000000000000" pitchFamily="65" charset="-120"/>
+            </a:endParaRPr>
+          </a:p>
+        </p:txBody>
+      </p:sp>
+      <p:sp>
+        <p:nvSpPr>
+          <p:cNvPr id="10" name="文字方塊 9">
+            <a:extLst>
+              <a:ext uri="{FF2B5EF4-FFF2-40B4-BE49-F238E27FC236}">
+                <a16:creationId xmlns:a16="http://schemas.microsoft.com/office/drawing/2014/main" id="{E24CD2C8-46A2-450C-9CA0-485274647932}"/>
+              </a:ext>
+            </a:extLst>
+          </p:cNvPr>
+          <p:cNvSpPr txBox="1"/>
+          <p:nvPr/>
+        </p:nvSpPr>
+        <p:spPr>
+          <a:xfrm>
+            <a:off x="4634705" y="5680911"/>
+            <a:ext cx="2922590" cy="369332"/>
+          </a:xfrm>
+          <a:prstGeom prst="rect">
+            <a:avLst/>
+          </a:prstGeom>
+          <a:noFill/>
+        </p:spPr>
+        <p:txBody>
+          <a:bodyPr wrap="square">
+            <a:spAutoFit/>
+          </a:bodyPr>
+          <a:lstStyle/>
+          <a:p>
+            <a:r>
+              <a:rPr lang="zh-TW" altLang="en-US" dirty="0">
+                <a:latin typeface="標楷體" panose="03000509000000000000" pitchFamily="65" charset="-120"/>
+                <a:ea typeface="標楷體" panose="03000509000000000000" pitchFamily="65" charset="-120"/>
+              </a:rPr>
+              <a:t>圖</a:t>
+            </a:r>
+            <a:r>
+              <a:rPr lang="en-US" altLang="zh-TW" dirty="0">
+                <a:latin typeface="標楷體" panose="03000509000000000000" pitchFamily="65" charset="-120"/>
+                <a:ea typeface="標楷體" panose="03000509000000000000" pitchFamily="65" charset="-120"/>
+              </a:rPr>
+              <a:t>6.</a:t>
+            </a:r>
+            <a:r>
+              <a:rPr lang="en-US" altLang="zh-TW" dirty="0">
+                <a:latin typeface="Times New Roman" panose="02020603050405020304" pitchFamily="18" charset="0"/>
+                <a:ea typeface="標楷體" panose="03000509000000000000" pitchFamily="65" charset="-120"/>
+              </a:rPr>
+              <a:t>Bram_Sobel</a:t>
+            </a:r>
+            <a:r>
+              <a:rPr lang="zh-TW" altLang="en-US" dirty="0">
+                <a:latin typeface="標楷體" panose="03000509000000000000" pitchFamily="65" charset="-120"/>
+                <a:ea typeface="標楷體" panose="03000509000000000000" pitchFamily="65" charset="-120"/>
+              </a:rPr>
+              <a:t>單幀全圖</a:t>
+            </a:r>
+          </a:p>
+        </p:txBody>
+      </p:sp>
+    </p:spTree>
+    <p:extLst>
+      <p:ext uri="{BB962C8B-B14F-4D97-AF65-F5344CB8AC3E}">
+        <p14:creationId xmlns:p14="http://schemas.microsoft.com/office/powerpoint/2010/main" val="1314515852"/>
+      </p:ext>
+    </p:extLst>
+  </p:cSld>
+  <p:clrMapOvr>
+    <a:masterClrMapping/>
+  </p:clrMapOvr>
+</p:sld>
+</file>
+
+<file path=ppt/slides/slide34.xml><?xml version="1.0" encoding="utf-8"?>
+<p:sld xmlns:a="http://schemas.openxmlformats.org/drawingml/2006/main" xmlns:r="http://schemas.openxmlformats.org/officeDocument/2006/relationships" xmlns:p="http://schemas.openxmlformats.org/presentationml/2006/main">
+  <p:cSld>
+    <p:spTree>
+      <p:nvGrpSpPr>
+        <p:cNvPr id="1" name=""/>
+        <p:cNvGrpSpPr/>
+        <p:nvPr/>
+      </p:nvGrpSpPr>
+      <p:grpSpPr>
+        <a:xfrm>
+          <a:off x="0" y="0"/>
+          <a:ext cx="0" cy="0"/>
+          <a:chOff x="0" y="0"/>
+          <a:chExt cx="0" cy="0"/>
+        </a:xfrm>
+      </p:grpSpPr>
+      <p:sp>
+        <p:nvSpPr>
           <p:cNvPr id="2" name="內容版面配置區 1"/>
           <p:cNvSpPr>
             <a:spLocks noGrp="1"/>
@@ -13997,19 +15040,17 @@
           <a:p>
             <a:pPr lvl="2" fontAlgn="base"/>
             <a:r>
+              <a:rPr lang="zh-TW" altLang="en-US" sz="1800" dirty="0"/>
+              <a:t>動點</a:t>
+            </a:r>
+            <a:endParaRPr lang="en-US" altLang="zh-TW" sz="1800" dirty="0"/>
+          </a:p>
+          <a:p>
+            <a:pPr lvl="3" fontAlgn="base"/>
+            <a:r>
               <a:rPr lang="en-US" altLang="zh-TW" sz="1800" dirty="0"/>
-              <a:t>Bram(640x480) + Canny </a:t>
-            </a:r>
-            <a:r>
-              <a:rPr lang="zh-TW" altLang="en-US" sz="1800" dirty="0">
-                <a:latin typeface="標楷體" panose="03000509000000000000" pitchFamily="65" charset="-120"/>
-              </a:rPr>
-              <a:t>燒錄驗證功能</a:t>
-            </a:r>
-            <a:endParaRPr lang="en-US" altLang="zh-TW" sz="1800" dirty="0"/>
-          </a:p>
-          <a:p>
-            <a:pPr lvl="2" fontAlgn="base"/>
+              <a:t>BRAM(640x480)</a:t>
+            </a:r>
             <a:endParaRPr lang="en-US" altLang="zh-TW" sz="1800" dirty="0">
               <a:latin typeface="標楷體" panose="03000509000000000000" pitchFamily="65" charset="-120"/>
             </a:endParaRPr>
@@ -14064,7 +15105,7 @@
 </p:sld>
 </file>
 
-<file path=ppt/slides/slide34.xml><?xml version="1.0" encoding="utf-8"?>
+<file path=ppt/slides/slide35.xml><?xml version="1.0" encoding="utf-8"?>
 <p:sld xmlns:a="http://schemas.openxmlformats.org/drawingml/2006/main" xmlns:r="http://schemas.openxmlformats.org/officeDocument/2006/relationships" xmlns:p="http://schemas.openxmlformats.org/presentationml/2006/main">
   <p:cSld>
     <p:spTree>
@@ -14372,7 +15413,7 @@
 </p:sld>
 </file>
 
-<file path=ppt/slides/slide35.xml><?xml version="1.0" encoding="utf-8"?>
+<file path=ppt/slides/slide36.xml><?xml version="1.0" encoding="utf-8"?>
 <p:sld xmlns:a="http://schemas.openxmlformats.org/drawingml/2006/main" xmlns:r="http://schemas.openxmlformats.org/officeDocument/2006/relationships" xmlns:p="http://schemas.openxmlformats.org/presentationml/2006/main">
   <p:cSld>
     <p:spTree>
@@ -14537,8 +15578,8 @@
         </p:nvSpPr>
         <p:spPr>
           <a:xfrm>
-            <a:off x="9607186" y="5671594"/>
-            <a:ext cx="3837396" cy="369332"/>
+            <a:off x="9021259" y="5812004"/>
+            <a:ext cx="2652876" cy="369332"/>
           </a:xfrm>
           <a:prstGeom prst="rect">
             <a:avLst/>
@@ -14563,7 +15604,7 @@
                 <a:latin typeface="標楷體" panose="03000509000000000000" pitchFamily="65" charset="-120"/>
                 <a:ea typeface="標楷體" panose="03000509000000000000" pitchFamily="65" charset="-120"/>
               </a:rPr>
-              <a:t>3-1.</a:t>
+              <a:t>2-1.</a:t>
             </a:r>
             <a:r>
               <a:rPr lang="en-US" altLang="zh-TW" sz="1800" dirty="0"/>
@@ -14571,7 +15612,7 @@
             </a:r>
             <a:r>
               <a:rPr lang="en-US" altLang="zh-TW" sz="1800" dirty="0" err="1"/>
-              <a:t>clkDiv.vhd</a:t>
+              <a:t>Cachesystem.vhd</a:t>
             </a:r>
             <a:r>
               <a:rPr lang="en-US" altLang="zh-TW" sz="1800" dirty="0"/>
@@ -14606,7 +15647,7 @@
         </p:blipFill>
         <p:spPr>
           <a:xfrm>
-            <a:off x="4284701" y="2033870"/>
+            <a:off x="3842716" y="2187925"/>
             <a:ext cx="5073911" cy="4007056"/>
           </a:xfrm>
           <a:prstGeom prst="rect">
@@ -14627,7 +15668,7 @@
 </p:sld>
 </file>
 
-<file path=ppt/slides/slide36.xml><?xml version="1.0" encoding="utf-8"?>
+<file path=ppt/slides/slide37.xml><?xml version="1.0" encoding="utf-8"?>
 <p:sld xmlns:a="http://schemas.openxmlformats.org/drawingml/2006/main" xmlns:r="http://schemas.openxmlformats.org/officeDocument/2006/relationships" xmlns:p="http://schemas.openxmlformats.org/presentationml/2006/main">
   <p:cSld>
     <p:spTree>
@@ -14676,6 +15717,14 @@
               <a:rPr lang="zh-TW" altLang="en-US" sz="1800" dirty="0"/>
               <a:t> </a:t>
             </a:r>
+            <a:r>
+              <a:rPr lang="en-US" altLang="zh-TW" sz="1800" dirty="0"/>
+              <a:t>hysteresis</a:t>
+            </a:r>
+            <a:r>
+              <a:rPr lang="zh-TW" altLang="en-US" sz="1800" dirty="0"/>
+              <a:t>輸出畫面向右平移</a:t>
+            </a:r>
             <a:endParaRPr lang="en-US" altLang="zh-TW" sz="1800" dirty="0"/>
           </a:p>
           <a:p>
@@ -14698,19 +15747,59 @@
             </a:r>
             <a:r>
               <a:rPr lang="en-US" altLang="zh-TW" sz="1800" dirty="0" err="1"/>
-              <a:t>IP_enable</a:t>
+              <a:t>i_enable</a:t>
             </a:r>
             <a:r>
               <a:rPr lang="en-US" altLang="zh-TW" sz="1800" dirty="0"/>
+              <a:t> &lt;=</a:t>
+            </a:r>
+            <a:r>
+              <a:rPr lang="zh-TW" altLang="en-US" sz="1800" dirty="0"/>
               <a:t> </a:t>
             </a:r>
             <a:r>
+              <a:rPr lang="en-US" altLang="zh-TW" sz="1800" dirty="0"/>
+              <a:t>‘1’</a:t>
+            </a:r>
+            <a:r>
               <a:rPr lang="zh-TW" altLang="en-US" sz="1800" dirty="0"/>
-              <a:t>的</a:t>
+              <a:t>改</a:t>
+            </a:r>
+            <a:r>
+              <a:rPr lang="en-US" altLang="zh-TW" sz="1800" dirty="0" err="1">
+                <a:solidFill>
+                  <a:srgbClr val="FF0000"/>
+                </a:solidFill>
+              </a:rPr>
+              <a:t>i_enable</a:t>
+            </a:r>
+            <a:r>
+              <a:rPr lang="en-US" altLang="zh-TW" sz="1800" dirty="0">
+                <a:solidFill>
+                  <a:srgbClr val="FF0000"/>
+                </a:solidFill>
+              </a:rPr>
+              <a:t> &lt;=</a:t>
+            </a:r>
+            <a:r>
+              <a:rPr lang="zh-TW" altLang="en-US" sz="1800" dirty="0">
+                <a:solidFill>
+                  <a:srgbClr val="FF0000"/>
+                </a:solidFill>
+              </a:rPr>
+              <a:t> </a:t>
+            </a:r>
+            <a:r>
+              <a:rPr lang="en-US" altLang="zh-TW" sz="1800" dirty="0" err="1">
+                <a:solidFill>
+                  <a:srgbClr val="FF0000"/>
+                </a:solidFill>
+              </a:rPr>
+              <a:t>i_enable</a:t>
             </a:r>
             <a:r>
               <a:rPr lang="en-US" altLang="zh-TW" sz="1800" dirty="0"/>
-              <a:t>latency</a:t>
+              <a:t>			</a:t>
             </a:r>
           </a:p>
         </p:txBody>
@@ -14736,46 +15825,211 @@
           <a:bodyPr/>
           <a:lstStyle/>
           <a:p>
-            <a:endParaRPr lang="zh-TW" altLang="en-US"/>
-          </a:p>
-        </p:txBody>
-      </p:sp>
-      <p:pic>
-        <p:nvPicPr>
-          <p:cNvPr id="4" name="圖片 3">
+            <a:r>
+              <a:rPr lang="zh-TW" altLang="en-US" dirty="0"/>
+              <a:t>問題記錄 </a:t>
+            </a:r>
+            <a:r>
+              <a:rPr lang="en-US" altLang="zh-TW" dirty="0"/>
+              <a:t>- (</a:t>
+            </a:r>
+            <a:r>
+              <a:rPr lang="zh-TW" altLang="en-US" dirty="0"/>
+              <a:t>軟體問題</a:t>
+            </a:r>
+            <a:r>
+              <a:rPr lang="en-US" altLang="zh-TW" dirty="0"/>
+              <a:t>)</a:t>
+            </a:r>
+            <a:endParaRPr lang="zh-TW" altLang="en-US" dirty="0"/>
+          </a:p>
+        </p:txBody>
+      </p:sp>
+      <p:grpSp>
+        <p:nvGrpSpPr>
+          <p:cNvPr id="11" name="群組 10">
             <a:extLst>
               <a:ext uri="{FF2B5EF4-FFF2-40B4-BE49-F238E27FC236}">
-                <a16:creationId xmlns:a16="http://schemas.microsoft.com/office/drawing/2014/main" id="{7316CC3F-8553-4012-BF64-F62CD654B75A}"/>
+                <a16:creationId xmlns:a16="http://schemas.microsoft.com/office/drawing/2014/main" id="{E90297C3-5DC0-47BB-B085-3C0D3924AE32}"/>
               </a:ext>
             </a:extLst>
           </p:cNvPr>
-          <p:cNvPicPr>
-            <a:picLocks noChangeAspect="1"/>
-          </p:cNvPicPr>
+          <p:cNvGrpSpPr/>
           <p:nvPr/>
-        </p:nvPicPr>
-        <p:blipFill>
-          <a:blip r:embed="rId3"/>
-          <a:stretch>
-            <a:fillRect/>
-          </a:stretch>
-        </p:blipFill>
-        <p:spPr>
+        </p:nvGrpSpPr>
+        <p:grpSpPr>
           <a:xfrm>
-            <a:off x="5799656" y="2290845"/>
-            <a:ext cx="4572235" cy="4743694"/>
+            <a:off x="2808864" y="1956375"/>
+            <a:ext cx="9059841" cy="4232761"/>
+            <a:chOff x="2293959" y="1938620"/>
+            <a:chExt cx="9059841" cy="4232761"/>
           </a:xfrm>
-          <a:prstGeom prst="rect">
-            <a:avLst/>
-          </a:prstGeom>
-        </p:spPr>
-      </p:pic>
-      <p:sp>
-        <p:nvSpPr>
-          <p:cNvPr id="6" name="文字方塊 5">
+        </p:grpSpPr>
+        <p:grpSp>
+          <p:nvGrpSpPr>
+            <p:cNvPr id="9" name="群組 8">
+              <a:extLst>
+                <a:ext uri="{FF2B5EF4-FFF2-40B4-BE49-F238E27FC236}">
+                  <a16:creationId xmlns:a16="http://schemas.microsoft.com/office/drawing/2014/main" id="{D9529B0F-999F-40F2-AFEF-BEE21D25A0C6}"/>
+                </a:ext>
+              </a:extLst>
+            </p:cNvPr>
+            <p:cNvGrpSpPr/>
+            <p:nvPr/>
+          </p:nvGrpSpPr>
+          <p:grpSpPr>
+            <a:xfrm>
+              <a:off x="2293959" y="1938620"/>
+              <a:ext cx="9059841" cy="4232761"/>
+              <a:chOff x="2293959" y="1778822"/>
+              <a:chExt cx="9059841" cy="4232761"/>
+            </a:xfrm>
+          </p:grpSpPr>
+          <p:pic>
+            <p:nvPicPr>
+              <p:cNvPr id="8" name="圖片 7">
+                <a:extLst>
+                  <a:ext uri="{FF2B5EF4-FFF2-40B4-BE49-F238E27FC236}">
+                    <a16:creationId xmlns:a16="http://schemas.microsoft.com/office/drawing/2014/main" id="{71AA78B1-DDB8-45D4-8850-340092380704}"/>
+                  </a:ext>
+                </a:extLst>
+              </p:cNvPr>
+              <p:cNvPicPr>
+                <a:picLocks noChangeAspect="1"/>
+              </p:cNvPicPr>
+              <p:nvPr/>
+            </p:nvPicPr>
+            <p:blipFill rotWithShape="1">
+              <a:blip r:embed="rId3"/>
+              <a:srcRect t="13741" b="14375"/>
+              <a:stretch/>
+            </p:blipFill>
+            <p:spPr>
+              <a:xfrm>
+                <a:off x="2293959" y="1778822"/>
+                <a:ext cx="9059841" cy="4232761"/>
+              </a:xfrm>
+              <a:prstGeom prst="rect">
+                <a:avLst/>
+              </a:prstGeom>
+            </p:spPr>
+          </p:pic>
+          <p:sp>
+            <p:nvSpPr>
+              <p:cNvPr id="10" name="矩形 9">
+                <a:extLst>
+                  <a:ext uri="{FF2B5EF4-FFF2-40B4-BE49-F238E27FC236}">
+                    <a16:creationId xmlns:a16="http://schemas.microsoft.com/office/drawing/2014/main" id="{A13976DD-BB70-4E99-860C-1DC7E73BF042}"/>
+                  </a:ext>
+                </a:extLst>
+              </p:cNvPr>
+              <p:cNvSpPr/>
+              <p:nvPr/>
+            </p:nvSpPr>
+            <p:spPr>
+              <a:xfrm>
+                <a:off x="8211845" y="1917577"/>
+                <a:ext cx="2104006" cy="1693085"/>
+              </a:xfrm>
+              <a:prstGeom prst="rect">
+                <a:avLst/>
+              </a:prstGeom>
+              <a:noFill/>
+              <a:ln w="28575">
+                <a:solidFill>
+                  <a:srgbClr val="FF0000"/>
+                </a:solidFill>
+              </a:ln>
+            </p:spPr>
+            <p:style>
+              <a:lnRef idx="2">
+                <a:schemeClr val="accent1">
+                  <a:shade val="50000"/>
+                </a:schemeClr>
+              </a:lnRef>
+              <a:fillRef idx="1">
+                <a:schemeClr val="accent1"/>
+              </a:fillRef>
+              <a:effectRef idx="0">
+                <a:schemeClr val="accent1"/>
+              </a:effectRef>
+              <a:fontRef idx="minor">
+                <a:schemeClr val="lt1"/>
+              </a:fontRef>
+            </p:style>
+            <p:txBody>
+              <a:bodyPr rtlCol="0" anchor="ctr"/>
+              <a:lstStyle/>
+              <a:p>
+                <a:pPr algn="ctr"/>
+                <a:endParaRPr lang="zh-TW" altLang="en-US" dirty="0">
+                  <a:noFill/>
+                </a:endParaRPr>
+              </a:p>
+            </p:txBody>
+          </p:sp>
+        </p:grpSp>
+        <p:sp>
+          <p:nvSpPr>
+            <p:cNvPr id="12" name="矩形 11">
+              <a:extLst>
+                <a:ext uri="{FF2B5EF4-FFF2-40B4-BE49-F238E27FC236}">
+                  <a16:creationId xmlns:a16="http://schemas.microsoft.com/office/drawing/2014/main" id="{6B2AFAE6-94FE-486E-93A7-B43845F29E1C}"/>
+                </a:ext>
+              </a:extLst>
+            </p:cNvPr>
+            <p:cNvSpPr/>
+            <p:nvPr/>
+          </p:nvSpPr>
+          <p:spPr>
+            <a:xfrm>
+              <a:off x="8211845" y="3618060"/>
+              <a:ext cx="2104006" cy="152400"/>
+            </a:xfrm>
+            <a:prstGeom prst="rect">
+              <a:avLst/>
+            </a:prstGeom>
+            <a:noFill/>
+            <a:ln w="28575">
+              <a:solidFill>
+                <a:srgbClr val="FF0000"/>
+              </a:solidFill>
+            </a:ln>
+          </p:spPr>
+          <p:style>
+            <a:lnRef idx="2">
+              <a:schemeClr val="accent1">
+                <a:shade val="50000"/>
+              </a:schemeClr>
+            </a:lnRef>
+            <a:fillRef idx="1">
+              <a:schemeClr val="accent1"/>
+            </a:fillRef>
+            <a:effectRef idx="0">
+              <a:schemeClr val="accent1"/>
+            </a:effectRef>
+            <a:fontRef idx="minor">
+              <a:schemeClr val="lt1"/>
+            </a:fontRef>
+          </p:style>
+          <p:txBody>
+            <a:bodyPr rtlCol="0" anchor="ctr"/>
+            <a:lstStyle/>
+            <a:p>
+              <a:pPr algn="ctr"/>
+              <a:endParaRPr lang="zh-TW" altLang="en-US" dirty="0">
+                <a:noFill/>
+              </a:endParaRPr>
+            </a:p>
+          </p:txBody>
+        </p:sp>
+      </p:grpSp>
+      <p:sp>
+        <p:nvSpPr>
+          <p:cNvPr id="13" name="文字方塊 12">
             <a:extLst>
               <a:ext uri="{FF2B5EF4-FFF2-40B4-BE49-F238E27FC236}">
-                <a16:creationId xmlns:a16="http://schemas.microsoft.com/office/drawing/2014/main" id="{23BB74F4-3EAB-434A-BA26-3DE568697704}"/>
+                <a16:creationId xmlns:a16="http://schemas.microsoft.com/office/drawing/2014/main" id="{BC0F91A2-0AB7-4CB2-97FC-D39CBD92F530}"/>
               </a:ext>
             </a:extLst>
           </p:cNvPr>
@@ -14784,8 +16038,8 @@
         </p:nvSpPr>
         <p:spPr>
           <a:xfrm>
-            <a:off x="5799656" y="1085125"/>
-            <a:ext cx="3837396" cy="1477328"/>
+            <a:off x="0" y="5775581"/>
+            <a:ext cx="3837396" cy="369332"/>
           </a:xfrm>
           <a:prstGeom prst="rect">
             <a:avLst/>
@@ -14798,81 +16052,35 @@
           </a:bodyPr>
           <a:lstStyle/>
           <a:p>
-            <a:pPr marL="342900" indent="-342900">
-              <a:buAutoNum type="arabicPeriod"/>
-            </a:pPr>
             <a:r>
               <a:rPr lang="zh-TW" altLang="en-US" dirty="0">
                 <a:latin typeface="標楷體" panose="03000509000000000000" pitchFamily="65" charset="-120"/>
                 <a:ea typeface="標楷體" panose="03000509000000000000" pitchFamily="65" charset="-120"/>
               </a:rPr>
-              <a:t>建立新專案還是</a:t>
+              <a:t>圖</a:t>
             </a:r>
             <a:r>
               <a:rPr lang="en-US" altLang="zh-TW" dirty="0">
                 <a:latin typeface="標楷體" panose="03000509000000000000" pitchFamily="65" charset="-120"/>
                 <a:ea typeface="標楷體" panose="03000509000000000000" pitchFamily="65" charset="-120"/>
               </a:rPr>
-              <a:t>hysteresis</a:t>
+              <a:t>3-1.</a:t>
+            </a:r>
+            <a:r>
+              <a:rPr lang="en-US" altLang="zh-TW" sz="1800" dirty="0">
+                <a:ea typeface="標楷體" panose="03000509000000000000" pitchFamily="65" charset="-120"/>
+              </a:rPr>
+              <a:t> </a:t>
             </a:r>
             <a:r>
               <a:rPr lang="zh-TW" altLang="en-US" dirty="0">
-                <a:latin typeface="標楷體" panose="03000509000000000000" pitchFamily="65" charset="-120"/>
-                <a:ea typeface="標楷體" panose="03000509000000000000" pitchFamily="65" charset="-120"/>
-              </a:rPr>
-              <a:t>還是會向右移位</a:t>
-            </a:r>
-            <a:endParaRPr lang="en-US" altLang="zh-TW" dirty="0">
-              <a:latin typeface="標楷體" panose="03000509000000000000" pitchFamily="65" charset="-120"/>
-              <a:ea typeface="標楷體" panose="03000509000000000000" pitchFamily="65" charset="-120"/>
-            </a:endParaRPr>
-          </a:p>
-          <a:p>
-            <a:pPr marL="342900" indent="-342900">
-              <a:buAutoNum type="arabicPeriod"/>
-            </a:pPr>
-            <a:r>
-              <a:rPr lang="zh-TW" altLang="en-US" dirty="0">
-                <a:latin typeface="標楷體" panose="03000509000000000000" pitchFamily="65" charset="-120"/>
-                <a:ea typeface="標楷體" panose="03000509000000000000" pitchFamily="65" charset="-120"/>
-              </a:rPr>
-              <a:t>是否在</a:t>
-            </a:r>
-            <a:r>
-              <a:rPr lang="en-US" altLang="zh-TW" dirty="0">
-                <a:latin typeface="標楷體" panose="03000509000000000000" pitchFamily="65" charset="-120"/>
-                <a:ea typeface="標楷體" panose="03000509000000000000" pitchFamily="65" charset="-120"/>
-              </a:rPr>
-              <a:t>hysteresis</a:t>
-            </a:r>
-            <a:r>
-              <a:rPr lang="zh-TW" altLang="en-US" dirty="0">
-                <a:latin typeface="標楷體" panose="03000509000000000000" pitchFamily="65" charset="-120"/>
-                <a:ea typeface="標楷體" panose="03000509000000000000" pitchFamily="65" charset="-120"/>
-              </a:rPr>
-              <a:t>下方要加</a:t>
-            </a:r>
-            <a:r>
-              <a:rPr lang="en-US" altLang="zh-TW" dirty="0" err="1">
-                <a:latin typeface="標楷體" panose="03000509000000000000" pitchFamily="65" charset="-120"/>
-                <a:ea typeface="標楷體" panose="03000509000000000000" pitchFamily="65" charset="-120"/>
-              </a:rPr>
-              <a:t>IP_enable</a:t>
-            </a:r>
-            <a:r>
-              <a:rPr lang="en-US" altLang="zh-TW" dirty="0">
-                <a:latin typeface="標楷體" panose="03000509000000000000" pitchFamily="65" charset="-120"/>
-                <a:ea typeface="標楷體" panose="03000509000000000000" pitchFamily="65" charset="-120"/>
-              </a:rPr>
-              <a:t>?</a:t>
-            </a:r>
-          </a:p>
-          <a:p>
-            <a:pPr marL="342900" indent="-342900">
-              <a:buAutoNum type="arabicPeriod"/>
-            </a:pPr>
+                <a:ea typeface="標楷體" panose="03000509000000000000" pitchFamily="65" charset="-120"/>
+              </a:rPr>
+              <a:t>在多個檔案中尋找</a:t>
+            </a:r>
             <a:endParaRPr lang="zh-TW" altLang="en-US" dirty="0">
               <a:latin typeface="Times New Roman" panose="02020603050405020304" pitchFamily="18" charset="0"/>
+              <a:ea typeface="標楷體" panose="03000509000000000000" pitchFamily="65" charset="-120"/>
               <a:cs typeface="Times New Roman" panose="02020603050405020304" pitchFamily="18" charset="0"/>
             </a:endParaRPr>
           </a:p>
@@ -14891,7 +16099,7 @@
 </p:sld>
 </file>
 
-<file path=ppt/slides/slide37.xml><?xml version="1.0" encoding="utf-8"?>
+<file path=ppt/slides/slide38.xml><?xml version="1.0" encoding="utf-8"?>
 <p:sld xmlns:a="http://schemas.openxmlformats.org/drawingml/2006/main" xmlns:r="http://schemas.openxmlformats.org/officeDocument/2006/relationships" xmlns:p="http://schemas.openxmlformats.org/presentationml/2006/main">
   <p:cSld>
     <p:spTree>
